--- a/doc/X-Series - 中文.pptx
+++ b/doc/X-Series - 中文.pptx
@@ -174,6 +174,22 @@
       </a:defRPr>
     </a:lvl9pPr>
   </p:defaultTextStyle>
+  <p:extLst>
+    <p:ext uri="{EFAFB233-063F-42B5-8137-9DF3F51BA10A}">
+      <p15:sldGuideLst xmlns:p15="http://schemas.microsoft.com/office/powerpoint/2012/main">
+        <p15:guide id="1" orient="horz" pos="2160">
+          <p15:clr>
+            <a:srgbClr val="A4A3A4"/>
+          </p15:clr>
+        </p15:guide>
+        <p15:guide id="2" pos="2874">
+          <p15:clr>
+            <a:srgbClr val="A4A3A4"/>
+          </p15:clr>
+        </p15:guide>
+      </p15:sldGuideLst>
+    </p:ext>
+  </p:extLst>
 </p:presentation>
 </file>
 
@@ -3735,6 +3751,96 @@
 </p:notesMaster>
 </file>
 
+<file path=ppt/notesSlides/notesSlide1.xml><?xml version="1.0" encoding="utf-8"?>
+<p:notes xmlns:a="http://schemas.openxmlformats.org/drawingml/2006/main" xmlns:r="http://schemas.openxmlformats.org/officeDocument/2006/relationships" xmlns:p="http://schemas.openxmlformats.org/presentationml/2006/main">
+  <p:cSld>
+    <p:spTree>
+      <p:nvGrpSpPr>
+        <p:cNvPr id="1" name=""/>
+        <p:cNvGrpSpPr/>
+        <p:nvPr/>
+      </p:nvGrpSpPr>
+      <p:grpSpPr>
+        <a:xfrm>
+          <a:off x="0" y="0"/>
+          <a:ext cx="0" cy="0"/>
+          <a:chOff x="0" y="0"/>
+          <a:chExt cx="0" cy="0"/>
+        </a:xfrm>
+      </p:grpSpPr>
+      <p:sp>
+        <p:nvSpPr>
+          <p:cNvPr id="2" name="幻灯片图像占位符 1"/>
+          <p:cNvSpPr>
+            <a:spLocks noGrp="1" noRot="1" noChangeAspect="1"/>
+          </p:cNvSpPr>
+          <p:nvPr>
+            <p:ph type="sldImg"/>
+          </p:nvPr>
+        </p:nvSpPr>
+        <p:spPr/>
+      </p:sp>
+      <p:sp>
+        <p:nvSpPr>
+          <p:cNvPr id="3" name="备注占位符 2"/>
+          <p:cNvSpPr>
+            <a:spLocks noGrp="1"/>
+          </p:cNvSpPr>
+          <p:nvPr>
+            <p:ph type="body" idx="1"/>
+          </p:nvPr>
+        </p:nvSpPr>
+        <p:spPr/>
+        <p:txBody>
+          <a:bodyPr/>
+          <a:lstStyle/>
+          <a:p>
+            <a:endParaRPr lang="zh-CN" altLang="en-US" dirty="0"/>
+          </a:p>
+        </p:txBody>
+      </p:sp>
+      <p:sp>
+        <p:nvSpPr>
+          <p:cNvPr id="4" name="灯片编号占位符 3"/>
+          <p:cNvSpPr>
+            <a:spLocks noGrp="1"/>
+          </p:cNvSpPr>
+          <p:nvPr>
+            <p:ph type="sldNum" sz="quarter" idx="10"/>
+          </p:nvPr>
+        </p:nvSpPr>
+        <p:spPr/>
+        <p:txBody>
+          <a:bodyPr/>
+          <a:lstStyle/>
+          <a:p>
+            <a:pPr>
+              <a:defRPr/>
+            </a:pPr>
+            <a:fld id="{5474EC3B-F16E-4EB9-840D-F05EBD4E5C41}" type="slidenum">
+              <a:rPr lang="en-US" smtClean="0"/>
+              <a:pPr>
+                <a:defRPr/>
+              </a:pPr>
+              <a:t>26</a:t>
+            </a:fld>
+            <a:endParaRPr lang="en-US"/>
+          </a:p>
+        </p:txBody>
+      </p:sp>
+    </p:spTree>
+    <p:extLst>
+      <p:ext uri="{BB962C8B-B14F-4D97-AF65-F5344CB8AC3E}">
+        <p14:creationId xmlns:p14="http://schemas.microsoft.com/office/powerpoint/2010/main" val="3413262133"/>
+      </p:ext>
+    </p:extLst>
+  </p:cSld>
+  <p:clrMapOvr>
+    <a:masterClrMapping/>
+  </p:clrMapOvr>
+</p:notes>
+</file>
+
 <file path=ppt/slideLayouts/slideLayout1.xml><?xml version="1.0" encoding="utf-8"?>
 <p:sldLayout xmlns:a="http://schemas.openxmlformats.org/drawingml/2006/main" xmlns:r="http://schemas.openxmlformats.org/officeDocument/2006/relationships" xmlns:p="http://schemas.openxmlformats.org/presentationml/2006/main" showMasterSp="0" type="title" preserve="1">
   <p:cSld name="标题幻灯片">
@@ -9845,11 +9951,7 @@
             <a:pPr lvl="1"/>
             <a:r>
               <a:rPr lang="zh-CN" altLang="en-US" dirty="0" smtClean="0"/>
-              <a:t>易于</a:t>
-            </a:r>
-            <a:r>
-              <a:rPr lang="zh-CN" altLang="en-US" dirty="0" smtClean="0"/>
-              <a:t>使用</a:t>
+              <a:t>易于使用</a:t>
             </a:r>
             <a:endParaRPr lang="en-US" dirty="0" smtClean="0"/>
           </a:p>
@@ -9865,11 +9967,7 @@
             <a:pPr lvl="1"/>
             <a:r>
               <a:rPr lang="zh-CN" altLang="en-US" dirty="0" smtClean="0"/>
-              <a:t>易于</a:t>
-            </a:r>
-            <a:r>
-              <a:rPr lang="zh-CN" altLang="en-US" dirty="0" smtClean="0"/>
-              <a:t>测试</a:t>
+              <a:t>易于测试</a:t>
             </a:r>
             <a:endParaRPr lang="en-US" altLang="zh-CN" dirty="0" smtClean="0"/>
           </a:p>
@@ -10329,11 +10427,7 @@
             <a:pPr eaLnBrk="1" hangingPunct="1"/>
             <a:r>
               <a:rPr lang="zh-CN" altLang="en-US" sz="1800" dirty="0" smtClean="0"/>
-              <a:t>一个允许开发人员创建状态机的</a:t>
-            </a:r>
-            <a:r>
-              <a:rPr lang="zh-CN" altLang="en-US" sz="1800" dirty="0" smtClean="0"/>
-              <a:t>编辑器</a:t>
+              <a:t>一个允许开发人员创建状态机的编辑器</a:t>
             </a:r>
             <a:endParaRPr lang="en-US" altLang="zh-CN" sz="1800" dirty="0" smtClean="0"/>
           </a:p>
@@ -10981,37 +11075,21 @@
             <a:pPr lvl="1"/>
             <a:r>
               <a:rPr lang="en-US" sz="1200" dirty="0" smtClean="0">
-                <a:hlinkClick r:id="rId2"/>
+                <a:hlinkClick r:id="rId3"/>
               </a:rPr>
               <a:t>https</a:t>
             </a:r>
-            <a:r>
-              <a:rPr lang="en-US" sz="1200" dirty="0">
-                <a:hlinkClick r:id="rId2"/>
-              </a:rPr>
-              <a:t>://</a:t>
-            </a:r>
-            <a:r>
-              <a:rPr lang="en-US" sz="1200" dirty="0" smtClean="0">
-                <a:hlinkClick r:id="rId2"/>
-              </a:rPr>
-              <a:t>github.com/hejiehui/xUnit</a:t>
-            </a:r>
-            <a:endParaRPr lang="en-US" sz="1200" dirty="0" smtClean="0"/>
-          </a:p>
-          <a:p>
-            <a:pPr lvl="1"/>
             <a:r>
               <a:rPr lang="en-US" sz="1200" dirty="0">
                 <a:hlinkClick r:id="rId3"/>
               </a:rPr>
-              <a:t>https://</a:t>
+              <a:t>://</a:t>
             </a:r>
             <a:r>
               <a:rPr lang="en-US" sz="1200" dirty="0" smtClean="0">
                 <a:hlinkClick r:id="rId3"/>
               </a:rPr>
-              <a:t>github.com/hejiehui/xDecision</a:t>
+              <a:t>github.com/hejiehui/xUnit</a:t>
             </a:r>
             <a:endParaRPr lang="en-US" sz="1200" dirty="0" smtClean="0"/>
           </a:p>
@@ -11027,88 +11105,100 @@
               <a:rPr lang="en-US" sz="1200" dirty="0" smtClean="0">
                 <a:hlinkClick r:id="rId4"/>
               </a:rPr>
-              <a:t>github.com/hejiehui/xState</a:t>
+              <a:t>github.com/hejiehui/xDecision</a:t>
             </a:r>
             <a:endParaRPr lang="en-US" sz="1200" dirty="0" smtClean="0"/>
           </a:p>
           <a:p>
-            <a:r>
-              <a:rPr lang="en-US" dirty="0" smtClean="0"/>
-              <a:t>Sample</a:t>
-            </a:r>
-          </a:p>
-          <a:p>
             <a:pPr lvl="1"/>
             <a:r>
-              <a:rPr lang="en-US" dirty="0" smtClean="0"/>
-              <a:t>Normal project sample</a:t>
-            </a:r>
-            <a:endParaRPr lang="en-US" dirty="0" smtClean="0">
-              <a:hlinkClick r:id="rId5"/>
-            </a:endParaRPr>
-          </a:p>
-          <a:p>
-            <a:pPr lvl="1"/>
+              <a:rPr lang="en-US" sz="1200" dirty="0">
+                <a:hlinkClick r:id="rId5"/>
+              </a:rPr>
+              <a:t>https://</a:t>
+            </a:r>
             <a:r>
               <a:rPr lang="en-US" sz="1200" dirty="0" smtClean="0">
                 <a:hlinkClick r:id="rId5"/>
               </a:rPr>
+              <a:t>github.com/hejiehui/xState</a:t>
+            </a:r>
+            <a:endParaRPr lang="en-US" sz="1200" dirty="0" smtClean="0"/>
+          </a:p>
+          <a:p>
+            <a:r>
+              <a:rPr lang="en-US" dirty="0" smtClean="0"/>
+              <a:t>Sample</a:t>
+            </a:r>
+          </a:p>
+          <a:p>
+            <a:pPr lvl="1"/>
+            <a:r>
+              <a:rPr lang="en-US" dirty="0" smtClean="0"/>
+              <a:t>Normal project sample</a:t>
+            </a:r>
+            <a:endParaRPr lang="en-US" dirty="0" smtClean="0">
+              <a:hlinkClick r:id="rId6"/>
+            </a:endParaRPr>
+          </a:p>
+          <a:p>
+            <a:pPr lvl="1"/>
+            <a:r>
+              <a:rPr lang="en-US" sz="1200" dirty="0" smtClean="0">
+                <a:hlinkClick r:id="rId6"/>
+              </a:rPr>
               <a:t>https</a:t>
             </a:r>
-            <a:r>
-              <a:rPr lang="en-US" sz="1200" dirty="0">
-                <a:hlinkClick r:id="rId5"/>
-              </a:rPr>
-              <a:t>://</a:t>
-            </a:r>
-            <a:r>
-              <a:rPr lang="en-US" sz="1200" dirty="0" smtClean="0">
-                <a:hlinkClick r:id="rId5"/>
-              </a:rPr>
-              <a:t>github.com/hejiehui/xross-tools-installer/blob/master/com.xross.tools.xunit.feature/installer/xunit_test.zip</a:t>
-            </a:r>
-            <a:endParaRPr lang="en-US" sz="1200" dirty="0" smtClean="0"/>
-          </a:p>
-          <a:p>
-            <a:pPr lvl="1"/>
-            <a:r>
-              <a:rPr lang="en-US" dirty="0" smtClean="0"/>
-              <a:t>Maven project sample</a:t>
-            </a:r>
-          </a:p>
-          <a:p>
-            <a:pPr lvl="1"/>
-            <a:r>
-              <a:rPr lang="en-US" sz="1200" dirty="0">
-                <a:hlinkClick r:id="rId5"/>
-              </a:rPr>
-              <a:t>https://github.com/hejiehui/xross-tools-installer/blob/master/com.xross.tools.xunit.feature/installer/x-series-sample.zip</a:t>
-            </a:r>
-            <a:endParaRPr lang="en-US" sz="1200" dirty="0"/>
-          </a:p>
-          <a:p>
-            <a:r>
-              <a:rPr lang="en-US" dirty="0" smtClean="0"/>
-              <a:t>All-in-one </a:t>
-            </a:r>
-            <a:r>
-              <a:rPr lang="en-US" dirty="0" smtClean="0"/>
-              <a:t>Installer</a:t>
-            </a:r>
-          </a:p>
-          <a:p>
-            <a:pPr lvl="1"/>
             <a:r>
               <a:rPr lang="en-US" sz="1200" dirty="0">
                 <a:hlinkClick r:id="rId6"/>
               </a:rPr>
-              <a:t>https://</a:t>
+              <a:t>://</a:t>
             </a:r>
             <a:r>
               <a:rPr lang="en-US" sz="1200" dirty="0" smtClean="0">
                 <a:hlinkClick r:id="rId6"/>
               </a:rPr>
-              <a:t>github.com/hejiehui/xross-tools-installer/blob/master/com.xross.tools.xunit.feature/installer/xrossTools.zip</a:t>
+              <a:t>github.com/hejiehui/xross-tools-installer/blob/master/com.xross.tools.xunit.feature/installer/xunit_test.zip</a:t>
+            </a:r>
+            <a:endParaRPr lang="en-US" sz="1200" dirty="0" smtClean="0"/>
+          </a:p>
+          <a:p>
+            <a:pPr lvl="1"/>
+            <a:r>
+              <a:rPr lang="en-US" dirty="0" smtClean="0"/>
+              <a:t>Maven project sample</a:t>
+            </a:r>
+          </a:p>
+          <a:p>
+            <a:pPr lvl="1"/>
+            <a:r>
+              <a:rPr lang="en-US" sz="1200" dirty="0">
+                <a:hlinkClick r:id="rId6"/>
+              </a:rPr>
+              <a:t>https://github.com/hejiehui/xross-tools-installer/blob/master/com.xross.tools.xunit.feature/installer/x-series-sample.zip</a:t>
+            </a:r>
+            <a:endParaRPr lang="en-US" sz="1200" dirty="0"/>
+          </a:p>
+          <a:p>
+            <a:r>
+              <a:rPr lang="en-US" dirty="0" smtClean="0"/>
+              <a:t>All-in-one Installer</a:t>
+            </a:r>
+          </a:p>
+          <a:p>
+            <a:pPr lvl="1"/>
+            <a:r>
+              <a:rPr lang="en-US" sz="1200" dirty="0">
+                <a:hlinkClick r:id="rId7"/>
+              </a:rPr>
+              <a:t>https://</a:t>
+            </a:r>
+            <a:r>
+              <a:rPr lang="en-US" sz="1200" dirty="0" smtClean="0">
+                <a:hlinkClick r:id="rId7"/>
+              </a:rPr>
+              <a:t>github.com/hejiehui/xross-tools-installer/blob/master/installer/XrossTools.zip</a:t>
             </a:r>
             <a:endParaRPr lang="en-US" sz="1200" dirty="0" smtClean="0"/>
           </a:p>
@@ -13339,11 +13429,7 @@
             </a:pPr>
             <a:r>
               <a:rPr lang="zh-CN" altLang="en-US" sz="1400" dirty="0" smtClean="0"/>
-              <a:t>不幸的是我们解决所有问题都是用同一个原始的</a:t>
-            </a:r>
-            <a:r>
-              <a:rPr lang="zh-CN" altLang="en-US" sz="1400" dirty="0" smtClean="0"/>
-              <a:t>手段</a:t>
+              <a:t>不幸的是我们解决所有问题都是用同一个原始的手段</a:t>
             </a:r>
             <a:endParaRPr lang="en-US" altLang="zh-CN" sz="1400" dirty="0" smtClean="0"/>
           </a:p>
@@ -13355,11 +13441,7 @@
             </a:pPr>
             <a:r>
               <a:rPr lang="zh-CN" altLang="en-US" sz="1800" dirty="0" smtClean="0"/>
-              <a:t>我们</a:t>
-            </a:r>
-            <a:r>
-              <a:rPr lang="zh-CN" altLang="en-US" sz="1800" dirty="0" smtClean="0"/>
-              <a:t>需要人人都懂，无需翻译的媒介</a:t>
+              <a:t>我们需要人人都懂，无需翻译的媒介</a:t>
             </a:r>
             <a:endParaRPr lang="en-US" sz="1800" dirty="0"/>
           </a:p>
@@ -13429,13 +13511,7 @@
               <a:rPr lang="zh-CN" altLang="en-US" dirty="0" smtClean="0">
                 <a:sym typeface="Arial" pitchFamily="34" charset="0"/>
               </a:rPr>
-              <a:t>基于模型而不是代码</a:t>
-            </a:r>
-            <a:r>
-              <a:rPr lang="zh-CN" altLang="en-US" dirty="0" smtClean="0">
-                <a:sym typeface="Arial" pitchFamily="34" charset="0"/>
-              </a:rPr>
-              <a:t>开发</a:t>
+              <a:t>基于模型而不是代码开发</a:t>
             </a:r>
             <a:endParaRPr lang="en-US" altLang="zh-CN" dirty="0" smtClean="0">
               <a:sym typeface="Arial" pitchFamily="34" charset="0"/>

--- a/doc/X-Series - 中文.pptx
+++ b/doc/X-Series - 中文.pptx
@@ -5,59 +5,61 @@
     <p:sldMasterId id="2147483651" r:id="rId1"/>
   </p:sldMasterIdLst>
   <p:notesMasterIdLst>
-    <p:notesMasterId r:id="rId52"/>
+    <p:notesMasterId r:id="rId54"/>
   </p:notesMasterIdLst>
   <p:sldIdLst>
     <p:sldId id="256" r:id="rId2"/>
-    <p:sldId id="323" r:id="rId3"/>
-    <p:sldId id="305" r:id="rId4"/>
-    <p:sldId id="355" r:id="rId5"/>
-    <p:sldId id="350" r:id="rId6"/>
-    <p:sldId id="351" r:id="rId7"/>
-    <p:sldId id="356" r:id="rId8"/>
-    <p:sldId id="357" r:id="rId9"/>
+    <p:sldId id="360" r:id="rId3"/>
+    <p:sldId id="355" r:id="rId4"/>
+    <p:sldId id="350" r:id="rId5"/>
+    <p:sldId id="351" r:id="rId6"/>
+    <p:sldId id="356" r:id="rId7"/>
+    <p:sldId id="357" r:id="rId8"/>
+    <p:sldId id="358" r:id="rId9"/>
     <p:sldId id="310" r:id="rId10"/>
-    <p:sldId id="307" r:id="rId11"/>
+    <p:sldId id="365" r:id="rId11"/>
     <p:sldId id="308" r:id="rId12"/>
-    <p:sldId id="309" r:id="rId13"/>
-    <p:sldId id="345" r:id="rId14"/>
-    <p:sldId id="312" r:id="rId15"/>
-    <p:sldId id="311" r:id="rId16"/>
-    <p:sldId id="326" r:id="rId17"/>
-    <p:sldId id="328" r:id="rId18"/>
-    <p:sldId id="327" r:id="rId19"/>
-    <p:sldId id="325" r:id="rId20"/>
-    <p:sldId id="344" r:id="rId21"/>
-    <p:sldId id="339" r:id="rId22"/>
-    <p:sldId id="340" r:id="rId23"/>
-    <p:sldId id="341" r:id="rId24"/>
-    <p:sldId id="322" r:id="rId25"/>
-    <p:sldId id="324" r:id="rId26"/>
-    <p:sldId id="346" r:id="rId27"/>
-    <p:sldId id="313" r:id="rId28"/>
-    <p:sldId id="314" r:id="rId29"/>
-    <p:sldId id="329" r:id="rId30"/>
-    <p:sldId id="330" r:id="rId31"/>
-    <p:sldId id="347" r:id="rId32"/>
-    <p:sldId id="317" r:id="rId33"/>
-    <p:sldId id="318" r:id="rId34"/>
-    <p:sldId id="333" r:id="rId35"/>
-    <p:sldId id="332" r:id="rId36"/>
-    <p:sldId id="342" r:id="rId37"/>
-    <p:sldId id="343" r:id="rId38"/>
-    <p:sldId id="353" r:id="rId39"/>
-    <p:sldId id="315" r:id="rId40"/>
-    <p:sldId id="352" r:id="rId41"/>
-    <p:sldId id="348" r:id="rId42"/>
-    <p:sldId id="319" r:id="rId43"/>
-    <p:sldId id="334" r:id="rId44"/>
-    <p:sldId id="335" r:id="rId45"/>
-    <p:sldId id="336" r:id="rId46"/>
-    <p:sldId id="338" r:id="rId47"/>
-    <p:sldId id="337" r:id="rId48"/>
-    <p:sldId id="354" r:id="rId49"/>
-    <p:sldId id="349" r:id="rId50"/>
-    <p:sldId id="316" r:id="rId51"/>
+    <p:sldId id="362" r:id="rId13"/>
+    <p:sldId id="361" r:id="rId14"/>
+    <p:sldId id="323" r:id="rId15"/>
+    <p:sldId id="309" r:id="rId16"/>
+    <p:sldId id="345" r:id="rId17"/>
+    <p:sldId id="363" r:id="rId18"/>
+    <p:sldId id="311" r:id="rId19"/>
+    <p:sldId id="364" r:id="rId20"/>
+    <p:sldId id="326" r:id="rId21"/>
+    <p:sldId id="328" r:id="rId22"/>
+    <p:sldId id="327" r:id="rId23"/>
+    <p:sldId id="325" r:id="rId24"/>
+    <p:sldId id="344" r:id="rId25"/>
+    <p:sldId id="339" r:id="rId26"/>
+    <p:sldId id="340" r:id="rId27"/>
+    <p:sldId id="341" r:id="rId28"/>
+    <p:sldId id="322" r:id="rId29"/>
+    <p:sldId id="324" r:id="rId30"/>
+    <p:sldId id="346" r:id="rId31"/>
+    <p:sldId id="313" r:id="rId32"/>
+    <p:sldId id="329" r:id="rId33"/>
+    <p:sldId id="330" r:id="rId34"/>
+    <p:sldId id="347" r:id="rId35"/>
+    <p:sldId id="317" r:id="rId36"/>
+    <p:sldId id="333" r:id="rId37"/>
+    <p:sldId id="332" r:id="rId38"/>
+    <p:sldId id="342" r:id="rId39"/>
+    <p:sldId id="343" r:id="rId40"/>
+    <p:sldId id="353" r:id="rId41"/>
+    <p:sldId id="315" r:id="rId42"/>
+    <p:sldId id="352" r:id="rId43"/>
+    <p:sldId id="348" r:id="rId44"/>
+    <p:sldId id="319" r:id="rId45"/>
+    <p:sldId id="335" r:id="rId46"/>
+    <p:sldId id="334" r:id="rId47"/>
+    <p:sldId id="336" r:id="rId48"/>
+    <p:sldId id="338" r:id="rId49"/>
+    <p:sldId id="337" r:id="rId50"/>
+    <p:sldId id="354" r:id="rId51"/>
+    <p:sldId id="349" r:id="rId52"/>
+    <p:sldId id="316" r:id="rId53"/>
   </p:sldIdLst>
   <p:sldSz cx="9144000" cy="6858000" type="screen4x3"/>
   <p:notesSz cx="6858000" cy="9144000"/>
@@ -3839,7 +3841,7 @@
               <a:pPr>
                 <a:defRPr/>
               </a:pPr>
-              <a:t>23</a:t>
+              <a:t>27</a:t>
             </a:fld>
             <a:endParaRPr lang="en-US"/>
           </a:p>
@@ -7920,13 +7922,22 @@
               </a:rPr>
             </a:br>
             <a:r>
+              <a:rPr lang="zh-CN" altLang="en-US" sz="2400" dirty="0">
+                <a:solidFill>
+                  <a:srgbClr val="000000"/>
+                </a:solidFill>
+                <a:ea typeface="宋体" pitchFamily="2" charset="-122"/>
+              </a:rPr>
+              <a:t>可视化大规模</a:t>
+            </a:r>
+            <a:r>
               <a:rPr lang="zh-CN" altLang="en-US" sz="2400" dirty="0" smtClean="0">
                 <a:solidFill>
                   <a:srgbClr val="000000"/>
                 </a:solidFill>
                 <a:ea typeface="宋体" pitchFamily="2" charset="-122"/>
               </a:rPr>
-              <a:t>大规模软件开发工具集</a:t>
+              <a:t>软件开发工具集</a:t>
             </a:r>
             <a:endParaRPr lang="en-US" altLang="en-US" dirty="0" smtClean="0">
               <a:solidFill>
@@ -7950,7 +7961,7 @@
         <p:spPr>
           <a:xfrm>
             <a:off x="7524328" y="5013176"/>
-            <a:ext cx="639763" cy="1006475"/>
+            <a:ext cx="639763" cy="1152128"/>
           </a:xfrm>
         </p:spPr>
         <p:txBody>
@@ -7959,7 +7970,10 @@
           <a:p>
             <a:pPr eaLnBrk="1" hangingPunct="1"/>
             <a:r>
-              <a:rPr lang="zh-CN" altLang="en-US" dirty="0" smtClean="0"/>
+              <a:rPr lang="zh-CN" altLang="en-US" dirty="0" smtClean="0">
+                <a:latin typeface="华文行楷" panose="02010800040101010101" pitchFamily="2" charset="-122"/>
+                <a:ea typeface="华文行楷" panose="02010800040101010101" pitchFamily="2" charset="-122"/>
+              </a:rPr>
               <a:t>赫杰辉</a:t>
             </a:r>
           </a:p>
@@ -7999,9 +8013,9 @@
       </p:grpSpPr>
       <p:sp>
         <p:nvSpPr>
-          <p:cNvPr id="38914" name="Rectangle 2"/>
+          <p:cNvPr id="2" name="标题 1"/>
           <p:cNvSpPr>
-            <a:spLocks noGrp="1" noChangeArrowheads="1"/>
+            <a:spLocks noGrp="1"/>
           </p:cNvSpPr>
           <p:nvPr>
             <p:ph type="title"/>
@@ -8012,22 +8026,18 @@
           <a:bodyPr/>
           <a:lstStyle/>
           <a:p>
-            <a:pPr eaLnBrk="1" hangingPunct="1"/>
-            <a:r>
-              <a:rPr lang="zh-CN" altLang="en-US" sz="2800" dirty="0" smtClean="0"/>
-              <a:t>根因</a:t>
-            </a:r>
+            <a:endParaRPr lang="zh-CN" altLang="en-US"/>
           </a:p>
         </p:txBody>
       </p:sp>
       <p:sp>
         <p:nvSpPr>
-          <p:cNvPr id="38915" name="Rectangle 3"/>
+          <p:cNvPr id="3" name="内容占位符 2"/>
           <p:cNvSpPr>
-            <a:spLocks noGrp="1" noChangeArrowheads="1"/>
+            <a:spLocks noGrp="1"/>
           </p:cNvSpPr>
           <p:nvPr>
-            <p:ph type="body" idx="1"/>
+            <p:ph idx="1"/>
           </p:nvPr>
         </p:nvSpPr>
         <p:spPr/>
@@ -8035,259 +8045,239 @@
           <a:bodyPr/>
           <a:lstStyle/>
           <a:p>
-            <a:pPr algn="l" eaLnBrk="1" hangingPunct="1">
+            <a:endParaRPr lang="zh-CN" altLang="en-US" dirty="0"/>
+          </a:p>
+        </p:txBody>
+      </p:sp>
+      <p:sp>
+        <p:nvSpPr>
+          <p:cNvPr id="4" name="标题 1"/>
+          <p:cNvSpPr txBox="1">
+            <a:spLocks/>
+          </p:cNvSpPr>
+          <p:nvPr/>
+        </p:nvSpPr>
+        <p:spPr bwMode="auto">
+          <a:xfrm>
+            <a:off x="3347864" y="2852936"/>
+            <a:ext cx="2016224" cy="576064"/>
+          </a:xfrm>
+          <a:prstGeom prst="rect">
+            <a:avLst/>
+          </a:prstGeom>
+          <a:extLst/>
+        </p:spPr>
+        <p:style>
+          <a:lnRef idx="1">
+            <a:schemeClr val="accent4"/>
+          </a:lnRef>
+          <a:fillRef idx="3">
+            <a:schemeClr val="accent4"/>
+          </a:fillRef>
+          <a:effectRef idx="2">
+            <a:schemeClr val="accent4"/>
+          </a:effectRef>
+          <a:fontRef idx="minor">
+            <a:schemeClr val="lt1"/>
+          </a:fontRef>
+        </p:style>
+        <p:txBody>
+          <a:bodyPr vert="horz" wrap="square" lIns="91440" tIns="45720" rIns="91440" bIns="45720" numCol="1" anchor="b" anchorCtr="0" compatLnSpc="1">
+            <a:prstTxWarp prst="textNoShape">
+              <a:avLst/>
+            </a:prstTxWarp>
+          </a:bodyPr>
+          <a:lstStyle>
+            <a:lvl1pPr algn="l" rtl="0" eaLnBrk="0" fontAlgn="base" hangingPunct="0">
               <a:lnSpc>
-                <a:spcPct val="100000"/>
+                <a:spcPct val="90000"/>
               </a:lnSpc>
+              <a:spcBef>
+                <a:spcPct val="0"/>
+              </a:spcBef>
+              <a:spcAft>
+                <a:spcPct val="0"/>
+              </a:spcAft>
+              <a:defRPr sz="3200" b="1">
+                <a:solidFill>
+                  <a:schemeClr val="lt1"/>
+                </a:solidFill>
+                <a:latin typeface="+mn-lt"/>
+                <a:ea typeface="+mn-ea"/>
+                <a:cs typeface="+mn-cs"/>
+              </a:defRPr>
+            </a:lvl1pPr>
+            <a:lvl2pPr algn="l" rtl="0" eaLnBrk="0" fontAlgn="base" hangingPunct="0">
+              <a:lnSpc>
+                <a:spcPct val="90000"/>
+              </a:lnSpc>
+              <a:spcBef>
+                <a:spcPct val="0"/>
+              </a:spcBef>
+              <a:spcAft>
+                <a:spcPct val="0"/>
+              </a:spcAft>
+              <a:defRPr sz="3200" b="1">
+                <a:solidFill>
+                  <a:schemeClr val="lt1"/>
+                </a:solidFill>
+                <a:latin typeface="+mn-lt"/>
+                <a:ea typeface="+mn-ea"/>
+                <a:cs typeface="+mn-cs"/>
+              </a:defRPr>
+            </a:lvl2pPr>
+            <a:lvl3pPr algn="l" rtl="0" eaLnBrk="0" fontAlgn="base" hangingPunct="0">
+              <a:lnSpc>
+                <a:spcPct val="90000"/>
+              </a:lnSpc>
+              <a:spcBef>
+                <a:spcPct val="0"/>
+              </a:spcBef>
+              <a:spcAft>
+                <a:spcPct val="0"/>
+              </a:spcAft>
+              <a:defRPr sz="3200" b="1">
+                <a:solidFill>
+                  <a:schemeClr val="lt1"/>
+                </a:solidFill>
+                <a:latin typeface="+mn-lt"/>
+                <a:ea typeface="+mn-ea"/>
+                <a:cs typeface="+mn-cs"/>
+              </a:defRPr>
+            </a:lvl3pPr>
+            <a:lvl4pPr algn="l" rtl="0" eaLnBrk="0" fontAlgn="base" hangingPunct="0">
+              <a:lnSpc>
+                <a:spcPct val="90000"/>
+              </a:lnSpc>
+              <a:spcBef>
+                <a:spcPct val="0"/>
+              </a:spcBef>
+              <a:spcAft>
+                <a:spcPct val="0"/>
+              </a:spcAft>
+              <a:defRPr sz="3200" b="1">
+                <a:solidFill>
+                  <a:schemeClr val="lt1"/>
+                </a:solidFill>
+                <a:latin typeface="+mn-lt"/>
+                <a:ea typeface="+mn-ea"/>
+                <a:cs typeface="+mn-cs"/>
+              </a:defRPr>
+            </a:lvl4pPr>
+            <a:lvl5pPr algn="l" rtl="0" eaLnBrk="0" fontAlgn="base" hangingPunct="0">
+              <a:lnSpc>
+                <a:spcPct val="90000"/>
+              </a:lnSpc>
+              <a:spcBef>
+                <a:spcPct val="0"/>
+              </a:spcBef>
+              <a:spcAft>
+                <a:spcPct val="0"/>
+              </a:spcAft>
+              <a:defRPr sz="3200" b="1">
+                <a:solidFill>
+                  <a:schemeClr val="lt1"/>
+                </a:solidFill>
+                <a:latin typeface="+mn-lt"/>
+                <a:ea typeface="+mn-ea"/>
+                <a:cs typeface="+mn-cs"/>
+              </a:defRPr>
+            </a:lvl5pPr>
+            <a:lvl6pPr marL="457200" algn="l" rtl="0" fontAlgn="base">
+              <a:lnSpc>
+                <a:spcPct val="90000"/>
+              </a:lnSpc>
+              <a:spcBef>
+                <a:spcPct val="0"/>
+              </a:spcBef>
+              <a:spcAft>
+                <a:spcPct val="0"/>
+              </a:spcAft>
+              <a:defRPr sz="3200" b="1">
+                <a:solidFill>
+                  <a:schemeClr val="lt1"/>
+                </a:solidFill>
+                <a:latin typeface="+mn-lt"/>
+                <a:ea typeface="+mn-ea"/>
+                <a:cs typeface="+mn-cs"/>
+              </a:defRPr>
+            </a:lvl6pPr>
+            <a:lvl7pPr marL="914400" algn="l" rtl="0" fontAlgn="base">
+              <a:lnSpc>
+                <a:spcPct val="90000"/>
+              </a:lnSpc>
+              <a:spcBef>
+                <a:spcPct val="0"/>
+              </a:spcBef>
+              <a:spcAft>
+                <a:spcPct val="0"/>
+              </a:spcAft>
+              <a:defRPr sz="3200" b="1">
+                <a:solidFill>
+                  <a:schemeClr val="lt1"/>
+                </a:solidFill>
+                <a:latin typeface="+mn-lt"/>
+                <a:ea typeface="+mn-ea"/>
+                <a:cs typeface="+mn-cs"/>
+              </a:defRPr>
+            </a:lvl7pPr>
+            <a:lvl8pPr marL="1371600" algn="l" rtl="0" fontAlgn="base">
+              <a:lnSpc>
+                <a:spcPct val="90000"/>
+              </a:lnSpc>
+              <a:spcBef>
+                <a:spcPct val="0"/>
+              </a:spcBef>
+              <a:spcAft>
+                <a:spcPct val="0"/>
+              </a:spcAft>
+              <a:defRPr sz="3200" b="1">
+                <a:solidFill>
+                  <a:schemeClr val="lt1"/>
+                </a:solidFill>
+                <a:latin typeface="+mn-lt"/>
+                <a:ea typeface="+mn-ea"/>
+                <a:cs typeface="+mn-cs"/>
+              </a:defRPr>
+            </a:lvl8pPr>
+            <a:lvl9pPr marL="1828800" algn="l" rtl="0" fontAlgn="base">
+              <a:lnSpc>
+                <a:spcPct val="90000"/>
+              </a:lnSpc>
+              <a:spcBef>
+                <a:spcPct val="0"/>
+              </a:spcBef>
+              <a:spcAft>
+                <a:spcPct val="0"/>
+              </a:spcAft>
+              <a:defRPr sz="3200" b="1">
+                <a:solidFill>
+                  <a:schemeClr val="lt1"/>
+                </a:solidFill>
+                <a:latin typeface="+mn-lt"/>
+                <a:ea typeface="+mn-ea"/>
+                <a:cs typeface="+mn-cs"/>
+              </a:defRPr>
+            </a:lvl9pPr>
+          </a:lstStyle>
+          <a:p>
+            <a:pPr algn="ctr">
+              <a:buFontTx/>
             </a:pPr>
             <a:r>
-              <a:rPr lang="zh-CN" altLang="en-US" sz="1800" dirty="0" smtClean="0"/>
-              <a:t>开发其实是个翻译的过程</a:t>
-            </a:r>
-            <a:endParaRPr lang="en-US" sz="1800" dirty="0" smtClean="0"/>
-          </a:p>
-          <a:p>
-            <a:pPr lvl="1" eaLnBrk="1" hangingPunct="1">
-              <a:lnSpc>
-                <a:spcPct val="120000"/>
-              </a:lnSpc>
-            </a:pPr>
-            <a:r>
-              <a:rPr lang="zh-CN" altLang="en-US" sz="1400" dirty="0" smtClean="0"/>
-              <a:t>需求</a:t>
-            </a:r>
-            <a:r>
-              <a:rPr lang="en-US" sz="1400" dirty="0" smtClean="0"/>
-              <a:t> </a:t>
-            </a:r>
-            <a:r>
-              <a:rPr lang="en-US" sz="1400" dirty="0" smtClean="0">
-                <a:sym typeface="Wingdings" panose="05000000000000000000" pitchFamily="2" charset="2"/>
-              </a:rPr>
-              <a:t> </a:t>
-            </a:r>
-            <a:r>
-              <a:rPr lang="zh-CN" altLang="en-US" sz="1400" dirty="0" smtClean="0">
-                <a:sym typeface="Wingdings" panose="05000000000000000000" pitchFamily="2" charset="2"/>
-              </a:rPr>
-              <a:t>设计（有吗？）</a:t>
-            </a:r>
-            <a:r>
-              <a:rPr lang="en-US" sz="1400" dirty="0" smtClean="0">
-                <a:sym typeface="Wingdings" panose="05000000000000000000" pitchFamily="2" charset="2"/>
-              </a:rPr>
-              <a:t>  </a:t>
-            </a:r>
-            <a:r>
-              <a:rPr lang="zh-CN" altLang="en-US" sz="1400" dirty="0" smtClean="0">
-                <a:sym typeface="Wingdings" panose="05000000000000000000" pitchFamily="2" charset="2"/>
-              </a:rPr>
-              <a:t>代码</a:t>
-            </a:r>
-            <a:endParaRPr lang="en-US" sz="1400" dirty="0" smtClean="0"/>
-          </a:p>
-          <a:p>
-            <a:pPr lvl="1" eaLnBrk="1" hangingPunct="1">
-              <a:lnSpc>
-                <a:spcPct val="120000"/>
-              </a:lnSpc>
-            </a:pPr>
-            <a:r>
-              <a:rPr lang="zh-CN" altLang="en-US" sz="1400" dirty="0" smtClean="0"/>
-              <a:t>哪里有翻译，哪里就有误解</a:t>
-            </a:r>
-            <a:endParaRPr lang="en-US" sz="1400" dirty="0" smtClean="0"/>
-          </a:p>
-          <a:p>
-            <a:pPr lvl="1" eaLnBrk="1" hangingPunct="1">
-              <a:lnSpc>
-                <a:spcPct val="120000"/>
-              </a:lnSpc>
-            </a:pPr>
-            <a:r>
-              <a:rPr lang="zh-CN" altLang="en-US" sz="1400" dirty="0" smtClean="0"/>
-              <a:t>在抽象层间存在细节的增强和丢失</a:t>
-            </a:r>
-            <a:endParaRPr lang="en-US" sz="1400" dirty="0"/>
-          </a:p>
-          <a:p>
-            <a:pPr algn="l" eaLnBrk="1" hangingPunct="1">
-              <a:lnSpc>
-                <a:spcPct val="100000"/>
-              </a:lnSpc>
-            </a:pPr>
-            <a:r>
-              <a:rPr lang="zh-CN" altLang="en-US" sz="1800" dirty="0" smtClean="0"/>
-              <a:t>需求翻译（理解）</a:t>
-            </a:r>
-            <a:endParaRPr lang="en-US" sz="1800" dirty="0" smtClean="0"/>
-          </a:p>
-          <a:p>
-            <a:pPr lvl="1" eaLnBrk="1" hangingPunct="1">
-              <a:lnSpc>
-                <a:spcPct val="70000"/>
-              </a:lnSpc>
-            </a:pPr>
-            <a:r>
-              <a:rPr lang="zh-CN" altLang="en-US" sz="1400" dirty="0" smtClean="0"/>
-              <a:t>产品经理</a:t>
-            </a:r>
-            <a:r>
-              <a:rPr lang="en-US" altLang="zh-CN" sz="1400" dirty="0" smtClean="0"/>
-              <a:t>/</a:t>
-            </a:r>
-            <a:r>
-              <a:rPr lang="zh-CN" altLang="en-US" sz="1400" dirty="0" smtClean="0"/>
-              <a:t>商业用户不懂代码</a:t>
-            </a:r>
-            <a:endParaRPr lang="en-US" sz="1400" dirty="0" smtClean="0"/>
-          </a:p>
-          <a:p>
-            <a:pPr lvl="1" eaLnBrk="1" hangingPunct="1">
-              <a:lnSpc>
-                <a:spcPct val="70000"/>
-              </a:lnSpc>
-            </a:pPr>
-            <a:r>
-              <a:rPr lang="zh-CN" altLang="en-US" sz="1400" dirty="0" smtClean="0"/>
-              <a:t>开发人员懂不懂需求很难讲</a:t>
-            </a:r>
-            <a:endParaRPr lang="en-US" sz="1400" dirty="0" smtClean="0"/>
-          </a:p>
-          <a:p>
-            <a:pPr eaLnBrk="1" hangingPunct="1">
-              <a:lnSpc>
-                <a:spcPct val="100000"/>
-              </a:lnSpc>
-            </a:pPr>
-            <a:r>
-              <a:rPr lang="zh-CN" altLang="en-US" sz="1800" dirty="0" smtClean="0"/>
-              <a:t>设计翻译</a:t>
-            </a:r>
-            <a:endParaRPr lang="en-US" sz="1800" dirty="0" smtClean="0"/>
-          </a:p>
-          <a:p>
-            <a:pPr lvl="1" eaLnBrk="1" hangingPunct="1">
-              <a:lnSpc>
-                <a:spcPct val="120000"/>
-              </a:lnSpc>
-            </a:pPr>
-            <a:r>
-              <a:rPr lang="zh-CN" altLang="en-US" sz="1400" dirty="0" smtClean="0"/>
-              <a:t>对象图的局限</a:t>
-            </a:r>
-            <a:endParaRPr lang="en-US" sz="1400" dirty="0" smtClean="0"/>
-          </a:p>
-          <a:p>
-            <a:pPr lvl="2" eaLnBrk="1" hangingPunct="1">
-              <a:lnSpc>
-                <a:spcPct val="70000"/>
-              </a:lnSpc>
-            </a:pPr>
-            <a:r>
-              <a:rPr lang="zh-CN" altLang="en-US" sz="1800" dirty="0" smtClean="0"/>
-              <a:t>显示实体间的关系而不是动作如何完成</a:t>
-            </a:r>
-            <a:r>
-              <a:rPr lang="en-US" sz="1800" dirty="0" smtClean="0"/>
-              <a:t> [</a:t>
-            </a:r>
-            <a:r>
-              <a:rPr lang="zh-CN" altLang="en-US" sz="1800" dirty="0" smtClean="0"/>
-              <a:t>错误答案</a:t>
-            </a:r>
-            <a:r>
-              <a:rPr lang="en-US" sz="1800" dirty="0" smtClean="0"/>
-              <a:t>]</a:t>
-            </a:r>
-          </a:p>
-          <a:p>
-            <a:pPr lvl="1" eaLnBrk="1" hangingPunct="1">
-              <a:lnSpc>
-                <a:spcPct val="120000"/>
-              </a:lnSpc>
-            </a:pPr>
-            <a:r>
-              <a:rPr lang="zh-CN" altLang="en-US" sz="1400" dirty="0" smtClean="0"/>
-              <a:t>时序图的局限</a:t>
-            </a:r>
-            <a:endParaRPr lang="en-US" sz="1400" dirty="0" smtClean="0"/>
-          </a:p>
-          <a:p>
-            <a:pPr lvl="2" eaLnBrk="1" hangingPunct="1">
-              <a:lnSpc>
-                <a:spcPct val="70000"/>
-              </a:lnSpc>
-            </a:pPr>
-            <a:r>
-              <a:rPr lang="zh-CN" altLang="en-US" sz="1800" dirty="0" smtClean="0"/>
-              <a:t>仅能描述特定执行路径</a:t>
-            </a:r>
-            <a:r>
-              <a:rPr lang="zh-CN" altLang="en-US" sz="1800" dirty="0"/>
-              <a:t>，而无法直观表述分支</a:t>
-            </a:r>
-            <a:r>
-              <a:rPr lang="en-US" altLang="zh-CN" sz="1800" dirty="0" smtClean="0"/>
-              <a:t>/</a:t>
-            </a:r>
-            <a:r>
-              <a:rPr lang="zh-CN" altLang="en-US" sz="1800" dirty="0" smtClean="0"/>
-              <a:t>循环 </a:t>
-            </a:r>
-            <a:r>
-              <a:rPr lang="en-US" altLang="zh-CN" sz="1800" dirty="0" smtClean="0"/>
-              <a:t>[</a:t>
-            </a:r>
-            <a:r>
-              <a:rPr lang="zh-CN" altLang="en-US" sz="1800" dirty="0" smtClean="0"/>
-              <a:t>不圆满答案</a:t>
-            </a:r>
-            <a:r>
-              <a:rPr lang="en-US" altLang="zh-CN" sz="1800" dirty="0" smtClean="0"/>
-              <a:t>]</a:t>
-            </a:r>
-            <a:endParaRPr lang="en-US" sz="1800" dirty="0" smtClean="0"/>
-          </a:p>
-          <a:p>
-            <a:pPr lvl="1" eaLnBrk="1" hangingPunct="1">
-              <a:lnSpc>
-                <a:spcPct val="120000"/>
-              </a:lnSpc>
-            </a:pPr>
-            <a:r>
-              <a:rPr lang="zh-CN" altLang="en-US" sz="1400" dirty="0" smtClean="0"/>
-              <a:t>不幸的是这些图仍然需要进一步翻译，而且图和代码本质上没联系</a:t>
-            </a:r>
-            <a:endParaRPr lang="en-US" altLang="zh-CN" sz="1400" dirty="0" smtClean="0"/>
-          </a:p>
-          <a:p>
-            <a:pPr eaLnBrk="1" hangingPunct="1"/>
-            <a:r>
-              <a:rPr lang="zh-CN" altLang="en-US" sz="1800" dirty="0" smtClean="0"/>
-              <a:t>代码的局限</a:t>
-            </a:r>
-            <a:endParaRPr lang="en-US" altLang="zh-CN" sz="1800" dirty="0" smtClean="0"/>
-          </a:p>
-          <a:p>
-            <a:pPr lvl="1" eaLnBrk="1" hangingPunct="1"/>
-            <a:r>
-              <a:rPr lang="zh-CN" altLang="en-US" sz="1400" dirty="0" smtClean="0"/>
-              <a:t>任何编程方式都无法解决代码</a:t>
-            </a:r>
-            <a:r>
-              <a:rPr lang="zh-CN" altLang="en-US" sz="1400" dirty="0"/>
-              <a:t>理解</a:t>
-            </a:r>
-            <a:r>
-              <a:rPr lang="zh-CN" altLang="en-US" sz="1400" dirty="0" smtClean="0"/>
-              <a:t>问题</a:t>
-            </a:r>
-            <a:endParaRPr lang="en-US" altLang="zh-CN" sz="1400" dirty="0" smtClean="0"/>
+              <a:rPr lang="zh-CN" altLang="en-US" kern="0" dirty="0" smtClean="0"/>
+              <a:t>怎么破？</a:t>
+            </a:r>
+            <a:endParaRPr lang="zh-CN" altLang="en-US" kern="0" dirty="0"/>
           </a:p>
         </p:txBody>
       </p:sp>
     </p:spTree>
+    <p:extLst>
+      <p:ext uri="{BB962C8B-B14F-4D97-AF65-F5344CB8AC3E}">
+        <p14:creationId xmlns:p14="http://schemas.microsoft.com/office/powerpoint/2010/main" val="3945371376"/>
+      </p:ext>
+    </p:extLst>
   </p:cSld>
   <p:clrMapOvr>
     <a:masterClrMapping/>
@@ -8336,9 +8326,18 @@
           <a:p>
             <a:pPr eaLnBrk="1" hangingPunct="1"/>
             <a:r>
+              <a:rPr lang="zh-CN" altLang="en-US" sz="2800" dirty="0"/>
+              <a:t>大规模开发</a:t>
+            </a:r>
+            <a:r>
               <a:rPr lang="zh-CN" altLang="en-US" sz="2800" dirty="0" smtClean="0"/>
-              <a:t>需求</a:t>
-            </a:r>
+              <a:t>的</a:t>
+            </a:r>
+            <a:r>
+              <a:rPr lang="zh-CN" altLang="en-US" sz="2800" dirty="0"/>
+              <a:t>出路</a:t>
+            </a:r>
+            <a:endParaRPr lang="zh-CN" altLang="en-US" sz="2800" dirty="0" smtClean="0"/>
           </a:p>
         </p:txBody>
       </p:sp>
@@ -8349,7 +8348,7 @@
             <a:spLocks noGrp="1" noChangeArrowheads="1"/>
           </p:cNvSpPr>
           <p:nvPr>
-            <p:ph type="body" idx="1"/>
+            <p:ph idx="1"/>
           </p:nvPr>
         </p:nvSpPr>
         <p:spPr/>
@@ -8357,123 +8356,7 @@
           <a:bodyPr/>
           <a:lstStyle/>
           <a:p>
-            <a:pPr eaLnBrk="1" hangingPunct="1">
-              <a:lnSpc>
-                <a:spcPct val="100000"/>
-              </a:lnSpc>
-            </a:pPr>
-            <a:r>
-              <a:rPr lang="zh-CN" altLang="en-US" sz="1800" dirty="0" smtClean="0"/>
-              <a:t>开发</a:t>
-            </a:r>
-            <a:r>
-              <a:rPr lang="zh-CN" altLang="en-US" sz="1800" b="1" dirty="0" smtClean="0"/>
-              <a:t>并不仅仅</a:t>
-            </a:r>
-            <a:r>
-              <a:rPr lang="zh-CN" altLang="en-US" sz="1800" dirty="0" smtClean="0"/>
-              <a:t>意味着写代码</a:t>
-            </a:r>
-            <a:endParaRPr lang="en-US" sz="1800" dirty="0" smtClean="0"/>
-          </a:p>
-          <a:p>
-            <a:pPr lvl="1" eaLnBrk="1" hangingPunct="1">
-              <a:lnSpc>
-                <a:spcPct val="100000"/>
-              </a:lnSpc>
-            </a:pPr>
-            <a:r>
-              <a:rPr lang="zh-CN" altLang="en-US" sz="1400" dirty="0" smtClean="0"/>
-              <a:t>我们解决所有问题都是用同一个原始的手段</a:t>
-            </a:r>
-            <a:endParaRPr lang="en-US" altLang="zh-CN" sz="1400" dirty="0" smtClean="0"/>
-          </a:p>
-          <a:p>
-            <a:pPr lvl="1" eaLnBrk="1" hangingPunct="1">
-              <a:lnSpc>
-                <a:spcPct val="100000"/>
-              </a:lnSpc>
-            </a:pPr>
-            <a:r>
-              <a:rPr lang="zh-CN" altLang="en-US" sz="1400" dirty="0" smtClean="0"/>
-              <a:t>事实上不同性质的问题需要不同的手段来解决</a:t>
-            </a:r>
-            <a:endParaRPr lang="en-US" altLang="zh-CN" sz="1400" dirty="0" smtClean="0"/>
-          </a:p>
-          <a:p>
-            <a:pPr eaLnBrk="1" hangingPunct="1">
-              <a:lnSpc>
-                <a:spcPct val="100000"/>
-              </a:lnSpc>
-            </a:pPr>
-            <a:r>
-              <a:rPr lang="zh-CN" altLang="en-US" sz="1800" dirty="0" smtClean="0"/>
-              <a:t>我们需要人人都懂，无需翻译的媒介</a:t>
-            </a:r>
-            <a:endParaRPr lang="en-US" sz="1800" dirty="0"/>
-          </a:p>
-          <a:p>
-            <a:pPr lvl="1" eaLnBrk="1" hangingPunct="1"/>
-            <a:r>
-              <a:rPr lang="zh-CN" altLang="en-US" dirty="0" smtClean="0">
-                <a:sym typeface="Arial" pitchFamily="34" charset="0"/>
-              </a:rPr>
-              <a:t>百闻不如一见 </a:t>
-            </a:r>
-            <a:r>
-              <a:rPr lang="en-US" altLang="zh-CN" dirty="0" smtClean="0">
-                <a:sym typeface="Arial" pitchFamily="34" charset="0"/>
-              </a:rPr>
-              <a:t>— </a:t>
-            </a:r>
-            <a:r>
-              <a:rPr lang="zh-CN" altLang="en-US" dirty="0" smtClean="0">
-                <a:sym typeface="Arial" pitchFamily="34" charset="0"/>
-              </a:rPr>
-              <a:t>能可视化系统顶层模型</a:t>
-            </a:r>
-            <a:endParaRPr lang="en-US" dirty="0" smtClean="0">
-              <a:sym typeface="Arial" pitchFamily="34" charset="0"/>
-            </a:endParaRPr>
-          </a:p>
-          <a:p>
-            <a:pPr lvl="2" eaLnBrk="1" hangingPunct="1"/>
-            <a:r>
-              <a:rPr lang="zh-CN" altLang="en-US" dirty="0">
-                <a:sym typeface="Arial" pitchFamily="34" charset="0"/>
-              </a:rPr>
-              <a:t>行为</a:t>
-            </a:r>
-            <a:endParaRPr lang="en-US" dirty="0" smtClean="0">
-              <a:sym typeface="Arial" pitchFamily="34" charset="0"/>
-            </a:endParaRPr>
-          </a:p>
-          <a:p>
-            <a:pPr lvl="2" eaLnBrk="1" hangingPunct="1"/>
-            <a:r>
-              <a:rPr lang="zh-CN" altLang="en-US" dirty="0" smtClean="0">
-                <a:sym typeface="Arial" pitchFamily="34" charset="0"/>
-              </a:rPr>
-              <a:t>决策</a:t>
-            </a:r>
-            <a:endParaRPr lang="en-US" dirty="0" smtClean="0">
-              <a:sym typeface="Arial" pitchFamily="34" charset="0"/>
-            </a:endParaRPr>
-          </a:p>
-          <a:p>
-            <a:pPr lvl="2" eaLnBrk="1" hangingPunct="1"/>
-            <a:r>
-              <a:rPr lang="zh-CN" altLang="en-US" dirty="0" smtClean="0">
-                <a:sym typeface="Arial" pitchFamily="34" charset="0"/>
-              </a:rPr>
-              <a:t>状态</a:t>
-            </a:r>
-            <a:endParaRPr lang="en-US" dirty="0" smtClean="0">
-              <a:sym typeface="Arial" pitchFamily="34" charset="0"/>
-            </a:endParaRPr>
-          </a:p>
-          <a:p>
-            <a:pPr lvl="1" eaLnBrk="1" hangingPunct="1"/>
+            <a:pPr eaLnBrk="1" hangingPunct="1"/>
             <a:r>
               <a:rPr lang="zh-CN" altLang="en-US" dirty="0" smtClean="0">
                 <a:sym typeface="Arial" pitchFamily="34" charset="0"/>
@@ -8485,50 +8368,120 @@
             </a:endParaRPr>
           </a:p>
           <a:p>
-            <a:pPr lvl="2" eaLnBrk="1" hangingPunct="1"/>
+            <a:pPr lvl="1" eaLnBrk="1" hangingPunct="1"/>
+            <a:r>
+              <a:rPr lang="zh-CN" altLang="en-US" dirty="0"/>
+              <a:t>开发并不仅仅意味着写代码</a:t>
+            </a:r>
+            <a:endParaRPr lang="en-US" altLang="zh-CN" dirty="0">
+              <a:sym typeface="Arial" pitchFamily="34" charset="0"/>
+            </a:endParaRPr>
+          </a:p>
+          <a:p>
+            <a:pPr lvl="1" eaLnBrk="1" hangingPunct="1"/>
             <a:r>
               <a:rPr lang="zh-CN" altLang="en-US" dirty="0" smtClean="0">
                 <a:sym typeface="Arial" pitchFamily="34" charset="0"/>
               </a:rPr>
-              <a:t>将业务模型和数据模型从代码里面解放出来</a:t>
+              <a:t>将</a:t>
+            </a:r>
+            <a:r>
+              <a:rPr lang="zh-CN" altLang="en-US" dirty="0" smtClean="0">
+                <a:sym typeface="Arial" pitchFamily="34" charset="0"/>
+              </a:rPr>
+              <a:t>业务模型和数据模型从代码里面解放</a:t>
+            </a:r>
+            <a:r>
+              <a:rPr lang="zh-CN" altLang="en-US" dirty="0" smtClean="0">
+                <a:sym typeface="Arial" pitchFamily="34" charset="0"/>
+              </a:rPr>
+              <a:t>出来</a:t>
             </a:r>
             <a:endParaRPr lang="en-US" altLang="zh-CN" dirty="0" smtClean="0">
               <a:sym typeface="Arial" pitchFamily="34" charset="0"/>
             </a:endParaRPr>
           </a:p>
           <a:p>
-            <a:pPr lvl="2" eaLnBrk="1" hangingPunct="1"/>
+            <a:pPr lvl="1" eaLnBrk="1" hangingPunct="1"/>
+            <a:r>
+              <a:rPr lang="zh-CN" altLang="en-US" dirty="0" smtClean="0">
+                <a:sym typeface="Arial" pitchFamily="34" charset="0"/>
+              </a:rPr>
+              <a:t>专用工具解决专门的问题</a:t>
+            </a:r>
+            <a:endParaRPr lang="en-US" altLang="zh-CN" dirty="0" smtClean="0">
+              <a:sym typeface="Arial" pitchFamily="34" charset="0"/>
+            </a:endParaRPr>
+          </a:p>
+          <a:p>
+            <a:pPr eaLnBrk="1" hangingPunct="1"/>
+            <a:r>
+              <a:rPr lang="zh-CN" altLang="en-US" dirty="0" smtClean="0">
+                <a:sym typeface="Arial" pitchFamily="34" charset="0"/>
+              </a:rPr>
+              <a:t>对</a:t>
+            </a:r>
             <a:r>
               <a:rPr lang="zh-CN" altLang="en-US" dirty="0">
                 <a:sym typeface="Arial" pitchFamily="34" charset="0"/>
               </a:rPr>
-              <a:t>直接使用</a:t>
-            </a:r>
+              <a:t>工具的要求</a:t>
+            </a:r>
+            <a:endParaRPr lang="en-US" altLang="zh-CN" dirty="0">
+              <a:sym typeface="Arial" pitchFamily="34" charset="0"/>
+            </a:endParaRPr>
+          </a:p>
+          <a:p>
+            <a:pPr lvl="1" eaLnBrk="1" hangingPunct="1"/>
+            <a:r>
+              <a:rPr lang="zh-CN" altLang="en-US" dirty="0" smtClean="0"/>
+              <a:t>简单易懂，直接明了</a:t>
+            </a:r>
+            <a:endParaRPr lang="en-US" altLang="zh-CN" dirty="0" smtClean="0">
+              <a:sym typeface="Arial" pitchFamily="34" charset="0"/>
+            </a:endParaRPr>
+          </a:p>
+          <a:p>
+            <a:pPr lvl="1" eaLnBrk="1" hangingPunct="1"/>
             <a:r>
               <a:rPr lang="zh-CN" altLang="en-US" dirty="0" smtClean="0">
                 <a:sym typeface="Arial" pitchFamily="34" charset="0"/>
               </a:rPr>
-              <a:t>模型代替代码生成</a:t>
-            </a:r>
-            <a:endParaRPr lang="en-US" altLang="zh-CN" dirty="0" smtClean="0">
+              <a:t>开发</a:t>
+            </a:r>
+            <a:r>
+              <a:rPr lang="zh-CN" altLang="en-US" dirty="0">
+                <a:sym typeface="Arial" pitchFamily="34" charset="0"/>
+              </a:rPr>
+              <a:t>和运行阶段使用同一个模型</a:t>
+            </a:r>
+            <a:endParaRPr lang="en-US" altLang="zh-CN" dirty="0">
               <a:sym typeface="Arial" pitchFamily="34" charset="0"/>
             </a:endParaRPr>
           </a:p>
           <a:p>
-            <a:pPr lvl="2" eaLnBrk="1" hangingPunct="1"/>
+            <a:pPr lvl="1" eaLnBrk="1" hangingPunct="1"/>
+            <a:r>
+              <a:rPr lang="zh-CN" altLang="en-US" dirty="0">
+                <a:sym typeface="Arial" pitchFamily="34" charset="0"/>
+              </a:rPr>
+              <a:t>可视化的编辑方式</a:t>
+            </a:r>
+            <a:endParaRPr lang="en-US" altLang="zh-CN" dirty="0">
+              <a:sym typeface="Arial" pitchFamily="34" charset="0"/>
+            </a:endParaRPr>
+          </a:p>
+          <a:p>
+            <a:pPr lvl="1" eaLnBrk="1" hangingPunct="1"/>
             <a:r>
               <a:rPr lang="zh-CN" altLang="en-US" dirty="0" smtClean="0">
                 <a:sym typeface="Arial" pitchFamily="34" charset="0"/>
               </a:rPr>
-              <a:t>将模型与代码相关联</a:t>
-            </a:r>
-            <a:endParaRPr lang="en-US" dirty="0" smtClean="0">
+              <a:t>杜绝代码生成</a:t>
+            </a:r>
+            <a:endParaRPr lang="en-US" altLang="zh-CN" dirty="0">
               <a:sym typeface="Arial" pitchFamily="34" charset="0"/>
             </a:endParaRPr>
-          </a:p>
-          <a:p>
-            <a:pPr eaLnBrk="1" hangingPunct="1"/>
-            <a:endParaRPr lang="en-US" dirty="0" smtClean="0"/>
           </a:p>
         </p:txBody>
       </p:sp>
@@ -8542,7 +8495,7 @@
         </p:nvGrpSpPr>
         <p:grpSpPr bwMode="auto">
           <a:xfrm>
-            <a:off x="3998913" y="5607074"/>
+            <a:off x="4094607" y="5373216"/>
             <a:ext cx="969962" cy="630238"/>
             <a:chOff x="0" y="0"/>
             <a:chExt cx="970103" cy="630567"/>
@@ -8701,7 +8654,7 @@
         </p:nvGrpSpPr>
         <p:grpSpPr bwMode="auto">
           <a:xfrm>
-            <a:off x="2271713" y="5607074"/>
+            <a:off x="2367407" y="5373216"/>
             <a:ext cx="969962" cy="630238"/>
             <a:chOff x="0" y="0"/>
             <a:chExt cx="970103" cy="630567"/>
@@ -8860,7 +8813,7 @@
         </p:nvGrpSpPr>
         <p:grpSpPr bwMode="auto">
           <a:xfrm>
-            <a:off x="5689600" y="5607074"/>
+            <a:off x="5785294" y="5373216"/>
             <a:ext cx="969963" cy="630238"/>
             <a:chOff x="0" y="0"/>
             <a:chExt cx="970103" cy="630567"/>
@@ -9019,7 +8972,7 @@
         </p:nvCxnSpPr>
         <p:spPr bwMode="auto">
           <a:xfrm>
-            <a:off x="3241675" y="5921399"/>
+            <a:off x="3337369" y="5687541"/>
             <a:ext cx="757238" cy="1588"/>
           </a:xfrm>
           <a:prstGeom prst="straightConnector1">
@@ -9063,7 +9016,7 @@
         </p:nvCxnSpPr>
         <p:spPr bwMode="auto">
           <a:xfrm flipH="1">
-            <a:off x="4968875" y="5921399"/>
+            <a:off x="5064569" y="5687541"/>
             <a:ext cx="720725" cy="1588"/>
           </a:xfrm>
           <a:prstGeom prst="straightConnector1">
@@ -9097,9 +9050,725 @@
           </a:extLst>
         </p:spPr>
       </p:cxnSp>
+    </p:spTree>
+  </p:cSld>
+  <p:clrMapOvr>
+    <a:masterClrMapping/>
+  </p:clrMapOvr>
+  <p:timing>
+    <p:tnLst>
+      <p:par>
+        <p:cTn id="1" dur="indefinite" restart="never" nodeType="tmRoot"/>
+      </p:par>
+    </p:tnLst>
+  </p:timing>
+</p:sld>
+</file>
+
+<file path=ppt/slides/slide12.xml><?xml version="1.0" encoding="utf-8"?>
+<p:sld xmlns:a="http://schemas.openxmlformats.org/drawingml/2006/main" xmlns:r="http://schemas.openxmlformats.org/officeDocument/2006/relationships" xmlns:p="http://schemas.openxmlformats.org/presentationml/2006/main">
+  <p:cSld>
+    <p:spTree>
+      <p:nvGrpSpPr>
+        <p:cNvPr id="1" name=""/>
+        <p:cNvGrpSpPr/>
+        <p:nvPr/>
+      </p:nvGrpSpPr>
+      <p:grpSpPr>
+        <a:xfrm>
+          <a:off x="0" y="0"/>
+          <a:ext cx="0" cy="0"/>
+          <a:chOff x="0" y="0"/>
+          <a:chExt cx="0" cy="0"/>
+        </a:xfrm>
+      </p:grpSpPr>
       <p:sp>
         <p:nvSpPr>
-          <p:cNvPr id="15" name="TextBox 1"/>
+          <p:cNvPr id="2" name="标题 1"/>
+          <p:cNvSpPr>
+            <a:spLocks noGrp="1"/>
+          </p:cNvSpPr>
+          <p:nvPr>
+            <p:ph type="title"/>
+          </p:nvPr>
+        </p:nvSpPr>
+        <p:spPr/>
+        <p:txBody>
+          <a:bodyPr/>
+          <a:lstStyle/>
+          <a:p>
+            <a:r>
+              <a:rPr lang="zh-CN" altLang="en-US" dirty="0">
+                <a:sym typeface="Arial" pitchFamily="34" charset="0"/>
+              </a:rPr>
+              <a:t>最值得抽象的模型</a:t>
+            </a:r>
+            <a:endParaRPr lang="zh-CN" altLang="en-US" dirty="0"/>
+          </a:p>
+        </p:txBody>
+      </p:sp>
+      <p:sp>
+        <p:nvSpPr>
+          <p:cNvPr id="3" name="内容占位符 2"/>
+          <p:cNvSpPr>
+            <a:spLocks noGrp="1"/>
+          </p:cNvSpPr>
+          <p:nvPr>
+            <p:ph idx="1"/>
+          </p:nvPr>
+        </p:nvSpPr>
+        <p:spPr/>
+        <p:txBody>
+          <a:bodyPr/>
+          <a:lstStyle/>
+          <a:p>
+            <a:pPr eaLnBrk="1" hangingPunct="1"/>
+            <a:r>
+              <a:rPr lang="zh-CN" altLang="en-US" dirty="0" smtClean="0">
+                <a:sym typeface="Arial" pitchFamily="34" charset="0"/>
+              </a:rPr>
+              <a:t>流程图</a:t>
+            </a:r>
+            <a:endParaRPr lang="en-US" altLang="zh-CN" dirty="0" smtClean="0">
+              <a:sym typeface="Arial" pitchFamily="34" charset="0"/>
+            </a:endParaRPr>
+          </a:p>
+          <a:p>
+            <a:pPr lvl="1" eaLnBrk="1" hangingPunct="1"/>
+            <a:r>
+              <a:rPr lang="zh-CN" altLang="en-US" dirty="0" smtClean="0">
+                <a:sym typeface="Arial" pitchFamily="34" charset="0"/>
+              </a:rPr>
+              <a:t>一</a:t>
+            </a:r>
+            <a:r>
+              <a:rPr lang="zh-CN" altLang="en-US" dirty="0">
+                <a:sym typeface="Arial" pitchFamily="34" charset="0"/>
+              </a:rPr>
+              <a:t>个系统包括哪些功能，每个</a:t>
+            </a:r>
+            <a:r>
+              <a:rPr lang="zh-CN" altLang="en-US" dirty="0" smtClean="0">
+                <a:sym typeface="Arial" pitchFamily="34" charset="0"/>
+              </a:rPr>
+              <a:t>功能包含哪些步骤</a:t>
+            </a:r>
+            <a:endParaRPr lang="en-US" altLang="zh-CN" dirty="0" smtClean="0">
+              <a:sym typeface="Arial" pitchFamily="34" charset="0"/>
+            </a:endParaRPr>
+          </a:p>
+          <a:p>
+            <a:pPr lvl="1" eaLnBrk="1" hangingPunct="1"/>
+            <a:r>
+              <a:rPr lang="zh-CN" altLang="en-US" dirty="0" smtClean="0">
+                <a:sym typeface="Arial" pitchFamily="34" charset="0"/>
+              </a:rPr>
+              <a:t>消灭</a:t>
+            </a:r>
+            <a:r>
+              <a:rPr lang="zh-CN" altLang="en-US" dirty="0">
+                <a:sym typeface="Arial" pitchFamily="34" charset="0"/>
+              </a:rPr>
+              <a:t>粘合</a:t>
+            </a:r>
+            <a:r>
+              <a:rPr lang="zh-CN" altLang="en-US" dirty="0" smtClean="0">
+                <a:sym typeface="Arial" pitchFamily="34" charset="0"/>
+              </a:rPr>
+              <a:t>代码</a:t>
+            </a:r>
+            <a:endParaRPr lang="en-US" altLang="zh-CN" dirty="0" smtClean="0">
+              <a:sym typeface="Arial" pitchFamily="34" charset="0"/>
+            </a:endParaRPr>
+          </a:p>
+          <a:p>
+            <a:pPr eaLnBrk="1" hangingPunct="1"/>
+            <a:r>
+              <a:rPr lang="zh-CN" altLang="en-US" dirty="0" smtClean="0">
+                <a:sym typeface="Arial" pitchFamily="34" charset="0"/>
+              </a:rPr>
+              <a:t>决策树</a:t>
+            </a:r>
+            <a:endParaRPr lang="en-US" altLang="zh-CN" dirty="0" smtClean="0">
+              <a:sym typeface="Arial" pitchFamily="34" charset="0"/>
+            </a:endParaRPr>
+          </a:p>
+          <a:p>
+            <a:pPr lvl="1" eaLnBrk="1" hangingPunct="1"/>
+            <a:r>
+              <a:rPr lang="zh-CN" altLang="en-US" dirty="0" smtClean="0">
+                <a:sym typeface="Arial" pitchFamily="34" charset="0"/>
+              </a:rPr>
+              <a:t>一</a:t>
+            </a:r>
+            <a:r>
+              <a:rPr lang="zh-CN" altLang="en-US" dirty="0">
+                <a:sym typeface="Arial" pitchFamily="34" charset="0"/>
+              </a:rPr>
+              <a:t>个决定受哪些因素影响，每个因素按照什么顺序</a:t>
+            </a:r>
+            <a:r>
+              <a:rPr lang="zh-CN" altLang="en-US" dirty="0" smtClean="0">
+                <a:sym typeface="Arial" pitchFamily="34" charset="0"/>
+              </a:rPr>
+              <a:t>考虑</a:t>
+            </a:r>
+            <a:endParaRPr lang="en-US" altLang="zh-CN" dirty="0" smtClean="0">
+              <a:sym typeface="Arial" pitchFamily="34" charset="0"/>
+            </a:endParaRPr>
+          </a:p>
+          <a:p>
+            <a:pPr lvl="1" eaLnBrk="1" hangingPunct="1"/>
+            <a:r>
+              <a:rPr lang="zh-CN" altLang="en-US" dirty="0" smtClean="0">
+                <a:sym typeface="Arial" pitchFamily="34" charset="0"/>
+              </a:rPr>
+              <a:t>取代复杂嵌套的</a:t>
+            </a:r>
+            <a:r>
+              <a:rPr lang="en-US" altLang="zh-CN" dirty="0" smtClean="0">
+                <a:sym typeface="Arial" pitchFamily="34" charset="0"/>
+              </a:rPr>
+              <a:t>if/else</a:t>
+            </a:r>
+          </a:p>
+          <a:p>
+            <a:pPr eaLnBrk="1" hangingPunct="1"/>
+            <a:r>
+              <a:rPr lang="zh-CN" altLang="en-US" dirty="0" smtClean="0">
+                <a:sym typeface="Arial" pitchFamily="34" charset="0"/>
+              </a:rPr>
+              <a:t>状态机</a:t>
+            </a:r>
+            <a:endParaRPr lang="en-US" altLang="zh-CN" dirty="0" smtClean="0">
+              <a:sym typeface="Arial" pitchFamily="34" charset="0"/>
+            </a:endParaRPr>
+          </a:p>
+          <a:p>
+            <a:pPr lvl="1" eaLnBrk="1" hangingPunct="1"/>
+            <a:r>
+              <a:rPr lang="zh-CN" altLang="en-US" dirty="0" smtClean="0">
+                <a:sym typeface="Arial" pitchFamily="34" charset="0"/>
+              </a:rPr>
+              <a:t>一</a:t>
+            </a:r>
+            <a:r>
+              <a:rPr lang="zh-CN" altLang="en-US" dirty="0">
+                <a:sym typeface="Arial" pitchFamily="34" charset="0"/>
+              </a:rPr>
+              <a:t>个实体具有哪些状态，状态之间如何</a:t>
+            </a:r>
+            <a:r>
+              <a:rPr lang="zh-CN" altLang="en-US" dirty="0" smtClean="0">
+                <a:sym typeface="Arial" pitchFamily="34" charset="0"/>
+              </a:rPr>
+              <a:t>转移</a:t>
+            </a:r>
+            <a:endParaRPr lang="en-US" altLang="zh-CN" dirty="0" smtClean="0">
+              <a:sym typeface="Arial" pitchFamily="34" charset="0"/>
+            </a:endParaRPr>
+          </a:p>
+          <a:p>
+            <a:pPr lvl="1" eaLnBrk="1" hangingPunct="1"/>
+            <a:r>
+              <a:rPr lang="zh-CN" altLang="en-US" dirty="0" smtClean="0">
+                <a:sym typeface="Arial" pitchFamily="34" charset="0"/>
+              </a:rPr>
+              <a:t>代替</a:t>
+            </a:r>
+            <a:r>
+              <a:rPr lang="en-US" altLang="zh-CN" dirty="0" smtClean="0">
+                <a:sym typeface="Arial" pitchFamily="34" charset="0"/>
+              </a:rPr>
+              <a:t>hard-code</a:t>
+            </a:r>
+            <a:r>
+              <a:rPr lang="zh-CN" altLang="en-US" dirty="0" smtClean="0">
+                <a:sym typeface="Arial" pitchFamily="34" charset="0"/>
+              </a:rPr>
+              <a:t>的状态判断和动作触发</a:t>
+            </a:r>
+            <a:endParaRPr lang="en-US" altLang="zh-CN" dirty="0" smtClean="0">
+              <a:sym typeface="Arial" pitchFamily="34" charset="0"/>
+            </a:endParaRPr>
+          </a:p>
+        </p:txBody>
+      </p:sp>
+    </p:spTree>
+    <p:extLst>
+      <p:ext uri="{BB962C8B-B14F-4D97-AF65-F5344CB8AC3E}">
+        <p14:creationId xmlns:p14="http://schemas.microsoft.com/office/powerpoint/2010/main" val="1941477723"/>
+      </p:ext>
+    </p:extLst>
+  </p:cSld>
+  <p:clrMapOvr>
+    <a:masterClrMapping/>
+  </p:clrMapOvr>
+  <p:timing>
+    <p:tnLst>
+      <p:par>
+        <p:cTn id="1" dur="indefinite" restart="never" nodeType="tmRoot"/>
+      </p:par>
+    </p:tnLst>
+  </p:timing>
+</p:sld>
+</file>
+
+<file path=ppt/slides/slide13.xml><?xml version="1.0" encoding="utf-8"?>
+<p:sld xmlns:a="http://schemas.openxmlformats.org/drawingml/2006/main" xmlns:r="http://schemas.openxmlformats.org/officeDocument/2006/relationships" xmlns:p="http://schemas.openxmlformats.org/presentationml/2006/main">
+  <p:cSld>
+    <p:spTree>
+      <p:nvGrpSpPr>
+        <p:cNvPr id="1" name=""/>
+        <p:cNvGrpSpPr/>
+        <p:nvPr/>
+      </p:nvGrpSpPr>
+      <p:grpSpPr>
+        <a:xfrm>
+          <a:off x="0" y="0"/>
+          <a:ext cx="0" cy="0"/>
+          <a:chOff x="0" y="0"/>
+          <a:chExt cx="0" cy="0"/>
+        </a:xfrm>
+      </p:grpSpPr>
+      <p:sp>
+        <p:nvSpPr>
+          <p:cNvPr id="2" name="标题 1"/>
+          <p:cNvSpPr>
+            <a:spLocks noGrp="1"/>
+          </p:cNvSpPr>
+          <p:nvPr>
+            <p:ph type="title"/>
+          </p:nvPr>
+        </p:nvSpPr>
+        <p:spPr/>
+        <p:txBody>
+          <a:bodyPr/>
+          <a:lstStyle/>
+          <a:p>
+            <a:endParaRPr lang="zh-CN" altLang="en-US"/>
+          </a:p>
+        </p:txBody>
+      </p:sp>
+      <p:sp>
+        <p:nvSpPr>
+          <p:cNvPr id="3" name="内容占位符 2"/>
+          <p:cNvSpPr>
+            <a:spLocks noGrp="1"/>
+          </p:cNvSpPr>
+          <p:nvPr>
+            <p:ph idx="1"/>
+          </p:nvPr>
+        </p:nvSpPr>
+        <p:spPr/>
+        <p:txBody>
+          <a:bodyPr/>
+          <a:lstStyle/>
+          <a:p>
+            <a:endParaRPr lang="zh-CN" altLang="en-US" dirty="0"/>
+          </a:p>
+        </p:txBody>
+      </p:sp>
+      <p:sp>
+        <p:nvSpPr>
+          <p:cNvPr id="4" name="标题 1"/>
+          <p:cNvSpPr txBox="1">
+            <a:spLocks/>
+          </p:cNvSpPr>
+          <p:nvPr/>
+        </p:nvSpPr>
+        <p:spPr bwMode="auto">
+          <a:xfrm>
+            <a:off x="2559807" y="2852936"/>
+            <a:ext cx="3816424" cy="576064"/>
+          </a:xfrm>
+          <a:prstGeom prst="rect">
+            <a:avLst/>
+          </a:prstGeom>
+          <a:extLst/>
+        </p:spPr>
+        <p:style>
+          <a:lnRef idx="1">
+            <a:schemeClr val="accent4"/>
+          </a:lnRef>
+          <a:fillRef idx="3">
+            <a:schemeClr val="accent4"/>
+          </a:fillRef>
+          <a:effectRef idx="2">
+            <a:schemeClr val="accent4"/>
+          </a:effectRef>
+          <a:fontRef idx="minor">
+            <a:schemeClr val="lt1"/>
+          </a:fontRef>
+        </p:style>
+        <p:txBody>
+          <a:bodyPr vert="horz" wrap="square" lIns="91440" tIns="45720" rIns="91440" bIns="45720" numCol="1" anchor="b" anchorCtr="0" compatLnSpc="1">
+            <a:prstTxWarp prst="textNoShape">
+              <a:avLst/>
+            </a:prstTxWarp>
+          </a:bodyPr>
+          <a:lstStyle>
+            <a:lvl1pPr algn="l" rtl="0" eaLnBrk="0" fontAlgn="base" hangingPunct="0">
+              <a:lnSpc>
+                <a:spcPct val="90000"/>
+              </a:lnSpc>
+              <a:spcBef>
+                <a:spcPct val="0"/>
+              </a:spcBef>
+              <a:spcAft>
+                <a:spcPct val="0"/>
+              </a:spcAft>
+              <a:defRPr sz="3200" b="1">
+                <a:solidFill>
+                  <a:schemeClr val="lt1"/>
+                </a:solidFill>
+                <a:latin typeface="+mn-lt"/>
+                <a:ea typeface="+mn-ea"/>
+                <a:cs typeface="+mn-cs"/>
+              </a:defRPr>
+            </a:lvl1pPr>
+            <a:lvl2pPr algn="l" rtl="0" eaLnBrk="0" fontAlgn="base" hangingPunct="0">
+              <a:lnSpc>
+                <a:spcPct val="90000"/>
+              </a:lnSpc>
+              <a:spcBef>
+                <a:spcPct val="0"/>
+              </a:spcBef>
+              <a:spcAft>
+                <a:spcPct val="0"/>
+              </a:spcAft>
+              <a:defRPr sz="3200" b="1">
+                <a:solidFill>
+                  <a:schemeClr val="lt1"/>
+                </a:solidFill>
+                <a:latin typeface="+mn-lt"/>
+                <a:ea typeface="+mn-ea"/>
+                <a:cs typeface="+mn-cs"/>
+              </a:defRPr>
+            </a:lvl2pPr>
+            <a:lvl3pPr algn="l" rtl="0" eaLnBrk="0" fontAlgn="base" hangingPunct="0">
+              <a:lnSpc>
+                <a:spcPct val="90000"/>
+              </a:lnSpc>
+              <a:spcBef>
+                <a:spcPct val="0"/>
+              </a:spcBef>
+              <a:spcAft>
+                <a:spcPct val="0"/>
+              </a:spcAft>
+              <a:defRPr sz="3200" b="1">
+                <a:solidFill>
+                  <a:schemeClr val="lt1"/>
+                </a:solidFill>
+                <a:latin typeface="+mn-lt"/>
+                <a:ea typeface="+mn-ea"/>
+                <a:cs typeface="+mn-cs"/>
+              </a:defRPr>
+            </a:lvl3pPr>
+            <a:lvl4pPr algn="l" rtl="0" eaLnBrk="0" fontAlgn="base" hangingPunct="0">
+              <a:lnSpc>
+                <a:spcPct val="90000"/>
+              </a:lnSpc>
+              <a:spcBef>
+                <a:spcPct val="0"/>
+              </a:spcBef>
+              <a:spcAft>
+                <a:spcPct val="0"/>
+              </a:spcAft>
+              <a:defRPr sz="3200" b="1">
+                <a:solidFill>
+                  <a:schemeClr val="lt1"/>
+                </a:solidFill>
+                <a:latin typeface="+mn-lt"/>
+                <a:ea typeface="+mn-ea"/>
+                <a:cs typeface="+mn-cs"/>
+              </a:defRPr>
+            </a:lvl4pPr>
+            <a:lvl5pPr algn="l" rtl="0" eaLnBrk="0" fontAlgn="base" hangingPunct="0">
+              <a:lnSpc>
+                <a:spcPct val="90000"/>
+              </a:lnSpc>
+              <a:spcBef>
+                <a:spcPct val="0"/>
+              </a:spcBef>
+              <a:spcAft>
+                <a:spcPct val="0"/>
+              </a:spcAft>
+              <a:defRPr sz="3200" b="1">
+                <a:solidFill>
+                  <a:schemeClr val="lt1"/>
+                </a:solidFill>
+                <a:latin typeface="+mn-lt"/>
+                <a:ea typeface="+mn-ea"/>
+                <a:cs typeface="+mn-cs"/>
+              </a:defRPr>
+            </a:lvl5pPr>
+            <a:lvl6pPr marL="457200" algn="l" rtl="0" fontAlgn="base">
+              <a:lnSpc>
+                <a:spcPct val="90000"/>
+              </a:lnSpc>
+              <a:spcBef>
+                <a:spcPct val="0"/>
+              </a:spcBef>
+              <a:spcAft>
+                <a:spcPct val="0"/>
+              </a:spcAft>
+              <a:defRPr sz="3200" b="1">
+                <a:solidFill>
+                  <a:schemeClr val="lt1"/>
+                </a:solidFill>
+                <a:latin typeface="+mn-lt"/>
+                <a:ea typeface="+mn-ea"/>
+                <a:cs typeface="+mn-cs"/>
+              </a:defRPr>
+            </a:lvl6pPr>
+            <a:lvl7pPr marL="914400" algn="l" rtl="0" fontAlgn="base">
+              <a:lnSpc>
+                <a:spcPct val="90000"/>
+              </a:lnSpc>
+              <a:spcBef>
+                <a:spcPct val="0"/>
+              </a:spcBef>
+              <a:spcAft>
+                <a:spcPct val="0"/>
+              </a:spcAft>
+              <a:defRPr sz="3200" b="1">
+                <a:solidFill>
+                  <a:schemeClr val="lt1"/>
+                </a:solidFill>
+                <a:latin typeface="+mn-lt"/>
+                <a:ea typeface="+mn-ea"/>
+                <a:cs typeface="+mn-cs"/>
+              </a:defRPr>
+            </a:lvl7pPr>
+            <a:lvl8pPr marL="1371600" algn="l" rtl="0" fontAlgn="base">
+              <a:lnSpc>
+                <a:spcPct val="90000"/>
+              </a:lnSpc>
+              <a:spcBef>
+                <a:spcPct val="0"/>
+              </a:spcBef>
+              <a:spcAft>
+                <a:spcPct val="0"/>
+              </a:spcAft>
+              <a:defRPr sz="3200" b="1">
+                <a:solidFill>
+                  <a:schemeClr val="lt1"/>
+                </a:solidFill>
+                <a:latin typeface="+mn-lt"/>
+                <a:ea typeface="+mn-ea"/>
+                <a:cs typeface="+mn-cs"/>
+              </a:defRPr>
+            </a:lvl8pPr>
+            <a:lvl9pPr marL="1828800" algn="l" rtl="0" fontAlgn="base">
+              <a:lnSpc>
+                <a:spcPct val="90000"/>
+              </a:lnSpc>
+              <a:spcBef>
+                <a:spcPct val="0"/>
+              </a:spcBef>
+              <a:spcAft>
+                <a:spcPct val="0"/>
+              </a:spcAft>
+              <a:defRPr sz="3200" b="1">
+                <a:solidFill>
+                  <a:schemeClr val="lt1"/>
+                </a:solidFill>
+                <a:latin typeface="+mn-lt"/>
+                <a:ea typeface="+mn-ea"/>
+                <a:cs typeface="+mn-cs"/>
+              </a:defRPr>
+            </a:lvl9pPr>
+          </a:lstStyle>
+          <a:p>
+            <a:pPr algn="ctr">
+              <a:buFontTx/>
+            </a:pPr>
+            <a:r>
+              <a:rPr lang="en-US" altLang="zh-CN" kern="0" dirty="0" smtClean="0"/>
+              <a:t>X-Series</a:t>
+            </a:r>
+            <a:r>
+              <a:rPr lang="zh-CN" altLang="en-US" kern="0" dirty="0" smtClean="0"/>
+              <a:t>为此而生</a:t>
+            </a:r>
+            <a:endParaRPr lang="zh-CN" altLang="en-US" kern="0" dirty="0"/>
+          </a:p>
+        </p:txBody>
+      </p:sp>
+    </p:spTree>
+    <p:extLst>
+      <p:ext uri="{BB962C8B-B14F-4D97-AF65-F5344CB8AC3E}">
+        <p14:creationId xmlns:p14="http://schemas.microsoft.com/office/powerpoint/2010/main" val="684102422"/>
+      </p:ext>
+    </p:extLst>
+  </p:cSld>
+  <p:clrMapOvr>
+    <a:masterClrMapping/>
+  </p:clrMapOvr>
+  <p:timing>
+    <p:tnLst>
+      <p:par>
+        <p:cTn id="1" dur="indefinite" restart="never" nodeType="tmRoot"/>
+      </p:par>
+    </p:tnLst>
+  </p:timing>
+</p:sld>
+</file>
+
+<file path=ppt/slides/slide14.xml><?xml version="1.0" encoding="utf-8"?>
+<p:sld xmlns:a="http://schemas.openxmlformats.org/drawingml/2006/main" xmlns:r="http://schemas.openxmlformats.org/officeDocument/2006/relationships" xmlns:p="http://schemas.openxmlformats.org/presentationml/2006/main">
+  <p:cSld>
+    <p:spTree>
+      <p:nvGrpSpPr>
+        <p:cNvPr id="1" name=""/>
+        <p:cNvGrpSpPr/>
+        <p:nvPr/>
+      </p:nvGrpSpPr>
+      <p:grpSpPr>
+        <a:xfrm>
+          <a:off x="0" y="0"/>
+          <a:ext cx="0" cy="0"/>
+          <a:chOff x="0" y="0"/>
+          <a:chExt cx="0" cy="0"/>
+        </a:xfrm>
+      </p:grpSpPr>
+      <p:sp>
+        <p:nvSpPr>
+          <p:cNvPr id="2" name="标题 1"/>
+          <p:cNvSpPr>
+            <a:spLocks noGrp="1"/>
+          </p:cNvSpPr>
+          <p:nvPr>
+            <p:ph type="title"/>
+          </p:nvPr>
+        </p:nvSpPr>
+        <p:spPr/>
+        <p:txBody>
+          <a:bodyPr/>
+          <a:lstStyle/>
+          <a:p>
+            <a:r>
+              <a:rPr lang="en-US" dirty="0" smtClean="0"/>
+              <a:t>X-Series</a:t>
+            </a:r>
+            <a:r>
+              <a:rPr lang="zh-CN" altLang="en-US" dirty="0" smtClean="0"/>
+              <a:t>概览</a:t>
+            </a:r>
+            <a:endParaRPr lang="en-US" dirty="0"/>
+          </a:p>
+        </p:txBody>
+      </p:sp>
+      <p:sp>
+        <p:nvSpPr>
+          <p:cNvPr id="3" name="内容占位符 2"/>
+          <p:cNvSpPr>
+            <a:spLocks noGrp="1"/>
+          </p:cNvSpPr>
+          <p:nvPr>
+            <p:ph idx="1"/>
+          </p:nvPr>
+        </p:nvSpPr>
+        <p:spPr/>
+        <p:txBody>
+          <a:bodyPr/>
+          <a:lstStyle/>
+          <a:p>
+            <a:r>
+              <a:rPr lang="zh-CN" altLang="en-US" dirty="0" smtClean="0"/>
+              <a:t>一套轻量级的框架</a:t>
+            </a:r>
+            <a:endParaRPr lang="en-US" dirty="0" smtClean="0"/>
+          </a:p>
+          <a:p>
+            <a:pPr lvl="1"/>
+            <a:r>
+              <a:rPr lang="zh-CN" altLang="en-US" dirty="0" smtClean="0"/>
+              <a:t>易于</a:t>
+            </a:r>
+            <a:r>
+              <a:rPr lang="zh-CN" altLang="en-US" dirty="0" smtClean="0"/>
+              <a:t>学习</a:t>
+            </a:r>
+            <a:endParaRPr lang="en-US" dirty="0" smtClean="0"/>
+          </a:p>
+          <a:p>
+            <a:pPr lvl="1"/>
+            <a:r>
+              <a:rPr lang="zh-CN" altLang="en-US" dirty="0" smtClean="0"/>
+              <a:t>易于使用</a:t>
+            </a:r>
+            <a:endParaRPr lang="en-US" dirty="0" smtClean="0"/>
+          </a:p>
+          <a:p>
+            <a:pPr lvl="1"/>
+            <a:r>
+              <a:rPr lang="zh-CN" altLang="en-US" dirty="0" smtClean="0"/>
+              <a:t>易于测试</a:t>
+            </a:r>
+            <a:endParaRPr lang="en-US" altLang="zh-CN" dirty="0" smtClean="0"/>
+          </a:p>
+          <a:p>
+            <a:pPr lvl="1"/>
+            <a:r>
+              <a:rPr lang="zh-CN" altLang="en-US" dirty="0" smtClean="0"/>
+              <a:t>易于交流</a:t>
+            </a:r>
+            <a:endParaRPr lang="en-US" altLang="zh-CN" dirty="0" smtClean="0"/>
+          </a:p>
+          <a:p>
+            <a:r>
+              <a:rPr lang="zh-CN" altLang="en-US" dirty="0" smtClean="0"/>
+              <a:t>解决大规模</a:t>
+            </a:r>
+            <a:r>
+              <a:rPr lang="zh-CN" altLang="en-US" dirty="0"/>
+              <a:t>软件开发难题</a:t>
+            </a:r>
+            <a:endParaRPr lang="en-US" altLang="zh-CN" dirty="0"/>
+          </a:p>
+          <a:p>
+            <a:pPr lvl="1"/>
+            <a:r>
+              <a:rPr lang="zh-CN" altLang="en-US" dirty="0"/>
+              <a:t>沟通不畅</a:t>
+            </a:r>
+            <a:endParaRPr lang="en-US" altLang="zh-CN" dirty="0"/>
+          </a:p>
+          <a:p>
+            <a:pPr lvl="1"/>
+            <a:r>
+              <a:rPr lang="zh-CN" altLang="en-US" dirty="0"/>
+              <a:t>文档不新</a:t>
+            </a:r>
+            <a:endParaRPr lang="en-US" altLang="zh-CN" dirty="0"/>
+          </a:p>
+          <a:p>
+            <a:pPr lvl="1"/>
+            <a:r>
+              <a:rPr lang="zh-CN" altLang="en-US" dirty="0"/>
+              <a:t>分工不当</a:t>
+            </a:r>
+            <a:endParaRPr lang="en-US" altLang="zh-CN" dirty="0"/>
+          </a:p>
+          <a:p>
+            <a:pPr lvl="1"/>
+            <a:r>
+              <a:rPr lang="zh-CN" altLang="en-US" dirty="0"/>
+              <a:t>进度</a:t>
+            </a:r>
+            <a:r>
+              <a:rPr lang="zh-CN" altLang="en-US" dirty="0" smtClean="0"/>
+              <a:t>不明</a:t>
+            </a:r>
+            <a:endParaRPr lang="en-US" altLang="zh-CN" dirty="0"/>
+          </a:p>
+        </p:txBody>
+      </p:sp>
+      <p:sp>
+        <p:nvSpPr>
+          <p:cNvPr id="4" name="TextBox 1"/>
           <p:cNvSpPr txBox="1">
             <a:spLocks noChangeArrowheads="1"/>
           </p:cNvSpPr>
@@ -9107,8 +9776,8 @@
         </p:nvSpPr>
         <p:spPr bwMode="auto">
           <a:xfrm>
-            <a:off x="7307660" y="893763"/>
-            <a:ext cx="615553" cy="4911501"/>
+            <a:off x="7184549" y="893763"/>
+            <a:ext cx="738664" cy="5631581"/>
           </a:xfrm>
           <a:prstGeom prst="rect">
             <a:avLst/>
@@ -9255,14 +9924,25 @@
           <a:p>
             <a:pPr algn="l" eaLnBrk="1" hangingPunct="1"/>
             <a:r>
-              <a:rPr lang="zh-CN" altLang="en-US" sz="2800" dirty="0" smtClean="0"/>
-              <a:t>不要条件反射式的解决问题</a:t>
-            </a:r>
-            <a:endParaRPr lang="en-US" sz="2800" dirty="0"/>
+              <a:rPr lang="zh-CN" altLang="en-US" sz="3600" dirty="0" smtClean="0">
+                <a:latin typeface="华文行楷" panose="02010800040101010101" pitchFamily="2" charset="-122"/>
+                <a:ea typeface="华文行楷" panose="02010800040101010101" pitchFamily="2" charset="-122"/>
+              </a:rPr>
+              <a:t>工欲善其事 必先利其器</a:t>
+            </a:r>
+            <a:endParaRPr lang="en-US" sz="2400" dirty="0">
+              <a:latin typeface="华文行楷" panose="02010800040101010101" pitchFamily="2" charset="-122"/>
+              <a:ea typeface="华文行楷" panose="02010800040101010101" pitchFamily="2" charset="-122"/>
+            </a:endParaRPr>
           </a:p>
         </p:txBody>
       </p:sp>
     </p:spTree>
+    <p:extLst>
+      <p:ext uri="{BB962C8B-B14F-4D97-AF65-F5344CB8AC3E}">
+        <p14:creationId xmlns:p14="http://schemas.microsoft.com/office/powerpoint/2010/main" val="3666171978"/>
+      </p:ext>
+    </p:extLst>
   </p:cSld>
   <p:clrMapOvr>
     <a:masterClrMapping/>
@@ -9277,7 +9957,7 @@
 </p:sld>
 </file>
 
-<file path=ppt/slides/slide12.xml><?xml version="1.0" encoding="utf-8"?>
+<file path=ppt/slides/slide15.xml><?xml version="1.0" encoding="utf-8"?>
 <p:sld xmlns:a="http://schemas.openxmlformats.org/drawingml/2006/main" xmlns:r="http://schemas.openxmlformats.org/officeDocument/2006/relationships" xmlns:p="http://schemas.openxmlformats.org/presentationml/2006/main">
   <p:cSld>
     <p:spTree>
@@ -9311,9 +9991,14 @@
           <a:p>
             <a:pPr eaLnBrk="1" hangingPunct="1"/>
             <a:r>
+              <a:rPr lang="en-US" altLang="zh-CN" sz="2800" dirty="0" smtClean="0"/>
+              <a:t>X-Series</a:t>
+            </a:r>
+            <a:r>
               <a:rPr lang="zh-CN" altLang="en-US" sz="2800" dirty="0" smtClean="0"/>
-              <a:t>解决之道</a:t>
-            </a:r>
+              <a:t>组件集</a:t>
+            </a:r>
+            <a:endParaRPr lang="zh-CN" altLang="en-US" sz="2800" dirty="0" smtClean="0"/>
           </a:p>
         </p:txBody>
       </p:sp>
@@ -9324,7 +10009,7 @@
             <a:spLocks noGrp="1" noChangeArrowheads="1"/>
           </p:cNvSpPr>
           <p:nvPr>
-            <p:ph type="body" idx="1"/>
+            <p:ph idx="1"/>
           </p:nvPr>
         </p:nvSpPr>
         <p:spPr/>
@@ -9343,30 +10028,41 @@
               <a:rPr lang="en-US" altLang="en-US" sz="1800" dirty="0" smtClean="0">
                 <a:sym typeface="Arial" pitchFamily="34" charset="0"/>
               </a:rPr>
-              <a:t> unit </a:t>
-            </a:r>
+              <a:t> </a:t>
+            </a:r>
+            <a:r>
+              <a:rPr lang="en-US" altLang="zh-CN" sz="1800" dirty="0" smtClean="0">
+                <a:sym typeface="Arial" pitchFamily="34" charset="0"/>
+              </a:rPr>
+              <a:t>U</a:t>
+            </a:r>
+            <a:r>
+              <a:rPr lang="en-US" altLang="en-US" sz="1800" dirty="0" smtClean="0">
+                <a:sym typeface="Arial" pitchFamily="34" charset="0"/>
+              </a:rPr>
+              <a:t>nit </a:t>
+            </a:r>
+            <a:endParaRPr lang="en-US" altLang="en-US" sz="1800" dirty="0" smtClean="0">
+              <a:sym typeface="Arial" pitchFamily="34" charset="0"/>
+            </a:endParaRPr>
           </a:p>
           <a:p>
             <a:pPr lvl="1" eaLnBrk="1" hangingPunct="1"/>
             <a:r>
               <a:rPr lang="zh-CN" altLang="en-US" dirty="0" smtClean="0"/>
-              <a:t>专注描述工作</a:t>
-            </a:r>
-            <a:r>
-              <a:rPr lang="zh-CN" altLang="en-US" dirty="0"/>
-              <a:t>如何完成的高层</a:t>
-            </a:r>
+              <a:t>用流程图描述服务如何按步骤完成</a:t>
+            </a:r>
+            <a:endParaRPr lang="en-US" altLang="zh-CN" dirty="0" smtClean="0"/>
+          </a:p>
+          <a:p>
+            <a:pPr lvl="1" eaLnBrk="1" hangingPunct="1"/>
             <a:r>
               <a:rPr lang="zh-CN" altLang="en-US" dirty="0" smtClean="0"/>
-              <a:t>流程</a:t>
-            </a:r>
-            <a:endParaRPr lang="en-US" altLang="en-US" dirty="0" smtClean="0"/>
-          </a:p>
-          <a:p>
-            <a:pPr lvl="1" eaLnBrk="1" hangingPunct="1"/>
+              <a:t>服务</a:t>
+            </a:r>
             <a:r>
               <a:rPr lang="zh-CN" altLang="en-US" dirty="0" smtClean="0"/>
-              <a:t>服务级别</a:t>
+              <a:t>级别</a:t>
             </a:r>
             <a:endParaRPr lang="en-US" altLang="en-US" dirty="0" smtClean="0"/>
           </a:p>
@@ -9389,7 +10085,11 @@
             <a:pPr lvl="1" eaLnBrk="1" hangingPunct="1"/>
             <a:r>
               <a:rPr lang="zh-CN" altLang="en-US" dirty="0" smtClean="0"/>
-              <a:t>为复杂决策建模</a:t>
+              <a:t>用决策树为</a:t>
+            </a:r>
+            <a:r>
+              <a:rPr lang="zh-CN" altLang="en-US" dirty="0" smtClean="0"/>
+              <a:t>复杂决策建模</a:t>
             </a:r>
             <a:endParaRPr lang="en-US" altLang="en-US" dirty="0" smtClean="0"/>
           </a:p>
@@ -9409,14 +10109,19 @@
             </a:r>
             <a:r>
               <a:rPr lang="en-US" altLang="en-US" sz="1800" dirty="0"/>
-              <a:t> state </a:t>
-            </a:r>
+              <a:t> </a:t>
+            </a:r>
+            <a:r>
+              <a:rPr lang="en-US" altLang="en-US" sz="1800" dirty="0" smtClean="0"/>
+              <a:t>State</a:t>
+            </a:r>
+            <a:endParaRPr lang="en-US" altLang="en-US" sz="1800" dirty="0"/>
           </a:p>
           <a:p>
             <a:pPr lvl="1" eaLnBrk="1" hangingPunct="1"/>
             <a:r>
               <a:rPr lang="zh-CN" altLang="en-US" dirty="0" smtClean="0"/>
-              <a:t>按照状态组织业务流程</a:t>
+              <a:t>用状态机管理业务状态变迁</a:t>
             </a:r>
             <a:endParaRPr lang="en-US" altLang="en-US" dirty="0"/>
           </a:p>
@@ -9434,20 +10139,41 @@
               <a:rPr lang="en-US" altLang="en-US" dirty="0" err="1" smtClean="0"/>
               <a:t>Xeda</a:t>
             </a:r>
+            <a:r>
+              <a:rPr lang="en-US" altLang="en-US" dirty="0" smtClean="0"/>
+              <a:t> </a:t>
+            </a:r>
+            <a:r>
+              <a:rPr lang="en-US" altLang="zh-CN" dirty="0" smtClean="0"/>
+              <a:t>[WIP]</a:t>
+            </a:r>
             <a:endParaRPr lang="en-US" altLang="en-US" dirty="0" smtClean="0"/>
           </a:p>
           <a:p>
             <a:pPr lvl="1" eaLnBrk="1" hangingPunct="1"/>
             <a:r>
+              <a:rPr lang="zh-CN" altLang="en-US" dirty="0" smtClean="0"/>
+              <a:t>基于</a:t>
+            </a:r>
+            <a:r>
               <a:rPr lang="en-US" altLang="en-US" dirty="0" smtClean="0"/>
-              <a:t>SEDA model</a:t>
-            </a:r>
+              <a:t>SEDA</a:t>
+            </a:r>
+            <a:r>
+              <a:rPr lang="zh-CN" altLang="en-US" dirty="0" smtClean="0"/>
+              <a:t>模型的微服务架构</a:t>
+            </a:r>
+            <a:endParaRPr lang="en-US" altLang="zh-CN" dirty="0" smtClean="0"/>
           </a:p>
           <a:p>
             <a:pPr lvl="1" eaLnBrk="1" hangingPunct="1"/>
             <a:r>
               <a:rPr lang="zh-CN" altLang="en-US" dirty="0" smtClean="0"/>
-              <a:t>运行平台级别</a:t>
+              <a:t>运行</a:t>
+            </a:r>
+            <a:r>
+              <a:rPr lang="zh-CN" altLang="en-US" dirty="0" smtClean="0"/>
+              <a:t>平台级别</a:t>
             </a:r>
             <a:endParaRPr lang="en-US" altLang="en-US" dirty="0" smtClean="0"/>
           </a:p>
@@ -9465,39 +10191,34 @@
         </p:nvSpPr>
         <p:spPr bwMode="auto">
           <a:xfrm>
-            <a:off x="3995936" y="2852936"/>
-            <a:ext cx="4392488" cy="3312368"/>
+            <a:off x="3995936" y="1556792"/>
+            <a:ext cx="4896544" cy="4608512"/>
           </a:xfrm>
           <a:prstGeom prst="roundRect">
             <a:avLst/>
           </a:prstGeom>
-          <a:solidFill>
-            <a:srgbClr val="FFFFFF"/>
-          </a:solidFill>
-          <a:ln w="25400" cap="flat" cmpd="sng" algn="ctr">
-            <a:solidFill>
-              <a:schemeClr val="tx1"/>
-            </a:solidFill>
-            <a:prstDash val="solid"/>
-            <a:round/>
+          <a:ln>
             <a:headEnd type="none" w="med" len="med"/>
             <a:tailEnd type="none" w="med" len="med"/>
           </a:ln>
-          <a:effectLst/>
-          <a:extLst>
-            <a:ext uri="{AF507438-7753-43E0-B8FC-AC1667EBCBE1}">
-              <a14:hiddenEffects xmlns:a14="http://schemas.microsoft.com/office/drawing/2010/main">
-                <a:effectLst>
-                  <a:outerShdw dist="35921" dir="2700000" algn="ctr" rotWithShape="0">
-                    <a:schemeClr val="bg2"/>
-                  </a:outerShdw>
-                </a:effectLst>
-              </a14:hiddenEffects>
-            </a:ext>
-          </a:extLst>
+          <a:extLst/>
         </p:spPr>
+        <p:style>
+          <a:lnRef idx="1">
+            <a:schemeClr val="accent4"/>
+          </a:lnRef>
+          <a:fillRef idx="2">
+            <a:schemeClr val="accent4"/>
+          </a:fillRef>
+          <a:effectRef idx="1">
+            <a:schemeClr val="accent4"/>
+          </a:effectRef>
+          <a:fontRef idx="minor">
+            <a:schemeClr val="dk1"/>
+          </a:fontRef>
+        </p:style>
         <p:txBody>
-          <a:bodyPr vert="horz" wrap="none" lIns="91440" tIns="45720" rIns="91440" bIns="45720" numCol="1" rtlCol="0" anchor="b" anchorCtr="0" compatLnSpc="1">
+          <a:bodyPr vert="horz" wrap="none" lIns="91440" tIns="45720" rIns="91440" bIns="45720" numCol="1" rtlCol="0" anchor="t" anchorCtr="0" compatLnSpc="1">
             <a:prstTxWarp prst="textNoShape">
               <a:avLst/>
             </a:prstTxWarp>
@@ -9554,39 +10275,34 @@
         </p:nvSpPr>
         <p:spPr bwMode="auto">
           <a:xfrm>
-            <a:off x="4283968" y="3212976"/>
-            <a:ext cx="1728192" cy="936104"/>
+            <a:off x="4357885" y="2276872"/>
+            <a:ext cx="4172645" cy="3384376"/>
           </a:xfrm>
           <a:prstGeom prst="roundRect">
             <a:avLst/>
           </a:prstGeom>
-          <a:solidFill>
-            <a:srgbClr val="FFFFFF"/>
-          </a:solidFill>
-          <a:ln w="25400" cap="flat" cmpd="sng" algn="ctr">
-            <a:solidFill>
-              <a:schemeClr val="tx1"/>
-            </a:solidFill>
-            <a:prstDash val="solid"/>
-            <a:round/>
+          <a:ln>
             <a:headEnd type="none" w="med" len="med"/>
             <a:tailEnd type="none" w="med" len="med"/>
           </a:ln>
-          <a:effectLst/>
-          <a:extLst>
-            <a:ext uri="{AF507438-7753-43E0-B8FC-AC1667EBCBE1}">
-              <a14:hiddenEffects xmlns:a14="http://schemas.microsoft.com/office/drawing/2010/main">
-                <a:effectLst>
-                  <a:outerShdw dist="35921" dir="2700000" algn="ctr" rotWithShape="0">
-                    <a:schemeClr val="bg2"/>
-                  </a:outerShdw>
-                </a:effectLst>
-              </a14:hiddenEffects>
-            </a:ext>
-          </a:extLst>
+          <a:extLst/>
         </p:spPr>
+        <p:style>
+          <a:lnRef idx="3">
+            <a:schemeClr val="lt1"/>
+          </a:lnRef>
+          <a:fillRef idx="1">
+            <a:schemeClr val="accent3"/>
+          </a:fillRef>
+          <a:effectRef idx="1">
+            <a:schemeClr val="accent3"/>
+          </a:effectRef>
+          <a:fontRef idx="minor">
+            <a:schemeClr val="lt1"/>
+          </a:fontRef>
+        </p:style>
         <p:txBody>
-          <a:bodyPr vert="horz" wrap="none" lIns="91440" tIns="45720" rIns="91440" bIns="45720" numCol="1" rtlCol="0" anchor="ctr" anchorCtr="0" compatLnSpc="1">
+          <a:bodyPr vert="horz" wrap="none" lIns="91440" tIns="45720" rIns="91440" bIns="45720" numCol="1" rtlCol="0" anchor="t" anchorCtr="0" compatLnSpc="1">
             <a:prstTxWarp prst="textNoShape">
               <a:avLst/>
             </a:prstTxWarp>
@@ -9656,37 +10372,32 @@
         </p:nvSpPr>
         <p:spPr bwMode="auto">
           <a:xfrm>
-            <a:off x="5292080" y="4519392"/>
+            <a:off x="6514397" y="3789040"/>
             <a:ext cx="1800200" cy="936104"/>
           </a:xfrm>
           <a:prstGeom prst="roundRect">
             <a:avLst/>
           </a:prstGeom>
-          <a:solidFill>
-            <a:srgbClr val="FFFFFF"/>
-          </a:solidFill>
-          <a:ln w="25400" cap="flat" cmpd="sng" algn="ctr">
-            <a:solidFill>
-              <a:schemeClr val="tx1"/>
-            </a:solidFill>
-            <a:prstDash val="solid"/>
-            <a:round/>
+          <a:ln>
             <a:headEnd type="none" w="med" len="med"/>
             <a:tailEnd type="none" w="med" len="med"/>
           </a:ln>
-          <a:effectLst/>
-          <a:extLst>
-            <a:ext uri="{AF507438-7753-43E0-B8FC-AC1667EBCBE1}">
-              <a14:hiddenEffects xmlns:a14="http://schemas.microsoft.com/office/drawing/2010/main">
-                <a:effectLst>
-                  <a:outerShdw dist="35921" dir="2700000" algn="ctr" rotWithShape="0">
-                    <a:schemeClr val="bg2"/>
-                  </a:outerShdw>
-                </a:effectLst>
-              </a14:hiddenEffects>
-            </a:ext>
-          </a:extLst>
+          <a:extLst/>
         </p:spPr>
+        <p:style>
+          <a:lnRef idx="1">
+            <a:schemeClr val="accent6"/>
+          </a:lnRef>
+          <a:fillRef idx="2">
+            <a:schemeClr val="accent6"/>
+          </a:fillRef>
+          <a:effectRef idx="1">
+            <a:schemeClr val="accent6"/>
+          </a:effectRef>
+          <a:fontRef idx="minor">
+            <a:schemeClr val="dk1"/>
+          </a:fontRef>
+        </p:style>
         <p:txBody>
           <a:bodyPr vert="horz" wrap="none" lIns="91440" tIns="45720" rIns="91440" bIns="45720" numCol="1" rtlCol="0" anchor="ctr" anchorCtr="0" compatLnSpc="1">
             <a:prstTxWarp prst="textNoShape">
@@ -9758,37 +10469,32 @@
         </p:nvSpPr>
         <p:spPr bwMode="auto">
           <a:xfrm>
-            <a:off x="6444208" y="3212976"/>
+            <a:off x="4612371" y="3789040"/>
             <a:ext cx="1584176" cy="936104"/>
           </a:xfrm>
           <a:prstGeom prst="roundRect">
             <a:avLst/>
           </a:prstGeom>
-          <a:solidFill>
-            <a:srgbClr val="FFFFFF"/>
-          </a:solidFill>
-          <a:ln w="25400" cap="flat" cmpd="sng" algn="ctr">
-            <a:solidFill>
-              <a:schemeClr val="tx1"/>
-            </a:solidFill>
-            <a:prstDash val="solid"/>
-            <a:round/>
+          <a:ln>
             <a:headEnd type="none" w="med" len="med"/>
             <a:tailEnd type="none" w="med" len="med"/>
           </a:ln>
-          <a:effectLst/>
-          <a:extLst>
-            <a:ext uri="{AF507438-7753-43E0-B8FC-AC1667EBCBE1}">
-              <a14:hiddenEffects xmlns:a14="http://schemas.microsoft.com/office/drawing/2010/main">
-                <a:effectLst>
-                  <a:outerShdw dist="35921" dir="2700000" algn="ctr" rotWithShape="0">
-                    <a:schemeClr val="bg2"/>
-                  </a:outerShdw>
-                </a:effectLst>
-              </a14:hiddenEffects>
-            </a:ext>
-          </a:extLst>
+          <a:extLst/>
         </p:spPr>
+        <p:style>
+          <a:lnRef idx="1">
+            <a:schemeClr val="accent4"/>
+          </a:lnRef>
+          <a:fillRef idx="3">
+            <a:schemeClr val="accent4"/>
+          </a:fillRef>
+          <a:effectRef idx="2">
+            <a:schemeClr val="accent4"/>
+          </a:effectRef>
+          <a:fontRef idx="minor">
+            <a:schemeClr val="lt1"/>
+          </a:fontRef>
+        </p:style>
         <p:txBody>
           <a:bodyPr vert="horz" wrap="none" lIns="91440" tIns="45720" rIns="91440" bIns="45720" numCol="1" rtlCol="0" anchor="ctr" anchorCtr="0" compatLnSpc="1">
             <a:prstTxWarp prst="textNoShape">
@@ -9819,7 +10525,7 @@
                   <a:noFill/>
                 </a:ln>
                 <a:solidFill>
-                  <a:schemeClr val="tx1"/>
+                  <a:schemeClr val="bg1"/>
                 </a:solidFill>
                 <a:effectLst/>
                 <a:latin typeface="Arial" pitchFamily="34" charset="0"/>
@@ -9832,7 +10538,7 @@
                   <a:noFill/>
                 </a:ln>
                 <a:solidFill>
-                  <a:schemeClr val="tx1"/>
+                  <a:schemeClr val="bg1"/>
                 </a:solidFill>
                 <a:effectLst/>
                 <a:latin typeface="Arial" pitchFamily="34" charset="0"/>
@@ -9844,7 +10550,7 @@
                 <a:noFill/>
               </a:ln>
               <a:solidFill>
-                <a:schemeClr val="tx1"/>
+                <a:schemeClr val="bg1"/>
               </a:solidFill>
               <a:effectLst/>
               <a:latin typeface="Arial" pitchFamily="34" charset="0"/>
@@ -9867,7 +10573,7 @@
 </p:sld>
 </file>
 
-<file path=ppt/slides/slide13.xml><?xml version="1.0" encoding="utf-8"?>
+<file path=ppt/slides/slide16.xml><?xml version="1.0" encoding="utf-8"?>
 <p:sld xmlns:a="http://schemas.openxmlformats.org/drawingml/2006/main" xmlns:r="http://schemas.openxmlformats.org/officeDocument/2006/relationships" xmlns:p="http://schemas.openxmlformats.org/presentationml/2006/main">
   <p:cSld>
     <p:spTree>
@@ -9945,7 +10651,7 @@
 </p:sld>
 </file>
 
-<file path=ppt/slides/slide14.xml><?xml version="1.0" encoding="utf-8"?>
+<file path=ppt/slides/slide17.xml><?xml version="1.0" encoding="utf-8"?>
 <p:sld xmlns:a="http://schemas.openxmlformats.org/drawingml/2006/main" xmlns:r="http://schemas.openxmlformats.org/officeDocument/2006/relationships" xmlns:p="http://schemas.openxmlformats.org/presentationml/2006/main">
   <p:cSld>
     <p:spTree>
@@ -9964,9 +10670,9 @@
       </p:grpSpPr>
       <p:sp>
         <p:nvSpPr>
-          <p:cNvPr id="43010" name="Rectangle 2"/>
+          <p:cNvPr id="2" name="标题 1"/>
           <p:cNvSpPr>
-            <a:spLocks noGrp="1" noChangeArrowheads="1"/>
+            <a:spLocks noGrp="1"/>
           </p:cNvSpPr>
           <p:nvPr>
             <p:ph type="title"/>
@@ -9977,22 +10683,26 @@
           <a:bodyPr/>
           <a:lstStyle/>
           <a:p>
-            <a:pPr eaLnBrk="1" hangingPunct="1"/>
+            <a:r>
+              <a:rPr lang="zh-CN" altLang="en-US" dirty="0"/>
+              <a:t>Xross </a:t>
+            </a:r>
             <a:r>
               <a:rPr lang="zh-CN" altLang="en-US" dirty="0" smtClean="0"/>
-              <a:t>Xross Unit</a:t>
-            </a:r>
+              <a:t>Unit</a:t>
+            </a:r>
+            <a:endParaRPr lang="zh-CN" altLang="en-US" dirty="0"/>
           </a:p>
         </p:txBody>
       </p:sp>
       <p:sp>
         <p:nvSpPr>
-          <p:cNvPr id="43011" name="Rectangle 3"/>
+          <p:cNvPr id="3" name="内容占位符 2"/>
           <p:cNvSpPr>
-            <a:spLocks noGrp="1" noChangeArrowheads="1"/>
+            <a:spLocks noGrp="1"/>
           </p:cNvSpPr>
           <p:nvPr>
-            <p:ph type="body" idx="1"/>
+            <p:ph idx="1"/>
           </p:nvPr>
         </p:nvSpPr>
         <p:spPr/>
@@ -10000,21 +10710,37 @@
           <a:bodyPr/>
           <a:lstStyle/>
           <a:p>
-            <a:pPr eaLnBrk="1" hangingPunct="1"/>
-            <a:endParaRPr lang="en-US" smtClean="0"/>
+            <a:pPr eaLnBrk="1" hangingPunct="1">
+              <a:lnSpc>
+                <a:spcPct val="110000"/>
+              </a:lnSpc>
+            </a:pPr>
+            <a:r>
+              <a:rPr lang="zh-CN" altLang="en-US" sz="1800" dirty="0" smtClean="0"/>
+              <a:t>基于流程图的灵活</a:t>
+            </a:r>
+            <a:r>
+              <a:rPr lang="zh-CN" altLang="en-US" sz="1800" dirty="0"/>
+              <a:t>的系统构建</a:t>
+            </a:r>
+            <a:r>
+              <a:rPr lang="zh-CN" altLang="en-US" sz="1800" dirty="0" smtClean="0"/>
+              <a:t>器</a:t>
+            </a:r>
+            <a:endParaRPr lang="en-US" altLang="zh-CN" sz="1800" dirty="0"/>
           </a:p>
         </p:txBody>
       </p:sp>
       <p:pic>
         <p:nvPicPr>
-          <p:cNvPr id="43012" name="Content Placeholder 7"/>
+          <p:cNvPr id="4" name="Content Placeholder 7"/>
           <p:cNvPicPr>
             <a:picLocks noGrp="1" noChangeAspect="1" noChangeArrowheads="1"/>
           </p:cNvPicPr>
           <p:nvPr/>
         </p:nvPicPr>
         <p:blipFill>
-          <a:blip r:embed="rId2">
+          <a:blip r:embed="rId2" cstate="print">
             <a:extLst>
               <a:ext uri="{28A0092B-C50C-407E-A947-70E740481C1C}">
                 <a14:useLocalDpi xmlns:a14="http://schemas.microsoft.com/office/drawing/2010/main" val="0"/>
@@ -10028,8 +10754,8 @@
         </p:blipFill>
         <p:spPr bwMode="auto">
           <a:xfrm>
-            <a:off x="323850" y="838200"/>
-            <a:ext cx="8532813" cy="5967413"/>
+            <a:off x="692956" y="1484784"/>
+            <a:ext cx="7550125" cy="5280171"/>
           </a:xfrm>
           <a:prstGeom prst="rect">
             <a:avLst/>
@@ -10070,6 +10796,11 @@
         </p:spPr>
       </p:pic>
     </p:spTree>
+    <p:extLst>
+      <p:ext uri="{BB962C8B-B14F-4D97-AF65-F5344CB8AC3E}">
+        <p14:creationId xmlns:p14="http://schemas.microsoft.com/office/powerpoint/2010/main" val="1053598483"/>
+      </p:ext>
+    </p:extLst>
   </p:cSld>
   <p:clrMapOvr>
     <a:masterClrMapping/>
@@ -10084,7 +10815,7 @@
 </p:sld>
 </file>
 
-<file path=ppt/slides/slide15.xml><?xml version="1.0" encoding="utf-8"?>
+<file path=ppt/slides/slide18.xml><?xml version="1.0" encoding="utf-8"?>
 <p:sld xmlns:a="http://schemas.openxmlformats.org/drawingml/2006/main" xmlns:r="http://schemas.openxmlformats.org/officeDocument/2006/relationships" xmlns:p="http://schemas.openxmlformats.org/presentationml/2006/main">
   <p:cSld>
     <p:spTree>
@@ -10131,7 +10862,7 @@
             <a:spLocks noGrp="1" noChangeArrowheads="1"/>
           </p:cNvSpPr>
           <p:nvPr>
-            <p:ph type="body" idx="1"/>
+            <p:ph idx="1"/>
           </p:nvPr>
         </p:nvSpPr>
         <p:spPr/>
@@ -10141,22 +10872,135 @@
           <a:p>
             <a:pPr eaLnBrk="1" hangingPunct="1">
               <a:lnSpc>
-                <a:spcPct val="110000"/>
+                <a:spcPct val="130000"/>
               </a:lnSpc>
             </a:pPr>
             <a:r>
-              <a:rPr lang="en-US" sz="1800" dirty="0" err="1" smtClean="0"/>
-              <a:t>Xross</a:t>
-            </a:r>
-            <a:r>
-              <a:rPr lang="en-US" sz="1800" dirty="0" smtClean="0"/>
-              <a:t> unit </a:t>
-            </a:r>
-            <a:r>
               <a:rPr lang="zh-CN" altLang="en-US" sz="1800" dirty="0" smtClean="0"/>
-              <a:t>编辑器是一个灵活的系统构建器</a:t>
+              <a:t>提供</a:t>
+            </a:r>
+            <a:r>
+              <a:rPr lang="zh-CN" altLang="en-US" sz="1800" dirty="0" smtClean="0"/>
+              <a:t>丰富的行为组件</a:t>
             </a:r>
             <a:endParaRPr lang="en-US" sz="1800" dirty="0" smtClean="0"/>
+          </a:p>
+          <a:p>
+            <a:pPr lvl="1" eaLnBrk="1" hangingPunct="1">
+              <a:lnSpc>
+                <a:spcPct val="80000"/>
+              </a:lnSpc>
+            </a:pPr>
+            <a:r>
+              <a:rPr lang="zh-CN" altLang="en-US" sz="1400" dirty="0" smtClean="0"/>
+              <a:t>超精简接口 </a:t>
+            </a:r>
+            <a:r>
+              <a:rPr lang="en-US" altLang="zh-CN" sz="1400" dirty="0" smtClean="0"/>
+              <a:t>– </a:t>
+            </a:r>
+            <a:r>
+              <a:rPr lang="en-US" sz="1400" dirty="0" smtClean="0"/>
+              <a:t>processor, converter, validator, locator</a:t>
+            </a:r>
+          </a:p>
+          <a:p>
+            <a:pPr eaLnBrk="1" hangingPunct="1">
+              <a:lnSpc>
+                <a:spcPct val="130000"/>
+              </a:lnSpc>
+            </a:pPr>
+            <a:r>
+              <a:rPr lang="zh-CN" altLang="en-US" sz="1800" dirty="0" smtClean="0"/>
+              <a:t>提供丰富的结构组件</a:t>
+            </a:r>
+            <a:endParaRPr lang="en-US" sz="1800" dirty="0" smtClean="0"/>
+          </a:p>
+          <a:p>
+            <a:pPr lvl="1" eaLnBrk="1" hangingPunct="1">
+              <a:lnSpc>
+                <a:spcPct val="80000"/>
+              </a:lnSpc>
+            </a:pPr>
+            <a:r>
+              <a:rPr lang="en-US" sz="1400" dirty="0" smtClean="0"/>
+              <a:t>chain, if-else, branch, while, do while loop, </a:t>
+            </a:r>
+            <a:r>
+              <a:rPr lang="en-US" sz="1400" b="1" dirty="0" smtClean="0"/>
+              <a:t>decorator, adapter</a:t>
+            </a:r>
+          </a:p>
+          <a:p>
+            <a:pPr eaLnBrk="1" hangingPunct="1">
+              <a:lnSpc>
+                <a:spcPct val="130000"/>
+              </a:lnSpc>
+            </a:pPr>
+            <a:r>
+              <a:rPr lang="zh-CN" altLang="en-US" sz="1800" dirty="0" smtClean="0"/>
+              <a:t>编辑方法自然</a:t>
+            </a:r>
+            <a:endParaRPr lang="en-US" sz="1800" dirty="0" smtClean="0"/>
+          </a:p>
+          <a:p>
+            <a:pPr lvl="1" eaLnBrk="1" hangingPunct="1">
+              <a:lnSpc>
+                <a:spcPct val="80000"/>
+              </a:lnSpc>
+            </a:pPr>
+            <a:r>
+              <a:rPr lang="zh-CN" altLang="en-US" sz="1400" dirty="0" smtClean="0"/>
+              <a:t>简单对象组合为复杂结构 </a:t>
+            </a:r>
+            <a:r>
+              <a:rPr lang="en-US" sz="1400" dirty="0" smtClean="0"/>
+              <a:t>– E.g. Validator + Unit = if/else structure</a:t>
+            </a:r>
+          </a:p>
+          <a:p>
+            <a:pPr eaLnBrk="1" hangingPunct="1">
+              <a:lnSpc>
+                <a:spcPct val="130000"/>
+              </a:lnSpc>
+            </a:pPr>
+            <a:r>
+              <a:rPr lang="zh-CN" altLang="en-US" sz="1800" dirty="0" smtClean="0"/>
+              <a:t>可配置</a:t>
+            </a:r>
+            <a:endParaRPr lang="en-US" sz="1800" dirty="0" smtClean="0"/>
+          </a:p>
+          <a:p>
+            <a:pPr lvl="1" eaLnBrk="1" hangingPunct="1">
+              <a:lnSpc>
+                <a:spcPct val="80000"/>
+              </a:lnSpc>
+            </a:pPr>
+            <a:r>
+              <a:rPr lang="zh-CN" altLang="en-US" sz="1400" dirty="0" smtClean="0"/>
+              <a:t>可以在应用或构建单元层次上面配置</a:t>
+            </a:r>
+            <a:r>
+              <a:rPr lang="zh-CN" altLang="en-US" sz="1400" dirty="0" smtClean="0"/>
+              <a:t>参数，方便复用</a:t>
+            </a:r>
+            <a:endParaRPr lang="en-US" sz="1400" dirty="0" smtClean="0"/>
+          </a:p>
+          <a:p>
+            <a:pPr eaLnBrk="1" hangingPunct="1">
+              <a:lnSpc>
+                <a:spcPct val="130000"/>
+              </a:lnSpc>
+            </a:pPr>
+            <a:r>
+              <a:rPr lang="zh-CN" altLang="en-US" sz="1800" dirty="0" smtClean="0">
+                <a:sym typeface="Arial" pitchFamily="34" charset="0"/>
+              </a:rPr>
+              <a:t>模型与代码相关联</a:t>
+            </a:r>
+            <a:endParaRPr lang="en-US" altLang="zh-CN" sz="1800" dirty="0" smtClean="0">
+              <a:sym typeface="Arial" pitchFamily="34" charset="0"/>
+            </a:endParaRPr>
           </a:p>
           <a:p>
             <a:pPr lvl="1" eaLnBrk="1" hangingPunct="1">
@@ -10165,30 +11009,20 @@
               </a:lnSpc>
             </a:pPr>
             <a:r>
-              <a:rPr lang="zh-CN" altLang="en-US" sz="1400" dirty="0" smtClean="0"/>
-              <a:t>使用流程图构建系统</a:t>
-            </a:r>
-            <a:endParaRPr lang="en-US" sz="1400" dirty="0" smtClean="0"/>
-          </a:p>
-          <a:p>
-            <a:pPr lvl="2" eaLnBrk="1" hangingPunct="1">
-              <a:lnSpc>
-                <a:spcPct val="80000"/>
-              </a:lnSpc>
-            </a:pPr>
-            <a:r>
-              <a:rPr lang="zh-CN" altLang="en-US" sz="1800" dirty="0" smtClean="0"/>
-              <a:t>在</a:t>
-            </a:r>
-            <a:r>
-              <a:rPr lang="en-US" altLang="zh-CN" sz="1800" dirty="0" smtClean="0"/>
-              <a:t>Eclipse</a:t>
-            </a:r>
-            <a:r>
-              <a:rPr lang="zh-CN" altLang="en-US" sz="1800" dirty="0" smtClean="0"/>
-              <a:t>里面所见即所得的方式</a:t>
-            </a:r>
-            <a:endParaRPr lang="en-US" sz="1800" dirty="0" smtClean="0"/>
+              <a:rPr lang="zh-CN" altLang="en-US" sz="1400" dirty="0">
+                <a:sym typeface="Arial" pitchFamily="34" charset="0"/>
+              </a:rPr>
+              <a:t>模型归模型，代码归代码，查看代码仅需双击</a:t>
+            </a:r>
+            <a:r>
+              <a:rPr lang="zh-CN" altLang="en-US" sz="1400" dirty="0" smtClean="0">
+                <a:sym typeface="Arial" pitchFamily="34" charset="0"/>
+              </a:rPr>
+              <a:t>进入</a:t>
+            </a:r>
+            <a:endParaRPr lang="en-US" altLang="zh-CN" sz="1400" dirty="0" smtClean="0">
+              <a:sym typeface="Arial" pitchFamily="34" charset="0"/>
+            </a:endParaRPr>
           </a:p>
           <a:p>
             <a:pPr lvl="1" eaLnBrk="1" hangingPunct="1">
@@ -10196,159 +11030,6 @@
                 <a:spcPct val="130000"/>
               </a:lnSpc>
             </a:pPr>
-            <a:r>
-              <a:rPr lang="zh-CN" altLang="en-US" sz="1400" dirty="0" smtClean="0"/>
-              <a:t>提供丰富的行为组件</a:t>
-            </a:r>
-            <a:endParaRPr lang="en-US" sz="1400" dirty="0" smtClean="0"/>
-          </a:p>
-          <a:p>
-            <a:pPr lvl="2" eaLnBrk="1" hangingPunct="1">
-              <a:lnSpc>
-                <a:spcPct val="80000"/>
-              </a:lnSpc>
-            </a:pPr>
-            <a:r>
-              <a:rPr lang="zh-CN" altLang="en-US" sz="1800" dirty="0" smtClean="0"/>
-              <a:t>超精简接口 </a:t>
-            </a:r>
-            <a:r>
-              <a:rPr lang="en-US" altLang="zh-CN" sz="1800" dirty="0" smtClean="0"/>
-              <a:t>– </a:t>
-            </a:r>
-            <a:r>
-              <a:rPr lang="en-US" sz="1800" dirty="0" smtClean="0"/>
-              <a:t>processor, converter, validator, locator</a:t>
-            </a:r>
-          </a:p>
-          <a:p>
-            <a:pPr lvl="1" eaLnBrk="1" hangingPunct="1">
-              <a:lnSpc>
-                <a:spcPct val="130000"/>
-              </a:lnSpc>
-            </a:pPr>
-            <a:r>
-              <a:rPr lang="zh-CN" altLang="en-US" sz="1400" dirty="0" smtClean="0"/>
-              <a:t>提供丰富的结构组件</a:t>
-            </a:r>
-            <a:endParaRPr lang="en-US" sz="1400" dirty="0" smtClean="0"/>
-          </a:p>
-          <a:p>
-            <a:pPr lvl="2" eaLnBrk="1" hangingPunct="1">
-              <a:lnSpc>
-                <a:spcPct val="80000"/>
-              </a:lnSpc>
-            </a:pPr>
-            <a:r>
-              <a:rPr lang="en-US" sz="1800" dirty="0" smtClean="0"/>
-              <a:t>chain, if-else, branch, while, do while loop, </a:t>
-            </a:r>
-            <a:r>
-              <a:rPr lang="en-US" sz="1800" b="1" dirty="0" smtClean="0"/>
-              <a:t>decorator, adapter</a:t>
-            </a:r>
-          </a:p>
-          <a:p>
-            <a:pPr lvl="1" eaLnBrk="1" hangingPunct="1">
-              <a:lnSpc>
-                <a:spcPct val="130000"/>
-              </a:lnSpc>
-            </a:pPr>
-            <a:r>
-              <a:rPr lang="zh-CN" altLang="en-US" sz="1400" dirty="0" smtClean="0"/>
-              <a:t>编辑方法自然</a:t>
-            </a:r>
-            <a:endParaRPr lang="en-US" sz="1400" dirty="0" smtClean="0"/>
-          </a:p>
-          <a:p>
-            <a:pPr lvl="2" eaLnBrk="1" hangingPunct="1">
-              <a:lnSpc>
-                <a:spcPct val="80000"/>
-              </a:lnSpc>
-            </a:pPr>
-            <a:r>
-              <a:rPr lang="zh-CN" altLang="en-US" sz="1800" dirty="0" smtClean="0"/>
-              <a:t>拖放和对象组合 </a:t>
-            </a:r>
-            <a:r>
-              <a:rPr lang="en-US" sz="1800" dirty="0" smtClean="0"/>
-              <a:t>– E.g. Validator + Unit = if/else structure</a:t>
-            </a:r>
-          </a:p>
-          <a:p>
-            <a:pPr lvl="1" eaLnBrk="1" hangingPunct="1">
-              <a:lnSpc>
-                <a:spcPct val="130000"/>
-              </a:lnSpc>
-            </a:pPr>
-            <a:r>
-              <a:rPr lang="zh-CN" altLang="en-US" sz="1400" dirty="0" smtClean="0"/>
-              <a:t>可配置</a:t>
-            </a:r>
-            <a:endParaRPr lang="en-US" sz="1400" dirty="0" smtClean="0"/>
-          </a:p>
-          <a:p>
-            <a:pPr lvl="2" eaLnBrk="1" hangingPunct="1">
-              <a:lnSpc>
-                <a:spcPct val="80000"/>
-              </a:lnSpc>
-            </a:pPr>
-            <a:r>
-              <a:rPr lang="zh-CN" altLang="en-US" sz="1800" dirty="0" smtClean="0"/>
-              <a:t>可以在应用或构建单元层次上面配置参数</a:t>
-            </a:r>
-            <a:endParaRPr lang="en-US" sz="1800" dirty="0" smtClean="0"/>
-          </a:p>
-          <a:p>
-            <a:pPr eaLnBrk="1" hangingPunct="1">
-              <a:lnSpc>
-                <a:spcPct val="130000"/>
-              </a:lnSpc>
-            </a:pPr>
-            <a:r>
-              <a:rPr lang="zh-CN" altLang="en-US" sz="1800" dirty="0">
-                <a:sym typeface="Arial" pitchFamily="34" charset="0"/>
-              </a:rPr>
-              <a:t>一图胜千言</a:t>
-            </a:r>
-            <a:endParaRPr lang="en-US" altLang="zh-CN" sz="1800" dirty="0">
-              <a:sym typeface="Arial" pitchFamily="34" charset="0"/>
-            </a:endParaRPr>
-          </a:p>
-          <a:p>
-            <a:pPr lvl="1" eaLnBrk="1" hangingPunct="1">
-              <a:lnSpc>
-                <a:spcPct val="130000"/>
-              </a:lnSpc>
-            </a:pPr>
-            <a:r>
-              <a:rPr lang="zh-CN" altLang="en-US" sz="1400" dirty="0">
-                <a:sym typeface="Arial" pitchFamily="34" charset="0"/>
-              </a:rPr>
-              <a:t>超越传统的开发模式，从代码和配置的汪洋里解脱</a:t>
-            </a:r>
-            <a:r>
-              <a:rPr lang="zh-CN" altLang="en-US" sz="1400" dirty="0" smtClean="0">
-                <a:sym typeface="Arial" pitchFamily="34" charset="0"/>
-              </a:rPr>
-              <a:t>出来</a:t>
-            </a:r>
-            <a:endParaRPr lang="en-US" altLang="zh-CN" sz="1400" dirty="0" smtClean="0">
-              <a:sym typeface="Arial" pitchFamily="34" charset="0"/>
-            </a:endParaRPr>
-          </a:p>
-          <a:p>
-            <a:pPr lvl="1" eaLnBrk="1" hangingPunct="1">
-              <a:lnSpc>
-                <a:spcPct val="130000"/>
-              </a:lnSpc>
-            </a:pPr>
-            <a:r>
-              <a:rPr lang="zh-CN" altLang="en-US" sz="1400" dirty="0" smtClean="0">
-                <a:sym typeface="Arial" pitchFamily="34" charset="0"/>
-              </a:rPr>
-              <a:t>模型归模型，代码归代码，查看代码仅需双击进入</a:t>
-            </a:r>
             <a:endParaRPr lang="en-US" altLang="zh-CN" sz="1400" dirty="0" smtClean="0">
               <a:sym typeface="Arial" pitchFamily="34" charset="0"/>
             </a:endParaRPr>
@@ -10370,7 +11051,7 @@
 </p:sld>
 </file>
 
-<file path=ppt/slides/slide16.xml><?xml version="1.0" encoding="utf-8"?>
+<file path=ppt/slides/slide19.xml><?xml version="1.0" encoding="utf-8"?>
 <p:sld xmlns:a="http://schemas.openxmlformats.org/drawingml/2006/main" xmlns:r="http://schemas.openxmlformats.org/officeDocument/2006/relationships" xmlns:p="http://schemas.openxmlformats.org/presentationml/2006/main">
   <p:cSld>
     <p:spTree>
@@ -10403,14 +11084,14 @@
           <a:lstStyle/>
           <a:p>
             <a:r>
-              <a:rPr lang="zh-CN" altLang="en-US" sz="2800" dirty="0"/>
+              <a:rPr lang="zh-CN" altLang="en-US" dirty="0"/>
               <a:t>Xross </a:t>
             </a:r>
             <a:r>
-              <a:rPr lang="zh-CN" altLang="en-US" sz="2800" dirty="0" smtClean="0"/>
-              <a:t>Unit 示例</a:t>
-            </a:r>
-            <a:endParaRPr lang="en-US" sz="2800" dirty="0"/>
+              <a:rPr lang="zh-CN" altLang="en-US" dirty="0" smtClean="0"/>
+              <a:t>Unit使用方式</a:t>
+            </a:r>
+            <a:endParaRPr lang="zh-CN" altLang="en-US" dirty="0"/>
           </a:p>
         </p:txBody>
       </p:sp>
@@ -10431,14 +11112,285 @@
           <a:p>
             <a:r>
               <a:rPr lang="zh-CN" altLang="en-US" dirty="0" smtClean="0"/>
-              <a:t>生成系统蓝图</a:t>
-            </a:r>
-            <a:endParaRPr lang="en-US" dirty="0" smtClean="0"/>
-          </a:p>
-          <a:p>
-            <a:pPr lvl="1"/>
+              <a:t>构建系统蓝图</a:t>
+            </a:r>
+            <a:endParaRPr lang="en-US" altLang="zh-CN" dirty="0" smtClean="0"/>
+          </a:p>
+          <a:p>
             <a:r>
               <a:rPr lang="zh-CN" altLang="en-US" dirty="0"/>
+              <a:t>创建组件</a:t>
+            </a:r>
+            <a:r>
+              <a:rPr lang="zh-CN" altLang="en-US" dirty="0" smtClean="0"/>
+              <a:t>单元</a:t>
+            </a:r>
+            <a:endParaRPr lang="en-US" altLang="zh-CN" dirty="0" smtClean="0"/>
+          </a:p>
+          <a:p>
+            <a:r>
+              <a:rPr lang="zh-CN" altLang="en-US" dirty="0"/>
+              <a:t>关联蓝图和</a:t>
+            </a:r>
+            <a:r>
+              <a:rPr lang="zh-CN" altLang="en-US" dirty="0" smtClean="0"/>
+              <a:t>代码</a:t>
+            </a:r>
+            <a:endParaRPr lang="en-US" altLang="zh-CN" dirty="0" smtClean="0"/>
+          </a:p>
+          <a:p>
+            <a:r>
+              <a:rPr lang="zh-CN" altLang="en-US" dirty="0" smtClean="0"/>
+              <a:t>生成实例并运行</a:t>
+            </a:r>
+            <a:endParaRPr lang="zh-CN" altLang="en-US" dirty="0"/>
+          </a:p>
+        </p:txBody>
+      </p:sp>
+    </p:spTree>
+    <p:extLst>
+      <p:ext uri="{BB962C8B-B14F-4D97-AF65-F5344CB8AC3E}">
+        <p14:creationId xmlns:p14="http://schemas.microsoft.com/office/powerpoint/2010/main" val="3554330945"/>
+      </p:ext>
+    </p:extLst>
+  </p:cSld>
+  <p:clrMapOvr>
+    <a:masterClrMapping/>
+  </p:clrMapOvr>
+  <p:timing>
+    <p:tnLst>
+      <p:par>
+        <p:cTn id="1" dur="indefinite" restart="never" nodeType="tmRoot"/>
+      </p:par>
+    </p:tnLst>
+  </p:timing>
+</p:sld>
+</file>
+
+<file path=ppt/slides/slide2.xml><?xml version="1.0" encoding="utf-8"?>
+<p:sld xmlns:a="http://schemas.openxmlformats.org/drawingml/2006/main" xmlns:r="http://schemas.openxmlformats.org/officeDocument/2006/relationships" xmlns:p="http://schemas.openxmlformats.org/presentationml/2006/main">
+  <p:cSld>
+    <p:spTree>
+      <p:nvGrpSpPr>
+        <p:cNvPr id="1" name=""/>
+        <p:cNvGrpSpPr/>
+        <p:nvPr/>
+      </p:nvGrpSpPr>
+      <p:grpSpPr>
+        <a:xfrm>
+          <a:off x="0" y="0"/>
+          <a:ext cx="0" cy="0"/>
+          <a:chOff x="0" y="0"/>
+          <a:chExt cx="0" cy="0"/>
+        </a:xfrm>
+      </p:grpSpPr>
+      <p:sp>
+        <p:nvSpPr>
+          <p:cNvPr id="36866" name="Rectangle 2"/>
+          <p:cNvSpPr>
+            <a:spLocks noGrp="1" noChangeArrowheads="1"/>
+          </p:cNvSpPr>
+          <p:nvPr>
+            <p:ph type="title"/>
+          </p:nvPr>
+        </p:nvSpPr>
+        <p:spPr/>
+        <p:txBody>
+          <a:bodyPr/>
+          <a:lstStyle/>
+          <a:p>
+            <a:pPr eaLnBrk="1" hangingPunct="1"/>
+            <a:r>
+              <a:rPr lang="en-US" altLang="zh-CN" sz="2800" dirty="0" smtClean="0">
+                <a:sym typeface="Arial" pitchFamily="34" charset="0"/>
+              </a:rPr>
+              <a:t>Agenda</a:t>
+            </a:r>
+            <a:endParaRPr lang="zh-CN" altLang="en-US" sz="2800" dirty="0" smtClean="0">
+              <a:sym typeface="Arial" pitchFamily="34" charset="0"/>
+            </a:endParaRPr>
+          </a:p>
+        </p:txBody>
+      </p:sp>
+      <p:sp>
+        <p:nvSpPr>
+          <p:cNvPr id="36867" name="Rectangle 3"/>
+          <p:cNvSpPr>
+            <a:spLocks noGrp="1" noChangeArrowheads="1"/>
+          </p:cNvSpPr>
+          <p:nvPr>
+            <p:ph idx="1"/>
+          </p:nvPr>
+        </p:nvSpPr>
+        <p:spPr/>
+        <p:txBody>
+          <a:bodyPr/>
+          <a:lstStyle/>
+          <a:p>
+            <a:pPr eaLnBrk="1" hangingPunct="1"/>
+            <a:r>
+              <a:rPr lang="zh-CN" altLang="en-US" dirty="0" smtClean="0"/>
+              <a:t>大规模</a:t>
+            </a:r>
+            <a:r>
+              <a:rPr lang="zh-CN" altLang="en-US" dirty="0"/>
+              <a:t>开发的</a:t>
+            </a:r>
+            <a:r>
+              <a:rPr lang="zh-CN" altLang="en-US" dirty="0" smtClean="0"/>
+              <a:t>挑战</a:t>
+            </a:r>
+            <a:endParaRPr lang="en-US" altLang="zh-CN" dirty="0" smtClean="0"/>
+          </a:p>
+          <a:p>
+            <a:pPr eaLnBrk="1" hangingPunct="1"/>
+            <a:r>
+              <a:rPr lang="zh-CN" altLang="en-US" dirty="0"/>
+              <a:t>大规模开发的出路</a:t>
+            </a:r>
+            <a:endParaRPr lang="en-US" altLang="zh-CN" dirty="0" smtClean="0"/>
+          </a:p>
+          <a:p>
+            <a:pPr eaLnBrk="1" hangingPunct="1"/>
+            <a:r>
+              <a:rPr lang="zh-CN" altLang="en-US" dirty="0">
+                <a:sym typeface="Arial" pitchFamily="34" charset="0"/>
+              </a:rPr>
+              <a:t>最值得抽象的模型</a:t>
+            </a:r>
+            <a:endParaRPr lang="en-US" altLang="zh-CN" dirty="0" smtClean="0"/>
+          </a:p>
+          <a:p>
+            <a:pPr eaLnBrk="1" hangingPunct="1"/>
+            <a:r>
+              <a:rPr lang="en-US" altLang="zh-CN" dirty="0" smtClean="0"/>
+              <a:t>X-Series</a:t>
+            </a:r>
+            <a:r>
+              <a:rPr lang="zh-CN" altLang="en-US" dirty="0" smtClean="0"/>
+              <a:t>工具集</a:t>
+            </a:r>
+            <a:endParaRPr lang="en-US" altLang="zh-CN" dirty="0" smtClean="0"/>
+          </a:p>
+          <a:p>
+            <a:pPr eaLnBrk="1" hangingPunct="1"/>
+            <a:r>
+              <a:rPr lang="en-US" altLang="zh-CN" dirty="0" smtClean="0"/>
+              <a:t>X-Series</a:t>
+            </a:r>
+            <a:r>
+              <a:rPr lang="zh-CN" altLang="en-US" dirty="0" smtClean="0"/>
+              <a:t>相关资源</a:t>
+            </a:r>
+            <a:endParaRPr lang="en-US" altLang="zh-CN" dirty="0" smtClean="0"/>
+          </a:p>
+          <a:p>
+            <a:pPr eaLnBrk="1" hangingPunct="1"/>
+            <a:r>
+              <a:rPr lang="en-US" altLang="zh-CN" dirty="0" smtClean="0"/>
+              <a:t>X-Series</a:t>
+            </a:r>
+            <a:r>
+              <a:rPr lang="zh-CN" altLang="en-US" dirty="0" smtClean="0"/>
+              <a:t>安装</a:t>
+            </a:r>
+            <a:endParaRPr lang="zh-CN" altLang="en-US" dirty="0" smtClean="0"/>
+          </a:p>
+          <a:p>
+            <a:pPr eaLnBrk="1" hangingPunct="1"/>
+            <a:r>
+              <a:rPr lang="en-US" altLang="zh-CN" dirty="0" smtClean="0"/>
+              <a:t>QA</a:t>
+            </a:r>
+            <a:endParaRPr lang="en-US" altLang="en-US" dirty="0" smtClean="0"/>
+          </a:p>
+        </p:txBody>
+      </p:sp>
+    </p:spTree>
+    <p:extLst>
+      <p:ext uri="{BB962C8B-B14F-4D97-AF65-F5344CB8AC3E}">
+        <p14:creationId xmlns:p14="http://schemas.microsoft.com/office/powerpoint/2010/main" val="956384664"/>
+      </p:ext>
+    </p:extLst>
+  </p:cSld>
+  <p:clrMapOvr>
+    <a:masterClrMapping/>
+  </p:clrMapOvr>
+  <p:timing>
+    <p:tnLst>
+      <p:par>
+        <p:cTn id="1" dur="indefinite" restart="never" nodeType="tmRoot"/>
+      </p:par>
+    </p:tnLst>
+  </p:timing>
+</p:sld>
+</file>
+
+<file path=ppt/slides/slide20.xml><?xml version="1.0" encoding="utf-8"?>
+<p:sld xmlns:a="http://schemas.openxmlformats.org/drawingml/2006/main" xmlns:r="http://schemas.openxmlformats.org/officeDocument/2006/relationships" xmlns:p="http://schemas.openxmlformats.org/presentationml/2006/main">
+  <p:cSld>
+    <p:spTree>
+      <p:nvGrpSpPr>
+        <p:cNvPr id="1" name=""/>
+        <p:cNvGrpSpPr/>
+        <p:nvPr/>
+      </p:nvGrpSpPr>
+      <p:grpSpPr>
+        <a:xfrm>
+          <a:off x="0" y="0"/>
+          <a:ext cx="0" cy="0"/>
+          <a:chOff x="0" y="0"/>
+          <a:chExt cx="0" cy="0"/>
+        </a:xfrm>
+      </p:grpSpPr>
+      <p:sp>
+        <p:nvSpPr>
+          <p:cNvPr id="2" name="标题 1"/>
+          <p:cNvSpPr>
+            <a:spLocks noGrp="1"/>
+          </p:cNvSpPr>
+          <p:nvPr>
+            <p:ph type="title"/>
+          </p:nvPr>
+        </p:nvSpPr>
+        <p:spPr/>
+        <p:txBody>
+          <a:bodyPr/>
+          <a:lstStyle/>
+          <a:p>
+            <a:r>
+              <a:rPr lang="zh-CN" altLang="en-US" sz="2800" dirty="0" smtClean="0"/>
+              <a:t>构建</a:t>
+            </a:r>
+            <a:r>
+              <a:rPr lang="zh-CN" altLang="en-US" sz="2800" dirty="0"/>
+              <a:t>系统</a:t>
+            </a:r>
+            <a:r>
+              <a:rPr lang="zh-CN" altLang="en-US" sz="2800" dirty="0" smtClean="0"/>
+              <a:t>蓝图</a:t>
+            </a:r>
+            <a:endParaRPr lang="en-US" sz="2800" dirty="0"/>
+          </a:p>
+        </p:txBody>
+      </p:sp>
+      <p:sp>
+        <p:nvSpPr>
+          <p:cNvPr id="3" name="内容占位符 2"/>
+          <p:cNvSpPr>
+            <a:spLocks noGrp="1"/>
+          </p:cNvSpPr>
+          <p:nvPr>
+            <p:ph idx="1"/>
+          </p:nvPr>
+        </p:nvSpPr>
+        <p:spPr/>
+        <p:txBody>
+          <a:bodyPr/>
+          <a:lstStyle/>
+          <a:p>
+            <a:r>
+              <a:rPr lang="zh-CN" altLang="en-US" dirty="0" smtClean="0"/>
               <a:t>你</a:t>
             </a:r>
             <a:r>
@@ -10484,7 +11436,7 @@
         </p:blipFill>
         <p:spPr bwMode="auto">
           <a:xfrm>
-            <a:off x="323528" y="2060848"/>
+            <a:off x="323528" y="1772816"/>
             <a:ext cx="8513668" cy="4426818"/>
           </a:xfrm>
           <a:prstGeom prst="rect">
@@ -10545,7 +11497,7 @@
 </p:sld>
 </file>
 
-<file path=ppt/slides/slide17.xml><?xml version="1.0" encoding="utf-8"?>
+<file path=ppt/slides/slide21.xml><?xml version="1.0" encoding="utf-8"?>
 <p:sld xmlns:a="http://schemas.openxmlformats.org/drawingml/2006/main" xmlns:r="http://schemas.openxmlformats.org/officeDocument/2006/relationships" xmlns:p="http://schemas.openxmlformats.org/presentationml/2006/main">
   <p:cSld>
     <p:spTree>
@@ -10578,8 +11530,16 @@
           <a:lstStyle/>
           <a:p>
             <a:r>
+              <a:rPr lang="zh-CN" altLang="en-US" sz="2800" dirty="0" smtClean="0"/>
+              <a:t>创建</a:t>
+            </a:r>
+            <a:r>
               <a:rPr lang="zh-CN" altLang="en-US" sz="2800" dirty="0"/>
-              <a:t>Xross Unit 示例</a:t>
+              <a:t>组件</a:t>
+            </a:r>
+            <a:r>
+              <a:rPr lang="zh-CN" altLang="en-US" sz="2800" dirty="0" smtClean="0"/>
+              <a:t>单元</a:t>
             </a:r>
             <a:endParaRPr lang="en-US" sz="2800" dirty="0"/>
           </a:p>
@@ -10602,15 +11562,11 @@
           <a:p>
             <a:r>
               <a:rPr lang="zh-CN" altLang="en-US" dirty="0" smtClean="0"/>
-              <a:t>创建组件单元</a:t>
-            </a:r>
-            <a:endParaRPr lang="en-US" altLang="zh-CN" dirty="0" smtClean="0"/>
-          </a:p>
-          <a:p>
-            <a:pPr lvl="1"/>
+              <a:t>函数</a:t>
+            </a:r>
             <a:r>
               <a:rPr lang="zh-CN" altLang="en-US" dirty="0" smtClean="0"/>
-              <a:t>函数式接口易于实现和测试</a:t>
+              <a:t>式接口易于实现和测试</a:t>
             </a:r>
             <a:endParaRPr lang="en-US" dirty="0"/>
           </a:p>
@@ -10639,8 +11595,8 @@
         </p:blipFill>
         <p:spPr bwMode="auto">
           <a:xfrm>
-            <a:off x="2051720" y="2047875"/>
-            <a:ext cx="5457825" cy="4810125"/>
+            <a:off x="1475656" y="1540175"/>
+            <a:ext cx="6033889" cy="5317825"/>
           </a:xfrm>
           <a:prstGeom prst="rect">
             <a:avLst/>
@@ -10700,7 +11656,7 @@
 </p:sld>
 </file>
 
-<file path=ppt/slides/slide18.xml><?xml version="1.0" encoding="utf-8"?>
+<file path=ppt/slides/slide22.xml><?xml version="1.0" encoding="utf-8"?>
 <p:sld xmlns:a="http://schemas.openxmlformats.org/drawingml/2006/main" xmlns:r="http://schemas.openxmlformats.org/officeDocument/2006/relationships" xmlns:p="http://schemas.openxmlformats.org/presentationml/2006/main">
   <p:cSld>
     <p:spTree>
@@ -10733,8 +11689,12 @@
           <a:lstStyle/>
           <a:p>
             <a:r>
-              <a:rPr lang="zh-CN" altLang="en-US" sz="2800" dirty="0"/>
-              <a:t>Xross Unit 示例</a:t>
+              <a:rPr lang="zh-CN" altLang="en-US" sz="2800" dirty="0" smtClean="0"/>
+              <a:t>关联</a:t>
+            </a:r>
+            <a:r>
+              <a:rPr lang="zh-CN" altLang="en-US" sz="2800" dirty="0" smtClean="0"/>
+              <a:t>蓝图和代码</a:t>
             </a:r>
             <a:endParaRPr lang="en-US" sz="2800" dirty="0"/>
           </a:p>
@@ -10757,7 +11717,15 @@
           <a:p>
             <a:r>
               <a:rPr lang="zh-CN" altLang="en-US" dirty="0" smtClean="0"/>
-              <a:t>结合代码和系统蓝图，配置参数</a:t>
+              <a:t>每个</a:t>
+            </a:r>
+            <a:r>
+              <a:rPr lang="en-US" altLang="zh-CN" dirty="0" smtClean="0"/>
+              <a:t>unit</a:t>
+            </a:r>
+            <a:r>
+              <a:rPr lang="zh-CN" altLang="en-US" dirty="0" smtClean="0"/>
+              <a:t>都可配置</a:t>
             </a:r>
             <a:endParaRPr lang="en-US" dirty="0"/>
           </a:p>
@@ -10786,7 +11754,7 @@
         </p:blipFill>
         <p:spPr bwMode="auto">
           <a:xfrm>
-            <a:off x="1547664" y="1478072"/>
+            <a:off x="1767719" y="1713555"/>
             <a:ext cx="5400600" cy="5144445"/>
           </a:xfrm>
           <a:prstGeom prst="rect">
@@ -10847,7 +11815,7 @@
 </p:sld>
 </file>
 
-<file path=ppt/slides/slide19.xml><?xml version="1.0" encoding="utf-8"?>
+<file path=ppt/slides/slide23.xml><?xml version="1.0" encoding="utf-8"?>
 <p:sld xmlns:a="http://schemas.openxmlformats.org/drawingml/2006/main" xmlns:r="http://schemas.openxmlformats.org/officeDocument/2006/relationships" xmlns:p="http://schemas.openxmlformats.org/presentationml/2006/main">
   <p:cSld>
     <p:spTree>
@@ -10880,8 +11848,16 @@
           <a:lstStyle/>
           <a:p>
             <a:r>
+              <a:rPr lang="zh-CN" altLang="en-US" sz="2800" dirty="0" smtClean="0"/>
+              <a:t>生成</a:t>
+            </a:r>
+            <a:r>
               <a:rPr lang="zh-CN" altLang="en-US" sz="2800" dirty="0"/>
-              <a:t>Xross Unit 示例</a:t>
+              <a:t>实例并</a:t>
+            </a:r>
+            <a:r>
+              <a:rPr lang="zh-CN" altLang="en-US" sz="2800" dirty="0" smtClean="0"/>
+              <a:t>运行</a:t>
             </a:r>
             <a:endParaRPr lang="en-US" sz="2800" dirty="0"/>
           </a:p>
@@ -10903,14 +11879,24 @@
           <a:lstStyle/>
           <a:p>
             <a:r>
-              <a:rPr lang="en-US" altLang="zh-CN" dirty="0" err="1" smtClean="0"/>
-              <a:t>Rock’n</a:t>
+              <a:rPr lang="zh-CN" altLang="en-US" dirty="0" smtClean="0"/>
+              <a:t>创建模型实例</a:t>
+            </a:r>
+            <a:endParaRPr lang="en-US" altLang="zh-CN" dirty="0" smtClean="0"/>
+          </a:p>
+          <a:p>
+            <a:r>
+              <a:rPr lang="zh-CN" altLang="en-US" dirty="0" smtClean="0"/>
+              <a:t>处理</a:t>
             </a:r>
             <a:r>
               <a:rPr lang="en-US" altLang="zh-CN" dirty="0" smtClean="0"/>
-              <a:t> Roll</a:t>
-            </a:r>
-            <a:endParaRPr lang="en-US" dirty="0" smtClean="0"/>
+              <a:t>Context</a:t>
+            </a:r>
+            <a:endParaRPr lang="en-US" altLang="zh-CN" dirty="0"/>
+          </a:p>
+          <a:p>
+            <a:endParaRPr lang="en-US" altLang="zh-CN" dirty="0"/>
           </a:p>
         </p:txBody>
       </p:sp>
@@ -10937,8 +11923,8 @@
         </p:blipFill>
         <p:spPr bwMode="auto">
           <a:xfrm>
-            <a:off x="827584" y="1700808"/>
-            <a:ext cx="7477125" cy="5000625"/>
+            <a:off x="879091" y="2057523"/>
+            <a:ext cx="7177856" cy="4800477"/>
           </a:xfrm>
           <a:prstGeom prst="rect">
             <a:avLst/>
@@ -10998,329 +11984,7 @@
 </p:sld>
 </file>
 
-<file path=ppt/slides/slide2.xml><?xml version="1.0" encoding="utf-8"?>
-<p:sld xmlns:a="http://schemas.openxmlformats.org/drawingml/2006/main" xmlns:r="http://schemas.openxmlformats.org/officeDocument/2006/relationships" xmlns:p="http://schemas.openxmlformats.org/presentationml/2006/main">
-  <p:cSld>
-    <p:spTree>
-      <p:nvGrpSpPr>
-        <p:cNvPr id="1" name=""/>
-        <p:cNvGrpSpPr/>
-        <p:nvPr/>
-      </p:nvGrpSpPr>
-      <p:grpSpPr>
-        <a:xfrm>
-          <a:off x="0" y="0"/>
-          <a:ext cx="0" cy="0"/>
-          <a:chOff x="0" y="0"/>
-          <a:chExt cx="0" cy="0"/>
-        </a:xfrm>
-      </p:grpSpPr>
-      <p:sp>
-        <p:nvSpPr>
-          <p:cNvPr id="2" name="标题 1"/>
-          <p:cNvSpPr>
-            <a:spLocks noGrp="1"/>
-          </p:cNvSpPr>
-          <p:nvPr>
-            <p:ph type="title"/>
-          </p:nvPr>
-        </p:nvSpPr>
-        <p:spPr/>
-        <p:txBody>
-          <a:bodyPr/>
-          <a:lstStyle/>
-          <a:p>
-            <a:r>
-              <a:rPr lang="en-US" dirty="0" smtClean="0"/>
-              <a:t>X-Series</a:t>
-            </a:r>
-            <a:r>
-              <a:rPr lang="zh-CN" altLang="en-US" dirty="0" smtClean="0"/>
-              <a:t>是什么</a:t>
-            </a:r>
-            <a:endParaRPr lang="en-US" dirty="0"/>
-          </a:p>
-        </p:txBody>
-      </p:sp>
-      <p:sp>
-        <p:nvSpPr>
-          <p:cNvPr id="3" name="内容占位符 2"/>
-          <p:cNvSpPr>
-            <a:spLocks noGrp="1"/>
-          </p:cNvSpPr>
-          <p:nvPr>
-            <p:ph idx="1"/>
-          </p:nvPr>
-        </p:nvSpPr>
-        <p:spPr/>
-        <p:txBody>
-          <a:bodyPr/>
-          <a:lstStyle/>
-          <a:p>
-            <a:r>
-              <a:rPr lang="zh-CN" altLang="en-US" dirty="0" smtClean="0"/>
-              <a:t>一套轻量级的框架</a:t>
-            </a:r>
-            <a:endParaRPr lang="en-US" dirty="0" smtClean="0"/>
-          </a:p>
-          <a:p>
-            <a:pPr lvl="1"/>
-            <a:r>
-              <a:rPr lang="zh-CN" altLang="en-US" dirty="0" smtClean="0"/>
-              <a:t>易于使用</a:t>
-            </a:r>
-            <a:endParaRPr lang="en-US" dirty="0" smtClean="0"/>
-          </a:p>
-          <a:p>
-            <a:pPr lvl="1"/>
-            <a:r>
-              <a:rPr lang="zh-CN" altLang="en-US" dirty="0" smtClean="0"/>
-              <a:t>易于集成</a:t>
-            </a:r>
-            <a:endParaRPr lang="en-US" dirty="0" smtClean="0"/>
-          </a:p>
-          <a:p>
-            <a:pPr lvl="1"/>
-            <a:r>
-              <a:rPr lang="zh-CN" altLang="en-US" dirty="0" smtClean="0"/>
-              <a:t>易于测试</a:t>
-            </a:r>
-            <a:endParaRPr lang="en-US" altLang="zh-CN" dirty="0" smtClean="0"/>
-          </a:p>
-          <a:p>
-            <a:pPr lvl="1"/>
-            <a:r>
-              <a:rPr lang="zh-CN" altLang="en-US" dirty="0"/>
-              <a:t>最</a:t>
-            </a:r>
-            <a:r>
-              <a:rPr lang="zh-CN" altLang="en-US" dirty="0" smtClean="0"/>
-              <a:t>合适的</a:t>
-            </a:r>
-            <a:endParaRPr lang="en-US" dirty="0" smtClean="0"/>
-          </a:p>
-          <a:p>
-            <a:r>
-              <a:rPr lang="zh-CN" altLang="en-US" dirty="0" smtClean="0"/>
-              <a:t>解决大规模软件开发难题</a:t>
-            </a:r>
-            <a:endParaRPr lang="en-US" dirty="0" smtClean="0"/>
-          </a:p>
-          <a:p>
-            <a:pPr lvl="1"/>
-            <a:r>
-              <a:rPr lang="zh-CN" altLang="en-US" dirty="0" smtClean="0"/>
-              <a:t>沟通</a:t>
-            </a:r>
-            <a:endParaRPr lang="en-US" dirty="0" smtClean="0"/>
-          </a:p>
-          <a:p>
-            <a:pPr lvl="1"/>
-            <a:r>
-              <a:rPr lang="zh-CN" altLang="en-US" dirty="0" smtClean="0"/>
-              <a:t>文档</a:t>
-            </a:r>
-            <a:endParaRPr lang="en-US" dirty="0" smtClean="0"/>
-          </a:p>
-          <a:p>
-            <a:pPr lvl="1"/>
-            <a:r>
-              <a:rPr lang="zh-CN" altLang="en-US" dirty="0" smtClean="0"/>
-              <a:t>学习曲线</a:t>
-            </a:r>
-            <a:endParaRPr lang="en-US" dirty="0" smtClean="0"/>
-          </a:p>
-          <a:p>
-            <a:endParaRPr lang="en-US" dirty="0"/>
-          </a:p>
-        </p:txBody>
-      </p:sp>
-      <p:sp>
-        <p:nvSpPr>
-          <p:cNvPr id="4" name="TextBox 1"/>
-          <p:cNvSpPr txBox="1">
-            <a:spLocks noChangeArrowheads="1"/>
-          </p:cNvSpPr>
-          <p:nvPr/>
-        </p:nvSpPr>
-        <p:spPr bwMode="auto">
-          <a:xfrm>
-            <a:off x="7307660" y="893763"/>
-            <a:ext cx="615553" cy="4321175"/>
-          </a:xfrm>
-          <a:prstGeom prst="rect">
-            <a:avLst/>
-          </a:prstGeom>
-          <a:noFill/>
-          <a:ln>
-            <a:noFill/>
-          </a:ln>
-          <a:extLst>
-            <a:ext uri="{909E8E84-426E-40DD-AFC4-6F175D3DCCD1}">
-              <a14:hiddenFill xmlns:a14="http://schemas.microsoft.com/office/drawing/2010/main">
-                <a:solidFill>
-                  <a:srgbClr val="FFFFFF"/>
-                </a:solidFill>
-              </a14:hiddenFill>
-            </a:ext>
-            <a:ext uri="{91240B29-F687-4F45-9708-019B960494DF}">
-              <a14:hiddenLine xmlns:a14="http://schemas.microsoft.com/office/drawing/2010/main" w="9525">
-                <a:solidFill>
-                  <a:srgbClr val="000000"/>
-                </a:solidFill>
-                <a:miter lim="800000"/>
-                <a:headEnd/>
-                <a:tailEnd/>
-              </a14:hiddenLine>
-            </a:ext>
-          </a:extLst>
-        </p:spPr>
-        <p:txBody>
-          <a:bodyPr vert="eaVert">
-            <a:spAutoFit/>
-          </a:bodyPr>
-          <a:lstStyle>
-            <a:lvl1pPr eaLnBrk="0" hangingPunct="0">
-              <a:defRPr b="1">
-                <a:solidFill>
-                  <a:schemeClr val="tx1"/>
-                </a:solidFill>
-                <a:latin typeface="Arial" pitchFamily="34" charset="0"/>
-                <a:ea typeface="微软雅黑" pitchFamily="34" charset="-122"/>
-              </a:defRPr>
-            </a:lvl1pPr>
-            <a:lvl2pPr marL="742950" indent="-285750" eaLnBrk="0" hangingPunct="0">
-              <a:defRPr b="1">
-                <a:solidFill>
-                  <a:schemeClr val="tx1"/>
-                </a:solidFill>
-                <a:latin typeface="Arial" pitchFamily="34" charset="0"/>
-                <a:ea typeface="微软雅黑" pitchFamily="34" charset="-122"/>
-              </a:defRPr>
-            </a:lvl2pPr>
-            <a:lvl3pPr marL="1143000" indent="-228600" eaLnBrk="0" hangingPunct="0">
-              <a:defRPr b="1">
-                <a:solidFill>
-                  <a:schemeClr val="tx1"/>
-                </a:solidFill>
-                <a:latin typeface="Arial" pitchFamily="34" charset="0"/>
-                <a:ea typeface="微软雅黑" pitchFamily="34" charset="-122"/>
-              </a:defRPr>
-            </a:lvl3pPr>
-            <a:lvl4pPr marL="1600200" indent="-228600" eaLnBrk="0" hangingPunct="0">
-              <a:defRPr b="1">
-                <a:solidFill>
-                  <a:schemeClr val="tx1"/>
-                </a:solidFill>
-                <a:latin typeface="Arial" pitchFamily="34" charset="0"/>
-                <a:ea typeface="微软雅黑" pitchFamily="34" charset="-122"/>
-              </a:defRPr>
-            </a:lvl4pPr>
-            <a:lvl5pPr marL="2057400" indent="-228600" eaLnBrk="0" hangingPunct="0">
-              <a:defRPr b="1">
-                <a:solidFill>
-                  <a:schemeClr val="tx1"/>
-                </a:solidFill>
-                <a:latin typeface="Arial" pitchFamily="34" charset="0"/>
-                <a:ea typeface="微软雅黑" pitchFamily="34" charset="-122"/>
-              </a:defRPr>
-            </a:lvl5pPr>
-            <a:lvl6pPr marL="2514600" indent="-228600" algn="ctr" eaLnBrk="0" fontAlgn="base" hangingPunct="0">
-              <a:spcBef>
-                <a:spcPct val="0"/>
-              </a:spcBef>
-              <a:spcAft>
-                <a:spcPct val="0"/>
-              </a:spcAft>
-              <a:buFont typeface="Arial" pitchFamily="34" charset="0"/>
-              <a:defRPr b="1">
-                <a:solidFill>
-                  <a:schemeClr val="tx1"/>
-                </a:solidFill>
-                <a:latin typeface="Arial" pitchFamily="34" charset="0"/>
-                <a:ea typeface="微软雅黑" pitchFamily="34" charset="-122"/>
-              </a:defRPr>
-            </a:lvl6pPr>
-            <a:lvl7pPr marL="2971800" indent="-228600" algn="ctr" eaLnBrk="0" fontAlgn="base" hangingPunct="0">
-              <a:spcBef>
-                <a:spcPct val="0"/>
-              </a:spcBef>
-              <a:spcAft>
-                <a:spcPct val="0"/>
-              </a:spcAft>
-              <a:buFont typeface="Arial" pitchFamily="34" charset="0"/>
-              <a:defRPr b="1">
-                <a:solidFill>
-                  <a:schemeClr val="tx1"/>
-                </a:solidFill>
-                <a:latin typeface="Arial" pitchFamily="34" charset="0"/>
-                <a:ea typeface="微软雅黑" pitchFamily="34" charset="-122"/>
-              </a:defRPr>
-            </a:lvl7pPr>
-            <a:lvl8pPr marL="3429000" indent="-228600" algn="ctr" eaLnBrk="0" fontAlgn="base" hangingPunct="0">
-              <a:spcBef>
-                <a:spcPct val="0"/>
-              </a:spcBef>
-              <a:spcAft>
-                <a:spcPct val="0"/>
-              </a:spcAft>
-              <a:buFont typeface="Arial" pitchFamily="34" charset="0"/>
-              <a:defRPr b="1">
-                <a:solidFill>
-                  <a:schemeClr val="tx1"/>
-                </a:solidFill>
-                <a:latin typeface="Arial" pitchFamily="34" charset="0"/>
-                <a:ea typeface="微软雅黑" pitchFamily="34" charset="-122"/>
-              </a:defRPr>
-            </a:lvl8pPr>
-            <a:lvl9pPr marL="3886200" indent="-228600" algn="ctr" eaLnBrk="0" fontAlgn="base" hangingPunct="0">
-              <a:spcBef>
-                <a:spcPct val="0"/>
-              </a:spcBef>
-              <a:spcAft>
-                <a:spcPct val="0"/>
-              </a:spcAft>
-              <a:buFont typeface="Arial" pitchFamily="34" charset="0"/>
-              <a:defRPr b="1">
-                <a:solidFill>
-                  <a:schemeClr val="tx1"/>
-                </a:solidFill>
-                <a:latin typeface="Arial" pitchFamily="34" charset="0"/>
-                <a:ea typeface="微软雅黑" pitchFamily="34" charset="-122"/>
-              </a:defRPr>
-            </a:lvl9pPr>
-          </a:lstStyle>
-          <a:p>
-            <a:pPr algn="l" eaLnBrk="1" hangingPunct="1"/>
-            <a:r>
-              <a:rPr lang="zh-CN" altLang="en-US" sz="2800" dirty="0" smtClean="0"/>
-              <a:t>工欲善其事 必先利其器</a:t>
-            </a:r>
-            <a:endParaRPr lang="en-US" sz="2800" dirty="0"/>
-          </a:p>
-        </p:txBody>
-      </p:sp>
-    </p:spTree>
-    <p:extLst>
-      <p:ext uri="{BB962C8B-B14F-4D97-AF65-F5344CB8AC3E}">
-        <p14:creationId xmlns:p14="http://schemas.microsoft.com/office/powerpoint/2010/main" val="3666171978"/>
-      </p:ext>
-    </p:extLst>
-  </p:cSld>
-  <p:clrMapOvr>
-    <a:masterClrMapping/>
-  </p:clrMapOvr>
-  <p:timing>
-    <p:tnLst>
-      <p:par>
-        <p:cTn id="1" dur="indefinite" restart="never" nodeType="tmRoot"/>
-      </p:par>
-    </p:tnLst>
-  </p:timing>
-</p:sld>
-</file>
-
-<file path=ppt/slides/slide20.xml><?xml version="1.0" encoding="utf-8"?>
+<file path=ppt/slides/slide24.xml><?xml version="1.0" encoding="utf-8"?>
 <p:sld xmlns:a="http://schemas.openxmlformats.org/drawingml/2006/main" xmlns:r="http://schemas.openxmlformats.org/officeDocument/2006/relationships" xmlns:p="http://schemas.openxmlformats.org/presentationml/2006/main">
   <p:cSld>
     <p:spTree>
@@ -11355,8 +12019,13 @@
             <a:pPr eaLnBrk="1" hangingPunct="1"/>
             <a:r>
               <a:rPr lang="zh-CN" altLang="en-US" sz="2800" dirty="0" smtClean="0"/>
-              <a:t>Xross Unit</a:t>
-            </a:r>
+              <a:t>Xross </a:t>
+            </a:r>
+            <a:r>
+              <a:rPr lang="zh-CN" altLang="en-US" sz="2800" dirty="0" smtClean="0"/>
+              <a:t>Unit的优势</a:t>
+            </a:r>
+            <a:endParaRPr lang="zh-CN" altLang="en-US" sz="2800" dirty="0" smtClean="0"/>
           </a:p>
         </p:txBody>
       </p:sp>
@@ -11367,7 +12036,7 @@
             <a:spLocks noGrp="1" noChangeArrowheads="1"/>
           </p:cNvSpPr>
           <p:nvPr>
-            <p:ph type="body" idx="1"/>
+            <p:ph idx="1"/>
           </p:nvPr>
         </p:nvSpPr>
         <p:spPr/>
@@ -11584,179 +12253,6 @@
               <a:rPr lang="zh-CN" altLang="en-US" sz="1400" dirty="0" smtClean="0"/>
               <a:t>，轻松模拟测试数据</a:t>
             </a:r>
-          </a:p>
-        </p:txBody>
-      </p:sp>
-      <p:sp>
-        <p:nvSpPr>
-          <p:cNvPr id="6" name="TextBox 1"/>
-          <p:cNvSpPr txBox="1">
-            <a:spLocks noChangeArrowheads="1"/>
-          </p:cNvSpPr>
-          <p:nvPr/>
-        </p:nvSpPr>
-        <p:spPr bwMode="auto">
-          <a:xfrm>
-            <a:off x="7307660" y="893763"/>
-            <a:ext cx="615553" cy="4911501"/>
-          </a:xfrm>
-          <a:prstGeom prst="rect">
-            <a:avLst/>
-          </a:prstGeom>
-          <a:noFill/>
-          <a:ln>
-            <a:noFill/>
-          </a:ln>
-          <a:extLst>
-            <a:ext uri="{909E8E84-426E-40DD-AFC4-6F175D3DCCD1}">
-              <a14:hiddenFill xmlns:a14="http://schemas.microsoft.com/office/drawing/2010/main">
-                <a:solidFill>
-                  <a:srgbClr val="FFFFFF"/>
-                </a:solidFill>
-              </a14:hiddenFill>
-            </a:ext>
-            <a:ext uri="{91240B29-F687-4F45-9708-019B960494DF}">
-              <a14:hiddenLine xmlns:a14="http://schemas.microsoft.com/office/drawing/2010/main" w="9525">
-                <a:solidFill>
-                  <a:srgbClr val="000000"/>
-                </a:solidFill>
-                <a:miter lim="800000"/>
-                <a:headEnd/>
-                <a:tailEnd/>
-              </a14:hiddenLine>
-            </a:ext>
-          </a:extLst>
-        </p:spPr>
-        <p:txBody>
-          <a:bodyPr vert="eaVert" wrap="square">
-            <a:spAutoFit/>
-          </a:bodyPr>
-          <a:lstStyle>
-            <a:lvl1pPr eaLnBrk="0" hangingPunct="0">
-              <a:defRPr b="1">
-                <a:solidFill>
-                  <a:schemeClr val="tx1"/>
-                </a:solidFill>
-                <a:latin typeface="Arial" pitchFamily="34" charset="0"/>
-                <a:ea typeface="微软雅黑" pitchFamily="34" charset="-122"/>
-              </a:defRPr>
-            </a:lvl1pPr>
-            <a:lvl2pPr marL="742950" indent="-285750" eaLnBrk="0" hangingPunct="0">
-              <a:defRPr b="1">
-                <a:solidFill>
-                  <a:schemeClr val="tx1"/>
-                </a:solidFill>
-                <a:latin typeface="Arial" pitchFamily="34" charset="0"/>
-                <a:ea typeface="微软雅黑" pitchFamily="34" charset="-122"/>
-              </a:defRPr>
-            </a:lvl2pPr>
-            <a:lvl3pPr marL="1143000" indent="-228600" eaLnBrk="0" hangingPunct="0">
-              <a:defRPr b="1">
-                <a:solidFill>
-                  <a:schemeClr val="tx1"/>
-                </a:solidFill>
-                <a:latin typeface="Arial" pitchFamily="34" charset="0"/>
-                <a:ea typeface="微软雅黑" pitchFamily="34" charset="-122"/>
-              </a:defRPr>
-            </a:lvl3pPr>
-            <a:lvl4pPr marL="1600200" indent="-228600" eaLnBrk="0" hangingPunct="0">
-              <a:defRPr b="1">
-                <a:solidFill>
-                  <a:schemeClr val="tx1"/>
-                </a:solidFill>
-                <a:latin typeface="Arial" pitchFamily="34" charset="0"/>
-                <a:ea typeface="微软雅黑" pitchFamily="34" charset="-122"/>
-              </a:defRPr>
-            </a:lvl4pPr>
-            <a:lvl5pPr marL="2057400" indent="-228600" eaLnBrk="0" hangingPunct="0">
-              <a:defRPr b="1">
-                <a:solidFill>
-                  <a:schemeClr val="tx1"/>
-                </a:solidFill>
-                <a:latin typeface="Arial" pitchFamily="34" charset="0"/>
-                <a:ea typeface="微软雅黑" pitchFamily="34" charset="-122"/>
-              </a:defRPr>
-            </a:lvl5pPr>
-            <a:lvl6pPr marL="2514600" indent="-228600" algn="ctr" eaLnBrk="0" fontAlgn="base" hangingPunct="0">
-              <a:spcBef>
-                <a:spcPct val="0"/>
-              </a:spcBef>
-              <a:spcAft>
-                <a:spcPct val="0"/>
-              </a:spcAft>
-              <a:buFont typeface="Arial" pitchFamily="34" charset="0"/>
-              <a:defRPr b="1">
-                <a:solidFill>
-                  <a:schemeClr val="tx1"/>
-                </a:solidFill>
-                <a:latin typeface="Arial" pitchFamily="34" charset="0"/>
-                <a:ea typeface="微软雅黑" pitchFamily="34" charset="-122"/>
-              </a:defRPr>
-            </a:lvl6pPr>
-            <a:lvl7pPr marL="2971800" indent="-228600" algn="ctr" eaLnBrk="0" fontAlgn="base" hangingPunct="0">
-              <a:spcBef>
-                <a:spcPct val="0"/>
-              </a:spcBef>
-              <a:spcAft>
-                <a:spcPct val="0"/>
-              </a:spcAft>
-              <a:buFont typeface="Arial" pitchFamily="34" charset="0"/>
-              <a:defRPr b="1">
-                <a:solidFill>
-                  <a:schemeClr val="tx1"/>
-                </a:solidFill>
-                <a:latin typeface="Arial" pitchFamily="34" charset="0"/>
-                <a:ea typeface="微软雅黑" pitchFamily="34" charset="-122"/>
-              </a:defRPr>
-            </a:lvl7pPr>
-            <a:lvl8pPr marL="3429000" indent="-228600" algn="ctr" eaLnBrk="0" fontAlgn="base" hangingPunct="0">
-              <a:spcBef>
-                <a:spcPct val="0"/>
-              </a:spcBef>
-              <a:spcAft>
-                <a:spcPct val="0"/>
-              </a:spcAft>
-              <a:buFont typeface="Arial" pitchFamily="34" charset="0"/>
-              <a:defRPr b="1">
-                <a:solidFill>
-                  <a:schemeClr val="tx1"/>
-                </a:solidFill>
-                <a:latin typeface="Arial" pitchFamily="34" charset="0"/>
-                <a:ea typeface="微软雅黑" pitchFamily="34" charset="-122"/>
-              </a:defRPr>
-            </a:lvl8pPr>
-            <a:lvl9pPr marL="3886200" indent="-228600" algn="ctr" eaLnBrk="0" fontAlgn="base" hangingPunct="0">
-              <a:spcBef>
-                <a:spcPct val="0"/>
-              </a:spcBef>
-              <a:spcAft>
-                <a:spcPct val="0"/>
-              </a:spcAft>
-              <a:buFont typeface="Arial" pitchFamily="34" charset="0"/>
-              <a:defRPr b="1">
-                <a:solidFill>
-                  <a:schemeClr val="tx1"/>
-                </a:solidFill>
-                <a:latin typeface="Arial" pitchFamily="34" charset="0"/>
-                <a:ea typeface="微软雅黑" pitchFamily="34" charset="-122"/>
-              </a:defRPr>
-            </a:lvl9pPr>
-          </a:lstStyle>
-          <a:p>
-            <a:pPr algn="l" eaLnBrk="1" hangingPunct="1"/>
-            <a:r>
-              <a:rPr lang="zh-CN" altLang="en-US" sz="2800" dirty="0" smtClean="0"/>
-              <a:t>趁手的工具</a:t>
-            </a:r>
-            <a:r>
-              <a:rPr lang="zh-CN" altLang="en-US" sz="2800" dirty="0"/>
-              <a:t>是原则保证</a:t>
-            </a:r>
-            <a:r>
-              <a:rPr lang="zh-CN" altLang="en-US" sz="2800" dirty="0" smtClean="0"/>
-              <a:t>的利器</a:t>
-            </a:r>
-            <a:endParaRPr lang="en-US" sz="2800" dirty="0"/>
           </a:p>
         </p:txBody>
       </p:sp>
@@ -11780,7 +12276,7 @@
 </p:sld>
 </file>
 
-<file path=ppt/slides/slide21.xml><?xml version="1.0" encoding="utf-8"?>
+<file path=ppt/slides/slide25.xml><?xml version="1.0" encoding="utf-8"?>
 <p:sld xmlns:a="http://schemas.openxmlformats.org/drawingml/2006/main" xmlns:r="http://schemas.openxmlformats.org/officeDocument/2006/relationships" xmlns:p="http://schemas.openxmlformats.org/presentationml/2006/main">
   <p:cSld>
     <p:spTree>
@@ -11887,7 +12383,7 @@
 </p:sld>
 </file>
 
-<file path=ppt/slides/slide22.xml><?xml version="1.0" encoding="utf-8"?>
+<file path=ppt/slides/slide26.xml><?xml version="1.0" encoding="utf-8"?>
 <p:sld xmlns:a="http://schemas.openxmlformats.org/drawingml/2006/main" xmlns:r="http://schemas.openxmlformats.org/officeDocument/2006/relationships" xmlns:p="http://schemas.openxmlformats.org/presentationml/2006/main">
   <p:cSld>
     <p:spTree>
@@ -11941,7 +12437,7 @@
         </p:blipFill>
         <p:spPr>
           <a:xfrm>
-            <a:off x="3791297" y="3247628"/>
+            <a:off x="3741489" y="3238972"/>
             <a:ext cx="3228975" cy="1333500"/>
           </a:xfrm>
           <a:prstGeom prst="rect">
@@ -12285,7 +12781,7 @@
 </p:sld>
 </file>
 
-<file path=ppt/slides/slide23.xml><?xml version="1.0" encoding="utf-8"?>
+<file path=ppt/slides/slide27.xml><?xml version="1.0" encoding="utf-8"?>
 <p:sld xmlns:a="http://schemas.openxmlformats.org/drawingml/2006/main" xmlns:r="http://schemas.openxmlformats.org/officeDocument/2006/relationships" xmlns:p="http://schemas.openxmlformats.org/presentationml/2006/main">
   <p:cSld>
     <p:spTree>
@@ -12571,7 +13067,7 @@
 </p:sld>
 </file>
 
-<file path=ppt/slides/slide24.xml><?xml version="1.0" encoding="utf-8"?>
+<file path=ppt/slides/slide28.xml><?xml version="1.0" encoding="utf-8"?>
 <p:sld xmlns:a="http://schemas.openxmlformats.org/drawingml/2006/main" xmlns:r="http://schemas.openxmlformats.org/officeDocument/2006/relationships" xmlns:p="http://schemas.openxmlformats.org/presentationml/2006/main">
   <p:cSld>
     <p:spTree>
@@ -12819,7 +13315,7 @@
 </p:sld>
 </file>
 
-<file path=ppt/slides/slide25.xml><?xml version="1.0" encoding="utf-8"?>
+<file path=ppt/slides/slide29.xml><?xml version="1.0" encoding="utf-8"?>
 <p:sld xmlns:a="http://schemas.openxmlformats.org/drawingml/2006/main" xmlns:r="http://schemas.openxmlformats.org/officeDocument/2006/relationships" xmlns:p="http://schemas.openxmlformats.org/presentationml/2006/main">
   <p:cSld>
     <p:spTree>
@@ -13053,9 +13549,89 @@
           </a:p>
         </p:txBody>
       </p:sp>
+    </p:spTree>
+    <p:extLst>
+      <p:ext uri="{BB962C8B-B14F-4D97-AF65-F5344CB8AC3E}">
+        <p14:creationId xmlns:p14="http://schemas.microsoft.com/office/powerpoint/2010/main" val="3429135972"/>
+      </p:ext>
+    </p:extLst>
+  </p:cSld>
+  <p:clrMapOvr>
+    <a:masterClrMapping/>
+  </p:clrMapOvr>
+  <p:timing>
+    <p:tnLst>
+      <p:par>
+        <p:cTn id="1" dur="indefinite" restart="never" nodeType="tmRoot"/>
+      </p:par>
+    </p:tnLst>
+  </p:timing>
+</p:sld>
+</file>
+
+<file path=ppt/slides/slide3.xml><?xml version="1.0" encoding="utf-8"?>
+<p:sld xmlns:a="http://schemas.openxmlformats.org/drawingml/2006/main" xmlns:r="http://schemas.openxmlformats.org/officeDocument/2006/relationships" xmlns:p="http://schemas.openxmlformats.org/presentationml/2006/main">
+  <p:cSld>
+    <p:spTree>
+      <p:nvGrpSpPr>
+        <p:cNvPr id="1" name=""/>
+        <p:cNvGrpSpPr/>
+        <p:nvPr/>
+      </p:nvGrpSpPr>
+      <p:grpSpPr>
+        <a:xfrm>
+          <a:off x="0" y="0"/>
+          <a:ext cx="0" cy="0"/>
+          <a:chOff x="0" y="0"/>
+          <a:chExt cx="0" cy="0"/>
+        </a:xfrm>
+      </p:grpSpPr>
       <p:sp>
         <p:nvSpPr>
-          <p:cNvPr id="4" name="TextBox 1"/>
+          <p:cNvPr id="2" name="标题 1"/>
+          <p:cNvSpPr>
+            <a:spLocks noGrp="1"/>
+          </p:cNvSpPr>
+          <p:nvPr>
+            <p:ph type="title"/>
+          </p:nvPr>
+        </p:nvSpPr>
+        <p:spPr>
+          <a:xfrm>
+            <a:off x="3059832" y="2636912"/>
+            <a:ext cx="3096344" cy="1075457"/>
+          </a:xfrm>
+        </p:spPr>
+        <p:style>
+          <a:lnRef idx="1">
+            <a:schemeClr val="accent4"/>
+          </a:lnRef>
+          <a:fillRef idx="3">
+            <a:schemeClr val="accent4"/>
+          </a:fillRef>
+          <a:effectRef idx="2">
+            <a:schemeClr val="accent4"/>
+          </a:effectRef>
+          <a:fontRef idx="minor">
+            <a:schemeClr val="lt1"/>
+          </a:fontRef>
+        </p:style>
+        <p:txBody>
+          <a:bodyPr/>
+          <a:lstStyle/>
+          <a:p>
+            <a:pPr algn="ctr"/>
+            <a:r>
+              <a:rPr lang="zh-CN" altLang="en-US" dirty="0" smtClean="0"/>
+              <a:t>关于开发的一点感性认识</a:t>
+            </a:r>
+            <a:endParaRPr lang="zh-CN" altLang="en-US" dirty="0"/>
+          </a:p>
+        </p:txBody>
+      </p:sp>
+      <p:sp>
+        <p:nvSpPr>
+          <p:cNvPr id="3" name="Rectangle 2"/>
           <p:cNvSpPr txBox="1">
             <a:spLocks noChangeArrowheads="1"/>
           </p:cNvSpPr>
@@ -13063,8 +13639,8 @@
         </p:nvSpPr>
         <p:spPr bwMode="auto">
           <a:xfrm>
-            <a:off x="7307660" y="893763"/>
-            <a:ext cx="615553" cy="4911501"/>
+            <a:off x="477838" y="134938"/>
+            <a:ext cx="6249987" cy="566737"/>
           </a:xfrm>
           <a:prstGeom prst="rect">
             <a:avLst/>
@@ -13094,175 +13670,196 @@
           </a:extLst>
         </p:spPr>
         <p:txBody>
-          <a:bodyPr vert="eaVert" wrap="square">
-            <a:spAutoFit/>
+          <a:bodyPr vert="horz" wrap="square" lIns="91440" tIns="45720" rIns="91440" bIns="45720" numCol="1" anchor="b" anchorCtr="0" compatLnSpc="1">
+            <a:prstTxWarp prst="textNoShape">
+              <a:avLst/>
+            </a:prstTxWarp>
           </a:bodyPr>
           <a:lstStyle>
-            <a:lvl1pPr eaLnBrk="0" hangingPunct="0">
-              <a:defRPr b="1">
-                <a:solidFill>
-                  <a:schemeClr val="tx1"/>
-                </a:solidFill>
-                <a:latin typeface="Arial" pitchFamily="34" charset="0"/>
-                <a:ea typeface="微软雅黑" pitchFamily="34" charset="-122"/>
-              </a:defRPr>
-            </a:lvl1pPr>
-            <a:lvl2pPr marL="742950" indent="-285750" eaLnBrk="0" hangingPunct="0">
-              <a:defRPr b="1">
-                <a:solidFill>
-                  <a:schemeClr val="tx1"/>
-                </a:solidFill>
-                <a:latin typeface="Arial" pitchFamily="34" charset="0"/>
-                <a:ea typeface="微软雅黑" pitchFamily="34" charset="-122"/>
-              </a:defRPr>
-            </a:lvl2pPr>
-            <a:lvl3pPr marL="1143000" indent="-228600" eaLnBrk="0" hangingPunct="0">
-              <a:defRPr b="1">
-                <a:solidFill>
-                  <a:schemeClr val="tx1"/>
-                </a:solidFill>
-                <a:latin typeface="Arial" pitchFamily="34" charset="0"/>
-                <a:ea typeface="微软雅黑" pitchFamily="34" charset="-122"/>
-              </a:defRPr>
-            </a:lvl3pPr>
-            <a:lvl4pPr marL="1600200" indent="-228600" eaLnBrk="0" hangingPunct="0">
-              <a:defRPr b="1">
-                <a:solidFill>
-                  <a:schemeClr val="tx1"/>
-                </a:solidFill>
-                <a:latin typeface="Arial" pitchFamily="34" charset="0"/>
-                <a:ea typeface="微软雅黑" pitchFamily="34" charset="-122"/>
-              </a:defRPr>
-            </a:lvl4pPr>
-            <a:lvl5pPr marL="2057400" indent="-228600" eaLnBrk="0" hangingPunct="0">
-              <a:defRPr b="1">
-                <a:solidFill>
-                  <a:schemeClr val="tx1"/>
-                </a:solidFill>
-                <a:latin typeface="Arial" pitchFamily="34" charset="0"/>
-                <a:ea typeface="微软雅黑" pitchFamily="34" charset="-122"/>
-              </a:defRPr>
-            </a:lvl5pPr>
-            <a:lvl6pPr marL="2514600" indent="-228600" algn="ctr" eaLnBrk="0" fontAlgn="base" hangingPunct="0">
+            <a:lvl1pPr algn="l" rtl="0" eaLnBrk="0" fontAlgn="base" hangingPunct="0">
+              <a:lnSpc>
+                <a:spcPct val="90000"/>
+              </a:lnSpc>
               <a:spcBef>
                 <a:spcPct val="0"/>
               </a:spcBef>
               <a:spcAft>
                 <a:spcPct val="0"/>
               </a:spcAft>
-              <a:buFont typeface="Arial" pitchFamily="34" charset="0"/>
-              <a:defRPr b="1">
+              <a:defRPr sz="3200" b="1">
                 <a:solidFill>
-                  <a:schemeClr val="tx1"/>
+                  <a:srgbClr val="42331C"/>
                 </a:solidFill>
-                <a:latin typeface="Arial" pitchFamily="34" charset="0"/>
-                <a:ea typeface="微软雅黑" pitchFamily="34" charset="-122"/>
+                <a:latin typeface="+mj-lt"/>
+                <a:ea typeface="+mj-ea"/>
+                <a:cs typeface="+mj-cs"/>
               </a:defRPr>
-            </a:lvl6pPr>
-            <a:lvl7pPr marL="2971800" indent="-228600" algn="ctr" eaLnBrk="0" fontAlgn="base" hangingPunct="0">
+            </a:lvl1pPr>
+            <a:lvl2pPr algn="l" rtl="0" eaLnBrk="0" fontAlgn="base" hangingPunct="0">
+              <a:lnSpc>
+                <a:spcPct val="90000"/>
+              </a:lnSpc>
               <a:spcBef>
                 <a:spcPct val="0"/>
               </a:spcBef>
               <a:spcAft>
                 <a:spcPct val="0"/>
               </a:spcAft>
-              <a:buFont typeface="Arial" pitchFamily="34" charset="0"/>
-              <a:defRPr b="1">
+              <a:defRPr sz="3200" b="1">
                 <a:solidFill>
-                  <a:schemeClr val="tx1"/>
+                  <a:srgbClr val="42331C"/>
                 </a:solidFill>
-                <a:latin typeface="Arial" pitchFamily="34" charset="0"/>
+                <a:latin typeface="Arial Black" pitchFamily="34" charset="0"/>
                 <a:ea typeface="微软雅黑" pitchFamily="34" charset="-122"/>
               </a:defRPr>
-            </a:lvl7pPr>
-            <a:lvl8pPr marL="3429000" indent="-228600" algn="ctr" eaLnBrk="0" fontAlgn="base" hangingPunct="0">
+            </a:lvl2pPr>
+            <a:lvl3pPr algn="l" rtl="0" eaLnBrk="0" fontAlgn="base" hangingPunct="0">
+              <a:lnSpc>
+                <a:spcPct val="90000"/>
+              </a:lnSpc>
               <a:spcBef>
                 <a:spcPct val="0"/>
               </a:spcBef>
               <a:spcAft>
                 <a:spcPct val="0"/>
               </a:spcAft>
-              <a:buFont typeface="Arial" pitchFamily="34" charset="0"/>
-              <a:defRPr b="1">
+              <a:defRPr sz="3200" b="1">
                 <a:solidFill>
-                  <a:schemeClr val="tx1"/>
+                  <a:srgbClr val="42331C"/>
                 </a:solidFill>
-                <a:latin typeface="Arial" pitchFamily="34" charset="0"/>
+                <a:latin typeface="Arial Black" pitchFamily="34" charset="0"/>
                 <a:ea typeface="微软雅黑" pitchFamily="34" charset="-122"/>
               </a:defRPr>
-            </a:lvl8pPr>
-            <a:lvl9pPr marL="3886200" indent="-228600" algn="ctr" eaLnBrk="0" fontAlgn="base" hangingPunct="0">
+            </a:lvl3pPr>
+            <a:lvl4pPr algn="l" rtl="0" eaLnBrk="0" fontAlgn="base" hangingPunct="0">
+              <a:lnSpc>
+                <a:spcPct val="90000"/>
+              </a:lnSpc>
               <a:spcBef>
                 <a:spcPct val="0"/>
               </a:spcBef>
               <a:spcAft>
                 <a:spcPct val="0"/>
               </a:spcAft>
-              <a:buFont typeface="Arial" pitchFamily="34" charset="0"/>
-              <a:defRPr b="1">
+              <a:defRPr sz="3200" b="1">
                 <a:solidFill>
-                  <a:schemeClr val="tx1"/>
+                  <a:srgbClr val="42331C"/>
                 </a:solidFill>
-                <a:latin typeface="Arial" pitchFamily="34" charset="0"/>
+                <a:latin typeface="Arial Black" pitchFamily="34" charset="0"/>
+                <a:ea typeface="微软雅黑" pitchFamily="34" charset="-122"/>
+              </a:defRPr>
+            </a:lvl4pPr>
+            <a:lvl5pPr algn="l" rtl="0" eaLnBrk="0" fontAlgn="base" hangingPunct="0">
+              <a:lnSpc>
+                <a:spcPct val="90000"/>
+              </a:lnSpc>
+              <a:spcBef>
+                <a:spcPct val="0"/>
+              </a:spcBef>
+              <a:spcAft>
+                <a:spcPct val="0"/>
+              </a:spcAft>
+              <a:defRPr sz="3200" b="1">
+                <a:solidFill>
+                  <a:srgbClr val="42331C"/>
+                </a:solidFill>
+                <a:latin typeface="Arial Black" pitchFamily="34" charset="0"/>
+                <a:ea typeface="微软雅黑" pitchFamily="34" charset="-122"/>
+              </a:defRPr>
+            </a:lvl5pPr>
+            <a:lvl6pPr marL="457200" algn="l" rtl="0" fontAlgn="base">
+              <a:lnSpc>
+                <a:spcPct val="90000"/>
+              </a:lnSpc>
+              <a:spcBef>
+                <a:spcPct val="0"/>
+              </a:spcBef>
+              <a:spcAft>
+                <a:spcPct val="0"/>
+              </a:spcAft>
+              <a:defRPr sz="3200" b="1">
+                <a:solidFill>
+                  <a:srgbClr val="42331C"/>
+                </a:solidFill>
+                <a:latin typeface="Arial Black" pitchFamily="34" charset="0"/>
+                <a:ea typeface="微软雅黑" pitchFamily="34" charset="-122"/>
+              </a:defRPr>
+            </a:lvl6pPr>
+            <a:lvl7pPr marL="914400" algn="l" rtl="0" fontAlgn="base">
+              <a:lnSpc>
+                <a:spcPct val="90000"/>
+              </a:lnSpc>
+              <a:spcBef>
+                <a:spcPct val="0"/>
+              </a:spcBef>
+              <a:spcAft>
+                <a:spcPct val="0"/>
+              </a:spcAft>
+              <a:defRPr sz="3200" b="1">
+                <a:solidFill>
+                  <a:srgbClr val="42331C"/>
+                </a:solidFill>
+                <a:latin typeface="Arial Black" pitchFamily="34" charset="0"/>
+                <a:ea typeface="微软雅黑" pitchFamily="34" charset="-122"/>
+              </a:defRPr>
+            </a:lvl7pPr>
+            <a:lvl8pPr marL="1371600" algn="l" rtl="0" fontAlgn="base">
+              <a:lnSpc>
+                <a:spcPct val="90000"/>
+              </a:lnSpc>
+              <a:spcBef>
+                <a:spcPct val="0"/>
+              </a:spcBef>
+              <a:spcAft>
+                <a:spcPct val="0"/>
+              </a:spcAft>
+              <a:defRPr sz="3200" b="1">
+                <a:solidFill>
+                  <a:srgbClr val="42331C"/>
+                </a:solidFill>
+                <a:latin typeface="Arial Black" pitchFamily="34" charset="0"/>
+                <a:ea typeface="微软雅黑" pitchFamily="34" charset="-122"/>
+              </a:defRPr>
+            </a:lvl8pPr>
+            <a:lvl9pPr marL="1828800" algn="l" rtl="0" fontAlgn="base">
+              <a:lnSpc>
+                <a:spcPct val="90000"/>
+              </a:lnSpc>
+              <a:spcBef>
+                <a:spcPct val="0"/>
+              </a:spcBef>
+              <a:spcAft>
+                <a:spcPct val="0"/>
+              </a:spcAft>
+              <a:defRPr sz="3200" b="1">
+                <a:solidFill>
+                  <a:srgbClr val="42331C"/>
+                </a:solidFill>
+                <a:latin typeface="Arial Black" pitchFamily="34" charset="0"/>
                 <a:ea typeface="微软雅黑" pitchFamily="34" charset="-122"/>
               </a:defRPr>
             </a:lvl9pPr>
           </a:lstStyle>
           <a:p>
-            <a:pPr algn="l" eaLnBrk="1" hangingPunct="1"/>
-            <a:r>
-              <a:rPr lang="zh-CN" altLang="en-US" sz="2800" dirty="0" smtClean="0"/>
-              <a:t>弥补开发层次中缺失的一环</a:t>
-            </a:r>
-            <a:endParaRPr lang="en-US" sz="2800" dirty="0"/>
+            <a:pPr eaLnBrk="1" hangingPunct="1">
+              <a:buFontTx/>
+            </a:pPr>
+            <a:r>
+              <a:rPr lang="zh-CN" altLang="en-US" sz="2800" kern="0" dirty="0" smtClean="0">
+                <a:sym typeface="Arial" pitchFamily="34" charset="0"/>
+              </a:rPr>
+              <a:t>开始之前</a:t>
+            </a:r>
+            <a:endParaRPr lang="zh-CN" altLang="en-US" sz="2800" kern="0" dirty="0" smtClean="0">
+              <a:sym typeface="Arial" pitchFamily="34" charset="0"/>
+            </a:endParaRPr>
           </a:p>
         </p:txBody>
       </p:sp>
-      <p:pic>
-        <p:nvPicPr>
-          <p:cNvPr id="1026" name="Picture 2" descr="头骨的iOS图标设"/>
-          <p:cNvPicPr>
-            <a:picLocks noChangeAspect="1" noChangeArrowheads="1"/>
-          </p:cNvPicPr>
-          <p:nvPr/>
-        </p:nvPicPr>
-        <p:blipFill>
-          <a:blip r:embed="rId2" cstate="print">
-            <a:extLst>
-              <a:ext uri="{28A0092B-C50C-407E-A947-70E740481C1C}">
-                <a14:useLocalDpi xmlns:a14="http://schemas.microsoft.com/office/drawing/2010/main" val="0"/>
-              </a:ext>
-            </a:extLst>
-          </a:blip>
-          <a:srcRect/>
-          <a:stretch>
-            <a:fillRect/>
-          </a:stretch>
-        </p:blipFill>
-        <p:spPr bwMode="auto">
-          <a:xfrm>
-            <a:off x="7452321" y="5236218"/>
-            <a:ext cx="1673846" cy="1256657"/>
-          </a:xfrm>
-          <a:prstGeom prst="rect">
-            <a:avLst/>
-          </a:prstGeom>
-          <a:noFill/>
-          <a:extLst>
-            <a:ext uri="{909E8E84-426E-40DD-AFC4-6F175D3DCCD1}">
-              <a14:hiddenFill xmlns:a14="http://schemas.microsoft.com/office/drawing/2010/main">
-                <a:solidFill>
-                  <a:srgbClr val="FFFFFF"/>
-                </a:solidFill>
-              </a14:hiddenFill>
-            </a:ext>
-          </a:extLst>
-        </p:spPr>
-      </p:pic>
     </p:spTree>
     <p:extLst>
       <p:ext uri="{BB962C8B-B14F-4D97-AF65-F5344CB8AC3E}">
-        <p14:creationId xmlns:p14="http://schemas.microsoft.com/office/powerpoint/2010/main" val="3429135972"/>
+        <p14:creationId xmlns:p14="http://schemas.microsoft.com/office/powerpoint/2010/main" val="939167942"/>
       </p:ext>
     </p:extLst>
   </p:cSld>
@@ -13279,7 +13876,7 @@
 </p:sld>
 </file>
 
-<file path=ppt/slides/slide26.xml><?xml version="1.0" encoding="utf-8"?>
+<file path=ppt/slides/slide30.xml><?xml version="1.0" encoding="utf-8"?>
 <p:sld xmlns:a="http://schemas.openxmlformats.org/drawingml/2006/main" xmlns:r="http://schemas.openxmlformats.org/officeDocument/2006/relationships" xmlns:p="http://schemas.openxmlformats.org/presentationml/2006/main">
   <p:cSld>
     <p:spTree>
@@ -13363,7 +13960,7 @@
 </p:sld>
 </file>
 
-<file path=ppt/slides/slide27.xml><?xml version="1.0" encoding="utf-8"?>
+<file path=ppt/slides/slide31.xml><?xml version="1.0" encoding="utf-8"?>
 <p:sld xmlns:a="http://schemas.openxmlformats.org/drawingml/2006/main" xmlns:r="http://schemas.openxmlformats.org/officeDocument/2006/relationships" xmlns:p="http://schemas.openxmlformats.org/presentationml/2006/main">
   <p:cSld>
     <p:spTree>
@@ -13380,483 +13977,9 @@
           <a:chExt cx="0" cy="0"/>
         </a:xfrm>
       </p:grpSpPr>
-      <p:sp>
-        <p:nvSpPr>
-          <p:cNvPr id="46082" name="Rectangle 2"/>
-          <p:cNvSpPr>
-            <a:spLocks noGrp="1" noChangeArrowheads="1"/>
-          </p:cNvSpPr>
-          <p:nvPr>
-            <p:ph type="title"/>
-          </p:nvPr>
-        </p:nvSpPr>
-        <p:spPr/>
-        <p:txBody>
-          <a:bodyPr/>
-          <a:lstStyle/>
-          <a:p>
-            <a:pPr eaLnBrk="1" hangingPunct="1"/>
-            <a:r>
-              <a:rPr lang="en-US" dirty="0" smtClean="0"/>
-              <a:t>Decision </a:t>
-            </a:r>
-            <a:r>
-              <a:rPr lang="en-US" altLang="zh-CN" dirty="0" smtClean="0"/>
-              <a:t>T</a:t>
-            </a:r>
-            <a:r>
-              <a:rPr lang="en-US" dirty="0" smtClean="0"/>
-              <a:t>ree</a:t>
-            </a:r>
-          </a:p>
-        </p:txBody>
-      </p:sp>
-      <p:sp>
-        <p:nvSpPr>
-          <p:cNvPr id="46083" name="Rectangle 3"/>
-          <p:cNvSpPr>
-            <a:spLocks noGrp="1" noChangeArrowheads="1"/>
-          </p:cNvSpPr>
-          <p:nvPr>
-            <p:ph type="body" idx="1"/>
-          </p:nvPr>
-        </p:nvSpPr>
-        <p:spPr/>
-        <p:txBody>
-          <a:bodyPr/>
-          <a:lstStyle/>
-          <a:p>
-            <a:pPr eaLnBrk="1" hangingPunct="1">
-              <a:lnSpc>
-                <a:spcPct val="100000"/>
-              </a:lnSpc>
-            </a:pPr>
-            <a:r>
-              <a:rPr lang="zh-CN" altLang="en-US" sz="1800" dirty="0" smtClean="0"/>
-              <a:t>什么是</a:t>
-            </a:r>
-            <a:r>
-              <a:rPr lang="en-US" sz="1800" dirty="0" smtClean="0"/>
-              <a:t>decision tree</a:t>
-            </a:r>
-          </a:p>
-          <a:p>
-            <a:pPr lvl="1" eaLnBrk="1" hangingPunct="1">
-              <a:lnSpc>
-                <a:spcPct val="120000"/>
-              </a:lnSpc>
-            </a:pPr>
-            <a:r>
-              <a:rPr lang="zh-CN" altLang="en-US" sz="1400" dirty="0" smtClean="0"/>
-              <a:t>商业智能领域常用的决策工具</a:t>
-            </a:r>
-            <a:endParaRPr lang="en-US" sz="1400" dirty="0" smtClean="0"/>
-          </a:p>
-          <a:p>
-            <a:pPr lvl="1" eaLnBrk="1" hangingPunct="1">
-              <a:lnSpc>
-                <a:spcPct val="120000"/>
-              </a:lnSpc>
-            </a:pPr>
-            <a:r>
-              <a:rPr lang="zh-CN" altLang="en-US" sz="1400" dirty="0" smtClean="0"/>
-              <a:t>利用树形模型表达复杂的决策制定过程</a:t>
-            </a:r>
-            <a:endParaRPr lang="en-US" sz="1400" dirty="0" smtClean="0"/>
-          </a:p>
-          <a:p>
-            <a:pPr eaLnBrk="1" hangingPunct="1">
-              <a:lnSpc>
-                <a:spcPct val="100000"/>
-              </a:lnSpc>
-            </a:pPr>
-            <a:r>
-              <a:rPr lang="en-US" sz="1800" dirty="0" smtClean="0"/>
-              <a:t>Decision Tree </a:t>
-            </a:r>
-            <a:r>
-              <a:rPr lang="zh-CN" altLang="en-US" sz="1800" dirty="0" smtClean="0"/>
-              <a:t>编辑器可以让开发者</a:t>
-            </a:r>
-            <a:endParaRPr lang="en-US" sz="1800" dirty="0" smtClean="0"/>
-          </a:p>
-          <a:p>
-            <a:pPr lvl="1" eaLnBrk="1" hangingPunct="1">
-              <a:lnSpc>
-                <a:spcPct val="120000"/>
-              </a:lnSpc>
-            </a:pPr>
-            <a:r>
-              <a:rPr lang="zh-CN" altLang="en-US" sz="1400" dirty="0" smtClean="0"/>
-              <a:t>生成</a:t>
-            </a:r>
-            <a:r>
-              <a:rPr lang="en-US" sz="1400" dirty="0" smtClean="0"/>
-              <a:t>decision tree</a:t>
-            </a:r>
-          </a:p>
-          <a:p>
-            <a:pPr lvl="2" eaLnBrk="1" hangingPunct="1">
-              <a:lnSpc>
-                <a:spcPct val="70000"/>
-              </a:lnSpc>
-            </a:pPr>
-            <a:r>
-              <a:rPr lang="zh-CN" altLang="en-US" sz="1800" dirty="0" smtClean="0"/>
-              <a:t>以所见即所得的方式</a:t>
-            </a:r>
-            <a:endParaRPr lang="en-US" sz="1800" dirty="0" smtClean="0"/>
-          </a:p>
-          <a:p>
-            <a:pPr lvl="1" eaLnBrk="1" hangingPunct="1">
-              <a:lnSpc>
-                <a:spcPct val="120000"/>
-              </a:lnSpc>
-            </a:pPr>
-            <a:r>
-              <a:rPr lang="zh-CN" altLang="en-US" sz="1400" dirty="0" smtClean="0"/>
-              <a:t>依据模型生成单元测试的验证代码</a:t>
-            </a:r>
-            <a:endParaRPr lang="en-US" sz="1400" dirty="0" smtClean="0"/>
-          </a:p>
-          <a:p>
-            <a:pPr lvl="2" eaLnBrk="1" hangingPunct="1">
-              <a:lnSpc>
-                <a:spcPct val="70000"/>
-              </a:lnSpc>
-            </a:pPr>
-            <a:r>
-              <a:rPr lang="zh-CN" altLang="en-US" sz="1800" dirty="0"/>
-              <a:t>所有决策路径全覆盖</a:t>
-            </a:r>
-            <a:endParaRPr lang="en-US" sz="1800" dirty="0" smtClean="0"/>
-          </a:p>
-          <a:p>
-            <a:pPr eaLnBrk="1" hangingPunct="1">
-              <a:lnSpc>
-                <a:spcPct val="100000"/>
-              </a:lnSpc>
-            </a:pPr>
-            <a:r>
-              <a:rPr lang="zh-CN" altLang="en-US" sz="1800" dirty="0" smtClean="0"/>
-              <a:t>优势</a:t>
-            </a:r>
-            <a:endParaRPr lang="en-US" sz="1800" dirty="0" smtClean="0"/>
-          </a:p>
-          <a:p>
-            <a:pPr lvl="1" eaLnBrk="1" hangingPunct="1">
-              <a:lnSpc>
-                <a:spcPct val="120000"/>
-              </a:lnSpc>
-            </a:pPr>
-            <a:r>
-              <a:rPr lang="zh-CN" altLang="en-US" sz="1400" dirty="0" smtClean="0"/>
-              <a:t>纯模型，无代码</a:t>
-            </a:r>
-            <a:endParaRPr lang="en-US" sz="1400" dirty="0" smtClean="0"/>
-          </a:p>
-          <a:p>
-            <a:pPr lvl="1" eaLnBrk="1" hangingPunct="1">
-              <a:lnSpc>
-                <a:spcPct val="120000"/>
-              </a:lnSpc>
-            </a:pPr>
-            <a:r>
-              <a:rPr lang="zh-CN" altLang="en-US" sz="1400" dirty="0" smtClean="0"/>
-              <a:t>方便重用</a:t>
-            </a:r>
-            <a:endParaRPr lang="en-US" sz="1400" dirty="0" smtClean="0"/>
-          </a:p>
-          <a:p>
-            <a:pPr lvl="1" eaLnBrk="1" hangingPunct="1">
-              <a:lnSpc>
-                <a:spcPct val="120000"/>
-              </a:lnSpc>
-            </a:pPr>
-            <a:r>
-              <a:rPr lang="zh-CN" altLang="en-US" sz="1400" dirty="0" smtClean="0"/>
-              <a:t>替代</a:t>
-            </a:r>
-            <a:r>
-              <a:rPr lang="en-US" sz="1400" dirty="0" smtClean="0"/>
-              <a:t>if/else</a:t>
-            </a:r>
-            <a:r>
-              <a:rPr lang="zh-CN" altLang="en-US" sz="1400" dirty="0" smtClean="0"/>
-              <a:t>，极大的简化代码</a:t>
-            </a:r>
-            <a:endParaRPr lang="en-US" sz="1400" dirty="0" smtClean="0"/>
-          </a:p>
-          <a:p>
-            <a:pPr eaLnBrk="1" hangingPunct="1">
-              <a:lnSpc>
-                <a:spcPct val="100000"/>
-              </a:lnSpc>
-            </a:pPr>
-            <a:endParaRPr lang="en-US" sz="1800" dirty="0" smtClean="0"/>
-          </a:p>
-        </p:txBody>
-      </p:sp>
-      <p:sp>
-        <p:nvSpPr>
-          <p:cNvPr id="4" name="TextBox 1"/>
-          <p:cNvSpPr txBox="1">
-            <a:spLocks noChangeArrowheads="1"/>
-          </p:cNvSpPr>
-          <p:nvPr/>
-        </p:nvSpPr>
-        <p:spPr bwMode="auto">
-          <a:xfrm>
-            <a:off x="7307660" y="893763"/>
-            <a:ext cx="615553" cy="4911501"/>
-          </a:xfrm>
-          <a:prstGeom prst="rect">
-            <a:avLst/>
-          </a:prstGeom>
-          <a:noFill/>
-          <a:ln>
-            <a:noFill/>
-          </a:ln>
-          <a:extLst>
-            <a:ext uri="{909E8E84-426E-40DD-AFC4-6F175D3DCCD1}">
-              <a14:hiddenFill xmlns:a14="http://schemas.microsoft.com/office/drawing/2010/main">
-                <a:solidFill>
-                  <a:srgbClr val="FFFFFF"/>
-                </a:solidFill>
-              </a14:hiddenFill>
-            </a:ext>
-            <a:ext uri="{91240B29-F687-4F45-9708-019B960494DF}">
-              <a14:hiddenLine xmlns:a14="http://schemas.microsoft.com/office/drawing/2010/main" w="9525">
-                <a:solidFill>
-                  <a:srgbClr val="000000"/>
-                </a:solidFill>
-                <a:miter lim="800000"/>
-                <a:headEnd/>
-                <a:tailEnd/>
-              </a14:hiddenLine>
-            </a:ext>
-          </a:extLst>
-        </p:spPr>
-        <p:txBody>
-          <a:bodyPr vert="eaVert" wrap="square">
-            <a:spAutoFit/>
-          </a:bodyPr>
-          <a:lstStyle>
-            <a:lvl1pPr eaLnBrk="0" hangingPunct="0">
-              <a:defRPr b="1">
-                <a:solidFill>
-                  <a:schemeClr val="tx1"/>
-                </a:solidFill>
-                <a:latin typeface="Arial" pitchFamily="34" charset="0"/>
-                <a:ea typeface="微软雅黑" pitchFamily="34" charset="-122"/>
-              </a:defRPr>
-            </a:lvl1pPr>
-            <a:lvl2pPr marL="742950" indent="-285750" eaLnBrk="0" hangingPunct="0">
-              <a:defRPr b="1">
-                <a:solidFill>
-                  <a:schemeClr val="tx1"/>
-                </a:solidFill>
-                <a:latin typeface="Arial" pitchFamily="34" charset="0"/>
-                <a:ea typeface="微软雅黑" pitchFamily="34" charset="-122"/>
-              </a:defRPr>
-            </a:lvl2pPr>
-            <a:lvl3pPr marL="1143000" indent="-228600" eaLnBrk="0" hangingPunct="0">
-              <a:defRPr b="1">
-                <a:solidFill>
-                  <a:schemeClr val="tx1"/>
-                </a:solidFill>
-                <a:latin typeface="Arial" pitchFamily="34" charset="0"/>
-                <a:ea typeface="微软雅黑" pitchFamily="34" charset="-122"/>
-              </a:defRPr>
-            </a:lvl3pPr>
-            <a:lvl4pPr marL="1600200" indent="-228600" eaLnBrk="0" hangingPunct="0">
-              <a:defRPr b="1">
-                <a:solidFill>
-                  <a:schemeClr val="tx1"/>
-                </a:solidFill>
-                <a:latin typeface="Arial" pitchFamily="34" charset="0"/>
-                <a:ea typeface="微软雅黑" pitchFamily="34" charset="-122"/>
-              </a:defRPr>
-            </a:lvl4pPr>
-            <a:lvl5pPr marL="2057400" indent="-228600" eaLnBrk="0" hangingPunct="0">
-              <a:defRPr b="1">
-                <a:solidFill>
-                  <a:schemeClr val="tx1"/>
-                </a:solidFill>
-                <a:latin typeface="Arial" pitchFamily="34" charset="0"/>
-                <a:ea typeface="微软雅黑" pitchFamily="34" charset="-122"/>
-              </a:defRPr>
-            </a:lvl5pPr>
-            <a:lvl6pPr marL="2514600" indent="-228600" algn="ctr" eaLnBrk="0" fontAlgn="base" hangingPunct="0">
-              <a:spcBef>
-                <a:spcPct val="0"/>
-              </a:spcBef>
-              <a:spcAft>
-                <a:spcPct val="0"/>
-              </a:spcAft>
-              <a:buFont typeface="Arial" pitchFamily="34" charset="0"/>
-              <a:defRPr b="1">
-                <a:solidFill>
-                  <a:schemeClr val="tx1"/>
-                </a:solidFill>
-                <a:latin typeface="Arial" pitchFamily="34" charset="0"/>
-                <a:ea typeface="微软雅黑" pitchFamily="34" charset="-122"/>
-              </a:defRPr>
-            </a:lvl6pPr>
-            <a:lvl7pPr marL="2971800" indent="-228600" algn="ctr" eaLnBrk="0" fontAlgn="base" hangingPunct="0">
-              <a:spcBef>
-                <a:spcPct val="0"/>
-              </a:spcBef>
-              <a:spcAft>
-                <a:spcPct val="0"/>
-              </a:spcAft>
-              <a:buFont typeface="Arial" pitchFamily="34" charset="0"/>
-              <a:defRPr b="1">
-                <a:solidFill>
-                  <a:schemeClr val="tx1"/>
-                </a:solidFill>
-                <a:latin typeface="Arial" pitchFamily="34" charset="0"/>
-                <a:ea typeface="微软雅黑" pitchFamily="34" charset="-122"/>
-              </a:defRPr>
-            </a:lvl7pPr>
-            <a:lvl8pPr marL="3429000" indent="-228600" algn="ctr" eaLnBrk="0" fontAlgn="base" hangingPunct="0">
-              <a:spcBef>
-                <a:spcPct val="0"/>
-              </a:spcBef>
-              <a:spcAft>
-                <a:spcPct val="0"/>
-              </a:spcAft>
-              <a:buFont typeface="Arial" pitchFamily="34" charset="0"/>
-              <a:defRPr b="1">
-                <a:solidFill>
-                  <a:schemeClr val="tx1"/>
-                </a:solidFill>
-                <a:latin typeface="Arial" pitchFamily="34" charset="0"/>
-                <a:ea typeface="微软雅黑" pitchFamily="34" charset="-122"/>
-              </a:defRPr>
-            </a:lvl8pPr>
-            <a:lvl9pPr marL="3886200" indent="-228600" algn="ctr" eaLnBrk="0" fontAlgn="base" hangingPunct="0">
-              <a:spcBef>
-                <a:spcPct val="0"/>
-              </a:spcBef>
-              <a:spcAft>
-                <a:spcPct val="0"/>
-              </a:spcAft>
-              <a:buFont typeface="Arial" pitchFamily="34" charset="0"/>
-              <a:defRPr b="1">
-                <a:solidFill>
-                  <a:schemeClr val="tx1"/>
-                </a:solidFill>
-                <a:latin typeface="Arial" pitchFamily="34" charset="0"/>
-                <a:ea typeface="微软雅黑" pitchFamily="34" charset="-122"/>
-              </a:defRPr>
-            </a:lvl9pPr>
-          </a:lstStyle>
-          <a:p>
-            <a:pPr algn="l" eaLnBrk="1" hangingPunct="1"/>
-            <a:r>
-              <a:rPr lang="zh-CN" altLang="en-US" sz="2800" dirty="0"/>
-              <a:t>复杂</a:t>
-            </a:r>
-            <a:r>
-              <a:rPr lang="zh-CN" altLang="en-US" sz="2800" dirty="0" smtClean="0"/>
-              <a:t>逻辑无法用条件判断表达</a:t>
-            </a:r>
-            <a:endParaRPr lang="en-US" sz="2800" dirty="0"/>
-          </a:p>
-        </p:txBody>
-      </p:sp>
-    </p:spTree>
-  </p:cSld>
-  <p:clrMapOvr>
-    <a:masterClrMapping/>
-  </p:clrMapOvr>
-  <p:timing>
-    <p:tnLst>
-      <p:par>
-        <p:cTn id="1" dur="indefinite" restart="never" nodeType="tmRoot"/>
-      </p:par>
-    </p:tnLst>
-  </p:timing>
-</p:sld>
-</file>
-
-<file path=ppt/slides/slide28.xml><?xml version="1.0" encoding="utf-8"?>
-<p:sld xmlns:a="http://schemas.openxmlformats.org/drawingml/2006/main" xmlns:r="http://schemas.openxmlformats.org/officeDocument/2006/relationships" xmlns:p="http://schemas.openxmlformats.org/presentationml/2006/main">
-  <p:cSld>
-    <p:spTree>
-      <p:nvGrpSpPr>
-        <p:cNvPr id="1" name=""/>
-        <p:cNvGrpSpPr/>
-        <p:nvPr/>
-      </p:nvGrpSpPr>
-      <p:grpSpPr>
-        <a:xfrm>
-          <a:off x="0" y="0"/>
-          <a:ext cx="0" cy="0"/>
-          <a:chOff x="0" y="0"/>
-          <a:chExt cx="0" cy="0"/>
-        </a:xfrm>
-      </p:grpSpPr>
-      <p:sp>
-        <p:nvSpPr>
-          <p:cNvPr id="47106" name="Rectangle 2"/>
-          <p:cNvSpPr>
-            <a:spLocks noGrp="1" noChangeArrowheads="1"/>
-          </p:cNvSpPr>
-          <p:nvPr>
-            <p:ph type="title"/>
-          </p:nvPr>
-        </p:nvSpPr>
-        <p:spPr/>
-        <p:txBody>
-          <a:bodyPr/>
-          <a:lstStyle/>
-          <a:p>
-            <a:pPr eaLnBrk="1" hangingPunct="1"/>
-            <a:r>
-              <a:rPr lang="en-US" sz="2800" dirty="0" smtClean="0"/>
-              <a:t>Decision </a:t>
-            </a:r>
-            <a:r>
-              <a:rPr lang="en-US" altLang="zh-CN" sz="2800" dirty="0" smtClean="0"/>
-              <a:t>T</a:t>
-            </a:r>
-            <a:r>
-              <a:rPr lang="en-US" sz="2800" dirty="0" smtClean="0"/>
-              <a:t>ree</a:t>
-            </a:r>
-            <a:endParaRPr lang="en-US" sz="2400" dirty="0" smtClean="0"/>
-          </a:p>
-        </p:txBody>
-      </p:sp>
-      <p:sp>
-        <p:nvSpPr>
-          <p:cNvPr id="47107" name="Rectangle 3"/>
-          <p:cNvSpPr>
-            <a:spLocks noGrp="1" noChangeArrowheads="1"/>
-          </p:cNvSpPr>
-          <p:nvPr>
-            <p:ph type="body" idx="1"/>
-          </p:nvPr>
-        </p:nvSpPr>
-        <p:spPr/>
-        <p:txBody>
-          <a:bodyPr/>
-          <a:lstStyle/>
-          <a:p>
-            <a:pPr eaLnBrk="1" hangingPunct="1"/>
-            <a:r>
-              <a:rPr lang="zh-CN" altLang="en-US" dirty="0" smtClean="0"/>
-              <a:t>直观的表达</a:t>
-            </a:r>
-            <a:endParaRPr lang="en-US" dirty="0" smtClean="0"/>
-          </a:p>
-        </p:txBody>
-      </p:sp>
       <p:pic>
         <p:nvPicPr>
-          <p:cNvPr id="5122" name="Picture 2"/>
+          <p:cNvPr id="5" name="Picture 2"/>
           <p:cNvPicPr>
             <a:picLocks noChangeAspect="1" noChangeArrowheads="1"/>
           </p:cNvPicPr>
@@ -13877,7 +14000,7 @@
         </p:blipFill>
         <p:spPr bwMode="auto">
           <a:xfrm>
-            <a:off x="310356" y="1700808"/>
+            <a:off x="310356" y="2636912"/>
             <a:ext cx="8315325" cy="3914775"/>
           </a:xfrm>
           <a:prstGeom prst="rect">
@@ -13918,6 +14041,122 @@
           </a:extLst>
         </p:spPr>
       </p:pic>
+      <p:sp>
+        <p:nvSpPr>
+          <p:cNvPr id="46082" name="Rectangle 2"/>
+          <p:cNvSpPr>
+            <a:spLocks noGrp="1" noChangeArrowheads="1"/>
+          </p:cNvSpPr>
+          <p:nvPr>
+            <p:ph type="title"/>
+          </p:nvPr>
+        </p:nvSpPr>
+        <p:spPr/>
+        <p:txBody>
+          <a:bodyPr/>
+          <a:lstStyle/>
+          <a:p>
+            <a:pPr eaLnBrk="1" hangingPunct="1"/>
+            <a:r>
+              <a:rPr lang="en-US" altLang="zh-CN" dirty="0" err="1" smtClean="0"/>
+              <a:t>Xross</a:t>
+            </a:r>
+            <a:r>
+              <a:rPr lang="en-US" altLang="zh-CN" dirty="0" smtClean="0"/>
+              <a:t> </a:t>
+            </a:r>
+            <a:r>
+              <a:rPr lang="en-US" dirty="0" smtClean="0"/>
+              <a:t>Decision</a:t>
+            </a:r>
+            <a:endParaRPr lang="en-US" dirty="0" smtClean="0"/>
+          </a:p>
+        </p:txBody>
+      </p:sp>
+      <p:sp>
+        <p:nvSpPr>
+          <p:cNvPr id="46083" name="Rectangle 3"/>
+          <p:cNvSpPr>
+            <a:spLocks noGrp="1" noChangeArrowheads="1"/>
+          </p:cNvSpPr>
+          <p:nvPr>
+            <p:ph idx="1"/>
+          </p:nvPr>
+        </p:nvSpPr>
+        <p:spPr/>
+        <p:txBody>
+          <a:bodyPr/>
+          <a:lstStyle/>
+          <a:p>
+            <a:pPr eaLnBrk="1" hangingPunct="1">
+              <a:lnSpc>
+                <a:spcPct val="100000"/>
+              </a:lnSpc>
+            </a:pPr>
+            <a:r>
+              <a:rPr lang="zh-CN" altLang="en-US" sz="1800" dirty="0" smtClean="0"/>
+              <a:t>图形化的决策树编辑器</a:t>
+            </a:r>
+            <a:endParaRPr lang="en-US" sz="1800" dirty="0" smtClean="0"/>
+          </a:p>
+          <a:p>
+            <a:pPr lvl="1" eaLnBrk="1" hangingPunct="1">
+              <a:lnSpc>
+                <a:spcPct val="120000"/>
+              </a:lnSpc>
+            </a:pPr>
+            <a:r>
+              <a:rPr lang="zh-CN" altLang="en-US" sz="1400" dirty="0"/>
+              <a:t>以所见即所得的</a:t>
+            </a:r>
+            <a:r>
+              <a:rPr lang="zh-CN" altLang="en-US" sz="1400" dirty="0" smtClean="0"/>
+              <a:t>方式表达复杂逻辑判断的过程</a:t>
+            </a:r>
+            <a:endParaRPr lang="en-US" sz="1400" dirty="0" smtClean="0"/>
+          </a:p>
+          <a:p>
+            <a:pPr lvl="1" eaLnBrk="1" hangingPunct="1">
+              <a:lnSpc>
+                <a:spcPct val="120000"/>
+              </a:lnSpc>
+            </a:pPr>
+            <a:r>
+              <a:rPr lang="zh-CN" altLang="en-US" sz="1400" dirty="0" smtClean="0"/>
+              <a:t>依据</a:t>
+            </a:r>
+            <a:r>
+              <a:rPr lang="zh-CN" altLang="en-US" sz="1400" dirty="0" smtClean="0"/>
+              <a:t>模型生成单元测试的验证代码</a:t>
+            </a:r>
+            <a:endParaRPr lang="en-US" sz="1400" dirty="0" smtClean="0"/>
+          </a:p>
+          <a:p>
+            <a:pPr lvl="1" eaLnBrk="1" hangingPunct="1">
+              <a:lnSpc>
+                <a:spcPct val="120000"/>
+              </a:lnSpc>
+            </a:pPr>
+            <a:r>
+              <a:rPr lang="zh-CN" altLang="en-US" sz="1400" dirty="0" smtClean="0"/>
+              <a:t>替代</a:t>
+            </a:r>
+            <a:r>
+              <a:rPr lang="en-US" sz="1400" dirty="0" smtClean="0"/>
+              <a:t>if/else</a:t>
+            </a:r>
+            <a:r>
+              <a:rPr lang="zh-CN" altLang="en-US" sz="1400" dirty="0" smtClean="0"/>
+              <a:t>，极大的简化</a:t>
+            </a:r>
+            <a:r>
+              <a:rPr lang="zh-CN" altLang="en-US" sz="1400" dirty="0" smtClean="0"/>
+              <a:t>代码</a:t>
+            </a:r>
+            <a:endParaRPr lang="en-US" sz="1400" dirty="0" smtClean="0"/>
+          </a:p>
+        </p:txBody>
+      </p:sp>
     </p:spTree>
   </p:cSld>
   <p:clrMapOvr>
@@ -13933,7 +14172,7 @@
 </p:sld>
 </file>
 
-<file path=ppt/slides/slide29.xml><?xml version="1.0" encoding="utf-8"?>
+<file path=ppt/slides/slide32.xml><?xml version="1.0" encoding="utf-8"?>
 <p:sld xmlns:a="http://schemas.openxmlformats.org/drawingml/2006/main" xmlns:r="http://schemas.openxmlformats.org/officeDocument/2006/relationships" xmlns:p="http://schemas.openxmlformats.org/presentationml/2006/main">
   <p:cSld>
     <p:spTree>
@@ -13966,16 +14205,16 @@
           <a:lstStyle/>
           <a:p>
             <a:r>
-              <a:rPr lang="en-US" sz="2800" dirty="0"/>
-              <a:t>Decision </a:t>
+              <a:rPr lang="en-US" altLang="zh-CN" sz="2800" dirty="0" err="1" smtClean="0"/>
+              <a:t>Xross</a:t>
             </a:r>
             <a:r>
               <a:rPr lang="en-US" altLang="zh-CN" sz="2800" dirty="0" smtClean="0"/>
-              <a:t>T</a:t>
+              <a:t> </a:t>
             </a:r>
             <a:r>
               <a:rPr lang="en-US" sz="2800" dirty="0" smtClean="0"/>
-              <a:t>ree</a:t>
+              <a:t>Decision</a:t>
             </a:r>
             <a:r>
               <a:rPr lang="zh-CN" altLang="en-US" sz="2800" dirty="0" smtClean="0"/>
@@ -14011,24 +14250,28 @@
             <a:pPr lvl="1" eaLnBrk="1" hangingPunct="1"/>
             <a:r>
               <a:rPr lang="zh-CN" altLang="en-US" sz="1400" dirty="0" smtClean="0"/>
-              <a:t>可以有多个取值的变量</a:t>
+              <a:t>因素是包括多个可能取值的变量</a:t>
             </a:r>
             <a:endParaRPr lang="en-US" sz="1400" dirty="0"/>
           </a:p>
           <a:p>
             <a:r>
-              <a:rPr lang="zh-CN" altLang="en-US" dirty="0" smtClean="0"/>
+              <a:rPr lang="zh-CN" altLang="en-US" sz="1800" dirty="0"/>
               <a:t>定义决策</a:t>
             </a:r>
-            <a:endParaRPr lang="en-US" dirty="0"/>
+            <a:endParaRPr lang="en-US" sz="1800" dirty="0"/>
           </a:p>
           <a:p>
             <a:pPr lvl="1"/>
             <a:r>
-              <a:rPr lang="zh-CN" altLang="en-US" dirty="0" smtClean="0"/>
-              <a:t>代表特定决策的标志符</a:t>
-            </a:r>
-            <a:endParaRPr lang="en-US" dirty="0"/>
+              <a:rPr lang="zh-CN" altLang="en-US" sz="1400" dirty="0"/>
+              <a:t>代表</a:t>
+            </a:r>
+            <a:r>
+              <a:rPr lang="zh-CN" altLang="en-US" sz="1400" dirty="0" smtClean="0"/>
+              <a:t>特定选择的的常量</a:t>
+            </a:r>
+            <a:endParaRPr lang="en-US" sz="1400" dirty="0"/>
           </a:p>
           <a:p>
             <a:endParaRPr lang="en-US" dirty="0"/>
@@ -14119,283 +14362,7 @@
 </p:sld>
 </file>
 
-<file path=ppt/slides/slide3.xml><?xml version="1.0" encoding="utf-8"?>
-<p:sld xmlns:a="http://schemas.openxmlformats.org/drawingml/2006/main" xmlns:r="http://schemas.openxmlformats.org/officeDocument/2006/relationships" xmlns:p="http://schemas.openxmlformats.org/presentationml/2006/main">
-  <p:cSld>
-    <p:spTree>
-      <p:nvGrpSpPr>
-        <p:cNvPr id="1" name=""/>
-        <p:cNvGrpSpPr/>
-        <p:nvPr/>
-      </p:nvGrpSpPr>
-      <p:grpSpPr>
-        <a:xfrm>
-          <a:off x="0" y="0"/>
-          <a:ext cx="0" cy="0"/>
-          <a:chOff x="0" y="0"/>
-          <a:chExt cx="0" cy="0"/>
-        </a:xfrm>
-      </p:grpSpPr>
-      <p:sp>
-        <p:nvSpPr>
-          <p:cNvPr id="36866" name="Rectangle 2"/>
-          <p:cNvSpPr>
-            <a:spLocks noGrp="1" noChangeArrowheads="1"/>
-          </p:cNvSpPr>
-          <p:nvPr>
-            <p:ph type="title"/>
-          </p:nvPr>
-        </p:nvSpPr>
-        <p:spPr/>
-        <p:txBody>
-          <a:bodyPr/>
-          <a:lstStyle/>
-          <a:p>
-            <a:pPr eaLnBrk="1" hangingPunct="1"/>
-            <a:r>
-              <a:rPr lang="zh-CN" altLang="en-US" sz="2800" dirty="0" smtClean="0">
-                <a:sym typeface="Arial" pitchFamily="34" charset="0"/>
-              </a:rPr>
-              <a:t>开发人员到底想要什么</a:t>
-            </a:r>
-          </a:p>
-        </p:txBody>
-      </p:sp>
-      <p:sp>
-        <p:nvSpPr>
-          <p:cNvPr id="36867" name="Rectangle 3"/>
-          <p:cNvSpPr>
-            <a:spLocks noGrp="1" noChangeArrowheads="1"/>
-          </p:cNvSpPr>
-          <p:nvPr>
-            <p:ph type="body" idx="1"/>
-          </p:nvPr>
-        </p:nvSpPr>
-        <p:spPr/>
-        <p:txBody>
-          <a:bodyPr/>
-          <a:lstStyle/>
-          <a:p>
-            <a:pPr eaLnBrk="1" hangingPunct="1"/>
-            <a:r>
-              <a:rPr lang="zh-CN" altLang="en-US" dirty="0" smtClean="0"/>
-              <a:t>挑战</a:t>
-            </a:r>
-            <a:endParaRPr lang="en-US" altLang="en-US" dirty="0" smtClean="0"/>
-          </a:p>
-          <a:p>
-            <a:pPr eaLnBrk="1" hangingPunct="1"/>
-            <a:r>
-              <a:rPr lang="zh-CN" altLang="en-US" dirty="0" smtClean="0"/>
-              <a:t>根因</a:t>
-            </a:r>
-          </a:p>
-          <a:p>
-            <a:pPr eaLnBrk="1" hangingPunct="1"/>
-            <a:r>
-              <a:rPr lang="zh-CN" altLang="en-US" dirty="0" smtClean="0"/>
-              <a:t>需求</a:t>
-            </a:r>
-            <a:endParaRPr lang="en-US" altLang="en-US" dirty="0" smtClean="0"/>
-          </a:p>
-          <a:p>
-            <a:pPr eaLnBrk="1" hangingPunct="1"/>
-            <a:r>
-              <a:rPr lang="zh-CN" altLang="en-US" dirty="0" smtClean="0"/>
-              <a:t>解决之道</a:t>
-            </a:r>
-          </a:p>
-          <a:p>
-            <a:pPr eaLnBrk="1" hangingPunct="1"/>
-            <a:r>
-              <a:rPr lang="zh-CN" altLang="en-US" dirty="0" smtClean="0"/>
-              <a:t>未来</a:t>
-            </a:r>
-            <a:endParaRPr lang="en-US" altLang="en-US" dirty="0" smtClean="0"/>
-          </a:p>
-        </p:txBody>
-      </p:sp>
-      <p:sp>
-        <p:nvSpPr>
-          <p:cNvPr id="36868" name="TextBox 1"/>
-          <p:cNvSpPr txBox="1">
-            <a:spLocks noChangeArrowheads="1"/>
-          </p:cNvSpPr>
-          <p:nvPr/>
-        </p:nvSpPr>
-        <p:spPr bwMode="auto">
-          <a:xfrm>
-            <a:off x="7307660" y="893763"/>
-            <a:ext cx="615553" cy="4321175"/>
-          </a:xfrm>
-          <a:prstGeom prst="rect">
-            <a:avLst/>
-          </a:prstGeom>
-          <a:noFill/>
-          <a:ln>
-            <a:noFill/>
-          </a:ln>
-          <a:extLst>
-            <a:ext uri="{909E8E84-426E-40DD-AFC4-6F175D3DCCD1}">
-              <a14:hiddenFill xmlns:a14="http://schemas.microsoft.com/office/drawing/2010/main">
-                <a:solidFill>
-                  <a:srgbClr val="FFFFFF"/>
-                </a:solidFill>
-              </a14:hiddenFill>
-            </a:ext>
-            <a:ext uri="{91240B29-F687-4F45-9708-019B960494DF}">
-              <a14:hiddenLine xmlns:a14="http://schemas.microsoft.com/office/drawing/2010/main" w="9525">
-                <a:solidFill>
-                  <a:srgbClr val="000000"/>
-                </a:solidFill>
-                <a:miter lim="800000"/>
-                <a:headEnd/>
-                <a:tailEnd/>
-              </a14:hiddenLine>
-            </a:ext>
-          </a:extLst>
-        </p:spPr>
-        <p:txBody>
-          <a:bodyPr vert="eaVert">
-            <a:spAutoFit/>
-          </a:bodyPr>
-          <a:lstStyle>
-            <a:lvl1pPr eaLnBrk="0" hangingPunct="0">
-              <a:defRPr b="1">
-                <a:solidFill>
-                  <a:schemeClr val="tx1"/>
-                </a:solidFill>
-                <a:latin typeface="Arial" pitchFamily="34" charset="0"/>
-                <a:ea typeface="微软雅黑" pitchFamily="34" charset="-122"/>
-              </a:defRPr>
-            </a:lvl1pPr>
-            <a:lvl2pPr marL="742950" indent="-285750" eaLnBrk="0" hangingPunct="0">
-              <a:defRPr b="1">
-                <a:solidFill>
-                  <a:schemeClr val="tx1"/>
-                </a:solidFill>
-                <a:latin typeface="Arial" pitchFamily="34" charset="0"/>
-                <a:ea typeface="微软雅黑" pitchFamily="34" charset="-122"/>
-              </a:defRPr>
-            </a:lvl2pPr>
-            <a:lvl3pPr marL="1143000" indent="-228600" eaLnBrk="0" hangingPunct="0">
-              <a:defRPr b="1">
-                <a:solidFill>
-                  <a:schemeClr val="tx1"/>
-                </a:solidFill>
-                <a:latin typeface="Arial" pitchFamily="34" charset="0"/>
-                <a:ea typeface="微软雅黑" pitchFamily="34" charset="-122"/>
-              </a:defRPr>
-            </a:lvl3pPr>
-            <a:lvl4pPr marL="1600200" indent="-228600" eaLnBrk="0" hangingPunct="0">
-              <a:defRPr b="1">
-                <a:solidFill>
-                  <a:schemeClr val="tx1"/>
-                </a:solidFill>
-                <a:latin typeface="Arial" pitchFamily="34" charset="0"/>
-                <a:ea typeface="微软雅黑" pitchFamily="34" charset="-122"/>
-              </a:defRPr>
-            </a:lvl4pPr>
-            <a:lvl5pPr marL="2057400" indent="-228600" eaLnBrk="0" hangingPunct="0">
-              <a:defRPr b="1">
-                <a:solidFill>
-                  <a:schemeClr val="tx1"/>
-                </a:solidFill>
-                <a:latin typeface="Arial" pitchFamily="34" charset="0"/>
-                <a:ea typeface="微软雅黑" pitchFamily="34" charset="-122"/>
-              </a:defRPr>
-            </a:lvl5pPr>
-            <a:lvl6pPr marL="2514600" indent="-228600" algn="ctr" eaLnBrk="0" fontAlgn="base" hangingPunct="0">
-              <a:spcBef>
-                <a:spcPct val="0"/>
-              </a:spcBef>
-              <a:spcAft>
-                <a:spcPct val="0"/>
-              </a:spcAft>
-              <a:buFont typeface="Arial" pitchFamily="34" charset="0"/>
-              <a:defRPr b="1">
-                <a:solidFill>
-                  <a:schemeClr val="tx1"/>
-                </a:solidFill>
-                <a:latin typeface="Arial" pitchFamily="34" charset="0"/>
-                <a:ea typeface="微软雅黑" pitchFamily="34" charset="-122"/>
-              </a:defRPr>
-            </a:lvl6pPr>
-            <a:lvl7pPr marL="2971800" indent="-228600" algn="ctr" eaLnBrk="0" fontAlgn="base" hangingPunct="0">
-              <a:spcBef>
-                <a:spcPct val="0"/>
-              </a:spcBef>
-              <a:spcAft>
-                <a:spcPct val="0"/>
-              </a:spcAft>
-              <a:buFont typeface="Arial" pitchFamily="34" charset="0"/>
-              <a:defRPr b="1">
-                <a:solidFill>
-                  <a:schemeClr val="tx1"/>
-                </a:solidFill>
-                <a:latin typeface="Arial" pitchFamily="34" charset="0"/>
-                <a:ea typeface="微软雅黑" pitchFamily="34" charset="-122"/>
-              </a:defRPr>
-            </a:lvl7pPr>
-            <a:lvl8pPr marL="3429000" indent="-228600" algn="ctr" eaLnBrk="0" fontAlgn="base" hangingPunct="0">
-              <a:spcBef>
-                <a:spcPct val="0"/>
-              </a:spcBef>
-              <a:spcAft>
-                <a:spcPct val="0"/>
-              </a:spcAft>
-              <a:buFont typeface="Arial" pitchFamily="34" charset="0"/>
-              <a:defRPr b="1">
-                <a:solidFill>
-                  <a:schemeClr val="tx1"/>
-                </a:solidFill>
-                <a:latin typeface="Arial" pitchFamily="34" charset="0"/>
-                <a:ea typeface="微软雅黑" pitchFamily="34" charset="-122"/>
-              </a:defRPr>
-            </a:lvl8pPr>
-            <a:lvl9pPr marL="3886200" indent="-228600" algn="ctr" eaLnBrk="0" fontAlgn="base" hangingPunct="0">
-              <a:spcBef>
-                <a:spcPct val="0"/>
-              </a:spcBef>
-              <a:spcAft>
-                <a:spcPct val="0"/>
-              </a:spcAft>
-              <a:buFont typeface="Arial" pitchFamily="34" charset="0"/>
-              <a:defRPr b="1">
-                <a:solidFill>
-                  <a:schemeClr val="tx1"/>
-                </a:solidFill>
-                <a:latin typeface="Arial" pitchFamily="34" charset="0"/>
-                <a:ea typeface="微软雅黑" pitchFamily="34" charset="-122"/>
-              </a:defRPr>
-            </a:lvl9pPr>
-          </a:lstStyle>
-          <a:p>
-            <a:pPr algn="l" eaLnBrk="1" hangingPunct="1"/>
-            <a:r>
-              <a:rPr lang="zh-CN" altLang="en-US" sz="2800" dirty="0" smtClean="0"/>
-              <a:t>你不知道你不知道</a:t>
-            </a:r>
-            <a:endParaRPr lang="en-US" sz="2800" dirty="0"/>
-          </a:p>
-        </p:txBody>
-      </p:sp>
-    </p:spTree>
-  </p:cSld>
-  <p:clrMapOvr>
-    <a:masterClrMapping/>
-  </p:clrMapOvr>
-  <p:timing>
-    <p:tnLst>
-      <p:par>
-        <p:cTn id="1" dur="indefinite" restart="never" nodeType="tmRoot"/>
-      </p:par>
-    </p:tnLst>
-  </p:timing>
-</p:sld>
-</file>
-
-<file path=ppt/slides/slide30.xml><?xml version="1.0" encoding="utf-8"?>
+<file path=ppt/slides/slide33.xml><?xml version="1.0" encoding="utf-8"?>
 <p:sld xmlns:a="http://schemas.openxmlformats.org/drawingml/2006/main" xmlns:r="http://schemas.openxmlformats.org/officeDocument/2006/relationships" xmlns:p="http://schemas.openxmlformats.org/presentationml/2006/main">
   <p:cSld>
     <p:spTree>
@@ -14428,16 +14395,16 @@
           <a:lstStyle/>
           <a:p>
             <a:r>
-              <a:rPr lang="en-US" sz="2800" dirty="0"/>
-              <a:t>Decision </a:t>
-            </a:r>
-            <a:r>
-              <a:rPr lang="en-US" altLang="zh-CN" sz="2800" dirty="0" smtClean="0"/>
-              <a:t>T</a:t>
+              <a:rPr lang="en-US" altLang="zh-CN" sz="2800" dirty="0" err="1"/>
+              <a:t>Xross</a:t>
+            </a:r>
+            <a:r>
+              <a:rPr lang="en-US" altLang="zh-CN" sz="2800" dirty="0"/>
+              <a:t> </a:t>
             </a:r>
             <a:r>
               <a:rPr lang="en-US" sz="2800" dirty="0" smtClean="0"/>
-              <a:t>ree</a:t>
+              <a:t>Decision</a:t>
             </a:r>
             <a:r>
               <a:rPr lang="zh-CN" altLang="en-US" sz="2800" dirty="0" smtClean="0"/>
@@ -14698,7 +14665,7 @@
 </p:sld>
 </file>
 
-<file path=ppt/slides/slide31.xml><?xml version="1.0" encoding="utf-8"?>
+<file path=ppt/slides/slide34.xml><?xml version="1.0" encoding="utf-8"?>
 <p:sld xmlns:a="http://schemas.openxmlformats.org/drawingml/2006/main" xmlns:r="http://schemas.openxmlformats.org/officeDocument/2006/relationships" xmlns:p="http://schemas.openxmlformats.org/presentationml/2006/main">
   <p:cSld>
     <p:spTree>
@@ -14781,7 +14748,7 @@
 </p:sld>
 </file>
 
-<file path=ppt/slides/slide32.xml><?xml version="1.0" encoding="utf-8"?>
+<file path=ppt/slides/slide35.xml><?xml version="1.0" encoding="utf-8"?>
 <p:sld xmlns:a="http://schemas.openxmlformats.org/drawingml/2006/main" xmlns:r="http://schemas.openxmlformats.org/officeDocument/2006/relationships" xmlns:p="http://schemas.openxmlformats.org/presentationml/2006/main">
   <p:cSld>
     <p:spTree>
@@ -14843,7 +14810,11 @@
             <a:pPr eaLnBrk="1" hangingPunct="1"/>
             <a:r>
               <a:rPr lang="zh-CN" altLang="en-US" sz="1800" dirty="0" smtClean="0"/>
-              <a:t>一个允许开发人员创建状态机的编辑器</a:t>
+              <a:t>可视化创建</a:t>
+            </a:r>
+            <a:r>
+              <a:rPr lang="zh-CN" altLang="en-US" sz="1800" dirty="0" smtClean="0"/>
+              <a:t>状态机的编辑器</a:t>
             </a:r>
             <a:endParaRPr lang="en-US" altLang="zh-CN" sz="1800" dirty="0" smtClean="0"/>
           </a:p>
@@ -14851,23 +14822,11 @@
             <a:pPr lvl="1" eaLnBrk="1" hangingPunct="1"/>
             <a:r>
               <a:rPr lang="zh-CN" altLang="en-US" sz="1400" dirty="0" smtClean="0"/>
-              <a:t>状态机用处极其广泛</a:t>
-            </a:r>
-            <a:endParaRPr lang="en-US" altLang="zh-CN" sz="1400" dirty="0" smtClean="0"/>
-          </a:p>
-          <a:p>
-            <a:pPr lvl="2" eaLnBrk="1" hangingPunct="1"/>
-            <a:r>
-              <a:rPr lang="zh-CN" altLang="en-US" sz="1800" dirty="0" smtClean="0"/>
-              <a:t>订单，用户，任务</a:t>
-            </a:r>
-            <a:endParaRPr lang="en-US" altLang="zh-CN" sz="1800" dirty="0" smtClean="0"/>
-          </a:p>
-          <a:p>
-            <a:pPr lvl="1" eaLnBrk="1" hangingPunct="1"/>
+              <a:t>用处</a:t>
+            </a:r>
             <a:r>
               <a:rPr lang="zh-CN" altLang="en-US" sz="1400" dirty="0" smtClean="0"/>
-              <a:t>通用直观的解决方案</a:t>
+              <a:t>极其广泛</a:t>
             </a:r>
             <a:endParaRPr lang="en-US" altLang="zh-CN" sz="1400" dirty="0" smtClean="0"/>
           </a:p>
@@ -14883,7 +14842,11 @@
             <a:pPr lvl="1" eaLnBrk="1" hangingPunct="1"/>
             <a:r>
               <a:rPr lang="zh-CN" altLang="en-US" sz="1400" dirty="0" smtClean="0"/>
-              <a:t>可以创建仅包含状态和变迁的状态机</a:t>
+              <a:t>可以</a:t>
+            </a:r>
+            <a:r>
+              <a:rPr lang="zh-CN" altLang="en-US" sz="1400" dirty="0" smtClean="0"/>
+              <a:t>创建仅包含状态和变迁的状态机</a:t>
             </a:r>
             <a:endParaRPr lang="en-US" altLang="zh-CN" sz="1400" dirty="0" smtClean="0"/>
           </a:p>
@@ -14891,33 +14854,13 @@
             <a:pPr lvl="1" eaLnBrk="1" hangingPunct="1"/>
             <a:r>
               <a:rPr lang="zh-CN" altLang="en-US" sz="1400" dirty="0" smtClean="0"/>
-              <a:t>也可以提供状态变迁时的触发器</a:t>
+              <a:t>也可以提供状态变迁时的</a:t>
+            </a:r>
+            <a:r>
+              <a:rPr lang="zh-CN" altLang="en-US" sz="1400" dirty="0" smtClean="0"/>
+              <a:t>触发器</a:t>
             </a:r>
             <a:endParaRPr lang="en-US" altLang="zh-CN" sz="1400" dirty="0" smtClean="0"/>
-          </a:p>
-          <a:p>
-            <a:pPr eaLnBrk="1" hangingPunct="1"/>
-            <a:r>
-              <a:rPr lang="zh-CN" altLang="en-US" sz="1800" dirty="0" smtClean="0"/>
-              <a:t>模型</a:t>
-            </a:r>
-            <a:r>
-              <a:rPr lang="zh-CN" altLang="en-US" sz="1800" dirty="0"/>
-              <a:t>可以被工具用于在运行</a:t>
-            </a:r>
-            <a:r>
-              <a:rPr lang="zh-CN" altLang="en-US" sz="1800" dirty="0" smtClean="0"/>
-              <a:t>时触发状态转移</a:t>
-            </a:r>
-            <a:endParaRPr lang="en-US" altLang="zh-CN" sz="1800" dirty="0" smtClean="0"/>
-          </a:p>
-          <a:p>
-            <a:pPr lvl="1" eaLnBrk="1" hangingPunct="1"/>
-            <a:r>
-              <a:rPr lang="zh-CN" altLang="en-US" sz="1400" dirty="0"/>
-              <a:t>所见即所得</a:t>
-            </a:r>
-            <a:endParaRPr lang="en-US" sz="1400" dirty="0" smtClean="0"/>
           </a:p>
         </p:txBody>
       </p:sp>
@@ -14931,8 +14874,8 @@
         </p:nvSpPr>
         <p:spPr bwMode="auto">
           <a:xfrm>
-            <a:off x="7307660" y="893763"/>
-            <a:ext cx="615553" cy="4911501"/>
+            <a:off x="7184549" y="893763"/>
+            <a:ext cx="738664" cy="4911501"/>
           </a:xfrm>
           <a:prstGeom prst="rect">
             <a:avLst/>
@@ -15079,98 +15022,22 @@
           <a:p>
             <a:pPr algn="l" eaLnBrk="1" hangingPunct="1"/>
             <a:r>
-              <a:rPr lang="zh-CN" altLang="en-US" sz="2800" dirty="0" smtClean="0"/>
+              <a:rPr lang="zh-CN" altLang="en-US" sz="3600" dirty="0">
+                <a:latin typeface="华文行楷" panose="02010800040101010101" pitchFamily="2" charset="-122"/>
+                <a:ea typeface="华文行楷" panose="02010800040101010101" pitchFamily="2" charset="-122"/>
+              </a:rPr>
               <a:t>状态机是系统的核心</a:t>
             </a:r>
-            <a:endParaRPr lang="en-US" sz="2800" dirty="0"/>
-          </a:p>
-        </p:txBody>
-      </p:sp>
-    </p:spTree>
-  </p:cSld>
-  <p:clrMapOvr>
-    <a:masterClrMapping/>
-  </p:clrMapOvr>
-  <p:timing>
-    <p:tnLst>
-      <p:par>
-        <p:cTn id="1" dur="indefinite" restart="never" nodeType="tmRoot"/>
-      </p:par>
-    </p:tnLst>
-  </p:timing>
-</p:sld>
-</file>
-
-<file path=ppt/slides/slide33.xml><?xml version="1.0" encoding="utf-8"?>
-<p:sld xmlns:a="http://schemas.openxmlformats.org/drawingml/2006/main" xmlns:r="http://schemas.openxmlformats.org/officeDocument/2006/relationships" xmlns:p="http://schemas.openxmlformats.org/presentationml/2006/main">
-  <p:cSld>
-    <p:spTree>
-      <p:nvGrpSpPr>
-        <p:cNvPr id="1" name=""/>
-        <p:cNvGrpSpPr/>
-        <p:nvPr/>
-      </p:nvGrpSpPr>
-      <p:grpSpPr>
-        <a:xfrm>
-          <a:off x="0" y="0"/>
-          <a:ext cx="0" cy="0"/>
-          <a:chOff x="0" y="0"/>
-          <a:chExt cx="0" cy="0"/>
-        </a:xfrm>
-      </p:grpSpPr>
-      <p:sp>
-        <p:nvSpPr>
-          <p:cNvPr id="49154" name="标题 1"/>
-          <p:cNvSpPr>
-            <a:spLocks noGrp="1"/>
-          </p:cNvSpPr>
-          <p:nvPr>
-            <p:ph type="title"/>
-          </p:nvPr>
-        </p:nvSpPr>
-        <p:spPr/>
-        <p:txBody>
-          <a:bodyPr/>
-          <a:lstStyle/>
-          <a:p>
-            <a:r>
-              <a:rPr lang="en-US" altLang="zh-CN" sz="2800" dirty="0" err="1" smtClean="0"/>
-              <a:t>Xross</a:t>
-            </a:r>
-            <a:r>
-              <a:rPr lang="en-US" altLang="zh-CN" sz="2800" dirty="0" smtClean="0"/>
-              <a:t> State</a:t>
-            </a:r>
-            <a:r>
-              <a:rPr lang="zh-CN" altLang="en-US" sz="2800" dirty="0"/>
-              <a:t>基本模型</a:t>
-            </a:r>
-            <a:endParaRPr lang="en-US" sz="2800" dirty="0" smtClean="0"/>
-          </a:p>
-        </p:txBody>
-      </p:sp>
-      <p:sp>
-        <p:nvSpPr>
-          <p:cNvPr id="49155" name="内容占位符 2"/>
-          <p:cNvSpPr>
-            <a:spLocks noGrp="1"/>
-          </p:cNvSpPr>
-          <p:nvPr>
-            <p:ph idx="1"/>
-          </p:nvPr>
-        </p:nvSpPr>
-        <p:spPr/>
-        <p:txBody>
-          <a:bodyPr/>
-          <a:lstStyle/>
-          <a:p>
-            <a:endParaRPr lang="en-US" dirty="0" smtClean="0"/>
+            <a:endParaRPr lang="en-US" sz="3600" dirty="0">
+              <a:latin typeface="华文行楷" panose="02010800040101010101" pitchFamily="2" charset="-122"/>
+              <a:ea typeface="华文行楷" panose="02010800040101010101" pitchFamily="2" charset="-122"/>
+            </a:endParaRPr>
           </a:p>
         </p:txBody>
       </p:sp>
       <p:pic>
         <p:nvPicPr>
-          <p:cNvPr id="11267" name="Picture 3"/>
+          <p:cNvPr id="6" name="Picture 3"/>
           <p:cNvPicPr>
             <a:picLocks noChangeAspect="1" noChangeArrowheads="1"/>
           </p:cNvPicPr>
@@ -15191,8 +15058,8 @@
         </p:blipFill>
         <p:spPr bwMode="auto">
           <a:xfrm>
-            <a:off x="35496" y="1412776"/>
-            <a:ext cx="9089634" cy="5414739"/>
+            <a:off x="1047243" y="3201977"/>
+            <a:ext cx="6137306" cy="3656023"/>
           </a:xfrm>
           <a:prstGeom prst="rect">
             <a:avLst/>
@@ -15247,7 +15114,7 @@
 </p:sld>
 </file>
 
-<file path=ppt/slides/slide34.xml><?xml version="1.0" encoding="utf-8"?>
+<file path=ppt/slides/slide36.xml><?xml version="1.0" encoding="utf-8"?>
 <p:sld xmlns:a="http://schemas.openxmlformats.org/drawingml/2006/main" xmlns:r="http://schemas.openxmlformats.org/officeDocument/2006/relationships" xmlns:p="http://schemas.openxmlformats.org/presentationml/2006/main">
   <p:cSld>
     <p:spTree>
@@ -15449,7 +15316,7 @@
 </p:sld>
 </file>
 
-<file path=ppt/slides/slide35.xml><?xml version="1.0" encoding="utf-8"?>
+<file path=ppt/slides/slide37.xml><?xml version="1.0" encoding="utf-8"?>
 <p:sld xmlns:a="http://schemas.openxmlformats.org/drawingml/2006/main" xmlns:r="http://schemas.openxmlformats.org/officeDocument/2006/relationships" xmlns:p="http://schemas.openxmlformats.org/presentationml/2006/main">
   <p:cSld>
     <p:spTree>
@@ -15604,7 +15471,7 @@
 </p:sld>
 </file>
 
-<file path=ppt/slides/slide36.xml><?xml version="1.0" encoding="utf-8"?>
+<file path=ppt/slides/slide38.xml><?xml version="1.0" encoding="utf-8"?>
 <p:sld xmlns:a="http://schemas.openxmlformats.org/drawingml/2006/main" xmlns:r="http://schemas.openxmlformats.org/officeDocument/2006/relationships" xmlns:p="http://schemas.openxmlformats.org/presentationml/2006/main">
   <p:cSld>
     <p:spTree>
@@ -15707,7 +15574,7 @@
 </p:sld>
 </file>
 
-<file path=ppt/slides/slide37.xml><?xml version="1.0" encoding="utf-8"?>
+<file path=ppt/slides/slide39.xml><?xml version="1.0" encoding="utf-8"?>
 <p:sld xmlns:a="http://schemas.openxmlformats.org/drawingml/2006/main" xmlns:r="http://schemas.openxmlformats.org/officeDocument/2006/relationships" xmlns:p="http://schemas.openxmlformats.org/presentationml/2006/main">
   <p:cSld>
     <p:spTree>
@@ -15810,7 +15677,135 @@
 </p:sld>
 </file>
 
-<file path=ppt/slides/slide38.xml><?xml version="1.0" encoding="utf-8"?>
+<file path=ppt/slides/slide4.xml><?xml version="1.0" encoding="utf-8"?>
+<p:sld xmlns:a="http://schemas.openxmlformats.org/drawingml/2006/main" xmlns:r="http://schemas.openxmlformats.org/officeDocument/2006/relationships" xmlns:p="http://schemas.openxmlformats.org/presentationml/2006/main">
+  <p:cSld>
+    <p:spTree>
+      <p:nvGrpSpPr>
+        <p:cNvPr id="1" name=""/>
+        <p:cNvGrpSpPr/>
+        <p:nvPr/>
+      </p:nvGrpSpPr>
+      <p:grpSpPr>
+        <a:xfrm>
+          <a:off x="0" y="0"/>
+          <a:ext cx="0" cy="0"/>
+          <a:chOff x="0" y="0"/>
+          <a:chExt cx="0" cy="0"/>
+        </a:xfrm>
+      </p:grpSpPr>
+      <p:sp>
+        <p:nvSpPr>
+          <p:cNvPr id="2" name="标题 1"/>
+          <p:cNvSpPr>
+            <a:spLocks noGrp="1"/>
+          </p:cNvSpPr>
+          <p:nvPr>
+            <p:ph type="title"/>
+          </p:nvPr>
+        </p:nvSpPr>
+        <p:spPr/>
+        <p:txBody>
+          <a:bodyPr/>
+          <a:lstStyle/>
+          <a:p>
+            <a:r>
+              <a:rPr lang="zh-CN" altLang="en-US" dirty="0" smtClean="0"/>
+              <a:t>别人</a:t>
+            </a:r>
+            <a:r>
+              <a:rPr lang="en-US" altLang="zh-CN" dirty="0" smtClean="0"/>
+              <a:t>PPT</a:t>
+            </a:r>
+            <a:r>
+              <a:rPr lang="zh-CN" altLang="en-US" dirty="0" smtClean="0"/>
+              <a:t>里的系统架构</a:t>
+            </a:r>
+            <a:endParaRPr lang="zh-CN" altLang="en-US" dirty="0"/>
+          </a:p>
+        </p:txBody>
+      </p:sp>
+      <p:sp>
+        <p:nvSpPr>
+          <p:cNvPr id="3" name="内容占位符 2"/>
+          <p:cNvSpPr>
+            <a:spLocks noGrp="1"/>
+          </p:cNvSpPr>
+          <p:nvPr>
+            <p:ph idx="1"/>
+          </p:nvPr>
+        </p:nvSpPr>
+        <p:spPr/>
+        <p:txBody>
+          <a:bodyPr/>
+          <a:lstStyle/>
+          <a:p>
+            <a:endParaRPr lang="zh-CN" altLang="en-US"/>
+          </a:p>
+        </p:txBody>
+      </p:sp>
+      <p:pic>
+        <p:nvPicPr>
+          <p:cNvPr id="1026" name="Picture 2" descr="http://i.guancha.cn/news/2016/10/26/20161025212201771.jpg"/>
+          <p:cNvPicPr>
+            <a:picLocks noChangeAspect="1" noChangeArrowheads="1"/>
+          </p:cNvPicPr>
+          <p:nvPr/>
+        </p:nvPicPr>
+        <p:blipFill>
+          <a:blip r:embed="rId2">
+            <a:extLst>
+              <a:ext uri="{28A0092B-C50C-407E-A947-70E740481C1C}">
+                <a14:useLocalDpi xmlns:a14="http://schemas.microsoft.com/office/drawing/2010/main" val="0"/>
+              </a:ext>
+            </a:extLst>
+          </a:blip>
+          <a:srcRect/>
+          <a:stretch>
+            <a:fillRect/>
+          </a:stretch>
+        </p:blipFill>
+        <p:spPr bwMode="auto">
+          <a:xfrm>
+            <a:off x="905669" y="1164431"/>
+            <a:ext cx="7124700" cy="5057775"/>
+          </a:xfrm>
+          <a:prstGeom prst="rect">
+            <a:avLst/>
+          </a:prstGeom>
+          <a:noFill/>
+          <a:extLst>
+            <a:ext uri="{909E8E84-426E-40DD-AFC4-6F175D3DCCD1}">
+              <a14:hiddenFill xmlns:a14="http://schemas.microsoft.com/office/drawing/2010/main">
+                <a:solidFill>
+                  <a:srgbClr val="FFFFFF"/>
+                </a:solidFill>
+              </a14:hiddenFill>
+            </a:ext>
+          </a:extLst>
+        </p:spPr>
+      </p:pic>
+    </p:spTree>
+    <p:extLst>
+      <p:ext uri="{BB962C8B-B14F-4D97-AF65-F5344CB8AC3E}">
+        <p14:creationId xmlns:p14="http://schemas.microsoft.com/office/powerpoint/2010/main" val="286838882"/>
+      </p:ext>
+    </p:extLst>
+  </p:cSld>
+  <p:clrMapOvr>
+    <a:masterClrMapping/>
+  </p:clrMapOvr>
+  <p:timing>
+    <p:tnLst>
+      <p:par>
+        <p:cTn id="1" dur="indefinite" restart="never" nodeType="tmRoot"/>
+      </p:par>
+    </p:tnLst>
+  </p:timing>
+</p:sld>
+</file>
+
+<file path=ppt/slides/slide40.xml><?xml version="1.0" encoding="utf-8"?>
 <p:sld xmlns:a="http://schemas.openxmlformats.org/drawingml/2006/main" xmlns:r="http://schemas.openxmlformats.org/officeDocument/2006/relationships" xmlns:p="http://schemas.openxmlformats.org/presentationml/2006/main">
   <p:cSld>
     <p:spTree>
@@ -15890,7 +15885,7 @@
 </p:sld>
 </file>
 
-<file path=ppt/slides/slide39.xml><?xml version="1.0" encoding="utf-8"?>
+<file path=ppt/slides/slide41.xml><?xml version="1.0" encoding="utf-8"?>
 <p:sld xmlns:a="http://schemas.openxmlformats.org/drawingml/2006/main" xmlns:r="http://schemas.openxmlformats.org/officeDocument/2006/relationships" xmlns:p="http://schemas.openxmlformats.org/presentationml/2006/main">
   <p:cSld>
     <p:spTree>
@@ -15937,7 +15932,7 @@
             <a:spLocks noGrp="1" noChangeArrowheads="1"/>
           </p:cNvSpPr>
           <p:nvPr>
-            <p:ph type="body" idx="1"/>
+            <p:ph idx="1"/>
           </p:nvPr>
         </p:nvSpPr>
         <p:spPr/>
@@ -15976,7 +15971,11 @@
             <a:pPr lvl="1" eaLnBrk="1" hangingPunct="1"/>
             <a:r>
               <a:rPr lang="en-US" altLang="en-US" dirty="0" smtClean="0"/>
-              <a:t>Service transition</a:t>
+              <a:t>Service </a:t>
+            </a:r>
+            <a:r>
+              <a:rPr lang="en-US" altLang="zh-CN" dirty="0" smtClean="0"/>
+              <a:t>deployment</a:t>
             </a:r>
           </a:p>
           <a:p>
@@ -15985,6 +15984,7 @@
               <a:rPr lang="en-US" altLang="en-US" dirty="0" smtClean="0"/>
               <a:t>Managing/Monitoring</a:t>
             </a:r>
+            <a:endParaRPr lang="en-US" altLang="en-US" dirty="0" smtClean="0"/>
           </a:p>
           <a:p>
             <a:pPr lvl="1" eaLnBrk="1" hangingPunct="1"/>
@@ -16065,87 +16065,7 @@
 </p:sld>
 </file>
 
-<file path=ppt/slides/slide4.xml><?xml version="1.0" encoding="utf-8"?>
-<p:sld xmlns:a="http://schemas.openxmlformats.org/drawingml/2006/main" xmlns:r="http://schemas.openxmlformats.org/officeDocument/2006/relationships" xmlns:p="http://schemas.openxmlformats.org/presentationml/2006/main">
-  <p:cSld>
-    <p:spTree>
-      <p:nvGrpSpPr>
-        <p:cNvPr id="1" name=""/>
-        <p:cNvGrpSpPr/>
-        <p:nvPr/>
-      </p:nvGrpSpPr>
-      <p:grpSpPr>
-        <a:xfrm>
-          <a:off x="0" y="0"/>
-          <a:ext cx="0" cy="0"/>
-          <a:chOff x="0" y="0"/>
-          <a:chExt cx="0" cy="0"/>
-        </a:xfrm>
-      </p:grpSpPr>
-      <p:sp>
-        <p:nvSpPr>
-          <p:cNvPr id="2" name="标题 1"/>
-          <p:cNvSpPr>
-            <a:spLocks noGrp="1"/>
-          </p:cNvSpPr>
-          <p:nvPr>
-            <p:ph type="title"/>
-          </p:nvPr>
-        </p:nvSpPr>
-        <p:spPr>
-          <a:xfrm>
-            <a:off x="3059832" y="2636912"/>
-            <a:ext cx="3096344" cy="1075457"/>
-          </a:xfrm>
-        </p:spPr>
-        <p:style>
-          <a:lnRef idx="1">
-            <a:schemeClr val="accent4"/>
-          </a:lnRef>
-          <a:fillRef idx="3">
-            <a:schemeClr val="accent4"/>
-          </a:fillRef>
-          <a:effectRef idx="2">
-            <a:schemeClr val="accent4"/>
-          </a:effectRef>
-          <a:fontRef idx="minor">
-            <a:schemeClr val="lt1"/>
-          </a:fontRef>
-        </p:style>
-        <p:txBody>
-          <a:bodyPr/>
-          <a:lstStyle/>
-          <a:p>
-            <a:pPr algn="ctr"/>
-            <a:r>
-              <a:rPr lang="zh-CN" altLang="en-US" dirty="0" smtClean="0"/>
-              <a:t>关于开发的一点感性认识</a:t>
-            </a:r>
-            <a:endParaRPr lang="zh-CN" altLang="en-US" dirty="0"/>
-          </a:p>
-        </p:txBody>
-      </p:sp>
-    </p:spTree>
-    <p:extLst>
-      <p:ext uri="{BB962C8B-B14F-4D97-AF65-F5344CB8AC3E}">
-        <p14:creationId xmlns:p14="http://schemas.microsoft.com/office/powerpoint/2010/main" val="939167942"/>
-      </p:ext>
-    </p:extLst>
-  </p:cSld>
-  <p:clrMapOvr>
-    <a:masterClrMapping/>
-  </p:clrMapOvr>
-  <p:timing>
-    <p:tnLst>
-      <p:par>
-        <p:cTn id="1" dur="indefinite" restart="never" nodeType="tmRoot"/>
-      </p:par>
-    </p:tnLst>
-  </p:timing>
-</p:sld>
-</file>
-
-<file path=ppt/slides/slide40.xml><?xml version="1.0" encoding="utf-8"?>
+<file path=ppt/slides/slide42.xml><?xml version="1.0" encoding="utf-8"?>
 <p:sld xmlns:a="http://schemas.openxmlformats.org/drawingml/2006/main" xmlns:r="http://schemas.openxmlformats.org/officeDocument/2006/relationships" xmlns:p="http://schemas.openxmlformats.org/presentationml/2006/main">
   <p:cSld>
     <p:spTree>
@@ -16241,7 +16161,7 @@
 </p:sld>
 </file>
 
-<file path=ppt/slides/slide41.xml><?xml version="1.0" encoding="utf-8"?>
+<file path=ppt/slides/slide43.xml><?xml version="1.0" encoding="utf-8"?>
 <p:sld xmlns:a="http://schemas.openxmlformats.org/drawingml/2006/main" xmlns:r="http://schemas.openxmlformats.org/officeDocument/2006/relationships" xmlns:p="http://schemas.openxmlformats.org/presentationml/2006/main">
   <p:cSld>
     <p:spTree>
@@ -16293,8 +16213,8 @@
           <a:lstStyle/>
           <a:p>
             <a:r>
-              <a:rPr lang="en-US" altLang="zh-CN" dirty="0"/>
-              <a:t>X series </a:t>
+              <a:rPr lang="en-US" altLang="zh-CN" dirty="0" smtClean="0"/>
+              <a:t>X-series </a:t>
             </a:r>
             <a:r>
               <a:rPr lang="zh-CN" altLang="en-US" dirty="0"/>
@@ -16323,7 +16243,7 @@
 </p:sld>
 </file>
 
-<file path=ppt/slides/slide42.xml><?xml version="1.0" encoding="utf-8"?>
+<file path=ppt/slides/slide44.xml><?xml version="1.0" encoding="utf-8"?>
 <p:sld xmlns:a="http://schemas.openxmlformats.org/drawingml/2006/main" xmlns:r="http://schemas.openxmlformats.org/officeDocument/2006/relationships" xmlns:p="http://schemas.openxmlformats.org/presentationml/2006/main">
   <p:cSld>
     <p:spTree>
@@ -16357,7 +16277,7 @@
           <a:p>
             <a:r>
               <a:rPr lang="en-US" dirty="0" smtClean="0"/>
-              <a:t>X series </a:t>
+              <a:t>X-series </a:t>
             </a:r>
             <a:r>
               <a:rPr lang="zh-CN" altLang="en-US" dirty="0" smtClean="0"/>
@@ -16505,21 +16425,17 @@
           <a:p>
             <a:pPr lvl="1"/>
             <a:r>
-              <a:rPr lang="en-US" sz="1200" dirty="0">
+              <a:rPr lang="en-US" altLang="zh-CN" sz="1200" dirty="0">
                 <a:hlinkClick r:id="rId6"/>
               </a:rPr>
               <a:t>https://</a:t>
             </a:r>
             <a:r>
-              <a:rPr lang="en-US" sz="1200" dirty="0" smtClean="0">
+              <a:rPr lang="en-US" altLang="zh-CN" sz="1200" dirty="0" smtClean="0">
                 <a:hlinkClick r:id="rId6"/>
               </a:rPr>
-              <a:t>github.com/hejiehui/xross-tools-installer/blob/master/com.xross.tools.xunit.feature/installer/xrossTools.zip</a:t>
-            </a:r>
-            <a:endParaRPr lang="en-US" sz="1200" dirty="0" smtClean="0"/>
-          </a:p>
-          <a:p>
-            <a:pPr lvl="1"/>
+              <a:t>github.com/hejiehui/xross-tools-installer</a:t>
+            </a:r>
             <a:endParaRPr lang="en-US" dirty="0" smtClean="0"/>
           </a:p>
           <a:p>
@@ -16542,7 +16458,7 @@
 </p:sld>
 </file>
 
-<file path=ppt/slides/slide43.xml><?xml version="1.0" encoding="utf-8"?>
+<file path=ppt/slides/slide45.xml><?xml version="1.0" encoding="utf-8"?>
 <p:sld xmlns:a="http://schemas.openxmlformats.org/drawingml/2006/main" xmlns:r="http://schemas.openxmlformats.org/officeDocument/2006/relationships" xmlns:p="http://schemas.openxmlformats.org/presentationml/2006/main">
   <p:cSld>
     <p:spTree>
@@ -16580,7 +16496,7 @@
             </a:r>
             <a:r>
               <a:rPr lang="en-US" sz="2800" dirty="0" smtClean="0"/>
-              <a:t>X series</a:t>
+              <a:t>X-series</a:t>
             </a:r>
             <a:endParaRPr lang="en-US" sz="2800" dirty="0"/>
           </a:p>
@@ -16602,8 +16518,177 @@
           <a:lstStyle/>
           <a:p>
             <a:r>
+              <a:rPr lang="zh-CN" altLang="en-US" dirty="0"/>
+              <a:t>下载</a:t>
+            </a:r>
+            <a:endParaRPr lang="en-US" altLang="zh-CN" dirty="0" smtClean="0">
+              <a:hlinkClick r:id="rId2"/>
+            </a:endParaRPr>
+          </a:p>
+          <a:p>
+            <a:pPr lvl="1"/>
+            <a:r>
+              <a:rPr lang="en-US" altLang="zh-CN" dirty="0" smtClean="0">
+                <a:hlinkClick r:id="rId2"/>
+              </a:rPr>
+              <a:t>https</a:t>
+            </a:r>
+            <a:r>
+              <a:rPr lang="en-US" altLang="zh-CN" dirty="0">
+                <a:hlinkClick r:id="rId2"/>
+              </a:rPr>
+              <a:t>://github.com/hejiehui/xross-tools-installer/blob/master/com.xross.tools.xunit.feature/installer/xrossTools.zip</a:t>
+            </a:r>
+            <a:endParaRPr lang="en-US" dirty="0"/>
+          </a:p>
+        </p:txBody>
+      </p:sp>
+      <p:pic>
+        <p:nvPicPr>
+          <p:cNvPr id="13314" name="Picture 2"/>
+          <p:cNvPicPr>
+            <a:picLocks noChangeAspect="1" noChangeArrowheads="1"/>
+          </p:cNvPicPr>
+          <p:nvPr/>
+        </p:nvPicPr>
+        <p:blipFill>
+          <a:blip r:embed="rId3">
+            <a:extLst>
+              <a:ext uri="{28A0092B-C50C-407E-A947-70E740481C1C}">
+                <a14:useLocalDpi xmlns:a14="http://schemas.microsoft.com/office/drawing/2010/main" val="0"/>
+              </a:ext>
+            </a:extLst>
+          </a:blip>
+          <a:srcRect/>
+          <a:stretch>
+            <a:fillRect/>
+          </a:stretch>
+        </p:blipFill>
+        <p:spPr bwMode="auto">
+          <a:xfrm>
+            <a:off x="1619672" y="2466975"/>
+            <a:ext cx="5915025" cy="4391025"/>
+          </a:xfrm>
+          <a:prstGeom prst="rect">
+            <a:avLst/>
+          </a:prstGeom>
+          <a:noFill/>
+          <a:ln>
+            <a:noFill/>
+          </a:ln>
+          <a:effectLst/>
+          <a:extLst>
+            <a:ext uri="{909E8E84-426E-40DD-AFC4-6F175D3DCCD1}">
+              <a14:hiddenFill xmlns:a14="http://schemas.microsoft.com/office/drawing/2010/main">
+                <a:solidFill>
+                  <a:schemeClr val="accent1"/>
+                </a:solidFill>
+              </a14:hiddenFill>
+            </a:ext>
+            <a:ext uri="{91240B29-F687-4F45-9708-019B960494DF}">
+              <a14:hiddenLine xmlns:a14="http://schemas.microsoft.com/office/drawing/2010/main" w="9525">
+                <a:solidFill>
+                  <a:schemeClr val="tx1"/>
+                </a:solidFill>
+                <a:miter lim="800000"/>
+                <a:headEnd/>
+                <a:tailEnd/>
+              </a14:hiddenLine>
+            </a:ext>
+            <a:ext uri="{AF507438-7753-43E0-B8FC-AC1667EBCBE1}">
+              <a14:hiddenEffects xmlns:a14="http://schemas.microsoft.com/office/drawing/2010/main">
+                <a:effectLst>
+                  <a:outerShdw dist="35921" dir="2700000" algn="ctr" rotWithShape="0">
+                    <a:schemeClr val="bg2"/>
+                  </a:outerShdw>
+                </a:effectLst>
+              </a14:hiddenEffects>
+            </a:ext>
+          </a:extLst>
+        </p:spPr>
+      </p:pic>
+    </p:spTree>
+    <p:extLst>
+      <p:ext uri="{BB962C8B-B14F-4D97-AF65-F5344CB8AC3E}">
+        <p14:creationId xmlns:p14="http://schemas.microsoft.com/office/powerpoint/2010/main" val="3237398106"/>
+      </p:ext>
+    </p:extLst>
+  </p:cSld>
+  <p:clrMapOvr>
+    <a:masterClrMapping/>
+  </p:clrMapOvr>
+  <p:timing>
+    <p:tnLst>
+      <p:par>
+        <p:cTn id="1" dur="indefinite" restart="never" nodeType="tmRoot"/>
+      </p:par>
+    </p:tnLst>
+  </p:timing>
+</p:sld>
+</file>
+
+<file path=ppt/slides/slide46.xml><?xml version="1.0" encoding="utf-8"?>
+<p:sld xmlns:a="http://schemas.openxmlformats.org/drawingml/2006/main" xmlns:r="http://schemas.openxmlformats.org/officeDocument/2006/relationships" xmlns:p="http://schemas.openxmlformats.org/presentationml/2006/main">
+  <p:cSld>
+    <p:spTree>
+      <p:nvGrpSpPr>
+        <p:cNvPr id="1" name=""/>
+        <p:cNvGrpSpPr/>
+        <p:nvPr/>
+      </p:nvGrpSpPr>
+      <p:grpSpPr>
+        <a:xfrm>
+          <a:off x="0" y="0"/>
+          <a:ext cx="0" cy="0"/>
+          <a:chOff x="0" y="0"/>
+          <a:chExt cx="0" cy="0"/>
+        </a:xfrm>
+      </p:grpSpPr>
+      <p:sp>
+        <p:nvSpPr>
+          <p:cNvPr id="2" name="标题 1"/>
+          <p:cNvSpPr>
+            <a:spLocks noGrp="1"/>
+          </p:cNvSpPr>
+          <p:nvPr>
+            <p:ph type="title"/>
+          </p:nvPr>
+        </p:nvSpPr>
+        <p:spPr/>
+        <p:txBody>
+          <a:bodyPr/>
+          <a:lstStyle/>
+          <a:p>
+            <a:r>
+              <a:rPr lang="en-US" sz="2800" dirty="0" smtClean="0"/>
+              <a:t>X-series</a:t>
+            </a:r>
+            <a:r>
+              <a:rPr lang="zh-CN" altLang="en-US" sz="2800" dirty="0"/>
+              <a:t>安装</a:t>
+            </a:r>
+            <a:endParaRPr lang="en-US" sz="2800" dirty="0"/>
+          </a:p>
+        </p:txBody>
+      </p:sp>
+      <p:sp>
+        <p:nvSpPr>
+          <p:cNvPr id="3" name="内容占位符 2"/>
+          <p:cNvSpPr>
+            <a:spLocks noGrp="1"/>
+          </p:cNvSpPr>
+          <p:nvPr>
+            <p:ph idx="1"/>
+          </p:nvPr>
+        </p:nvSpPr>
+        <p:spPr/>
+        <p:txBody>
+          <a:bodyPr/>
+          <a:lstStyle/>
+          <a:p>
+            <a:r>
               <a:rPr lang="zh-CN" altLang="en-US" dirty="0" smtClean="0"/>
-              <a:t>下载安装</a:t>
+              <a:t>安装</a:t>
             </a:r>
             <a:endParaRPr lang="en-US" dirty="0"/>
           </a:p>
@@ -16693,7 +16778,7 @@
 </p:sld>
 </file>
 
-<file path=ppt/slides/slide44.xml><?xml version="1.0" encoding="utf-8"?>
+<file path=ppt/slides/slide47.xml><?xml version="1.0" encoding="utf-8"?>
 <p:sld xmlns:a="http://schemas.openxmlformats.org/drawingml/2006/main" xmlns:r="http://schemas.openxmlformats.org/officeDocument/2006/relationships" xmlns:p="http://schemas.openxmlformats.org/presentationml/2006/main">
   <p:cSld>
     <p:spTree>
@@ -16731,166 +16816,9 @@
             </a:r>
             <a:r>
               <a:rPr lang="en-US" sz="2800" dirty="0" smtClean="0"/>
-              <a:t>X </a:t>
-            </a:r>
-            <a:r>
-              <a:rPr lang="en-US" sz="2800" dirty="0"/>
-              <a:t>series</a:t>
-            </a:r>
-          </a:p>
-        </p:txBody>
-      </p:sp>
-      <p:sp>
-        <p:nvSpPr>
-          <p:cNvPr id="3" name="内容占位符 2"/>
-          <p:cNvSpPr>
-            <a:spLocks noGrp="1"/>
-          </p:cNvSpPr>
-          <p:nvPr>
-            <p:ph idx="1"/>
-          </p:nvPr>
-        </p:nvSpPr>
-        <p:spPr/>
-        <p:txBody>
-          <a:bodyPr/>
-          <a:lstStyle/>
-          <a:p>
-            <a:r>
-              <a:rPr lang="zh-CN" altLang="en-US" dirty="0" smtClean="0"/>
-              <a:t>下载</a:t>
-            </a:r>
-            <a:endParaRPr lang="en-US" dirty="0"/>
-          </a:p>
-        </p:txBody>
-      </p:sp>
-      <p:pic>
-        <p:nvPicPr>
-          <p:cNvPr id="13314" name="Picture 2"/>
-          <p:cNvPicPr>
-            <a:picLocks noChangeAspect="1" noChangeArrowheads="1"/>
-          </p:cNvPicPr>
-          <p:nvPr/>
-        </p:nvPicPr>
-        <p:blipFill>
-          <a:blip r:embed="rId2">
-            <a:extLst>
-              <a:ext uri="{28A0092B-C50C-407E-A947-70E740481C1C}">
-                <a14:useLocalDpi xmlns:a14="http://schemas.microsoft.com/office/drawing/2010/main" val="0"/>
-              </a:ext>
-            </a:extLst>
-          </a:blip>
-          <a:srcRect/>
-          <a:stretch>
-            <a:fillRect/>
-          </a:stretch>
-        </p:blipFill>
-        <p:spPr bwMode="auto">
-          <a:xfrm>
-            <a:off x="1475656" y="2060848"/>
-            <a:ext cx="5915025" cy="4391025"/>
-          </a:xfrm>
-          <a:prstGeom prst="rect">
-            <a:avLst/>
-          </a:prstGeom>
-          <a:noFill/>
-          <a:ln>
-            <a:noFill/>
-          </a:ln>
-          <a:effectLst/>
-          <a:extLst>
-            <a:ext uri="{909E8E84-426E-40DD-AFC4-6F175D3DCCD1}">
-              <a14:hiddenFill xmlns:a14="http://schemas.microsoft.com/office/drawing/2010/main">
-                <a:solidFill>
-                  <a:schemeClr val="accent1"/>
-                </a:solidFill>
-              </a14:hiddenFill>
-            </a:ext>
-            <a:ext uri="{91240B29-F687-4F45-9708-019B960494DF}">
-              <a14:hiddenLine xmlns:a14="http://schemas.microsoft.com/office/drawing/2010/main" w="9525">
-                <a:solidFill>
-                  <a:schemeClr val="tx1"/>
-                </a:solidFill>
-                <a:miter lim="800000"/>
-                <a:headEnd/>
-                <a:tailEnd/>
-              </a14:hiddenLine>
-            </a:ext>
-            <a:ext uri="{AF507438-7753-43E0-B8FC-AC1667EBCBE1}">
-              <a14:hiddenEffects xmlns:a14="http://schemas.microsoft.com/office/drawing/2010/main">
-                <a:effectLst>
-                  <a:outerShdw dist="35921" dir="2700000" algn="ctr" rotWithShape="0">
-                    <a:schemeClr val="bg2"/>
-                  </a:outerShdw>
-                </a:effectLst>
-              </a14:hiddenEffects>
-            </a:ext>
-          </a:extLst>
-        </p:spPr>
-      </p:pic>
-    </p:spTree>
-    <p:extLst>
-      <p:ext uri="{BB962C8B-B14F-4D97-AF65-F5344CB8AC3E}">
-        <p14:creationId xmlns:p14="http://schemas.microsoft.com/office/powerpoint/2010/main" val="3237398106"/>
-      </p:ext>
-    </p:extLst>
-  </p:cSld>
-  <p:clrMapOvr>
-    <a:masterClrMapping/>
-  </p:clrMapOvr>
-  <p:timing>
-    <p:tnLst>
-      <p:par>
-        <p:cTn id="1" dur="indefinite" restart="never" nodeType="tmRoot"/>
-      </p:par>
-    </p:tnLst>
-  </p:timing>
-</p:sld>
-</file>
-
-<file path=ppt/slides/slide45.xml><?xml version="1.0" encoding="utf-8"?>
-<p:sld xmlns:a="http://schemas.openxmlformats.org/drawingml/2006/main" xmlns:r="http://schemas.openxmlformats.org/officeDocument/2006/relationships" xmlns:p="http://schemas.openxmlformats.org/presentationml/2006/main">
-  <p:cSld>
-    <p:spTree>
-      <p:nvGrpSpPr>
-        <p:cNvPr id="1" name=""/>
-        <p:cNvGrpSpPr/>
-        <p:nvPr/>
-      </p:nvGrpSpPr>
-      <p:grpSpPr>
-        <a:xfrm>
-          <a:off x="0" y="0"/>
-          <a:ext cx="0" cy="0"/>
-          <a:chOff x="0" y="0"/>
-          <a:chExt cx="0" cy="0"/>
-        </a:xfrm>
-      </p:grpSpPr>
-      <p:sp>
-        <p:nvSpPr>
-          <p:cNvPr id="2" name="标题 1"/>
-          <p:cNvSpPr>
-            <a:spLocks noGrp="1"/>
-          </p:cNvSpPr>
-          <p:nvPr>
-            <p:ph type="title"/>
-          </p:nvPr>
-        </p:nvSpPr>
-        <p:spPr/>
-        <p:txBody>
-          <a:bodyPr/>
-          <a:lstStyle/>
-          <a:p>
-            <a:r>
-              <a:rPr lang="zh-CN" altLang="en-US" sz="2800" dirty="0" smtClean="0"/>
-              <a:t>安装 </a:t>
-            </a:r>
-            <a:r>
-              <a:rPr lang="en-US" sz="2800" dirty="0" smtClean="0"/>
-              <a:t>X </a:t>
-            </a:r>
-            <a:r>
-              <a:rPr lang="en-US" sz="2800" dirty="0"/>
-              <a:t>series</a:t>
-            </a:r>
+              <a:t>X-series</a:t>
+            </a:r>
+            <a:endParaRPr lang="en-US" sz="2800" dirty="0"/>
           </a:p>
         </p:txBody>
       </p:sp>
@@ -17001,7 +16929,7 @@
 </p:sld>
 </file>
 
-<file path=ppt/slides/slide46.xml><?xml version="1.0" encoding="utf-8"?>
+<file path=ppt/slides/slide48.xml><?xml version="1.0" encoding="utf-8"?>
 <p:sld xmlns:a="http://schemas.openxmlformats.org/drawingml/2006/main" xmlns:r="http://schemas.openxmlformats.org/officeDocument/2006/relationships" xmlns:p="http://schemas.openxmlformats.org/presentationml/2006/main">
   <p:cSld>
     <p:spTree>
@@ -17038,8 +16966,8 @@
               <a:t>安装 </a:t>
             </a:r>
             <a:r>
-              <a:rPr lang="en-US" altLang="zh-CN" sz="2800" dirty="0"/>
-              <a:t>X series</a:t>
+              <a:rPr lang="en-US" altLang="zh-CN" sz="2800" dirty="0" smtClean="0"/>
+              <a:t>X-series</a:t>
             </a:r>
             <a:endParaRPr lang="en-US" sz="2800" dirty="0"/>
           </a:p>
@@ -17215,7 +17143,7 @@
 </p:sld>
 </file>
 
-<file path=ppt/slides/slide47.xml><?xml version="1.0" encoding="utf-8"?>
+<file path=ppt/slides/slide49.xml><?xml version="1.0" encoding="utf-8"?>
 <p:sld xmlns:a="http://schemas.openxmlformats.org/drawingml/2006/main" xmlns:r="http://schemas.openxmlformats.org/officeDocument/2006/relationships" xmlns:p="http://schemas.openxmlformats.org/presentationml/2006/main">
   <p:cSld>
     <p:spTree>
@@ -17252,8 +17180,8 @@
               <a:t>安装 </a:t>
             </a:r>
             <a:r>
-              <a:rPr lang="en-US" altLang="zh-CN" sz="2800" dirty="0"/>
-              <a:t>X series</a:t>
+              <a:rPr lang="en-US" altLang="zh-CN" sz="2800" dirty="0" smtClean="0"/>
+              <a:t>X-series</a:t>
             </a:r>
             <a:endParaRPr lang="en-US" sz="2800" dirty="0"/>
           </a:p>
@@ -17374,296 +17302,6 @@
 </p:sld>
 </file>
 
-<file path=ppt/slides/slide48.xml><?xml version="1.0" encoding="utf-8"?>
-<p:sld xmlns:a="http://schemas.openxmlformats.org/drawingml/2006/main" xmlns:r="http://schemas.openxmlformats.org/officeDocument/2006/relationships" xmlns:p="http://schemas.openxmlformats.org/presentationml/2006/main">
-  <p:cSld>
-    <p:spTree>
-      <p:nvGrpSpPr>
-        <p:cNvPr id="1" name=""/>
-        <p:cNvGrpSpPr/>
-        <p:nvPr/>
-      </p:nvGrpSpPr>
-      <p:grpSpPr>
-        <a:xfrm>
-          <a:off x="0" y="0"/>
-          <a:ext cx="0" cy="0"/>
-          <a:chOff x="0" y="0"/>
-          <a:chExt cx="0" cy="0"/>
-        </a:xfrm>
-      </p:grpSpPr>
-      <p:sp>
-        <p:nvSpPr>
-          <p:cNvPr id="2" name="标题 1"/>
-          <p:cNvSpPr>
-            <a:spLocks noGrp="1"/>
-          </p:cNvSpPr>
-          <p:nvPr>
-            <p:ph type="title"/>
-          </p:nvPr>
-        </p:nvSpPr>
-        <p:spPr/>
-        <p:txBody>
-          <a:bodyPr/>
-          <a:lstStyle/>
-          <a:p>
-            <a:r>
-              <a:rPr lang="zh-CN" altLang="en-US" dirty="0" smtClean="0"/>
-              <a:t>支持</a:t>
-            </a:r>
-            <a:r>
-              <a:rPr lang="en-US" altLang="zh-CN" dirty="0" smtClean="0"/>
-              <a:t>C#</a:t>
-            </a:r>
-            <a:endParaRPr lang="zh-CN" altLang="en-US" dirty="0"/>
-          </a:p>
-        </p:txBody>
-      </p:sp>
-      <p:sp>
-        <p:nvSpPr>
-          <p:cNvPr id="3" name="内容占位符 2"/>
-          <p:cNvSpPr>
-            <a:spLocks noGrp="1"/>
-          </p:cNvSpPr>
-          <p:nvPr>
-            <p:ph idx="1"/>
-          </p:nvPr>
-        </p:nvSpPr>
-        <p:spPr/>
-        <p:txBody>
-          <a:bodyPr/>
-          <a:lstStyle/>
-          <a:p>
-            <a:r>
-              <a:rPr lang="en-US" altLang="zh-CN" dirty="0" err="1" smtClean="0"/>
-              <a:t>Xross</a:t>
-            </a:r>
-            <a:r>
-              <a:rPr lang="en-US" altLang="zh-CN" dirty="0" smtClean="0"/>
-              <a:t> unit C# runtime</a:t>
-            </a:r>
-          </a:p>
-          <a:p>
-            <a:pPr lvl="1"/>
-            <a:r>
-              <a:rPr lang="en-US" altLang="zh-CN" dirty="0" smtClean="0">
-                <a:hlinkClick r:id="rId2"/>
-              </a:rPr>
-              <a:t>https</a:t>
-            </a:r>
-            <a:r>
-              <a:rPr lang="en-US" altLang="zh-CN" dirty="0">
-                <a:hlinkClick r:id="rId2"/>
-              </a:rPr>
-              <a:t>://github.com/hejiehui/xUnit/blob/master/doc/xunit_c%23.zip</a:t>
-            </a:r>
-            <a:endParaRPr lang="en-US" altLang="zh-CN" dirty="0"/>
-          </a:p>
-          <a:p>
-            <a:r>
-              <a:rPr lang="en-US" altLang="zh-CN" dirty="0" err="1" smtClean="0"/>
-              <a:t>Xross</a:t>
-            </a:r>
-            <a:r>
-              <a:rPr lang="en-US" altLang="zh-CN" dirty="0" smtClean="0"/>
-              <a:t> State </a:t>
-            </a:r>
-            <a:r>
-              <a:rPr lang="en-US" altLang="zh-CN" dirty="0"/>
-              <a:t>C# runtime</a:t>
-            </a:r>
-          </a:p>
-          <a:p>
-            <a:pPr lvl="1"/>
-            <a:r>
-              <a:rPr lang="en-US" altLang="zh-CN" dirty="0" smtClean="0">
-                <a:hlinkClick r:id="rId3"/>
-              </a:rPr>
-              <a:t>https</a:t>
-            </a:r>
-            <a:r>
-              <a:rPr lang="en-US" altLang="zh-CN" dirty="0">
-                <a:hlinkClick r:id="rId3"/>
-              </a:rPr>
-              <a:t>://</a:t>
-            </a:r>
-            <a:r>
-              <a:rPr lang="en-US" altLang="zh-CN" dirty="0" smtClean="0">
-                <a:hlinkClick r:id="rId3"/>
-              </a:rPr>
-              <a:t>github.com/hejiehui/xState/blob/master/doc/xstate_c%23.zip</a:t>
-            </a:r>
-            <a:endParaRPr lang="en-US" altLang="zh-CN" dirty="0" smtClean="0"/>
-          </a:p>
-          <a:p>
-            <a:r>
-              <a:rPr lang="en-US" altLang="zh-CN" dirty="0" err="1" smtClean="0"/>
-              <a:t>Xross</a:t>
-            </a:r>
-            <a:r>
-              <a:rPr lang="en-US" altLang="zh-CN" dirty="0" smtClean="0"/>
-              <a:t> Decision </a:t>
-            </a:r>
-            <a:r>
-              <a:rPr lang="en-US" altLang="zh-CN" dirty="0"/>
-              <a:t>C# runtime</a:t>
-            </a:r>
-          </a:p>
-          <a:p>
-            <a:pPr lvl="1"/>
-            <a:r>
-              <a:rPr lang="en-US" altLang="zh-CN" dirty="0">
-                <a:hlinkClick r:id="rId4"/>
-              </a:rPr>
-              <a:t>https://</a:t>
-            </a:r>
-            <a:r>
-              <a:rPr lang="en-US" altLang="zh-CN" dirty="0" smtClean="0">
-                <a:hlinkClick r:id="rId4"/>
-              </a:rPr>
-              <a:t>github.com/hejiehui/xDecision/blob/master/doc/xdecision_c%23.zip</a:t>
-            </a:r>
-            <a:endParaRPr lang="en-US" altLang="zh-CN" dirty="0" smtClean="0"/>
-          </a:p>
-          <a:p>
-            <a:pPr lvl="1"/>
-            <a:endParaRPr lang="en-US" altLang="zh-CN" dirty="0" smtClean="0"/>
-          </a:p>
-          <a:p>
-            <a:pPr marL="87313" lvl="1" indent="0">
-              <a:buNone/>
-            </a:pPr>
-            <a:endParaRPr lang="zh-CN" altLang="en-US" dirty="0"/>
-          </a:p>
-        </p:txBody>
-      </p:sp>
-    </p:spTree>
-    <p:extLst>
-      <p:ext uri="{BB962C8B-B14F-4D97-AF65-F5344CB8AC3E}">
-        <p14:creationId xmlns:p14="http://schemas.microsoft.com/office/powerpoint/2010/main" val="444055674"/>
-      </p:ext>
-    </p:extLst>
-  </p:cSld>
-  <p:clrMapOvr>
-    <a:masterClrMapping/>
-  </p:clrMapOvr>
-</p:sld>
-</file>
-
-<file path=ppt/slides/slide49.xml><?xml version="1.0" encoding="utf-8"?>
-<p:sld xmlns:a="http://schemas.openxmlformats.org/drawingml/2006/main" xmlns:r="http://schemas.openxmlformats.org/officeDocument/2006/relationships" xmlns:p="http://schemas.openxmlformats.org/presentationml/2006/main">
-  <p:cSld>
-    <p:spTree>
-      <p:nvGrpSpPr>
-        <p:cNvPr id="1" name=""/>
-        <p:cNvGrpSpPr/>
-        <p:nvPr/>
-      </p:nvGrpSpPr>
-      <p:grpSpPr>
-        <a:xfrm>
-          <a:off x="0" y="0"/>
-          <a:ext cx="0" cy="0"/>
-          <a:chOff x="0" y="0"/>
-          <a:chExt cx="0" cy="0"/>
-        </a:xfrm>
-      </p:grpSpPr>
-      <p:sp>
-        <p:nvSpPr>
-          <p:cNvPr id="2" name="标题 1"/>
-          <p:cNvSpPr>
-            <a:spLocks noGrp="1"/>
-          </p:cNvSpPr>
-          <p:nvPr>
-            <p:ph type="title"/>
-          </p:nvPr>
-        </p:nvSpPr>
-        <p:spPr/>
-        <p:txBody>
-          <a:bodyPr/>
-          <a:lstStyle/>
-          <a:p>
-            <a:r>
-              <a:rPr lang="en-US" altLang="zh-CN" dirty="0" smtClean="0"/>
-              <a:t>Before The End</a:t>
-            </a:r>
-            <a:endParaRPr lang="zh-CN" altLang="en-US" dirty="0"/>
-          </a:p>
-        </p:txBody>
-      </p:sp>
-      <p:sp>
-        <p:nvSpPr>
-          <p:cNvPr id="3" name="内容占位符 2"/>
-          <p:cNvSpPr>
-            <a:spLocks noGrp="1"/>
-          </p:cNvSpPr>
-          <p:nvPr>
-            <p:ph idx="1"/>
-          </p:nvPr>
-        </p:nvSpPr>
-        <p:spPr/>
-        <p:txBody>
-          <a:bodyPr/>
-          <a:lstStyle/>
-          <a:p>
-            <a:pPr eaLnBrk="1" hangingPunct="1"/>
-            <a:r>
-              <a:rPr lang="zh-CN" altLang="en-US" dirty="0"/>
-              <a:t>在语言层面打转是没有出路的</a:t>
-            </a:r>
-            <a:endParaRPr lang="en-US" altLang="zh-CN" dirty="0"/>
-          </a:p>
-          <a:p>
-            <a:pPr eaLnBrk="1" hangingPunct="1"/>
-            <a:r>
-              <a:rPr lang="zh-CN" altLang="en-US" dirty="0" smtClean="0"/>
-              <a:t>大规模开发必须要求</a:t>
-            </a:r>
-            <a:r>
-              <a:rPr lang="zh-CN" altLang="en-US" dirty="0"/>
-              <a:t>合适的</a:t>
-            </a:r>
-            <a:r>
-              <a:rPr lang="zh-CN" altLang="en-US" dirty="0" smtClean="0"/>
-              <a:t>工具</a:t>
-            </a:r>
-            <a:endParaRPr lang="en-US" altLang="zh-CN" dirty="0" smtClean="0"/>
-          </a:p>
-          <a:p>
-            <a:pPr eaLnBrk="1" hangingPunct="1"/>
-            <a:r>
-              <a:rPr lang="zh-CN" altLang="en-US" dirty="0" smtClean="0"/>
-              <a:t>方向</a:t>
-            </a:r>
-            <a:r>
-              <a:rPr lang="zh-CN" altLang="en-US" dirty="0"/>
-              <a:t>和眼光永远比速度重要</a:t>
-            </a:r>
-            <a:endParaRPr lang="en-US" altLang="zh-CN" dirty="0"/>
-          </a:p>
-          <a:p>
-            <a:endParaRPr lang="zh-CN" altLang="en-US" dirty="0"/>
-          </a:p>
-        </p:txBody>
-      </p:sp>
-    </p:spTree>
-    <p:extLst>
-      <p:ext uri="{BB962C8B-B14F-4D97-AF65-F5344CB8AC3E}">
-        <p14:creationId xmlns:p14="http://schemas.microsoft.com/office/powerpoint/2010/main" val="3040248240"/>
-      </p:ext>
-    </p:extLst>
-  </p:cSld>
-  <p:clrMapOvr>
-    <a:masterClrMapping/>
-  </p:clrMapOvr>
-  <p:timing>
-    <p:tnLst>
-      <p:par>
-        <p:cTn id="1" dur="indefinite" restart="never" nodeType="tmRoot"/>
-      </p:par>
-    </p:tnLst>
-  </p:timing>
-</p:sld>
-</file>
-
 <file path=ppt/slides/slide5.xml><?xml version="1.0" encoding="utf-8"?>
 <p:sld xmlns:a="http://schemas.openxmlformats.org/drawingml/2006/main" xmlns:r="http://schemas.openxmlformats.org/officeDocument/2006/relationships" xmlns:p="http://schemas.openxmlformats.org/presentationml/2006/main">
   <p:cSld>
@@ -17698,7 +17336,7 @@
           <a:p>
             <a:r>
               <a:rPr lang="zh-CN" altLang="en-US" dirty="0" smtClean="0"/>
-              <a:t>期待中的架构</a:t>
+              <a:t>咱们的系统架构</a:t>
             </a:r>
             <a:endParaRPr lang="zh-CN" altLang="en-US" dirty="0"/>
           </a:p>
@@ -17725,14 +17363,14 @@
       </p:sp>
       <p:pic>
         <p:nvPicPr>
-          <p:cNvPr id="1026" name="Picture 2" descr="http://i.guancha.cn/news/2016/10/26/20161025212201771.jpg"/>
+          <p:cNvPr id="2050" name="Picture 2" descr="http://pic.yesky.com/uploadImages/2015/337/01/13H1LD4G2B3P.jpg"/>
           <p:cNvPicPr>
             <a:picLocks noChangeAspect="1" noChangeArrowheads="1"/>
           </p:cNvPicPr>
           <p:nvPr/>
         </p:nvPicPr>
         <p:blipFill>
-          <a:blip r:embed="rId2">
+          <a:blip r:embed="rId2" cstate="print">
             <a:extLst>
               <a:ext uri="{28A0092B-C50C-407E-A947-70E740481C1C}">
                 <a14:useLocalDpi xmlns:a14="http://schemas.microsoft.com/office/drawing/2010/main" val="0"/>
@@ -17746,8 +17384,8 @@
         </p:blipFill>
         <p:spPr bwMode="auto">
           <a:xfrm>
-            <a:off x="905669" y="1164431"/>
-            <a:ext cx="7124700" cy="5057775"/>
+            <a:off x="827584" y="1268760"/>
+            <a:ext cx="7272808" cy="4850310"/>
           </a:xfrm>
           <a:prstGeom prst="rect">
             <a:avLst/>
@@ -17767,7 +17405,7 @@
     </p:spTree>
     <p:extLst>
       <p:ext uri="{BB962C8B-B14F-4D97-AF65-F5344CB8AC3E}">
-        <p14:creationId xmlns:p14="http://schemas.microsoft.com/office/powerpoint/2010/main" val="286838882"/>
+        <p14:creationId xmlns:p14="http://schemas.microsoft.com/office/powerpoint/2010/main" val="727870793"/>
       </p:ext>
     </p:extLst>
   </p:cSld>
@@ -17803,6 +17441,312 @@
       </p:grpSpPr>
       <p:sp>
         <p:nvSpPr>
+          <p:cNvPr id="2" name="标题 1"/>
+          <p:cNvSpPr>
+            <a:spLocks noGrp="1"/>
+          </p:cNvSpPr>
+          <p:nvPr>
+            <p:ph type="title"/>
+          </p:nvPr>
+        </p:nvSpPr>
+        <p:spPr/>
+        <p:txBody>
+          <a:bodyPr/>
+          <a:lstStyle/>
+          <a:p>
+            <a:r>
+              <a:rPr lang="zh-CN" altLang="en-US" dirty="0" smtClean="0"/>
+              <a:t>支持</a:t>
+            </a:r>
+            <a:r>
+              <a:rPr lang="en-US" altLang="zh-CN" dirty="0" smtClean="0"/>
+              <a:t>C#</a:t>
+            </a:r>
+            <a:endParaRPr lang="zh-CN" altLang="en-US" dirty="0"/>
+          </a:p>
+        </p:txBody>
+      </p:sp>
+      <p:sp>
+        <p:nvSpPr>
+          <p:cNvPr id="3" name="内容占位符 2"/>
+          <p:cNvSpPr>
+            <a:spLocks noGrp="1"/>
+          </p:cNvSpPr>
+          <p:nvPr>
+            <p:ph idx="1"/>
+          </p:nvPr>
+        </p:nvSpPr>
+        <p:spPr/>
+        <p:txBody>
+          <a:bodyPr/>
+          <a:lstStyle/>
+          <a:p>
+            <a:r>
+              <a:rPr lang="en-US" altLang="zh-CN" dirty="0" err="1" smtClean="0"/>
+              <a:t>Xross</a:t>
+            </a:r>
+            <a:r>
+              <a:rPr lang="en-US" altLang="zh-CN" dirty="0" smtClean="0"/>
+              <a:t> unit C# runtime</a:t>
+            </a:r>
+          </a:p>
+          <a:p>
+            <a:pPr lvl="1"/>
+            <a:r>
+              <a:rPr lang="en-US" altLang="zh-CN" dirty="0" smtClean="0">
+                <a:hlinkClick r:id="rId2"/>
+              </a:rPr>
+              <a:t>https</a:t>
+            </a:r>
+            <a:r>
+              <a:rPr lang="en-US" altLang="zh-CN" dirty="0">
+                <a:hlinkClick r:id="rId2"/>
+              </a:rPr>
+              <a:t>://github.com/hejiehui/xUnit/blob/master/doc/xunit_c%23.zip</a:t>
+            </a:r>
+            <a:endParaRPr lang="en-US" altLang="zh-CN" dirty="0"/>
+          </a:p>
+          <a:p>
+            <a:r>
+              <a:rPr lang="en-US" altLang="zh-CN" dirty="0" err="1" smtClean="0"/>
+              <a:t>Xross</a:t>
+            </a:r>
+            <a:r>
+              <a:rPr lang="en-US" altLang="zh-CN" dirty="0" smtClean="0"/>
+              <a:t> State </a:t>
+            </a:r>
+            <a:r>
+              <a:rPr lang="en-US" altLang="zh-CN" dirty="0"/>
+              <a:t>C# runtime</a:t>
+            </a:r>
+          </a:p>
+          <a:p>
+            <a:pPr lvl="1"/>
+            <a:r>
+              <a:rPr lang="en-US" altLang="zh-CN" dirty="0" smtClean="0">
+                <a:hlinkClick r:id="rId3"/>
+              </a:rPr>
+              <a:t>https</a:t>
+            </a:r>
+            <a:r>
+              <a:rPr lang="en-US" altLang="zh-CN" dirty="0">
+                <a:hlinkClick r:id="rId3"/>
+              </a:rPr>
+              <a:t>://</a:t>
+            </a:r>
+            <a:r>
+              <a:rPr lang="en-US" altLang="zh-CN" dirty="0" smtClean="0">
+                <a:hlinkClick r:id="rId3"/>
+              </a:rPr>
+              <a:t>github.com/hejiehui/xState/blob/master/doc/xstate_c%23.zip</a:t>
+            </a:r>
+            <a:endParaRPr lang="en-US" altLang="zh-CN" dirty="0" smtClean="0"/>
+          </a:p>
+          <a:p>
+            <a:r>
+              <a:rPr lang="en-US" altLang="zh-CN" dirty="0" err="1" smtClean="0"/>
+              <a:t>Xross</a:t>
+            </a:r>
+            <a:r>
+              <a:rPr lang="en-US" altLang="zh-CN" dirty="0" smtClean="0"/>
+              <a:t> Decision </a:t>
+            </a:r>
+            <a:r>
+              <a:rPr lang="en-US" altLang="zh-CN" dirty="0"/>
+              <a:t>C# runtime</a:t>
+            </a:r>
+          </a:p>
+          <a:p>
+            <a:pPr lvl="1"/>
+            <a:r>
+              <a:rPr lang="en-US" altLang="zh-CN" dirty="0">
+                <a:hlinkClick r:id="rId4"/>
+              </a:rPr>
+              <a:t>https://</a:t>
+            </a:r>
+            <a:r>
+              <a:rPr lang="en-US" altLang="zh-CN" dirty="0" smtClean="0">
+                <a:hlinkClick r:id="rId4"/>
+              </a:rPr>
+              <a:t>github.com/hejiehui/xDecision/blob/master/doc/xdecision_c%23.zip</a:t>
+            </a:r>
+            <a:endParaRPr lang="en-US" altLang="zh-CN" dirty="0" smtClean="0"/>
+          </a:p>
+          <a:p>
+            <a:pPr lvl="1"/>
+            <a:endParaRPr lang="en-US" altLang="zh-CN" dirty="0" smtClean="0"/>
+          </a:p>
+          <a:p>
+            <a:pPr marL="87313" lvl="1" indent="0">
+              <a:buNone/>
+            </a:pPr>
+            <a:endParaRPr lang="zh-CN" altLang="en-US" dirty="0"/>
+          </a:p>
+        </p:txBody>
+      </p:sp>
+    </p:spTree>
+    <p:extLst>
+      <p:ext uri="{BB962C8B-B14F-4D97-AF65-F5344CB8AC3E}">
+        <p14:creationId xmlns:p14="http://schemas.microsoft.com/office/powerpoint/2010/main" val="444055674"/>
+      </p:ext>
+    </p:extLst>
+  </p:cSld>
+  <p:clrMapOvr>
+    <a:masterClrMapping/>
+  </p:clrMapOvr>
+</p:sld>
+</file>
+
+<file path=ppt/slides/slide51.xml><?xml version="1.0" encoding="utf-8"?>
+<p:sld xmlns:a="http://schemas.openxmlformats.org/drawingml/2006/main" xmlns:r="http://schemas.openxmlformats.org/officeDocument/2006/relationships" xmlns:p="http://schemas.openxmlformats.org/presentationml/2006/main">
+  <p:cSld>
+    <p:spTree>
+      <p:nvGrpSpPr>
+        <p:cNvPr id="1" name=""/>
+        <p:cNvGrpSpPr/>
+        <p:nvPr/>
+      </p:nvGrpSpPr>
+      <p:grpSpPr>
+        <a:xfrm>
+          <a:off x="0" y="0"/>
+          <a:ext cx="0" cy="0"/>
+          <a:chOff x="0" y="0"/>
+          <a:chExt cx="0" cy="0"/>
+        </a:xfrm>
+      </p:grpSpPr>
+      <p:sp>
+        <p:nvSpPr>
+          <p:cNvPr id="2" name="标题 1"/>
+          <p:cNvSpPr>
+            <a:spLocks noGrp="1"/>
+          </p:cNvSpPr>
+          <p:nvPr>
+            <p:ph type="title"/>
+          </p:nvPr>
+        </p:nvSpPr>
+        <p:spPr/>
+        <p:txBody>
+          <a:bodyPr/>
+          <a:lstStyle/>
+          <a:p>
+            <a:r>
+              <a:rPr lang="en-US" altLang="zh-CN" dirty="0" smtClean="0"/>
+              <a:t>Before The End</a:t>
+            </a:r>
+            <a:endParaRPr lang="zh-CN" altLang="en-US" dirty="0"/>
+          </a:p>
+        </p:txBody>
+      </p:sp>
+      <p:sp>
+        <p:nvSpPr>
+          <p:cNvPr id="3" name="内容占位符 2"/>
+          <p:cNvSpPr>
+            <a:spLocks noGrp="1"/>
+          </p:cNvSpPr>
+          <p:nvPr>
+            <p:ph idx="1"/>
+          </p:nvPr>
+        </p:nvSpPr>
+        <p:spPr/>
+        <p:txBody>
+          <a:bodyPr/>
+          <a:lstStyle/>
+          <a:p>
+            <a:pPr eaLnBrk="1" hangingPunct="1"/>
+            <a:r>
+              <a:rPr lang="zh-CN" altLang="en-US" dirty="0"/>
+              <a:t>在语言层面打转是没有出路的</a:t>
+            </a:r>
+            <a:endParaRPr lang="en-US" altLang="zh-CN" dirty="0"/>
+          </a:p>
+          <a:p>
+            <a:pPr eaLnBrk="1" hangingPunct="1"/>
+            <a:r>
+              <a:rPr lang="zh-CN" altLang="en-US" dirty="0" smtClean="0"/>
+              <a:t>大规模开发必须要求</a:t>
+            </a:r>
+            <a:r>
+              <a:rPr lang="zh-CN" altLang="en-US" dirty="0"/>
+              <a:t>合适的</a:t>
+            </a:r>
+            <a:r>
+              <a:rPr lang="zh-CN" altLang="en-US" dirty="0" smtClean="0"/>
+              <a:t>工具</a:t>
+            </a:r>
+            <a:endParaRPr lang="en-US" altLang="zh-CN" dirty="0" smtClean="0"/>
+          </a:p>
+          <a:p>
+            <a:pPr eaLnBrk="1" hangingPunct="1"/>
+            <a:r>
+              <a:rPr lang="zh-CN" altLang="en-US" dirty="0" smtClean="0"/>
+              <a:t>方向</a:t>
+            </a:r>
+            <a:r>
+              <a:rPr lang="zh-CN" altLang="en-US" dirty="0"/>
+              <a:t>和眼光永远比速度</a:t>
+            </a:r>
+            <a:r>
+              <a:rPr lang="zh-CN" altLang="en-US" dirty="0" smtClean="0"/>
+              <a:t>重要</a:t>
+            </a:r>
+            <a:endParaRPr lang="en-US" altLang="zh-CN" dirty="0" smtClean="0"/>
+          </a:p>
+          <a:p>
+            <a:pPr eaLnBrk="1" hangingPunct="1"/>
+            <a:r>
+              <a:rPr lang="zh-CN" altLang="en-US" dirty="0" smtClean="0"/>
+              <a:t>请开始使用</a:t>
+            </a:r>
+            <a:r>
+              <a:rPr lang="en-US" altLang="zh-CN" smtClean="0"/>
+              <a:t>X-Series</a:t>
+            </a:r>
+            <a:endParaRPr lang="en-US" altLang="zh-CN" dirty="0"/>
+          </a:p>
+          <a:p>
+            <a:endParaRPr lang="zh-CN" altLang="en-US" dirty="0"/>
+          </a:p>
+        </p:txBody>
+      </p:sp>
+    </p:spTree>
+    <p:extLst>
+      <p:ext uri="{BB962C8B-B14F-4D97-AF65-F5344CB8AC3E}">
+        <p14:creationId xmlns:p14="http://schemas.microsoft.com/office/powerpoint/2010/main" val="3040248240"/>
+      </p:ext>
+    </p:extLst>
+  </p:cSld>
+  <p:clrMapOvr>
+    <a:masterClrMapping/>
+  </p:clrMapOvr>
+  <p:timing>
+    <p:tnLst>
+      <p:par>
+        <p:cTn id="1" dur="indefinite" restart="never" nodeType="tmRoot"/>
+      </p:par>
+    </p:tnLst>
+  </p:timing>
+</p:sld>
+</file>
+
+<file path=ppt/slides/slide52.xml><?xml version="1.0" encoding="utf-8"?>
+<p:sld xmlns:a="http://schemas.openxmlformats.org/drawingml/2006/main" xmlns:r="http://schemas.openxmlformats.org/officeDocument/2006/relationships" xmlns:p="http://schemas.openxmlformats.org/presentationml/2006/main">
+  <p:cSld>
+    <p:spTree>
+      <p:nvGrpSpPr>
+        <p:cNvPr id="1" name=""/>
+        <p:cNvGrpSpPr/>
+        <p:nvPr/>
+      </p:nvGrpSpPr>
+      <p:grpSpPr>
+        <a:xfrm>
+          <a:off x="0" y="0"/>
+          <a:ext cx="0" cy="0"/>
+          <a:chOff x="0" y="0"/>
+          <a:chExt cx="0" cy="0"/>
+        </a:xfrm>
+      </p:grpSpPr>
+      <p:sp>
+        <p:nvSpPr>
           <p:cNvPr id="52226" name="Rectangle 2"/>
           <p:cNvSpPr>
             <a:spLocks noGrp="1" noChangeArrowheads="1"/>
@@ -17832,7 +17776,7 @@
             <a:spLocks noGrp="1" noChangeArrowheads="1"/>
           </p:cNvSpPr>
           <p:nvPr>
-            <p:ph type="body" idx="1"/>
+            <p:ph idx="1"/>
           </p:nvPr>
         </p:nvSpPr>
         <p:spPr/>
@@ -17855,8 +17799,1028 @@
         </p:nvSpPr>
         <p:spPr bwMode="auto">
           <a:xfrm>
-            <a:off x="6948488" y="1196975"/>
-            <a:ext cx="615950" cy="3816350"/>
+            <a:off x="6825774" y="1196974"/>
+            <a:ext cx="738664" cy="4248249"/>
+          </a:xfrm>
+          <a:prstGeom prst="rect">
+            <a:avLst/>
+          </a:prstGeom>
+          <a:noFill/>
+          <a:ln>
+            <a:noFill/>
+          </a:ln>
+          <a:extLst>
+            <a:ext uri="{909E8E84-426E-40DD-AFC4-6F175D3DCCD1}">
+              <a14:hiddenFill xmlns:a14="http://schemas.microsoft.com/office/drawing/2010/main">
+                <a:solidFill>
+                  <a:srgbClr val="FFFFFF"/>
+                </a:solidFill>
+              </a14:hiddenFill>
+            </a:ext>
+            <a:ext uri="{91240B29-F687-4F45-9708-019B960494DF}">
+              <a14:hiddenLine xmlns:a14="http://schemas.microsoft.com/office/drawing/2010/main" w="9525">
+                <a:solidFill>
+                  <a:srgbClr val="000000"/>
+                </a:solidFill>
+                <a:miter lim="800000"/>
+                <a:headEnd/>
+                <a:tailEnd/>
+              </a14:hiddenLine>
+            </a:ext>
+          </a:extLst>
+        </p:spPr>
+        <p:txBody>
+          <a:bodyPr vert="eaVert" wrap="square">
+            <a:spAutoFit/>
+          </a:bodyPr>
+          <a:lstStyle>
+            <a:lvl1pPr eaLnBrk="0" hangingPunct="0">
+              <a:defRPr b="1">
+                <a:solidFill>
+                  <a:schemeClr val="tx1"/>
+                </a:solidFill>
+                <a:latin typeface="Arial" pitchFamily="34" charset="0"/>
+                <a:ea typeface="微软雅黑" pitchFamily="34" charset="-122"/>
+              </a:defRPr>
+            </a:lvl1pPr>
+            <a:lvl2pPr marL="742950" indent="-285750" eaLnBrk="0" hangingPunct="0">
+              <a:defRPr b="1">
+                <a:solidFill>
+                  <a:schemeClr val="tx1"/>
+                </a:solidFill>
+                <a:latin typeface="Arial" pitchFamily="34" charset="0"/>
+                <a:ea typeface="微软雅黑" pitchFamily="34" charset="-122"/>
+              </a:defRPr>
+            </a:lvl2pPr>
+            <a:lvl3pPr marL="1143000" indent="-228600" eaLnBrk="0" hangingPunct="0">
+              <a:defRPr b="1">
+                <a:solidFill>
+                  <a:schemeClr val="tx1"/>
+                </a:solidFill>
+                <a:latin typeface="Arial" pitchFamily="34" charset="0"/>
+                <a:ea typeface="微软雅黑" pitchFamily="34" charset="-122"/>
+              </a:defRPr>
+            </a:lvl3pPr>
+            <a:lvl4pPr marL="1600200" indent="-228600" eaLnBrk="0" hangingPunct="0">
+              <a:defRPr b="1">
+                <a:solidFill>
+                  <a:schemeClr val="tx1"/>
+                </a:solidFill>
+                <a:latin typeface="Arial" pitchFamily="34" charset="0"/>
+                <a:ea typeface="微软雅黑" pitchFamily="34" charset="-122"/>
+              </a:defRPr>
+            </a:lvl4pPr>
+            <a:lvl5pPr marL="2057400" indent="-228600" eaLnBrk="0" hangingPunct="0">
+              <a:defRPr b="1">
+                <a:solidFill>
+                  <a:schemeClr val="tx1"/>
+                </a:solidFill>
+                <a:latin typeface="Arial" pitchFamily="34" charset="0"/>
+                <a:ea typeface="微软雅黑" pitchFamily="34" charset="-122"/>
+              </a:defRPr>
+            </a:lvl5pPr>
+            <a:lvl6pPr marL="2514600" indent="-228600" algn="ctr" eaLnBrk="0" fontAlgn="base" hangingPunct="0">
+              <a:spcBef>
+                <a:spcPct val="0"/>
+              </a:spcBef>
+              <a:spcAft>
+                <a:spcPct val="0"/>
+              </a:spcAft>
+              <a:buFont typeface="Arial" pitchFamily="34" charset="0"/>
+              <a:defRPr b="1">
+                <a:solidFill>
+                  <a:schemeClr val="tx1"/>
+                </a:solidFill>
+                <a:latin typeface="Arial" pitchFamily="34" charset="0"/>
+                <a:ea typeface="微软雅黑" pitchFamily="34" charset="-122"/>
+              </a:defRPr>
+            </a:lvl6pPr>
+            <a:lvl7pPr marL="2971800" indent="-228600" algn="ctr" eaLnBrk="0" fontAlgn="base" hangingPunct="0">
+              <a:spcBef>
+                <a:spcPct val="0"/>
+              </a:spcBef>
+              <a:spcAft>
+                <a:spcPct val="0"/>
+              </a:spcAft>
+              <a:buFont typeface="Arial" pitchFamily="34" charset="0"/>
+              <a:defRPr b="1">
+                <a:solidFill>
+                  <a:schemeClr val="tx1"/>
+                </a:solidFill>
+                <a:latin typeface="Arial" pitchFamily="34" charset="0"/>
+                <a:ea typeface="微软雅黑" pitchFamily="34" charset="-122"/>
+              </a:defRPr>
+            </a:lvl7pPr>
+            <a:lvl8pPr marL="3429000" indent="-228600" algn="ctr" eaLnBrk="0" fontAlgn="base" hangingPunct="0">
+              <a:spcBef>
+                <a:spcPct val="0"/>
+              </a:spcBef>
+              <a:spcAft>
+                <a:spcPct val="0"/>
+              </a:spcAft>
+              <a:buFont typeface="Arial" pitchFamily="34" charset="0"/>
+              <a:defRPr b="1">
+                <a:solidFill>
+                  <a:schemeClr val="tx1"/>
+                </a:solidFill>
+                <a:latin typeface="Arial" pitchFamily="34" charset="0"/>
+                <a:ea typeface="微软雅黑" pitchFamily="34" charset="-122"/>
+              </a:defRPr>
+            </a:lvl8pPr>
+            <a:lvl9pPr marL="3886200" indent="-228600" algn="ctr" eaLnBrk="0" fontAlgn="base" hangingPunct="0">
+              <a:spcBef>
+                <a:spcPct val="0"/>
+              </a:spcBef>
+              <a:spcAft>
+                <a:spcPct val="0"/>
+              </a:spcAft>
+              <a:buFont typeface="Arial" pitchFamily="34" charset="0"/>
+              <a:defRPr b="1">
+                <a:solidFill>
+                  <a:schemeClr val="tx1"/>
+                </a:solidFill>
+                <a:latin typeface="Arial" pitchFamily="34" charset="0"/>
+                <a:ea typeface="微软雅黑" pitchFamily="34" charset="-122"/>
+              </a:defRPr>
+            </a:lvl9pPr>
+          </a:lstStyle>
+          <a:p>
+            <a:pPr algn="l" eaLnBrk="1" hangingPunct="1"/>
+            <a:r>
+              <a:rPr lang="zh-CN" altLang="en-US" sz="3600" dirty="0">
+                <a:latin typeface="华文行楷" panose="02010800040101010101" pitchFamily="2" charset="-122"/>
+                <a:ea typeface="华文行楷" panose="02010800040101010101" pitchFamily="2" charset="-122"/>
+              </a:rPr>
+              <a:t>问题比答案更重要</a:t>
+            </a:r>
+            <a:endParaRPr lang="en-US" sz="3600" dirty="0">
+              <a:latin typeface="华文行楷" panose="02010800040101010101" pitchFamily="2" charset="-122"/>
+              <a:ea typeface="华文行楷" panose="02010800040101010101" pitchFamily="2" charset="-122"/>
+            </a:endParaRPr>
+          </a:p>
+        </p:txBody>
+      </p:sp>
+    </p:spTree>
+  </p:cSld>
+  <p:clrMapOvr>
+    <a:masterClrMapping/>
+  </p:clrMapOvr>
+  <p:timing>
+    <p:tnLst>
+      <p:par>
+        <p:cTn id="1" dur="indefinite" restart="never" nodeType="tmRoot"/>
+      </p:par>
+    </p:tnLst>
+  </p:timing>
+</p:sld>
+</file>
+
+<file path=ppt/slides/slide6.xml><?xml version="1.0" encoding="utf-8"?>
+<p:sld xmlns:a="http://schemas.openxmlformats.org/drawingml/2006/main" xmlns:r="http://schemas.openxmlformats.org/officeDocument/2006/relationships" xmlns:p="http://schemas.openxmlformats.org/presentationml/2006/main">
+  <p:cSld>
+    <p:spTree>
+      <p:nvGrpSpPr>
+        <p:cNvPr id="1" name=""/>
+        <p:cNvGrpSpPr/>
+        <p:nvPr/>
+      </p:nvGrpSpPr>
+      <p:grpSpPr>
+        <a:xfrm>
+          <a:off x="0" y="0"/>
+          <a:ext cx="0" cy="0"/>
+          <a:chOff x="0" y="0"/>
+          <a:chExt cx="0" cy="0"/>
+        </a:xfrm>
+      </p:grpSpPr>
+      <p:sp>
+        <p:nvSpPr>
+          <p:cNvPr id="2" name="标题 1"/>
+          <p:cNvSpPr>
+            <a:spLocks noGrp="1"/>
+          </p:cNvSpPr>
+          <p:nvPr>
+            <p:ph type="title"/>
+          </p:nvPr>
+        </p:nvSpPr>
+        <p:spPr/>
+        <p:txBody>
+          <a:bodyPr/>
+          <a:lstStyle/>
+          <a:p>
+            <a:r>
+              <a:rPr lang="zh-CN" altLang="en-US" dirty="0" smtClean="0"/>
+              <a:t>面试时</a:t>
+            </a:r>
+            <a:r>
+              <a:rPr lang="en-US" altLang="zh-CN" dirty="0" smtClean="0"/>
+              <a:t>HR</a:t>
+            </a:r>
+            <a:r>
+              <a:rPr lang="zh-CN" altLang="en-US" dirty="0" smtClean="0"/>
+              <a:t>的承诺</a:t>
+            </a:r>
+            <a:endParaRPr lang="zh-CN" altLang="en-US" dirty="0"/>
+          </a:p>
+        </p:txBody>
+      </p:sp>
+      <p:sp>
+        <p:nvSpPr>
+          <p:cNvPr id="3" name="内容占位符 2"/>
+          <p:cNvSpPr>
+            <a:spLocks noGrp="1"/>
+          </p:cNvSpPr>
+          <p:nvPr>
+            <p:ph idx="1"/>
+          </p:nvPr>
+        </p:nvSpPr>
+        <p:spPr/>
+        <p:txBody>
+          <a:bodyPr/>
+          <a:lstStyle/>
+          <a:p>
+            <a:endParaRPr lang="zh-CN" altLang="en-US"/>
+          </a:p>
+        </p:txBody>
+      </p:sp>
+      <p:pic>
+        <p:nvPicPr>
+          <p:cNvPr id="1026" name="Picture 2" descr="脑洞大开！！！“程序猿鼓励师”竟成新职业！"/>
+          <p:cNvPicPr>
+            <a:picLocks noChangeAspect="1" noChangeArrowheads="1"/>
+          </p:cNvPicPr>
+          <p:nvPr/>
+        </p:nvPicPr>
+        <p:blipFill>
+          <a:blip r:embed="rId2">
+            <a:extLst>
+              <a:ext uri="{28A0092B-C50C-407E-A947-70E740481C1C}">
+                <a14:useLocalDpi xmlns:a14="http://schemas.microsoft.com/office/drawing/2010/main" val="0"/>
+              </a:ext>
+            </a:extLst>
+          </a:blip>
+          <a:srcRect/>
+          <a:stretch>
+            <a:fillRect/>
+          </a:stretch>
+        </p:blipFill>
+        <p:spPr bwMode="auto">
+          <a:xfrm>
+            <a:off x="1083850" y="1340768"/>
+            <a:ext cx="6768337" cy="4248472"/>
+          </a:xfrm>
+          <a:prstGeom prst="rect">
+            <a:avLst/>
+          </a:prstGeom>
+          <a:noFill/>
+          <a:extLst>
+            <a:ext uri="{909E8E84-426E-40DD-AFC4-6F175D3DCCD1}">
+              <a14:hiddenFill xmlns:a14="http://schemas.microsoft.com/office/drawing/2010/main">
+                <a:solidFill>
+                  <a:srgbClr val="FFFFFF"/>
+                </a:solidFill>
+              </a14:hiddenFill>
+            </a:ext>
+          </a:extLst>
+        </p:spPr>
+      </p:pic>
+    </p:spTree>
+    <p:extLst>
+      <p:ext uri="{BB962C8B-B14F-4D97-AF65-F5344CB8AC3E}">
+        <p14:creationId xmlns:p14="http://schemas.microsoft.com/office/powerpoint/2010/main" val="3968675739"/>
+      </p:ext>
+    </p:extLst>
+  </p:cSld>
+  <p:clrMapOvr>
+    <a:masterClrMapping/>
+  </p:clrMapOvr>
+  <p:timing>
+    <p:tnLst>
+      <p:par>
+        <p:cTn id="1" dur="indefinite" restart="never" nodeType="tmRoot"/>
+      </p:par>
+    </p:tnLst>
+  </p:timing>
+</p:sld>
+</file>
+
+<file path=ppt/slides/slide7.xml><?xml version="1.0" encoding="utf-8"?>
+<p:sld xmlns:a="http://schemas.openxmlformats.org/drawingml/2006/main" xmlns:r="http://schemas.openxmlformats.org/officeDocument/2006/relationships" xmlns:p="http://schemas.openxmlformats.org/presentationml/2006/main">
+  <p:cSld>
+    <p:spTree>
+      <p:nvGrpSpPr>
+        <p:cNvPr id="1" name=""/>
+        <p:cNvGrpSpPr/>
+        <p:nvPr/>
+      </p:nvGrpSpPr>
+      <p:grpSpPr>
+        <a:xfrm>
+          <a:off x="0" y="0"/>
+          <a:ext cx="0" cy="0"/>
+          <a:chOff x="0" y="0"/>
+          <a:chExt cx="0" cy="0"/>
+        </a:xfrm>
+      </p:grpSpPr>
+      <p:sp>
+        <p:nvSpPr>
+          <p:cNvPr id="2" name="标题 1"/>
+          <p:cNvSpPr>
+            <a:spLocks noGrp="1"/>
+          </p:cNvSpPr>
+          <p:nvPr>
+            <p:ph type="title"/>
+          </p:nvPr>
+        </p:nvSpPr>
+        <p:spPr/>
+        <p:txBody>
+          <a:bodyPr/>
+          <a:lstStyle/>
+          <a:p>
+            <a:r>
+              <a:rPr lang="zh-CN" altLang="en-US" dirty="0" smtClean="0"/>
+              <a:t>被骗进来之后</a:t>
+            </a:r>
+            <a:endParaRPr lang="zh-CN" altLang="en-US" dirty="0"/>
+          </a:p>
+        </p:txBody>
+      </p:sp>
+      <p:sp>
+        <p:nvSpPr>
+          <p:cNvPr id="3" name="内容占位符 2"/>
+          <p:cNvSpPr>
+            <a:spLocks noGrp="1"/>
+          </p:cNvSpPr>
+          <p:nvPr>
+            <p:ph idx="1"/>
+          </p:nvPr>
+        </p:nvSpPr>
+        <p:spPr/>
+        <p:txBody>
+          <a:bodyPr/>
+          <a:lstStyle/>
+          <a:p>
+            <a:endParaRPr lang="zh-CN" altLang="en-US"/>
+          </a:p>
+        </p:txBody>
+      </p:sp>
+      <p:pic>
+        <p:nvPicPr>
+          <p:cNvPr id="1026" name="Picture 2" descr="http://img1.gtimg.com/news/pics/hv1/12/49/1500/97550007.jpg"/>
+          <p:cNvPicPr>
+            <a:picLocks noChangeAspect="1" noChangeArrowheads="1"/>
+          </p:cNvPicPr>
+          <p:nvPr/>
+        </p:nvPicPr>
+        <p:blipFill>
+          <a:blip r:embed="rId2">
+            <a:extLst>
+              <a:ext uri="{28A0092B-C50C-407E-A947-70E740481C1C}">
+                <a14:useLocalDpi xmlns:a14="http://schemas.microsoft.com/office/drawing/2010/main" val="0"/>
+              </a:ext>
+            </a:extLst>
+          </a:blip>
+          <a:srcRect/>
+          <a:stretch>
+            <a:fillRect/>
+          </a:stretch>
+        </p:blipFill>
+        <p:spPr bwMode="auto">
+          <a:xfrm>
+            <a:off x="1790105" y="1275219"/>
+            <a:ext cx="5355828" cy="5074649"/>
+          </a:xfrm>
+          <a:prstGeom prst="rect">
+            <a:avLst/>
+          </a:prstGeom>
+          <a:noFill/>
+          <a:extLst>
+            <a:ext uri="{909E8E84-426E-40DD-AFC4-6F175D3DCCD1}">
+              <a14:hiddenFill xmlns:a14="http://schemas.microsoft.com/office/drawing/2010/main">
+                <a:solidFill>
+                  <a:srgbClr val="FFFFFF"/>
+                </a:solidFill>
+              </a14:hiddenFill>
+            </a:ext>
+          </a:extLst>
+        </p:spPr>
+      </p:pic>
+    </p:spTree>
+    <p:extLst>
+      <p:ext uri="{BB962C8B-B14F-4D97-AF65-F5344CB8AC3E}">
+        <p14:creationId xmlns:p14="http://schemas.microsoft.com/office/powerpoint/2010/main" val="957233417"/>
+      </p:ext>
+    </p:extLst>
+  </p:cSld>
+  <p:clrMapOvr>
+    <a:masterClrMapping/>
+  </p:clrMapOvr>
+  <p:timing>
+    <p:tnLst>
+      <p:par>
+        <p:cTn id="1" dur="indefinite" restart="never" nodeType="tmRoot"/>
+      </p:par>
+    </p:tnLst>
+  </p:timing>
+</p:sld>
+</file>
+
+<file path=ppt/slides/slide8.xml><?xml version="1.0" encoding="utf-8"?>
+<p:sld xmlns:a="http://schemas.openxmlformats.org/drawingml/2006/main" xmlns:r="http://schemas.openxmlformats.org/officeDocument/2006/relationships" xmlns:p="http://schemas.openxmlformats.org/presentationml/2006/main">
+  <p:cSld>
+    <p:spTree>
+      <p:nvGrpSpPr>
+        <p:cNvPr id="1" name=""/>
+        <p:cNvGrpSpPr/>
+        <p:nvPr/>
+      </p:nvGrpSpPr>
+      <p:grpSpPr>
+        <a:xfrm>
+          <a:off x="0" y="0"/>
+          <a:ext cx="0" cy="0"/>
+          <a:chOff x="0" y="0"/>
+          <a:chExt cx="0" cy="0"/>
+        </a:xfrm>
+      </p:grpSpPr>
+      <p:sp>
+        <p:nvSpPr>
+          <p:cNvPr id="2" name="标题 1"/>
+          <p:cNvSpPr>
+            <a:spLocks noGrp="1"/>
+          </p:cNvSpPr>
+          <p:nvPr>
+            <p:ph type="title"/>
+          </p:nvPr>
+        </p:nvSpPr>
+        <p:spPr>
+          <a:xfrm>
+            <a:off x="3059832" y="2996952"/>
+            <a:ext cx="3096345" cy="576064"/>
+          </a:xfrm>
+        </p:spPr>
+        <p:style>
+          <a:lnRef idx="1">
+            <a:schemeClr val="accent4"/>
+          </a:lnRef>
+          <a:fillRef idx="3">
+            <a:schemeClr val="accent4"/>
+          </a:fillRef>
+          <a:effectRef idx="2">
+            <a:schemeClr val="accent4"/>
+          </a:effectRef>
+          <a:fontRef idx="minor">
+            <a:schemeClr val="lt1"/>
+          </a:fontRef>
+        </p:style>
+        <p:txBody>
+          <a:bodyPr/>
+          <a:lstStyle/>
+          <a:p>
+            <a:pPr algn="ctr"/>
+            <a:r>
+              <a:rPr lang="zh-CN" altLang="en-US" dirty="0" smtClean="0"/>
+              <a:t>系统开发很难</a:t>
+            </a:r>
+            <a:endParaRPr lang="zh-CN" altLang="en-US" dirty="0"/>
+          </a:p>
+        </p:txBody>
+      </p:sp>
+      <p:sp>
+        <p:nvSpPr>
+          <p:cNvPr id="4" name="标题 1"/>
+          <p:cNvSpPr txBox="1">
+            <a:spLocks/>
+          </p:cNvSpPr>
+          <p:nvPr/>
+        </p:nvSpPr>
+        <p:spPr bwMode="auto">
+          <a:xfrm>
+            <a:off x="477838" y="134938"/>
+            <a:ext cx="6249987" cy="566737"/>
+          </a:xfrm>
+          <a:prstGeom prst="rect">
+            <a:avLst/>
+          </a:prstGeom>
+          <a:noFill/>
+          <a:ln>
+            <a:noFill/>
+          </a:ln>
+          <a:extLst>
+            <a:ext uri="{909E8E84-426E-40DD-AFC4-6F175D3DCCD1}">
+              <a14:hiddenFill xmlns:a14="http://schemas.microsoft.com/office/drawing/2010/main">
+                <a:solidFill>
+                  <a:srgbClr val="FFFFFF"/>
+                </a:solidFill>
+              </a14:hiddenFill>
+            </a:ext>
+            <a:ext uri="{91240B29-F687-4F45-9708-019B960494DF}">
+              <a14:hiddenLine xmlns:a14="http://schemas.microsoft.com/office/drawing/2010/main" w="9525">
+                <a:solidFill>
+                  <a:srgbClr val="000000"/>
+                </a:solidFill>
+                <a:miter lim="800000"/>
+                <a:headEnd/>
+                <a:tailEnd/>
+              </a14:hiddenLine>
+            </a:ext>
+          </a:extLst>
+        </p:spPr>
+        <p:txBody>
+          <a:bodyPr vert="horz" wrap="square" lIns="91440" tIns="45720" rIns="91440" bIns="45720" numCol="1" anchor="b" anchorCtr="0" compatLnSpc="1">
+            <a:prstTxWarp prst="textNoShape">
+              <a:avLst/>
+            </a:prstTxWarp>
+          </a:bodyPr>
+          <a:lstStyle>
+            <a:lvl1pPr algn="l" rtl="0" eaLnBrk="0" fontAlgn="base" hangingPunct="0">
+              <a:lnSpc>
+                <a:spcPct val="90000"/>
+              </a:lnSpc>
+              <a:spcBef>
+                <a:spcPct val="0"/>
+              </a:spcBef>
+              <a:spcAft>
+                <a:spcPct val="0"/>
+              </a:spcAft>
+              <a:defRPr sz="3200" b="1">
+                <a:solidFill>
+                  <a:srgbClr val="42331C"/>
+                </a:solidFill>
+                <a:latin typeface="+mj-lt"/>
+                <a:ea typeface="+mj-ea"/>
+                <a:cs typeface="+mj-cs"/>
+              </a:defRPr>
+            </a:lvl1pPr>
+            <a:lvl2pPr algn="l" rtl="0" eaLnBrk="0" fontAlgn="base" hangingPunct="0">
+              <a:lnSpc>
+                <a:spcPct val="90000"/>
+              </a:lnSpc>
+              <a:spcBef>
+                <a:spcPct val="0"/>
+              </a:spcBef>
+              <a:spcAft>
+                <a:spcPct val="0"/>
+              </a:spcAft>
+              <a:defRPr sz="3200" b="1">
+                <a:solidFill>
+                  <a:srgbClr val="42331C"/>
+                </a:solidFill>
+                <a:latin typeface="Arial Black" pitchFamily="34" charset="0"/>
+                <a:ea typeface="微软雅黑" pitchFamily="34" charset="-122"/>
+              </a:defRPr>
+            </a:lvl2pPr>
+            <a:lvl3pPr algn="l" rtl="0" eaLnBrk="0" fontAlgn="base" hangingPunct="0">
+              <a:lnSpc>
+                <a:spcPct val="90000"/>
+              </a:lnSpc>
+              <a:spcBef>
+                <a:spcPct val="0"/>
+              </a:spcBef>
+              <a:spcAft>
+                <a:spcPct val="0"/>
+              </a:spcAft>
+              <a:defRPr sz="3200" b="1">
+                <a:solidFill>
+                  <a:srgbClr val="42331C"/>
+                </a:solidFill>
+                <a:latin typeface="Arial Black" pitchFamily="34" charset="0"/>
+                <a:ea typeface="微软雅黑" pitchFamily="34" charset="-122"/>
+              </a:defRPr>
+            </a:lvl3pPr>
+            <a:lvl4pPr algn="l" rtl="0" eaLnBrk="0" fontAlgn="base" hangingPunct="0">
+              <a:lnSpc>
+                <a:spcPct val="90000"/>
+              </a:lnSpc>
+              <a:spcBef>
+                <a:spcPct val="0"/>
+              </a:spcBef>
+              <a:spcAft>
+                <a:spcPct val="0"/>
+              </a:spcAft>
+              <a:defRPr sz="3200" b="1">
+                <a:solidFill>
+                  <a:srgbClr val="42331C"/>
+                </a:solidFill>
+                <a:latin typeface="Arial Black" pitchFamily="34" charset="0"/>
+                <a:ea typeface="微软雅黑" pitchFamily="34" charset="-122"/>
+              </a:defRPr>
+            </a:lvl4pPr>
+            <a:lvl5pPr algn="l" rtl="0" eaLnBrk="0" fontAlgn="base" hangingPunct="0">
+              <a:lnSpc>
+                <a:spcPct val="90000"/>
+              </a:lnSpc>
+              <a:spcBef>
+                <a:spcPct val="0"/>
+              </a:spcBef>
+              <a:spcAft>
+                <a:spcPct val="0"/>
+              </a:spcAft>
+              <a:defRPr sz="3200" b="1">
+                <a:solidFill>
+                  <a:srgbClr val="42331C"/>
+                </a:solidFill>
+                <a:latin typeface="Arial Black" pitchFamily="34" charset="0"/>
+                <a:ea typeface="微软雅黑" pitchFamily="34" charset="-122"/>
+              </a:defRPr>
+            </a:lvl5pPr>
+            <a:lvl6pPr marL="457200" algn="l" rtl="0" fontAlgn="base">
+              <a:lnSpc>
+                <a:spcPct val="90000"/>
+              </a:lnSpc>
+              <a:spcBef>
+                <a:spcPct val="0"/>
+              </a:spcBef>
+              <a:spcAft>
+                <a:spcPct val="0"/>
+              </a:spcAft>
+              <a:defRPr sz="3200" b="1">
+                <a:solidFill>
+                  <a:srgbClr val="42331C"/>
+                </a:solidFill>
+                <a:latin typeface="Arial Black" pitchFamily="34" charset="0"/>
+                <a:ea typeface="微软雅黑" pitchFamily="34" charset="-122"/>
+              </a:defRPr>
+            </a:lvl6pPr>
+            <a:lvl7pPr marL="914400" algn="l" rtl="0" fontAlgn="base">
+              <a:lnSpc>
+                <a:spcPct val="90000"/>
+              </a:lnSpc>
+              <a:spcBef>
+                <a:spcPct val="0"/>
+              </a:spcBef>
+              <a:spcAft>
+                <a:spcPct val="0"/>
+              </a:spcAft>
+              <a:defRPr sz="3200" b="1">
+                <a:solidFill>
+                  <a:srgbClr val="42331C"/>
+                </a:solidFill>
+                <a:latin typeface="Arial Black" pitchFamily="34" charset="0"/>
+                <a:ea typeface="微软雅黑" pitchFamily="34" charset="-122"/>
+              </a:defRPr>
+            </a:lvl7pPr>
+            <a:lvl8pPr marL="1371600" algn="l" rtl="0" fontAlgn="base">
+              <a:lnSpc>
+                <a:spcPct val="90000"/>
+              </a:lnSpc>
+              <a:spcBef>
+                <a:spcPct val="0"/>
+              </a:spcBef>
+              <a:spcAft>
+                <a:spcPct val="0"/>
+              </a:spcAft>
+              <a:defRPr sz="3200" b="1">
+                <a:solidFill>
+                  <a:srgbClr val="42331C"/>
+                </a:solidFill>
+                <a:latin typeface="Arial Black" pitchFamily="34" charset="0"/>
+                <a:ea typeface="微软雅黑" pitchFamily="34" charset="-122"/>
+              </a:defRPr>
+            </a:lvl8pPr>
+            <a:lvl9pPr marL="1828800" algn="l" rtl="0" fontAlgn="base">
+              <a:lnSpc>
+                <a:spcPct val="90000"/>
+              </a:lnSpc>
+              <a:spcBef>
+                <a:spcPct val="0"/>
+              </a:spcBef>
+              <a:spcAft>
+                <a:spcPct val="0"/>
+              </a:spcAft>
+              <a:defRPr sz="3200" b="1">
+                <a:solidFill>
+                  <a:srgbClr val="42331C"/>
+                </a:solidFill>
+                <a:latin typeface="Arial Black" pitchFamily="34" charset="0"/>
+                <a:ea typeface="微软雅黑" pitchFamily="34" charset="-122"/>
+              </a:defRPr>
+            </a:lvl9pPr>
+          </a:lstStyle>
+          <a:p>
+            <a:pPr>
+              <a:buFontTx/>
+            </a:pPr>
+            <a:endParaRPr lang="zh-CN" altLang="en-US" kern="0" dirty="0"/>
+          </a:p>
+        </p:txBody>
+      </p:sp>
+    </p:spTree>
+    <p:extLst>
+      <p:ext uri="{BB962C8B-B14F-4D97-AF65-F5344CB8AC3E}">
+        <p14:creationId xmlns:p14="http://schemas.microsoft.com/office/powerpoint/2010/main" val="395547830"/>
+      </p:ext>
+    </p:extLst>
+  </p:cSld>
+  <p:clrMapOvr>
+    <a:masterClrMapping/>
+  </p:clrMapOvr>
+  <p:timing>
+    <p:tnLst>
+      <p:par>
+        <p:cTn id="1" dur="indefinite" restart="never" nodeType="tmRoot"/>
+      </p:par>
+    </p:tnLst>
+  </p:timing>
+</p:sld>
+</file>
+
+<file path=ppt/slides/slide9.xml><?xml version="1.0" encoding="utf-8"?>
+<p:sld xmlns:a="http://schemas.openxmlformats.org/drawingml/2006/main" xmlns:r="http://schemas.openxmlformats.org/officeDocument/2006/relationships" xmlns:p="http://schemas.openxmlformats.org/presentationml/2006/main">
+  <p:cSld>
+    <p:spTree>
+      <p:nvGrpSpPr>
+        <p:cNvPr id="1" name=""/>
+        <p:cNvGrpSpPr/>
+        <p:nvPr/>
+      </p:nvGrpSpPr>
+      <p:grpSpPr>
+        <a:xfrm>
+          <a:off x="0" y="0"/>
+          <a:ext cx="0" cy="0"/>
+          <a:chOff x="0" y="0"/>
+          <a:chExt cx="0" cy="0"/>
+        </a:xfrm>
+      </p:grpSpPr>
+      <p:sp>
+        <p:nvSpPr>
+          <p:cNvPr id="37890" name="Rectangle 2"/>
+          <p:cNvSpPr>
+            <a:spLocks noGrp="1" noChangeArrowheads="1"/>
+          </p:cNvSpPr>
+          <p:nvPr>
+            <p:ph type="title"/>
+          </p:nvPr>
+        </p:nvSpPr>
+        <p:spPr/>
+        <p:txBody>
+          <a:bodyPr/>
+          <a:lstStyle/>
+          <a:p>
+            <a:pPr eaLnBrk="1" hangingPunct="1"/>
+            <a:r>
+              <a:rPr lang="zh-CN" altLang="en-US" sz="2800" dirty="0" smtClean="0"/>
+              <a:t>大规模开发的挑战</a:t>
+            </a:r>
+            <a:endParaRPr lang="en-US" altLang="en-US" sz="2800" dirty="0" smtClean="0"/>
+          </a:p>
+        </p:txBody>
+      </p:sp>
+      <p:sp>
+        <p:nvSpPr>
+          <p:cNvPr id="37891" name="Rectangle 3"/>
+          <p:cNvSpPr>
+            <a:spLocks noGrp="1" noChangeArrowheads="1"/>
+          </p:cNvSpPr>
+          <p:nvPr>
+            <p:ph idx="1"/>
+          </p:nvPr>
+        </p:nvSpPr>
+        <p:spPr/>
+        <p:txBody>
+          <a:bodyPr/>
+          <a:lstStyle/>
+          <a:p>
+            <a:pPr eaLnBrk="1" hangingPunct="1"/>
+            <a:r>
+              <a:rPr lang="zh-CN" altLang="en-US" sz="1800" dirty="0"/>
+              <a:t>开发其实是个翻译的过程</a:t>
+            </a:r>
+            <a:endParaRPr lang="en-US" altLang="zh-CN" sz="1800" dirty="0"/>
+          </a:p>
+          <a:p>
+            <a:pPr lvl="1" eaLnBrk="1" hangingPunct="1">
+              <a:lnSpc>
+                <a:spcPct val="120000"/>
+              </a:lnSpc>
+            </a:pPr>
+            <a:r>
+              <a:rPr lang="zh-CN" altLang="en-US" sz="1400" dirty="0"/>
+              <a:t>需求文档</a:t>
+            </a:r>
+            <a:r>
+              <a:rPr lang="en-US" altLang="zh-CN" sz="1400" dirty="0"/>
+              <a:t> </a:t>
+            </a:r>
+            <a:r>
+              <a:rPr lang="en-US" altLang="zh-CN" sz="1400" dirty="0">
+                <a:sym typeface="Wingdings" panose="05000000000000000000" pitchFamily="2" charset="2"/>
+              </a:rPr>
+              <a:t> </a:t>
+            </a:r>
+            <a:r>
+              <a:rPr lang="zh-CN" altLang="en-US" sz="1400" dirty="0">
+                <a:sym typeface="Wingdings" panose="05000000000000000000" pitchFamily="2" charset="2"/>
+              </a:rPr>
+              <a:t>设计文档</a:t>
+            </a:r>
+            <a:r>
+              <a:rPr lang="en-US" altLang="zh-CN" sz="1400" dirty="0">
+                <a:sym typeface="Wingdings" panose="05000000000000000000" pitchFamily="2" charset="2"/>
+              </a:rPr>
+              <a:t>  </a:t>
+            </a:r>
+            <a:r>
+              <a:rPr lang="zh-CN" altLang="en-US" sz="1400" dirty="0">
+                <a:sym typeface="Wingdings" panose="05000000000000000000" pitchFamily="2" charset="2"/>
+              </a:rPr>
+              <a:t>代码</a:t>
+            </a:r>
+            <a:r>
+              <a:rPr lang="zh-CN" altLang="en-US" sz="1400" dirty="0" smtClean="0">
+                <a:sym typeface="Wingdings" panose="05000000000000000000" pitchFamily="2" charset="2"/>
+              </a:rPr>
+              <a:t>实现</a:t>
+            </a:r>
+            <a:endParaRPr lang="en-US" altLang="zh-CN" sz="1400" dirty="0" smtClean="0">
+              <a:sym typeface="Wingdings" panose="05000000000000000000" pitchFamily="2" charset="2"/>
+            </a:endParaRPr>
+          </a:p>
+          <a:p>
+            <a:pPr lvl="1" eaLnBrk="1" hangingPunct="1">
+              <a:lnSpc>
+                <a:spcPct val="120000"/>
+              </a:lnSpc>
+            </a:pPr>
+            <a:r>
+              <a:rPr lang="zh-CN" altLang="en-US" sz="1400" dirty="0"/>
+              <a:t>哪里有翻译，哪里就有误解</a:t>
+            </a:r>
+            <a:endParaRPr lang="en-US" altLang="zh-CN" sz="1400" dirty="0"/>
+          </a:p>
+          <a:p>
+            <a:pPr lvl="1" eaLnBrk="1" hangingPunct="1">
+              <a:lnSpc>
+                <a:spcPct val="120000"/>
+              </a:lnSpc>
+            </a:pPr>
+            <a:r>
+              <a:rPr lang="zh-CN" altLang="en-US" sz="1400" dirty="0"/>
+              <a:t>抽象层间存在细节的增强和丢失</a:t>
+            </a:r>
+            <a:endParaRPr lang="en-US" altLang="zh-CN" sz="1800" dirty="0">
+              <a:sym typeface="Arial" pitchFamily="34" charset="0"/>
+            </a:endParaRPr>
+          </a:p>
+          <a:p>
+            <a:pPr eaLnBrk="1" hangingPunct="1"/>
+            <a:r>
+              <a:rPr lang="zh-CN" altLang="en-US" sz="1800" dirty="0" smtClean="0">
+                <a:sym typeface="Arial" pitchFamily="34" charset="0"/>
+              </a:rPr>
+              <a:t>不靠谱的文档</a:t>
+            </a:r>
+            <a:endParaRPr lang="en-US" altLang="zh-CN" sz="1800" dirty="0" smtClean="0">
+              <a:sym typeface="Arial" pitchFamily="34" charset="0"/>
+            </a:endParaRPr>
+          </a:p>
+          <a:p>
+            <a:pPr lvl="1" eaLnBrk="1" hangingPunct="1"/>
+            <a:r>
+              <a:rPr lang="zh-CN" altLang="en-US" sz="1400" dirty="0" smtClean="0">
+                <a:sym typeface="Arial" pitchFamily="34" charset="0"/>
+              </a:rPr>
+              <a:t>需求文档缺乏最新需求和关键</a:t>
+            </a:r>
+            <a:r>
+              <a:rPr lang="zh-CN" altLang="en-US" sz="1400" dirty="0">
+                <a:sym typeface="Arial" pitchFamily="34" charset="0"/>
+              </a:rPr>
+              <a:t>实现</a:t>
+            </a:r>
+            <a:r>
+              <a:rPr lang="zh-CN" altLang="en-US" sz="1400" dirty="0" smtClean="0">
+                <a:sym typeface="Arial" pitchFamily="34" charset="0"/>
+              </a:rPr>
+              <a:t>细节</a:t>
+            </a:r>
+            <a:endParaRPr lang="en-US" altLang="zh-CN" sz="1400" dirty="0" smtClean="0">
+              <a:sym typeface="Arial" pitchFamily="34" charset="0"/>
+            </a:endParaRPr>
+          </a:p>
+          <a:p>
+            <a:pPr lvl="1" eaLnBrk="1" hangingPunct="1"/>
+            <a:r>
+              <a:rPr lang="zh-CN" altLang="en-US" sz="1400" dirty="0" smtClean="0">
+                <a:sym typeface="Arial" pitchFamily="34" charset="0"/>
+              </a:rPr>
+              <a:t>设计文档无法完全描述需求</a:t>
+            </a:r>
+            <a:endParaRPr lang="en-US" altLang="zh-CN" sz="1400" dirty="0" smtClean="0">
+              <a:sym typeface="Arial" pitchFamily="34" charset="0"/>
+            </a:endParaRPr>
+          </a:p>
+          <a:p>
+            <a:pPr lvl="1" eaLnBrk="1" hangingPunct="1"/>
+            <a:r>
+              <a:rPr lang="zh-CN" altLang="en-US" sz="1400" dirty="0" smtClean="0">
+                <a:sym typeface="Arial" pitchFamily="34" charset="0"/>
+              </a:rPr>
+              <a:t>设计文档与代码实现之间的关系被割裂</a:t>
+            </a:r>
+            <a:endParaRPr lang="en-US" altLang="zh-CN" sz="1400" dirty="0" smtClean="0">
+              <a:sym typeface="Arial" pitchFamily="34" charset="0"/>
+            </a:endParaRPr>
+          </a:p>
+          <a:p>
+            <a:pPr eaLnBrk="1" hangingPunct="1"/>
+            <a:r>
+              <a:rPr lang="zh-CN" altLang="en-US" sz="1800" dirty="0" smtClean="0">
+                <a:sym typeface="Arial" pitchFamily="34" charset="0"/>
+              </a:rPr>
+              <a:t>难以理解的源码</a:t>
+            </a:r>
+            <a:endParaRPr lang="en-US" altLang="zh-CN" sz="1800" dirty="0" smtClean="0">
+              <a:sym typeface="Arial" pitchFamily="34" charset="0"/>
+            </a:endParaRPr>
+          </a:p>
+          <a:p>
+            <a:pPr lvl="1" eaLnBrk="1" hangingPunct="1"/>
+            <a:r>
+              <a:rPr lang="zh-CN" altLang="en-US" sz="1400" dirty="0" smtClean="0">
+                <a:sym typeface="Arial" pitchFamily="34" charset="0"/>
+              </a:rPr>
+              <a:t>文档</a:t>
+            </a:r>
+            <a:r>
+              <a:rPr lang="zh-CN" altLang="en-US" sz="1400" dirty="0">
+                <a:sym typeface="Arial" pitchFamily="34" charset="0"/>
+              </a:rPr>
+              <a:t>与</a:t>
+            </a:r>
+            <a:r>
+              <a:rPr lang="zh-CN" altLang="en-US" sz="1400" dirty="0" smtClean="0">
+                <a:sym typeface="Arial" pitchFamily="34" charset="0"/>
+              </a:rPr>
+              <a:t>代码不存在自动的关联性</a:t>
+            </a:r>
+            <a:endParaRPr lang="en-US" altLang="zh-CN" sz="1400" dirty="0">
+              <a:sym typeface="Arial" pitchFamily="34" charset="0"/>
+            </a:endParaRPr>
+          </a:p>
+          <a:p>
+            <a:pPr lvl="1" eaLnBrk="1" hangingPunct="1"/>
+            <a:r>
+              <a:rPr lang="zh-CN" altLang="en-US" sz="1400" dirty="0" smtClean="0">
+                <a:sym typeface="Arial" pitchFamily="34" charset="0"/>
+              </a:rPr>
+              <a:t>软件</a:t>
+            </a:r>
+            <a:r>
+              <a:rPr lang="zh-CN" altLang="en-US" sz="1400" dirty="0">
+                <a:sym typeface="Arial" pitchFamily="34" charset="0"/>
+              </a:rPr>
+              <a:t>编码的方式</a:t>
+            </a:r>
+            <a:r>
+              <a:rPr lang="en-US" altLang="zh-CN" sz="1400" dirty="0">
+                <a:sym typeface="Arial" pitchFamily="34" charset="0"/>
+              </a:rPr>
+              <a:t>50</a:t>
+            </a:r>
+            <a:r>
+              <a:rPr lang="zh-CN" altLang="en-US" sz="1400" dirty="0">
+                <a:sym typeface="Arial" pitchFamily="34" charset="0"/>
+              </a:rPr>
+              <a:t>年不变，过去的给现在的挖坑，现在的给将来的挖坑</a:t>
+            </a:r>
+            <a:endParaRPr lang="en-US" altLang="zh-CN" sz="1400" dirty="0"/>
+          </a:p>
+          <a:p>
+            <a:pPr lvl="1" eaLnBrk="1" hangingPunct="1"/>
+            <a:r>
+              <a:rPr lang="zh-CN" altLang="en-US" sz="1400" dirty="0" smtClean="0">
+                <a:sym typeface="Arial" pitchFamily="34" charset="0"/>
+              </a:rPr>
+              <a:t>逐行理解</a:t>
+            </a:r>
+            <a:r>
+              <a:rPr lang="zh-CN" altLang="en-US" sz="1400" dirty="0">
+                <a:sym typeface="Arial" pitchFamily="34" charset="0"/>
+              </a:rPr>
+              <a:t>百万，千万代码行级别的</a:t>
+            </a:r>
+            <a:r>
+              <a:rPr lang="zh-CN" altLang="en-US" sz="1400" dirty="0" smtClean="0">
+                <a:sym typeface="Arial" pitchFamily="34" charset="0"/>
+              </a:rPr>
+              <a:t>系统是不可能完成的任务</a:t>
+            </a:r>
+            <a:endParaRPr lang="en-US" altLang="zh-CN" sz="1400" dirty="0" smtClean="0">
+              <a:sym typeface="Arial" pitchFamily="34" charset="0"/>
+            </a:endParaRPr>
+          </a:p>
+        </p:txBody>
+      </p:sp>
+      <p:sp>
+        <p:nvSpPr>
+          <p:cNvPr id="6" name="TextBox 1"/>
+          <p:cNvSpPr txBox="1">
+            <a:spLocks noChangeArrowheads="1"/>
+          </p:cNvSpPr>
+          <p:nvPr/>
+        </p:nvSpPr>
+        <p:spPr bwMode="auto">
+          <a:xfrm>
+            <a:off x="7307660" y="893763"/>
+            <a:ext cx="615553" cy="4321175"/>
           </a:xfrm>
           <a:prstGeom prst="rect">
             <a:avLst/>
@@ -18003,896 +18967,16 @@
           <a:p>
             <a:pPr algn="l" eaLnBrk="1" hangingPunct="1"/>
             <a:r>
-              <a:rPr lang="zh-CN" altLang="en-US" sz="2800"/>
-              <a:t>问题比答案更重要</a:t>
-            </a:r>
-            <a:endParaRPr lang="en-US" sz="2800"/>
-          </a:p>
-        </p:txBody>
-      </p:sp>
-    </p:spTree>
-  </p:cSld>
-  <p:clrMapOvr>
-    <a:masterClrMapping/>
-  </p:clrMapOvr>
-  <p:timing>
-    <p:tnLst>
-      <p:par>
-        <p:cTn id="1" dur="indefinite" restart="never" nodeType="tmRoot"/>
-      </p:par>
-    </p:tnLst>
-  </p:timing>
-</p:sld>
-</file>
-
-<file path=ppt/slides/slide6.xml><?xml version="1.0" encoding="utf-8"?>
-<p:sld xmlns:a="http://schemas.openxmlformats.org/drawingml/2006/main" xmlns:r="http://schemas.openxmlformats.org/officeDocument/2006/relationships" xmlns:p="http://schemas.openxmlformats.org/presentationml/2006/main">
-  <p:cSld>
-    <p:spTree>
-      <p:nvGrpSpPr>
-        <p:cNvPr id="1" name=""/>
-        <p:cNvGrpSpPr/>
-        <p:nvPr/>
-      </p:nvGrpSpPr>
-      <p:grpSpPr>
-        <a:xfrm>
-          <a:off x="0" y="0"/>
-          <a:ext cx="0" cy="0"/>
-          <a:chOff x="0" y="0"/>
-          <a:chExt cx="0" cy="0"/>
-        </a:xfrm>
-      </p:grpSpPr>
-      <p:sp>
-        <p:nvSpPr>
-          <p:cNvPr id="2" name="标题 1"/>
-          <p:cNvSpPr>
-            <a:spLocks noGrp="1"/>
-          </p:cNvSpPr>
-          <p:nvPr>
-            <p:ph type="title"/>
-          </p:nvPr>
-        </p:nvSpPr>
-        <p:spPr/>
-        <p:txBody>
-          <a:bodyPr/>
-          <a:lstStyle/>
-          <a:p>
-            <a:r>
-              <a:rPr lang="zh-CN" altLang="en-US" dirty="0" smtClean="0"/>
-              <a:t>实际的感觉</a:t>
-            </a:r>
-            <a:endParaRPr lang="zh-CN" altLang="en-US" dirty="0"/>
-          </a:p>
-        </p:txBody>
-      </p:sp>
-      <p:sp>
-        <p:nvSpPr>
-          <p:cNvPr id="3" name="内容占位符 2"/>
-          <p:cNvSpPr>
-            <a:spLocks noGrp="1"/>
-          </p:cNvSpPr>
-          <p:nvPr>
-            <p:ph idx="1"/>
-          </p:nvPr>
-        </p:nvSpPr>
-        <p:spPr/>
-        <p:txBody>
-          <a:bodyPr/>
-          <a:lstStyle/>
-          <a:p>
-            <a:endParaRPr lang="zh-CN" altLang="en-US"/>
-          </a:p>
-        </p:txBody>
-      </p:sp>
-      <p:pic>
-        <p:nvPicPr>
-          <p:cNvPr id="2050" name="Picture 2" descr="http://pic.yesky.com/uploadImages/2015/337/01/13H1LD4G2B3P.jpg"/>
-          <p:cNvPicPr>
-            <a:picLocks noChangeAspect="1" noChangeArrowheads="1"/>
-          </p:cNvPicPr>
-          <p:nvPr/>
-        </p:nvPicPr>
-        <p:blipFill>
-          <a:blip r:embed="rId2" cstate="print">
-            <a:extLst>
-              <a:ext uri="{28A0092B-C50C-407E-A947-70E740481C1C}">
-                <a14:useLocalDpi xmlns:a14="http://schemas.microsoft.com/office/drawing/2010/main" val="0"/>
-              </a:ext>
-            </a:extLst>
-          </a:blip>
-          <a:srcRect/>
-          <a:stretch>
-            <a:fillRect/>
-          </a:stretch>
-        </p:blipFill>
-        <p:spPr bwMode="auto">
-          <a:xfrm>
-            <a:off x="827584" y="1268760"/>
-            <a:ext cx="7272808" cy="4850310"/>
-          </a:xfrm>
-          <a:prstGeom prst="rect">
-            <a:avLst/>
-          </a:prstGeom>
-          <a:noFill/>
-          <a:extLst>
-            <a:ext uri="{909E8E84-426E-40DD-AFC4-6F175D3DCCD1}">
-              <a14:hiddenFill xmlns:a14="http://schemas.microsoft.com/office/drawing/2010/main">
-                <a:solidFill>
-                  <a:srgbClr val="FFFFFF"/>
-                </a:solidFill>
-              </a14:hiddenFill>
-            </a:ext>
-          </a:extLst>
-        </p:spPr>
-      </p:pic>
-    </p:spTree>
-    <p:extLst>
-      <p:ext uri="{BB962C8B-B14F-4D97-AF65-F5344CB8AC3E}">
-        <p14:creationId xmlns:p14="http://schemas.microsoft.com/office/powerpoint/2010/main" val="727870793"/>
-      </p:ext>
-    </p:extLst>
-  </p:cSld>
-  <p:clrMapOvr>
-    <a:masterClrMapping/>
-  </p:clrMapOvr>
-  <p:timing>
-    <p:tnLst>
-      <p:par>
-        <p:cTn id="1" dur="indefinite" restart="never" nodeType="tmRoot"/>
-      </p:par>
-    </p:tnLst>
-  </p:timing>
-</p:sld>
-</file>
-
-<file path=ppt/slides/slide7.xml><?xml version="1.0" encoding="utf-8"?>
-<p:sld xmlns:a="http://schemas.openxmlformats.org/drawingml/2006/main" xmlns:r="http://schemas.openxmlformats.org/officeDocument/2006/relationships" xmlns:p="http://schemas.openxmlformats.org/presentationml/2006/main">
-  <p:cSld>
-    <p:spTree>
-      <p:nvGrpSpPr>
-        <p:cNvPr id="1" name=""/>
-        <p:cNvGrpSpPr/>
-        <p:nvPr/>
-      </p:nvGrpSpPr>
-      <p:grpSpPr>
-        <a:xfrm>
-          <a:off x="0" y="0"/>
-          <a:ext cx="0" cy="0"/>
-          <a:chOff x="0" y="0"/>
-          <a:chExt cx="0" cy="0"/>
-        </a:xfrm>
-      </p:grpSpPr>
-      <p:sp>
-        <p:nvSpPr>
-          <p:cNvPr id="2" name="标题 1"/>
-          <p:cNvSpPr>
-            <a:spLocks noGrp="1"/>
-          </p:cNvSpPr>
-          <p:nvPr>
-            <p:ph type="title"/>
-          </p:nvPr>
-        </p:nvSpPr>
-        <p:spPr/>
-        <p:txBody>
-          <a:bodyPr/>
-          <a:lstStyle/>
-          <a:p>
-            <a:r>
-              <a:rPr lang="zh-CN" altLang="en-US" dirty="0" smtClean="0"/>
-              <a:t>别人家的程序员</a:t>
-            </a:r>
-            <a:endParaRPr lang="zh-CN" altLang="en-US" dirty="0"/>
-          </a:p>
-        </p:txBody>
-      </p:sp>
-      <p:sp>
-        <p:nvSpPr>
-          <p:cNvPr id="3" name="内容占位符 2"/>
-          <p:cNvSpPr>
-            <a:spLocks noGrp="1"/>
-          </p:cNvSpPr>
-          <p:nvPr>
-            <p:ph idx="1"/>
-          </p:nvPr>
-        </p:nvSpPr>
-        <p:spPr/>
-        <p:txBody>
-          <a:bodyPr/>
-          <a:lstStyle/>
-          <a:p>
-            <a:endParaRPr lang="zh-CN" altLang="en-US"/>
-          </a:p>
-        </p:txBody>
-      </p:sp>
-      <p:pic>
-        <p:nvPicPr>
-          <p:cNvPr id="1026" name="Picture 2" descr="脑洞大开！！！“程序猿鼓励师”竟成新职业！"/>
-          <p:cNvPicPr>
-            <a:picLocks noChangeAspect="1" noChangeArrowheads="1"/>
-          </p:cNvPicPr>
-          <p:nvPr/>
-        </p:nvPicPr>
-        <p:blipFill>
-          <a:blip r:embed="rId2">
-            <a:extLst>
-              <a:ext uri="{28A0092B-C50C-407E-A947-70E740481C1C}">
-                <a14:useLocalDpi xmlns:a14="http://schemas.microsoft.com/office/drawing/2010/main" val="0"/>
-              </a:ext>
-            </a:extLst>
-          </a:blip>
-          <a:srcRect/>
-          <a:stretch>
-            <a:fillRect/>
-          </a:stretch>
-        </p:blipFill>
-        <p:spPr bwMode="auto">
-          <a:xfrm>
-            <a:off x="1083850" y="1340768"/>
-            <a:ext cx="6768337" cy="4248472"/>
-          </a:xfrm>
-          <a:prstGeom prst="rect">
-            <a:avLst/>
-          </a:prstGeom>
-          <a:noFill/>
-          <a:extLst>
-            <a:ext uri="{909E8E84-426E-40DD-AFC4-6F175D3DCCD1}">
-              <a14:hiddenFill xmlns:a14="http://schemas.microsoft.com/office/drawing/2010/main">
-                <a:solidFill>
-                  <a:srgbClr val="FFFFFF"/>
-                </a:solidFill>
-              </a14:hiddenFill>
-            </a:ext>
-          </a:extLst>
-        </p:spPr>
-      </p:pic>
-    </p:spTree>
-    <p:extLst>
-      <p:ext uri="{BB962C8B-B14F-4D97-AF65-F5344CB8AC3E}">
-        <p14:creationId xmlns:p14="http://schemas.microsoft.com/office/powerpoint/2010/main" val="3968675739"/>
-      </p:ext>
-    </p:extLst>
-  </p:cSld>
-  <p:clrMapOvr>
-    <a:masterClrMapping/>
-  </p:clrMapOvr>
-  <p:timing>
-    <p:tnLst>
-      <p:par>
-        <p:cTn id="1" dur="indefinite" restart="never" nodeType="tmRoot"/>
-      </p:par>
-    </p:tnLst>
-  </p:timing>
-</p:sld>
-</file>
-
-<file path=ppt/slides/slide8.xml><?xml version="1.0" encoding="utf-8"?>
-<p:sld xmlns:a="http://schemas.openxmlformats.org/drawingml/2006/main" xmlns:r="http://schemas.openxmlformats.org/officeDocument/2006/relationships" xmlns:p="http://schemas.openxmlformats.org/presentationml/2006/main">
-  <p:cSld>
-    <p:spTree>
-      <p:nvGrpSpPr>
-        <p:cNvPr id="1" name=""/>
-        <p:cNvGrpSpPr/>
-        <p:nvPr/>
-      </p:nvGrpSpPr>
-      <p:grpSpPr>
-        <a:xfrm>
-          <a:off x="0" y="0"/>
-          <a:ext cx="0" cy="0"/>
-          <a:chOff x="0" y="0"/>
-          <a:chExt cx="0" cy="0"/>
-        </a:xfrm>
-      </p:grpSpPr>
-      <p:sp>
-        <p:nvSpPr>
-          <p:cNvPr id="2" name="标题 1"/>
-          <p:cNvSpPr>
-            <a:spLocks noGrp="1"/>
-          </p:cNvSpPr>
-          <p:nvPr>
-            <p:ph type="title"/>
-          </p:nvPr>
-        </p:nvSpPr>
-        <p:spPr/>
-        <p:txBody>
-          <a:bodyPr/>
-          <a:lstStyle/>
-          <a:p>
-            <a:r>
-              <a:rPr lang="zh-CN" altLang="en-US" dirty="0" smtClean="0"/>
-              <a:t>咱。。。</a:t>
-            </a:r>
-            <a:endParaRPr lang="zh-CN" altLang="en-US" dirty="0"/>
-          </a:p>
-        </p:txBody>
-      </p:sp>
-      <p:sp>
-        <p:nvSpPr>
-          <p:cNvPr id="3" name="内容占位符 2"/>
-          <p:cNvSpPr>
-            <a:spLocks noGrp="1"/>
-          </p:cNvSpPr>
-          <p:nvPr>
-            <p:ph idx="1"/>
-          </p:nvPr>
-        </p:nvSpPr>
-        <p:spPr/>
-        <p:txBody>
-          <a:bodyPr/>
-          <a:lstStyle/>
-          <a:p>
-            <a:endParaRPr lang="zh-CN" altLang="en-US"/>
-          </a:p>
-        </p:txBody>
-      </p:sp>
-      <p:pic>
-        <p:nvPicPr>
-          <p:cNvPr id="1026" name="Picture 2" descr="http://img1.gtimg.com/news/pics/hv1/12/49/1500/97550007.jpg"/>
-          <p:cNvPicPr>
-            <a:picLocks noChangeAspect="1" noChangeArrowheads="1"/>
-          </p:cNvPicPr>
-          <p:nvPr/>
-        </p:nvPicPr>
-        <p:blipFill>
-          <a:blip r:embed="rId2">
-            <a:extLst>
-              <a:ext uri="{28A0092B-C50C-407E-A947-70E740481C1C}">
-                <a14:useLocalDpi xmlns:a14="http://schemas.microsoft.com/office/drawing/2010/main" val="0"/>
-              </a:ext>
-            </a:extLst>
-          </a:blip>
-          <a:srcRect/>
-          <a:stretch>
-            <a:fillRect/>
-          </a:stretch>
-        </p:blipFill>
-        <p:spPr bwMode="auto">
-          <a:xfrm>
-            <a:off x="1790105" y="1275219"/>
-            <a:ext cx="5355828" cy="5074649"/>
-          </a:xfrm>
-          <a:prstGeom prst="rect">
-            <a:avLst/>
-          </a:prstGeom>
-          <a:noFill/>
-          <a:extLst>
-            <a:ext uri="{909E8E84-426E-40DD-AFC4-6F175D3DCCD1}">
-              <a14:hiddenFill xmlns:a14="http://schemas.microsoft.com/office/drawing/2010/main">
-                <a:solidFill>
-                  <a:srgbClr val="FFFFFF"/>
-                </a:solidFill>
-              </a14:hiddenFill>
-            </a:ext>
-          </a:extLst>
-        </p:spPr>
-      </p:pic>
-    </p:spTree>
-    <p:extLst>
-      <p:ext uri="{BB962C8B-B14F-4D97-AF65-F5344CB8AC3E}">
-        <p14:creationId xmlns:p14="http://schemas.microsoft.com/office/powerpoint/2010/main" val="957233417"/>
-      </p:ext>
-    </p:extLst>
-  </p:cSld>
-  <p:clrMapOvr>
-    <a:masterClrMapping/>
-  </p:clrMapOvr>
-  <p:timing>
-    <p:tnLst>
-      <p:par>
-        <p:cTn id="1" dur="indefinite" restart="never" nodeType="tmRoot"/>
-      </p:par>
-    </p:tnLst>
-  </p:timing>
-</p:sld>
-</file>
-
-<file path=ppt/slides/slide9.xml><?xml version="1.0" encoding="utf-8"?>
-<p:sld xmlns:a="http://schemas.openxmlformats.org/drawingml/2006/main" xmlns:r="http://schemas.openxmlformats.org/officeDocument/2006/relationships" xmlns:p="http://schemas.openxmlformats.org/presentationml/2006/main">
-  <p:cSld>
-    <p:spTree>
-      <p:nvGrpSpPr>
-        <p:cNvPr id="1" name=""/>
-        <p:cNvGrpSpPr/>
-        <p:nvPr/>
-      </p:nvGrpSpPr>
-      <p:grpSpPr>
-        <a:xfrm>
-          <a:off x="0" y="0"/>
-          <a:ext cx="0" cy="0"/>
-          <a:chOff x="0" y="0"/>
-          <a:chExt cx="0" cy="0"/>
-        </a:xfrm>
-      </p:grpSpPr>
-      <p:sp>
-        <p:nvSpPr>
-          <p:cNvPr id="37890" name="Rectangle 2"/>
-          <p:cNvSpPr>
-            <a:spLocks noGrp="1" noChangeArrowheads="1"/>
-          </p:cNvSpPr>
-          <p:nvPr>
-            <p:ph type="title"/>
-          </p:nvPr>
-        </p:nvSpPr>
-        <p:spPr/>
-        <p:txBody>
-          <a:bodyPr/>
-          <a:lstStyle/>
-          <a:p>
-            <a:pPr eaLnBrk="1" hangingPunct="1"/>
-            <a:r>
-              <a:rPr lang="zh-CN" altLang="en-US" sz="2800" dirty="0" smtClean="0"/>
-              <a:t>挑战</a:t>
-            </a:r>
-            <a:endParaRPr lang="en-US" altLang="en-US" sz="2800" dirty="0" smtClean="0"/>
-          </a:p>
-        </p:txBody>
-      </p:sp>
-      <p:sp>
-        <p:nvSpPr>
-          <p:cNvPr id="37891" name="Rectangle 3"/>
-          <p:cNvSpPr>
-            <a:spLocks noGrp="1" noChangeArrowheads="1"/>
-          </p:cNvSpPr>
-          <p:nvPr>
-            <p:ph type="body" idx="1"/>
-          </p:nvPr>
-        </p:nvSpPr>
-        <p:spPr/>
-        <p:txBody>
-          <a:bodyPr/>
-          <a:lstStyle/>
-          <a:p>
-            <a:pPr eaLnBrk="1" hangingPunct="1"/>
-            <a:r>
-              <a:rPr lang="zh-CN" altLang="en-US" sz="1800" dirty="0" smtClean="0">
-                <a:sym typeface="Arial" pitchFamily="34" charset="0"/>
+              <a:rPr lang="zh-CN" altLang="en-US" sz="2800" dirty="0">
+                <a:latin typeface="华文行楷" panose="02010800040101010101" pitchFamily="2" charset="-122"/>
+                <a:ea typeface="华文行楷" panose="02010800040101010101" pitchFamily="2" charset="-122"/>
               </a:rPr>
-              <a:t>大公司开发综合症</a:t>
-            </a:r>
-            <a:endParaRPr lang="en-US" sz="1800" dirty="0" smtClean="0">
-              <a:sym typeface="Arial" pitchFamily="34" charset="0"/>
+              <a:t>你不知道你不知道</a:t>
+            </a:r>
+            <a:endParaRPr lang="en-US" altLang="zh-CN" sz="2800" dirty="0">
+              <a:latin typeface="华文行楷" panose="02010800040101010101" pitchFamily="2" charset="-122"/>
+              <a:ea typeface="华文行楷" panose="02010800040101010101" pitchFamily="2" charset="-122"/>
             </a:endParaRPr>
-          </a:p>
-          <a:p>
-            <a:pPr lvl="1" eaLnBrk="1" hangingPunct="1"/>
-            <a:r>
-              <a:rPr lang="zh-CN" altLang="en-US" sz="1500" dirty="0" smtClean="0">
-                <a:sym typeface="Arial" pitchFamily="34" charset="0"/>
-              </a:rPr>
-              <a:t>文档迷宫</a:t>
-            </a:r>
-            <a:endParaRPr lang="en-US" sz="1500" dirty="0">
-              <a:sym typeface="Arial" pitchFamily="34" charset="0"/>
-            </a:endParaRPr>
-          </a:p>
-          <a:p>
-            <a:pPr lvl="2" eaLnBrk="1" hangingPunct="1"/>
-            <a:r>
-              <a:rPr lang="zh-CN" altLang="en-US" sz="1200" dirty="0" smtClean="0">
-                <a:sym typeface="Arial" pitchFamily="34" charset="0"/>
-              </a:rPr>
-              <a:t>文档很难反应最新的需求</a:t>
-            </a:r>
-            <a:endParaRPr lang="en-US" sz="1200" dirty="0">
-              <a:sym typeface="Arial" pitchFamily="34" charset="0"/>
-            </a:endParaRPr>
-          </a:p>
-          <a:p>
-            <a:pPr lvl="2" eaLnBrk="1" hangingPunct="1"/>
-            <a:r>
-              <a:rPr lang="zh-CN" altLang="en-US" sz="1200" dirty="0" smtClean="0">
-                <a:sym typeface="Arial" pitchFamily="34" charset="0"/>
-              </a:rPr>
-              <a:t>文档缺乏关键实现细节</a:t>
-            </a:r>
-            <a:endParaRPr lang="en-US" sz="1200" dirty="0" smtClean="0">
-              <a:sym typeface="Arial" pitchFamily="34" charset="0"/>
-            </a:endParaRPr>
-          </a:p>
-          <a:p>
-            <a:pPr lvl="2" eaLnBrk="1" hangingPunct="1"/>
-            <a:r>
-              <a:rPr lang="en-US" sz="1200" dirty="0" smtClean="0">
-                <a:sym typeface="Arial" pitchFamily="34" charset="0"/>
-              </a:rPr>
-              <a:t>“</a:t>
-            </a:r>
-            <a:r>
-              <a:rPr lang="en-US" sz="1200" dirty="0">
-                <a:sym typeface="Arial" pitchFamily="34" charset="0"/>
-              </a:rPr>
-              <a:t>Show me the code</a:t>
-            </a:r>
-            <a:r>
-              <a:rPr lang="en-US" sz="1200" dirty="0" smtClean="0">
-                <a:sym typeface="Arial" pitchFamily="34" charset="0"/>
-              </a:rPr>
-              <a:t>” – with bugs</a:t>
-            </a:r>
-            <a:endParaRPr lang="en-US" sz="1200" dirty="0">
-              <a:sym typeface="Arial" pitchFamily="34" charset="0"/>
-            </a:endParaRPr>
-          </a:p>
-          <a:p>
-            <a:pPr lvl="1" eaLnBrk="1" hangingPunct="1"/>
-            <a:r>
-              <a:rPr lang="zh-CN" altLang="en-US" sz="1500" dirty="0" smtClean="0">
-                <a:sym typeface="Arial" pitchFamily="34" charset="0"/>
-              </a:rPr>
-              <a:t>源代码泥潭</a:t>
-            </a:r>
-            <a:endParaRPr lang="en-US" sz="1500" dirty="0" smtClean="0">
-              <a:sym typeface="Arial" pitchFamily="34" charset="0"/>
-            </a:endParaRPr>
-          </a:p>
-          <a:p>
-            <a:pPr lvl="2" eaLnBrk="1" hangingPunct="1"/>
-            <a:r>
-              <a:rPr lang="zh-CN" altLang="en-US" sz="1200" dirty="0" smtClean="0"/>
-              <a:t>冗长的类，冗长的方法，巨大的问题</a:t>
-            </a:r>
-            <a:endParaRPr lang="en-US" sz="1200" dirty="0" smtClean="0"/>
-          </a:p>
-          <a:p>
-            <a:pPr lvl="2" eaLnBrk="1" hangingPunct="1"/>
-            <a:r>
-              <a:rPr lang="zh-CN" altLang="en-US" sz="1200" dirty="0"/>
-              <a:t>超大，超长，超宽的嵌套条件分支</a:t>
-            </a:r>
-            <a:endParaRPr lang="en-US" sz="1200" dirty="0"/>
-          </a:p>
-          <a:p>
-            <a:pPr lvl="2" eaLnBrk="1" hangingPunct="1"/>
-            <a:r>
-              <a:rPr lang="zh-CN" altLang="en-US" sz="1200" dirty="0"/>
-              <a:t>硬编码的对象组装逻辑</a:t>
-            </a:r>
-            <a:endParaRPr lang="en-US" sz="1200" dirty="0"/>
-          </a:p>
-          <a:p>
-            <a:pPr lvl="1" eaLnBrk="1" hangingPunct="1"/>
-            <a:r>
-              <a:rPr lang="zh-CN" altLang="en-US" sz="1500" dirty="0" smtClean="0">
-                <a:sym typeface="Arial" pitchFamily="34" charset="0"/>
-              </a:rPr>
-              <a:t>工具之痛</a:t>
-            </a:r>
-            <a:endParaRPr lang="en-US" sz="1500" dirty="0" smtClean="0">
-              <a:sym typeface="Arial" pitchFamily="34" charset="0"/>
-            </a:endParaRPr>
-          </a:p>
-          <a:p>
-            <a:pPr lvl="2" eaLnBrk="1" hangingPunct="1"/>
-            <a:r>
-              <a:rPr lang="zh-CN" altLang="en-US" sz="1200" dirty="0" smtClean="0">
-                <a:sym typeface="Arial" pitchFamily="34" charset="0"/>
-              </a:rPr>
-              <a:t>大多数工具做的是和开发无关的周边管理工作</a:t>
-            </a:r>
-            <a:endParaRPr lang="en-US" sz="1200" dirty="0" smtClean="0">
-              <a:sym typeface="Arial" pitchFamily="34" charset="0"/>
-            </a:endParaRPr>
-          </a:p>
-          <a:p>
-            <a:pPr lvl="3" eaLnBrk="1" hangingPunct="1"/>
-            <a:r>
-              <a:rPr lang="zh-CN" altLang="en-US" sz="1000" dirty="0" smtClean="0">
-                <a:sym typeface="Arial" pitchFamily="34" charset="0"/>
-              </a:rPr>
-              <a:t>编译，持续集成，源码管理，发布</a:t>
-            </a:r>
-            <a:endParaRPr lang="en-US" sz="1000" dirty="0" smtClean="0">
-              <a:sym typeface="Arial" pitchFamily="34" charset="0"/>
-            </a:endParaRPr>
-          </a:p>
-          <a:p>
-            <a:pPr lvl="2" eaLnBrk="1" hangingPunct="1"/>
-            <a:r>
-              <a:rPr lang="zh-CN" altLang="en-US" sz="1200" dirty="0" smtClean="0">
-                <a:sym typeface="Arial" pitchFamily="34" charset="0"/>
-              </a:rPr>
-              <a:t>管理工具越多，开发工作越艰难</a:t>
-            </a:r>
-            <a:endParaRPr lang="en-US" sz="1200" dirty="0" smtClean="0">
-              <a:sym typeface="Arial" pitchFamily="34" charset="0"/>
-            </a:endParaRPr>
-          </a:p>
-          <a:p>
-            <a:pPr lvl="3" eaLnBrk="1" hangingPunct="1"/>
-            <a:r>
-              <a:rPr lang="zh-CN" altLang="en-US" sz="1000" dirty="0" smtClean="0">
-                <a:sym typeface="Arial" pitchFamily="34" charset="0"/>
-              </a:rPr>
-              <a:t>为了统一目前过多的解决方案，我们又做了一个类似的</a:t>
-            </a:r>
-            <a:endParaRPr lang="en-US" sz="1000" dirty="0">
-              <a:sym typeface="Arial" pitchFamily="34" charset="0"/>
-            </a:endParaRPr>
-          </a:p>
-          <a:p>
-            <a:pPr lvl="2" eaLnBrk="1" hangingPunct="1"/>
-            <a:r>
-              <a:rPr lang="zh-CN" altLang="en-US" sz="1200" dirty="0" smtClean="0">
-                <a:sym typeface="Arial" pitchFamily="34" charset="0"/>
-              </a:rPr>
-              <a:t>对新工具</a:t>
-            </a:r>
-            <a:r>
-              <a:rPr lang="en-US" altLang="zh-CN" sz="1200" dirty="0" smtClean="0">
-                <a:sym typeface="Arial" pitchFamily="34" charset="0"/>
-              </a:rPr>
-              <a:t>/</a:t>
-            </a:r>
-            <a:r>
-              <a:rPr lang="zh-CN" altLang="en-US" sz="1200" dirty="0" smtClean="0">
-                <a:sym typeface="Arial" pitchFamily="34" charset="0"/>
-              </a:rPr>
-              <a:t>框架</a:t>
-            </a:r>
-            <a:r>
-              <a:rPr lang="en-US" altLang="zh-CN" sz="1200" dirty="0" smtClean="0">
-                <a:sym typeface="Arial" pitchFamily="34" charset="0"/>
-              </a:rPr>
-              <a:t>/</a:t>
-            </a:r>
-            <a:r>
-              <a:rPr lang="zh-CN" altLang="en-US" sz="1200" dirty="0" smtClean="0">
-                <a:sym typeface="Arial" pitchFamily="34" charset="0"/>
-              </a:rPr>
-              <a:t>标准</a:t>
-            </a:r>
-            <a:r>
-              <a:rPr lang="en-US" altLang="zh-CN" sz="1200" dirty="0" smtClean="0">
-                <a:sym typeface="Arial" pitchFamily="34" charset="0"/>
-              </a:rPr>
-              <a:t>/</a:t>
-            </a:r>
-            <a:r>
-              <a:rPr lang="zh-CN" altLang="en-US" sz="1200" dirty="0" smtClean="0">
-                <a:sym typeface="Arial" pitchFamily="34" charset="0"/>
-              </a:rPr>
-              <a:t>语言保持清醒</a:t>
-            </a:r>
-            <a:endParaRPr lang="en-US" sz="1200" dirty="0" smtClean="0">
-              <a:sym typeface="Arial" pitchFamily="34" charset="0"/>
-            </a:endParaRPr>
-          </a:p>
-          <a:p>
-            <a:pPr lvl="3" eaLnBrk="1" hangingPunct="1"/>
-            <a:r>
-              <a:rPr lang="zh-CN" altLang="en-US" sz="1000" dirty="0" smtClean="0">
-                <a:sym typeface="Arial" pitchFamily="34" charset="0"/>
-              </a:rPr>
-              <a:t>真的有新东西吗？还只是重复解决已经被现有方法解决了的问题</a:t>
-            </a:r>
-            <a:r>
-              <a:rPr lang="en-US" sz="1000" dirty="0" smtClean="0">
-                <a:sym typeface="Arial" pitchFamily="34" charset="0"/>
-              </a:rPr>
-              <a:t>?</a:t>
-            </a:r>
-          </a:p>
-          <a:p>
-            <a:pPr lvl="1" eaLnBrk="1" hangingPunct="1"/>
-            <a:r>
-              <a:rPr lang="zh-CN" altLang="en-US" sz="1500" dirty="0" smtClean="0">
-                <a:sym typeface="Arial" pitchFamily="34" charset="0"/>
-              </a:rPr>
-              <a:t>一边指责问题，一边重复错误</a:t>
-            </a:r>
-            <a:endParaRPr lang="en-US" altLang="zh-CN" sz="1500" dirty="0" smtClean="0">
-              <a:sym typeface="Arial" pitchFamily="34" charset="0"/>
-            </a:endParaRPr>
-          </a:p>
-          <a:p>
-            <a:pPr lvl="2" eaLnBrk="1" hangingPunct="1"/>
-            <a:r>
-              <a:rPr lang="zh-CN" altLang="en-US" sz="1200" dirty="0" smtClean="0">
-                <a:sym typeface="Arial" pitchFamily="34" charset="0"/>
-              </a:rPr>
-              <a:t>如何理解百万，千万代码行级别的系统</a:t>
-            </a:r>
-            <a:endParaRPr lang="en-US" altLang="zh-CN" sz="1200" dirty="0" smtClean="0">
-              <a:sym typeface="Arial" pitchFamily="34" charset="0"/>
-            </a:endParaRPr>
-          </a:p>
-          <a:p>
-            <a:pPr lvl="2" eaLnBrk="1" hangingPunct="1"/>
-            <a:r>
-              <a:rPr lang="zh-CN" altLang="en-US" sz="1200" dirty="0" smtClean="0">
-                <a:sym typeface="Arial" pitchFamily="34" charset="0"/>
-              </a:rPr>
-              <a:t>软件</a:t>
-            </a:r>
-            <a:r>
-              <a:rPr lang="zh-CN" altLang="en-US" sz="1200" dirty="0">
-                <a:sym typeface="Arial" pitchFamily="34" charset="0"/>
-              </a:rPr>
-              <a:t>编码的方式</a:t>
-            </a:r>
-            <a:r>
-              <a:rPr lang="en-US" altLang="zh-CN" sz="1200" dirty="0">
-                <a:sym typeface="Arial" pitchFamily="34" charset="0"/>
-              </a:rPr>
-              <a:t>50</a:t>
-            </a:r>
-            <a:r>
-              <a:rPr lang="zh-CN" altLang="en-US" sz="1200" dirty="0">
-                <a:sym typeface="Arial" pitchFamily="34" charset="0"/>
-              </a:rPr>
-              <a:t>年不变，过去的给现在的挖坑，现在的给将来的挖坑</a:t>
-            </a:r>
-            <a:endParaRPr lang="en-US" altLang="zh-CN" sz="1200" dirty="0"/>
-          </a:p>
-          <a:p>
-            <a:pPr lvl="1" eaLnBrk="1" hangingPunct="1"/>
-            <a:endParaRPr lang="en-US" sz="800" dirty="0" smtClean="0">
-              <a:sym typeface="Arial" pitchFamily="34" charset="0"/>
-            </a:endParaRPr>
-          </a:p>
-        </p:txBody>
-      </p:sp>
-      <p:sp>
-        <p:nvSpPr>
-          <p:cNvPr id="4" name="TextBox 1"/>
-          <p:cNvSpPr txBox="1">
-            <a:spLocks noChangeArrowheads="1"/>
-          </p:cNvSpPr>
-          <p:nvPr/>
-        </p:nvSpPr>
-        <p:spPr bwMode="auto">
-          <a:xfrm>
-            <a:off x="7307660" y="893763"/>
-            <a:ext cx="615553" cy="4911501"/>
-          </a:xfrm>
-          <a:prstGeom prst="rect">
-            <a:avLst/>
-          </a:prstGeom>
-          <a:noFill/>
-          <a:ln>
-            <a:noFill/>
-          </a:ln>
-          <a:extLst>
-            <a:ext uri="{909E8E84-426E-40DD-AFC4-6F175D3DCCD1}">
-              <a14:hiddenFill xmlns:a14="http://schemas.microsoft.com/office/drawing/2010/main">
-                <a:solidFill>
-                  <a:srgbClr val="FFFFFF"/>
-                </a:solidFill>
-              </a14:hiddenFill>
-            </a:ext>
-            <a:ext uri="{91240B29-F687-4F45-9708-019B960494DF}">
-              <a14:hiddenLine xmlns:a14="http://schemas.microsoft.com/office/drawing/2010/main" w="9525">
-                <a:solidFill>
-                  <a:srgbClr val="000000"/>
-                </a:solidFill>
-                <a:miter lim="800000"/>
-                <a:headEnd/>
-                <a:tailEnd/>
-              </a14:hiddenLine>
-            </a:ext>
-          </a:extLst>
-        </p:spPr>
-        <p:txBody>
-          <a:bodyPr vert="eaVert" wrap="square">
-            <a:spAutoFit/>
-          </a:bodyPr>
-          <a:lstStyle>
-            <a:lvl1pPr eaLnBrk="0" hangingPunct="0">
-              <a:defRPr b="1">
-                <a:solidFill>
-                  <a:schemeClr val="tx1"/>
-                </a:solidFill>
-                <a:latin typeface="Arial" pitchFamily="34" charset="0"/>
-                <a:ea typeface="微软雅黑" pitchFamily="34" charset="-122"/>
-              </a:defRPr>
-            </a:lvl1pPr>
-            <a:lvl2pPr marL="742950" indent="-285750" eaLnBrk="0" hangingPunct="0">
-              <a:defRPr b="1">
-                <a:solidFill>
-                  <a:schemeClr val="tx1"/>
-                </a:solidFill>
-                <a:latin typeface="Arial" pitchFamily="34" charset="0"/>
-                <a:ea typeface="微软雅黑" pitchFamily="34" charset="-122"/>
-              </a:defRPr>
-            </a:lvl2pPr>
-            <a:lvl3pPr marL="1143000" indent="-228600" eaLnBrk="0" hangingPunct="0">
-              <a:defRPr b="1">
-                <a:solidFill>
-                  <a:schemeClr val="tx1"/>
-                </a:solidFill>
-                <a:latin typeface="Arial" pitchFamily="34" charset="0"/>
-                <a:ea typeface="微软雅黑" pitchFamily="34" charset="-122"/>
-              </a:defRPr>
-            </a:lvl3pPr>
-            <a:lvl4pPr marL="1600200" indent="-228600" eaLnBrk="0" hangingPunct="0">
-              <a:defRPr b="1">
-                <a:solidFill>
-                  <a:schemeClr val="tx1"/>
-                </a:solidFill>
-                <a:latin typeface="Arial" pitchFamily="34" charset="0"/>
-                <a:ea typeface="微软雅黑" pitchFamily="34" charset="-122"/>
-              </a:defRPr>
-            </a:lvl4pPr>
-            <a:lvl5pPr marL="2057400" indent="-228600" eaLnBrk="0" hangingPunct="0">
-              <a:defRPr b="1">
-                <a:solidFill>
-                  <a:schemeClr val="tx1"/>
-                </a:solidFill>
-                <a:latin typeface="Arial" pitchFamily="34" charset="0"/>
-                <a:ea typeface="微软雅黑" pitchFamily="34" charset="-122"/>
-              </a:defRPr>
-            </a:lvl5pPr>
-            <a:lvl6pPr marL="2514600" indent="-228600" algn="ctr" eaLnBrk="0" fontAlgn="base" hangingPunct="0">
-              <a:spcBef>
-                <a:spcPct val="0"/>
-              </a:spcBef>
-              <a:spcAft>
-                <a:spcPct val="0"/>
-              </a:spcAft>
-              <a:buFont typeface="Arial" pitchFamily="34" charset="0"/>
-              <a:defRPr b="1">
-                <a:solidFill>
-                  <a:schemeClr val="tx1"/>
-                </a:solidFill>
-                <a:latin typeface="Arial" pitchFamily="34" charset="0"/>
-                <a:ea typeface="微软雅黑" pitchFamily="34" charset="-122"/>
-              </a:defRPr>
-            </a:lvl6pPr>
-            <a:lvl7pPr marL="2971800" indent="-228600" algn="ctr" eaLnBrk="0" fontAlgn="base" hangingPunct="0">
-              <a:spcBef>
-                <a:spcPct val="0"/>
-              </a:spcBef>
-              <a:spcAft>
-                <a:spcPct val="0"/>
-              </a:spcAft>
-              <a:buFont typeface="Arial" pitchFamily="34" charset="0"/>
-              <a:defRPr b="1">
-                <a:solidFill>
-                  <a:schemeClr val="tx1"/>
-                </a:solidFill>
-                <a:latin typeface="Arial" pitchFamily="34" charset="0"/>
-                <a:ea typeface="微软雅黑" pitchFamily="34" charset="-122"/>
-              </a:defRPr>
-            </a:lvl7pPr>
-            <a:lvl8pPr marL="3429000" indent="-228600" algn="ctr" eaLnBrk="0" fontAlgn="base" hangingPunct="0">
-              <a:spcBef>
-                <a:spcPct val="0"/>
-              </a:spcBef>
-              <a:spcAft>
-                <a:spcPct val="0"/>
-              </a:spcAft>
-              <a:buFont typeface="Arial" pitchFamily="34" charset="0"/>
-              <a:defRPr b="1">
-                <a:solidFill>
-                  <a:schemeClr val="tx1"/>
-                </a:solidFill>
-                <a:latin typeface="Arial" pitchFamily="34" charset="0"/>
-                <a:ea typeface="微软雅黑" pitchFamily="34" charset="-122"/>
-              </a:defRPr>
-            </a:lvl8pPr>
-            <a:lvl9pPr marL="3886200" indent="-228600" algn="ctr" eaLnBrk="0" fontAlgn="base" hangingPunct="0">
-              <a:spcBef>
-                <a:spcPct val="0"/>
-              </a:spcBef>
-              <a:spcAft>
-                <a:spcPct val="0"/>
-              </a:spcAft>
-              <a:buFont typeface="Arial" pitchFamily="34" charset="0"/>
-              <a:defRPr b="1">
-                <a:solidFill>
-                  <a:schemeClr val="tx1"/>
-                </a:solidFill>
-                <a:latin typeface="Arial" pitchFamily="34" charset="0"/>
-                <a:ea typeface="微软雅黑" pitchFamily="34" charset="-122"/>
-              </a:defRPr>
-            </a:lvl9pPr>
-          </a:lstStyle>
-          <a:p>
-            <a:pPr algn="l" eaLnBrk="1" hangingPunct="1"/>
-            <a:r>
-              <a:rPr lang="zh-CN" altLang="en-US" sz="2800" dirty="0" smtClean="0"/>
-              <a:t>没有软件开发只有软件维护</a:t>
-            </a:r>
-            <a:endParaRPr lang="en-US" sz="2800" dirty="0"/>
           </a:p>
         </p:txBody>
       </p:sp>
